--- a/milestones/Group_Presentation_Volatility.pptx
+++ b/milestones/Group_Presentation_Volatility.pptx
@@ -5,15 +5,21 @@
     <p:sldMasterId id="2147483648" r:id="rId1"/>
   </p:sldMasterIdLst>
   <p:notesMasterIdLst>
-    <p:notesMasterId r:id="rId8"/>
+    <p:notesMasterId r:id="rId14"/>
   </p:notesMasterIdLst>
   <p:sldIdLst>
     <p:sldId id="256" r:id="rId2"/>
     <p:sldId id="260" r:id="rId3"/>
     <p:sldId id="257" r:id="rId4"/>
     <p:sldId id="261" r:id="rId5"/>
-    <p:sldId id="258" r:id="rId6"/>
-    <p:sldId id="259" r:id="rId7"/>
+    <p:sldId id="263" r:id="rId6"/>
+    <p:sldId id="258" r:id="rId7"/>
+    <p:sldId id="259" r:id="rId8"/>
+    <p:sldId id="267" r:id="rId9"/>
+    <p:sldId id="262" r:id="rId10"/>
+    <p:sldId id="265" r:id="rId11"/>
+    <p:sldId id="266" r:id="rId12"/>
+    <p:sldId id="264" r:id="rId13"/>
   </p:sldIdLst>
   <p:sldSz cx="9144000" cy="6858000" type="screen4x3"/>
   <p:notesSz cx="6858000" cy="9144000"/>
@@ -197,7 +203,7 @@
           <a:p>
             <a:fld id="{3306547B-373B-42F2-9B6A-41DAAAD10A9A}" type="datetimeFigureOut">
               <a:rPr lang="en-US" smtClean="0"/>
-              <a:t>4/6/2014</a:t>
+              <a:t>4/7/2014</a:t>
             </a:fld>
             <a:endParaRPr lang="en-US"/>
           </a:p>
@@ -617,6 +623,280 @@
 </p:notes>
 </file>
 
+<file path=ppt/notesSlides/notesSlide2.xml><?xml version="1.0" encoding="utf-8"?>
+<p:notes xmlns:a="http://schemas.openxmlformats.org/drawingml/2006/main" xmlns:r="http://schemas.openxmlformats.org/officeDocument/2006/relationships" xmlns:p="http://schemas.openxmlformats.org/presentationml/2006/main">
+  <p:cSld>
+    <p:spTree>
+      <p:nvGrpSpPr>
+        <p:cNvPr id="1" name=""/>
+        <p:cNvGrpSpPr/>
+        <p:nvPr/>
+      </p:nvGrpSpPr>
+      <p:grpSpPr>
+        <a:xfrm>
+          <a:off x="0" y="0"/>
+          <a:ext cx="0" cy="0"/>
+          <a:chOff x="0" y="0"/>
+          <a:chExt cx="0" cy="0"/>
+        </a:xfrm>
+      </p:grpSpPr>
+      <p:sp>
+        <p:nvSpPr>
+          <p:cNvPr id="2" name="Slide Image Placeholder 1"/>
+          <p:cNvSpPr>
+            <a:spLocks noGrp="1" noRot="1" noChangeAspect="1"/>
+          </p:cNvSpPr>
+          <p:nvPr>
+            <p:ph type="sldImg"/>
+          </p:nvPr>
+        </p:nvSpPr>
+        <p:spPr/>
+      </p:sp>
+      <p:sp>
+        <p:nvSpPr>
+          <p:cNvPr id="3" name="Notes Placeholder 2"/>
+          <p:cNvSpPr>
+            <a:spLocks noGrp="1"/>
+          </p:cNvSpPr>
+          <p:nvPr>
+            <p:ph type="body" idx="1"/>
+          </p:nvPr>
+        </p:nvSpPr>
+        <p:spPr/>
+        <p:txBody>
+          <a:bodyPr/>
+          <a:lstStyle/>
+          <a:p>
+            <a:r>
+              <a:rPr lang="en-CA" dirty="0" smtClean="0"/>
+              <a:t>Give example </a:t>
+            </a:r>
+          </a:p>
+          <a:p>
+            <a:endParaRPr lang="en-US" dirty="0"/>
+          </a:p>
+        </p:txBody>
+      </p:sp>
+      <p:sp>
+        <p:nvSpPr>
+          <p:cNvPr id="4" name="Slide Number Placeholder 3"/>
+          <p:cNvSpPr>
+            <a:spLocks noGrp="1"/>
+          </p:cNvSpPr>
+          <p:nvPr>
+            <p:ph type="sldNum" sz="quarter" idx="10"/>
+          </p:nvPr>
+        </p:nvSpPr>
+        <p:spPr/>
+        <p:txBody>
+          <a:bodyPr/>
+          <a:lstStyle/>
+          <a:p>
+            <a:fld id="{34574B59-0BD7-417A-AEA6-FF8431D8BFDA}" type="slidenum">
+              <a:rPr lang="en-US" smtClean="0"/>
+              <a:t>5</a:t>
+            </a:fld>
+            <a:endParaRPr lang="en-US"/>
+          </a:p>
+        </p:txBody>
+      </p:sp>
+    </p:spTree>
+    <p:extLst>
+      <p:ext uri="{BB962C8B-B14F-4D97-AF65-F5344CB8AC3E}">
+        <p14:creationId xmlns:p14="http://schemas.microsoft.com/office/powerpoint/2010/main" val="3155965725"/>
+      </p:ext>
+    </p:extLst>
+  </p:cSld>
+  <p:clrMapOvr>
+    <a:masterClrMapping/>
+  </p:clrMapOvr>
+</p:notes>
+</file>
+
+<file path=ppt/notesSlides/notesSlide3.xml><?xml version="1.0" encoding="utf-8"?>
+<p:notes xmlns:a="http://schemas.openxmlformats.org/drawingml/2006/main" xmlns:r="http://schemas.openxmlformats.org/officeDocument/2006/relationships" xmlns:p="http://schemas.openxmlformats.org/presentationml/2006/main">
+  <p:cSld>
+    <p:spTree>
+      <p:nvGrpSpPr>
+        <p:cNvPr id="1" name=""/>
+        <p:cNvGrpSpPr/>
+        <p:nvPr/>
+      </p:nvGrpSpPr>
+      <p:grpSpPr>
+        <a:xfrm>
+          <a:off x="0" y="0"/>
+          <a:ext cx="0" cy="0"/>
+          <a:chOff x="0" y="0"/>
+          <a:chExt cx="0" cy="0"/>
+        </a:xfrm>
+      </p:grpSpPr>
+      <p:sp>
+        <p:nvSpPr>
+          <p:cNvPr id="2" name="Slide Image Placeholder 1"/>
+          <p:cNvSpPr>
+            <a:spLocks noGrp="1" noRot="1" noChangeAspect="1"/>
+          </p:cNvSpPr>
+          <p:nvPr>
+            <p:ph type="sldImg"/>
+          </p:nvPr>
+        </p:nvSpPr>
+        <p:spPr/>
+      </p:sp>
+      <p:sp>
+        <p:nvSpPr>
+          <p:cNvPr id="3" name="Notes Placeholder 2"/>
+          <p:cNvSpPr>
+            <a:spLocks noGrp="1"/>
+          </p:cNvSpPr>
+          <p:nvPr>
+            <p:ph type="body" idx="1"/>
+          </p:nvPr>
+        </p:nvSpPr>
+        <p:spPr/>
+        <p:txBody>
+          <a:bodyPr/>
+          <a:lstStyle/>
+          <a:p>
+            <a:r>
+              <a:rPr lang="en-CA" dirty="0" smtClean="0"/>
+              <a:t>Now that we have the set</a:t>
+            </a:r>
+            <a:r>
+              <a:rPr lang="en-CA" baseline="0" dirty="0" smtClean="0"/>
+              <a:t> of Java classes into three buckets (HV, MV, LV), we can pose our research questions</a:t>
+            </a:r>
+            <a:endParaRPr lang="en-US" dirty="0"/>
+          </a:p>
+        </p:txBody>
+      </p:sp>
+      <p:sp>
+        <p:nvSpPr>
+          <p:cNvPr id="4" name="Slide Number Placeholder 3"/>
+          <p:cNvSpPr>
+            <a:spLocks noGrp="1"/>
+          </p:cNvSpPr>
+          <p:nvPr>
+            <p:ph type="sldNum" sz="quarter" idx="10"/>
+          </p:nvPr>
+        </p:nvSpPr>
+        <p:spPr/>
+        <p:txBody>
+          <a:bodyPr/>
+          <a:lstStyle/>
+          <a:p>
+            <a:fld id="{34574B59-0BD7-417A-AEA6-FF8431D8BFDA}" type="slidenum">
+              <a:rPr lang="en-US" smtClean="0"/>
+              <a:t>6</a:t>
+            </a:fld>
+            <a:endParaRPr lang="en-US"/>
+          </a:p>
+        </p:txBody>
+      </p:sp>
+    </p:spTree>
+    <p:extLst>
+      <p:ext uri="{BB962C8B-B14F-4D97-AF65-F5344CB8AC3E}">
+        <p14:creationId xmlns:p14="http://schemas.microsoft.com/office/powerpoint/2010/main" val="2813468868"/>
+      </p:ext>
+    </p:extLst>
+  </p:cSld>
+  <p:clrMapOvr>
+    <a:masterClrMapping/>
+  </p:clrMapOvr>
+</p:notes>
+</file>
+
+<file path=ppt/notesSlides/notesSlide4.xml><?xml version="1.0" encoding="utf-8"?>
+<p:notes xmlns:a="http://schemas.openxmlformats.org/drawingml/2006/main" xmlns:r="http://schemas.openxmlformats.org/officeDocument/2006/relationships" xmlns:p="http://schemas.openxmlformats.org/presentationml/2006/main">
+  <p:cSld>
+    <p:spTree>
+      <p:nvGrpSpPr>
+        <p:cNvPr id="1" name=""/>
+        <p:cNvGrpSpPr/>
+        <p:nvPr/>
+      </p:nvGrpSpPr>
+      <p:grpSpPr>
+        <a:xfrm>
+          <a:off x="0" y="0"/>
+          <a:ext cx="0" cy="0"/>
+          <a:chOff x="0" y="0"/>
+          <a:chExt cx="0" cy="0"/>
+        </a:xfrm>
+      </p:grpSpPr>
+      <p:sp>
+        <p:nvSpPr>
+          <p:cNvPr id="2" name="Slide Image Placeholder 1"/>
+          <p:cNvSpPr>
+            <a:spLocks noGrp="1" noRot="1" noChangeAspect="1"/>
+          </p:cNvSpPr>
+          <p:nvPr>
+            <p:ph type="sldImg"/>
+          </p:nvPr>
+        </p:nvSpPr>
+        <p:spPr/>
+      </p:sp>
+      <p:sp>
+        <p:nvSpPr>
+          <p:cNvPr id="3" name="Notes Placeholder 2"/>
+          <p:cNvSpPr>
+            <a:spLocks noGrp="1"/>
+          </p:cNvSpPr>
+          <p:nvPr>
+            <p:ph type="body" idx="1"/>
+          </p:nvPr>
+        </p:nvSpPr>
+        <p:spPr/>
+        <p:txBody>
+          <a:bodyPr/>
+          <a:lstStyle/>
+          <a:p>
+            <a:r>
+              <a:rPr lang="en-CA" dirty="0" smtClean="0"/>
+              <a:t>Talk about removing commits which were unusable (commits</a:t>
+            </a:r>
+            <a:r>
+              <a:rPr lang="en-CA" baseline="0" dirty="0" smtClean="0"/>
+              <a:t> which changed the license, and removed the authors from code etc.)</a:t>
+            </a:r>
+            <a:endParaRPr lang="en-US" dirty="0"/>
+          </a:p>
+        </p:txBody>
+      </p:sp>
+      <p:sp>
+        <p:nvSpPr>
+          <p:cNvPr id="4" name="Slide Number Placeholder 3"/>
+          <p:cNvSpPr>
+            <a:spLocks noGrp="1"/>
+          </p:cNvSpPr>
+          <p:nvPr>
+            <p:ph type="sldNum" sz="quarter" idx="10"/>
+          </p:nvPr>
+        </p:nvSpPr>
+        <p:spPr/>
+        <p:txBody>
+          <a:bodyPr/>
+          <a:lstStyle/>
+          <a:p>
+            <a:fld id="{34574B59-0BD7-417A-AEA6-FF8431D8BFDA}" type="slidenum">
+              <a:rPr lang="en-US" smtClean="0"/>
+              <a:t>7</a:t>
+            </a:fld>
+            <a:endParaRPr lang="en-US"/>
+          </a:p>
+        </p:txBody>
+      </p:sp>
+    </p:spTree>
+    <p:extLst>
+      <p:ext uri="{BB962C8B-B14F-4D97-AF65-F5344CB8AC3E}">
+        <p14:creationId xmlns:p14="http://schemas.microsoft.com/office/powerpoint/2010/main" val="3160353600"/>
+      </p:ext>
+    </p:extLst>
+  </p:cSld>
+  <p:clrMapOvr>
+    <a:masterClrMapping/>
+  </p:clrMapOvr>
+</p:notes>
+</file>
+
 <file path=ppt/slideLayouts/slideLayout1.xml><?xml version="1.0" encoding="utf-8"?>
 <p:sldLayout xmlns:a="http://schemas.openxmlformats.org/drawingml/2006/main" xmlns:r="http://schemas.openxmlformats.org/officeDocument/2006/relationships" xmlns:p="http://schemas.openxmlformats.org/presentationml/2006/main" type="title" preserve="1">
   <p:cSld name="Title Slide">
@@ -798,7 +1078,7 @@
           <a:p>
             <a:fld id="{0FAA2E9A-8599-42EB-A43E-9B024D98E334}" type="datetimeFigureOut">
               <a:rPr lang="en-US" smtClean="0"/>
-              <a:t>4/6/2014</a:t>
+              <a:t>4/7/2014</a:t>
             </a:fld>
             <a:endParaRPr lang="en-US"/>
           </a:p>
@@ -968,7 +1248,7 @@
           <a:p>
             <a:fld id="{0FAA2E9A-8599-42EB-A43E-9B024D98E334}" type="datetimeFigureOut">
               <a:rPr lang="en-US" smtClean="0"/>
-              <a:t>4/6/2014</a:t>
+              <a:t>4/7/2014</a:t>
             </a:fld>
             <a:endParaRPr lang="en-US"/>
           </a:p>
@@ -1148,7 +1428,7 @@
           <a:p>
             <a:fld id="{0FAA2E9A-8599-42EB-A43E-9B024D98E334}" type="datetimeFigureOut">
               <a:rPr lang="en-US" smtClean="0"/>
-              <a:t>4/6/2014</a:t>
+              <a:t>4/7/2014</a:t>
             </a:fld>
             <a:endParaRPr lang="en-US"/>
           </a:p>
@@ -1318,7 +1598,7 @@
           <a:p>
             <a:fld id="{0FAA2E9A-8599-42EB-A43E-9B024D98E334}" type="datetimeFigureOut">
               <a:rPr lang="en-US" smtClean="0"/>
-              <a:t>4/6/2014</a:t>
+              <a:t>4/7/2014</a:t>
             </a:fld>
             <a:endParaRPr lang="en-US"/>
           </a:p>
@@ -1564,7 +1844,7 @@
           <a:p>
             <a:fld id="{0FAA2E9A-8599-42EB-A43E-9B024D98E334}" type="datetimeFigureOut">
               <a:rPr lang="en-US" smtClean="0"/>
-              <a:t>4/6/2014</a:t>
+              <a:t>4/7/2014</a:t>
             </a:fld>
             <a:endParaRPr lang="en-US"/>
           </a:p>
@@ -1852,7 +2132,7 @@
           <a:p>
             <a:fld id="{0FAA2E9A-8599-42EB-A43E-9B024D98E334}" type="datetimeFigureOut">
               <a:rPr lang="en-US" smtClean="0"/>
-              <a:t>4/6/2014</a:t>
+              <a:t>4/7/2014</a:t>
             </a:fld>
             <a:endParaRPr lang="en-US"/>
           </a:p>
@@ -2274,7 +2554,7 @@
           <a:p>
             <a:fld id="{0FAA2E9A-8599-42EB-A43E-9B024D98E334}" type="datetimeFigureOut">
               <a:rPr lang="en-US" smtClean="0"/>
-              <a:t>4/6/2014</a:t>
+              <a:t>4/7/2014</a:t>
             </a:fld>
             <a:endParaRPr lang="en-US"/>
           </a:p>
@@ -2392,7 +2672,7 @@
           <a:p>
             <a:fld id="{0FAA2E9A-8599-42EB-A43E-9B024D98E334}" type="datetimeFigureOut">
               <a:rPr lang="en-US" smtClean="0"/>
-              <a:t>4/6/2014</a:t>
+              <a:t>4/7/2014</a:t>
             </a:fld>
             <a:endParaRPr lang="en-US"/>
           </a:p>
@@ -2487,7 +2767,7 @@
           <a:p>
             <a:fld id="{0FAA2E9A-8599-42EB-A43E-9B024D98E334}" type="datetimeFigureOut">
               <a:rPr lang="en-US" smtClean="0"/>
-              <a:t>4/6/2014</a:t>
+              <a:t>4/7/2014</a:t>
             </a:fld>
             <a:endParaRPr lang="en-US"/>
           </a:p>
@@ -2764,7 +3044,7 @@
           <a:p>
             <a:fld id="{0FAA2E9A-8599-42EB-A43E-9B024D98E334}" type="datetimeFigureOut">
               <a:rPr lang="en-US" smtClean="0"/>
-              <a:t>4/6/2014</a:t>
+              <a:t>4/7/2014</a:t>
             </a:fld>
             <a:endParaRPr lang="en-US"/>
           </a:p>
@@ -3017,7 +3297,7 @@
           <a:p>
             <a:fld id="{0FAA2E9A-8599-42EB-A43E-9B024D98E334}" type="datetimeFigureOut">
               <a:rPr lang="en-US" smtClean="0"/>
-              <a:t>4/6/2014</a:t>
+              <a:t>4/7/2014</a:t>
             </a:fld>
             <a:endParaRPr lang="en-US"/>
           </a:p>
@@ -3230,7 +3510,7 @@
           <a:p>
             <a:fld id="{0FAA2E9A-8599-42EB-A43E-9B024D98E334}" type="datetimeFigureOut">
               <a:rPr lang="en-US" smtClean="0"/>
-              <a:t>4/6/2014</a:t>
+              <a:t>4/7/2014</a:t>
             </a:fld>
             <a:endParaRPr lang="en-US"/>
           </a:p>
@@ -3709,6 +3989,691 @@
 </p:sld>
 </file>
 
+<file path=ppt/slides/slide10.xml><?xml version="1.0" encoding="utf-8"?>
+<p:sld xmlns:a="http://schemas.openxmlformats.org/drawingml/2006/main" xmlns:r="http://schemas.openxmlformats.org/officeDocument/2006/relationships" xmlns:p="http://schemas.openxmlformats.org/presentationml/2006/main">
+  <p:cSld>
+    <p:spTree>
+      <p:nvGrpSpPr>
+        <p:cNvPr id="1" name=""/>
+        <p:cNvGrpSpPr/>
+        <p:nvPr/>
+      </p:nvGrpSpPr>
+      <p:grpSpPr>
+        <a:xfrm>
+          <a:off x="0" y="0"/>
+          <a:ext cx="0" cy="0"/>
+          <a:chOff x="0" y="0"/>
+          <a:chExt cx="0" cy="0"/>
+        </a:xfrm>
+      </p:grpSpPr>
+      <p:pic>
+        <p:nvPicPr>
+          <p:cNvPr id="14" name="Picture 13"/>
+          <p:cNvPicPr>
+            <a:picLocks noChangeAspect="1"/>
+          </p:cNvPicPr>
+          <p:nvPr/>
+        </p:nvPicPr>
+        <p:blipFill>
+          <a:blip r:embed="rId2" cstate="print">
+            <a:extLst>
+              <a:ext uri="{28A0092B-C50C-407E-A947-70E740481C1C}">
+                <a14:useLocalDpi xmlns:a14="http://schemas.microsoft.com/office/drawing/2010/main" val="0"/>
+              </a:ext>
+            </a:extLst>
+          </a:blip>
+          <a:stretch>
+            <a:fillRect/>
+          </a:stretch>
+        </p:blipFill>
+        <p:spPr>
+          <a:xfrm>
+            <a:off x="4629462" y="3962400"/>
+            <a:ext cx="2990538" cy="2895600"/>
+          </a:xfrm>
+          <a:prstGeom prst="rect">
+            <a:avLst/>
+          </a:prstGeom>
+        </p:spPr>
+      </p:pic>
+      <p:pic>
+        <p:nvPicPr>
+          <p:cNvPr id="12" name="Picture 11"/>
+          <p:cNvPicPr>
+            <a:picLocks noChangeAspect="1"/>
+          </p:cNvPicPr>
+          <p:nvPr/>
+        </p:nvPicPr>
+        <p:blipFill>
+          <a:blip r:embed="rId3" cstate="print">
+            <a:extLst>
+              <a:ext uri="{28A0092B-C50C-407E-A947-70E740481C1C}">
+                <a14:useLocalDpi xmlns:a14="http://schemas.microsoft.com/office/drawing/2010/main" val="0"/>
+              </a:ext>
+            </a:extLst>
+          </a:blip>
+          <a:stretch>
+            <a:fillRect/>
+          </a:stretch>
+        </p:blipFill>
+        <p:spPr>
+          <a:xfrm>
+            <a:off x="1600200" y="3962400"/>
+            <a:ext cx="3010767" cy="2915187"/>
+          </a:xfrm>
+          <a:prstGeom prst="rect">
+            <a:avLst/>
+          </a:prstGeom>
+        </p:spPr>
+      </p:pic>
+      <p:sp>
+        <p:nvSpPr>
+          <p:cNvPr id="2" name="Title 1"/>
+          <p:cNvSpPr>
+            <a:spLocks noGrp="1"/>
+          </p:cNvSpPr>
+          <p:nvPr>
+            <p:ph type="title"/>
+          </p:nvPr>
+        </p:nvSpPr>
+        <p:spPr>
+          <a:xfrm>
+            <a:off x="457200" y="-76200"/>
+            <a:ext cx="8229600" cy="1143000"/>
+          </a:xfrm>
+        </p:spPr>
+        <p:txBody>
+          <a:bodyPr/>
+          <a:lstStyle/>
+          <a:p>
+            <a:r>
+              <a:rPr lang="en-CA" dirty="0" smtClean="0"/>
+              <a:t>Results: Volatility ~ Quality Metrics</a:t>
+            </a:r>
+            <a:endParaRPr lang="en-US" dirty="0"/>
+          </a:p>
+        </p:txBody>
+      </p:sp>
+      <p:pic>
+        <p:nvPicPr>
+          <p:cNvPr id="4" name="Picture 3"/>
+          <p:cNvPicPr>
+            <a:picLocks noChangeAspect="1"/>
+          </p:cNvPicPr>
+          <p:nvPr/>
+        </p:nvPicPr>
+        <p:blipFill>
+          <a:blip r:embed="rId4" cstate="print">
+            <a:extLst>
+              <a:ext uri="{28A0092B-C50C-407E-A947-70E740481C1C}">
+                <a14:useLocalDpi xmlns:a14="http://schemas.microsoft.com/office/drawing/2010/main" val="0"/>
+              </a:ext>
+            </a:extLst>
+          </a:blip>
+          <a:stretch>
+            <a:fillRect/>
+          </a:stretch>
+        </p:blipFill>
+        <p:spPr>
+          <a:xfrm>
+            <a:off x="381000" y="1190172"/>
+            <a:ext cx="2971800" cy="2877457"/>
+          </a:xfrm>
+          <a:prstGeom prst="rect">
+            <a:avLst/>
+          </a:prstGeom>
+        </p:spPr>
+      </p:pic>
+      <p:pic>
+        <p:nvPicPr>
+          <p:cNvPr id="6" name="Picture 5"/>
+          <p:cNvPicPr>
+            <a:picLocks noChangeAspect="1"/>
+          </p:cNvPicPr>
+          <p:nvPr/>
+        </p:nvPicPr>
+        <p:blipFill>
+          <a:blip r:embed="rId5" cstate="print">
+            <a:extLst>
+              <a:ext uri="{28A0092B-C50C-407E-A947-70E740481C1C}">
+                <a14:useLocalDpi xmlns:a14="http://schemas.microsoft.com/office/drawing/2010/main" val="0"/>
+              </a:ext>
+            </a:extLst>
+          </a:blip>
+          <a:stretch>
+            <a:fillRect/>
+          </a:stretch>
+        </p:blipFill>
+        <p:spPr>
+          <a:xfrm>
+            <a:off x="3124200" y="1143000"/>
+            <a:ext cx="3069236" cy="2971800"/>
+          </a:xfrm>
+          <a:prstGeom prst="rect">
+            <a:avLst/>
+          </a:prstGeom>
+        </p:spPr>
+      </p:pic>
+      <p:sp>
+        <p:nvSpPr>
+          <p:cNvPr id="5" name="TextBox 4"/>
+          <p:cNvSpPr txBox="1"/>
+          <p:nvPr/>
+        </p:nvSpPr>
+        <p:spPr>
+          <a:xfrm>
+            <a:off x="3742798" y="1190172"/>
+            <a:ext cx="1832040" cy="369332"/>
+          </a:xfrm>
+          <a:prstGeom prst="rect">
+            <a:avLst/>
+          </a:prstGeom>
+        </p:spPr>
+        <p:style>
+          <a:lnRef idx="2">
+            <a:schemeClr val="dk1"/>
+          </a:lnRef>
+          <a:fillRef idx="1">
+            <a:schemeClr val="lt1"/>
+          </a:fillRef>
+          <a:effectRef idx="0">
+            <a:schemeClr val="dk1"/>
+          </a:effectRef>
+          <a:fontRef idx="minor">
+            <a:schemeClr val="dk1"/>
+          </a:fontRef>
+        </p:style>
+        <p:txBody>
+          <a:bodyPr wrap="none" rtlCol="0">
+            <a:spAutoFit/>
+          </a:bodyPr>
+          <a:lstStyle/>
+          <a:p>
+            <a:r>
+              <a:rPr lang="en-CA" dirty="0" smtClean="0"/>
+              <a:t>LCOM Henderson</a:t>
+            </a:r>
+            <a:endParaRPr lang="en-US" dirty="0"/>
+          </a:p>
+        </p:txBody>
+      </p:sp>
+      <p:sp>
+        <p:nvSpPr>
+          <p:cNvPr id="9" name="TextBox 8"/>
+          <p:cNvSpPr txBox="1"/>
+          <p:nvPr/>
+        </p:nvSpPr>
+        <p:spPr>
+          <a:xfrm>
+            <a:off x="1491508" y="1190172"/>
+            <a:ext cx="750783" cy="369332"/>
+          </a:xfrm>
+          <a:prstGeom prst="rect">
+            <a:avLst/>
+          </a:prstGeom>
+        </p:spPr>
+        <p:style>
+          <a:lnRef idx="2">
+            <a:schemeClr val="dk1"/>
+          </a:lnRef>
+          <a:fillRef idx="1">
+            <a:schemeClr val="lt1"/>
+          </a:fillRef>
+          <a:effectRef idx="0">
+            <a:schemeClr val="dk1"/>
+          </a:effectRef>
+          <a:fontRef idx="minor">
+            <a:schemeClr val="dk1"/>
+          </a:fontRef>
+        </p:style>
+        <p:txBody>
+          <a:bodyPr wrap="none" rtlCol="0">
+            <a:spAutoFit/>
+          </a:bodyPr>
+          <a:lstStyle/>
+          <a:p>
+            <a:r>
+              <a:rPr lang="en-CA" dirty="0" smtClean="0"/>
+              <a:t>LCOM</a:t>
+            </a:r>
+            <a:endParaRPr lang="en-US" dirty="0"/>
+          </a:p>
+        </p:txBody>
+      </p:sp>
+      <p:pic>
+        <p:nvPicPr>
+          <p:cNvPr id="10" name="Picture 9"/>
+          <p:cNvPicPr>
+            <a:picLocks noChangeAspect="1"/>
+          </p:cNvPicPr>
+          <p:nvPr/>
+        </p:nvPicPr>
+        <p:blipFill>
+          <a:blip r:embed="rId6" cstate="print">
+            <a:extLst>
+              <a:ext uri="{28A0092B-C50C-407E-A947-70E740481C1C}">
+                <a14:useLocalDpi xmlns:a14="http://schemas.microsoft.com/office/drawing/2010/main" val="0"/>
+              </a:ext>
+            </a:extLst>
+          </a:blip>
+          <a:stretch>
+            <a:fillRect/>
+          </a:stretch>
+        </p:blipFill>
+        <p:spPr>
+          <a:xfrm>
+            <a:off x="5943599" y="1081080"/>
+            <a:ext cx="3133185" cy="3033719"/>
+          </a:xfrm>
+          <a:prstGeom prst="rect">
+            <a:avLst/>
+          </a:prstGeom>
+        </p:spPr>
+      </p:pic>
+      <p:sp>
+        <p:nvSpPr>
+          <p:cNvPr id="11" name="TextBox 10"/>
+          <p:cNvSpPr txBox="1"/>
+          <p:nvPr/>
+        </p:nvSpPr>
+        <p:spPr>
+          <a:xfrm>
+            <a:off x="6983444" y="1190172"/>
+            <a:ext cx="1053494" cy="369332"/>
+          </a:xfrm>
+          <a:prstGeom prst="rect">
+            <a:avLst/>
+          </a:prstGeom>
+        </p:spPr>
+        <p:style>
+          <a:lnRef idx="2">
+            <a:schemeClr val="dk1"/>
+          </a:lnRef>
+          <a:fillRef idx="1">
+            <a:schemeClr val="lt1"/>
+          </a:fillRef>
+          <a:effectRef idx="0">
+            <a:schemeClr val="dk1"/>
+          </a:effectRef>
+          <a:fontRef idx="minor">
+            <a:schemeClr val="dk1"/>
+          </a:fontRef>
+        </p:style>
+        <p:txBody>
+          <a:bodyPr wrap="none" rtlCol="0">
+            <a:spAutoFit/>
+          </a:bodyPr>
+          <a:lstStyle/>
+          <a:p>
+            <a:r>
+              <a:rPr lang="en-CA" dirty="0" smtClean="0"/>
+              <a:t>Cohesion</a:t>
+            </a:r>
+            <a:endParaRPr lang="en-US" dirty="0"/>
+          </a:p>
+        </p:txBody>
+      </p:sp>
+      <p:sp>
+        <p:nvSpPr>
+          <p:cNvPr id="13" name="TextBox 12"/>
+          <p:cNvSpPr txBox="1"/>
+          <p:nvPr/>
+        </p:nvSpPr>
+        <p:spPr>
+          <a:xfrm>
+            <a:off x="2819400" y="4038600"/>
+            <a:ext cx="734299" cy="369332"/>
+          </a:xfrm>
+          <a:prstGeom prst="rect">
+            <a:avLst/>
+          </a:prstGeom>
+        </p:spPr>
+        <p:style>
+          <a:lnRef idx="2">
+            <a:schemeClr val="dk1"/>
+          </a:lnRef>
+          <a:fillRef idx="1">
+            <a:schemeClr val="lt1"/>
+          </a:fillRef>
+          <a:effectRef idx="0">
+            <a:schemeClr val="dk1"/>
+          </a:effectRef>
+          <a:fontRef idx="minor">
+            <a:schemeClr val="dk1"/>
+          </a:fontRef>
+        </p:style>
+        <p:txBody>
+          <a:bodyPr wrap="square" rtlCol="0">
+            <a:spAutoFit/>
+          </a:bodyPr>
+          <a:lstStyle/>
+          <a:p>
+            <a:pPr algn="ctr"/>
+            <a:r>
+              <a:rPr lang="en-CA" dirty="0" smtClean="0"/>
+              <a:t>RFC</a:t>
+            </a:r>
+            <a:endParaRPr lang="en-US" dirty="0"/>
+          </a:p>
+        </p:txBody>
+      </p:sp>
+      <p:sp>
+        <p:nvSpPr>
+          <p:cNvPr id="15" name="TextBox 14"/>
+          <p:cNvSpPr txBox="1"/>
+          <p:nvPr/>
+        </p:nvSpPr>
+        <p:spPr>
+          <a:xfrm>
+            <a:off x="5562600" y="4038600"/>
+            <a:ext cx="1267699" cy="369332"/>
+          </a:xfrm>
+          <a:prstGeom prst="rect">
+            <a:avLst/>
+          </a:prstGeom>
+        </p:spPr>
+        <p:style>
+          <a:lnRef idx="2">
+            <a:schemeClr val="dk1"/>
+          </a:lnRef>
+          <a:fillRef idx="1">
+            <a:schemeClr val="lt1"/>
+          </a:fillRef>
+          <a:effectRef idx="0">
+            <a:schemeClr val="dk1"/>
+          </a:effectRef>
+          <a:fontRef idx="minor">
+            <a:schemeClr val="dk1"/>
+          </a:fontRef>
+        </p:style>
+        <p:txBody>
+          <a:bodyPr wrap="square" rtlCol="0">
+            <a:spAutoFit/>
+          </a:bodyPr>
+          <a:lstStyle/>
+          <a:p>
+            <a:pPr algn="ctr"/>
+            <a:r>
+              <a:rPr lang="en-CA" dirty="0" smtClean="0"/>
+              <a:t>Size / LOC</a:t>
+            </a:r>
+            <a:endParaRPr lang="en-US" dirty="0"/>
+          </a:p>
+        </p:txBody>
+      </p:sp>
+    </p:spTree>
+    <p:extLst>
+      <p:ext uri="{BB962C8B-B14F-4D97-AF65-F5344CB8AC3E}">
+        <p14:creationId xmlns:p14="http://schemas.microsoft.com/office/powerpoint/2010/main" val="1940838850"/>
+      </p:ext>
+    </p:extLst>
+  </p:cSld>
+  <p:clrMapOvr>
+    <a:masterClrMapping/>
+  </p:clrMapOvr>
+  <p:timing>
+    <p:tnLst>
+      <p:par>
+        <p:cTn id="1" dur="indefinite" restart="never" nodeType="tmRoot"/>
+      </p:par>
+    </p:tnLst>
+  </p:timing>
+</p:sld>
+</file>
+
+<file path=ppt/slides/slide11.xml><?xml version="1.0" encoding="utf-8"?>
+<p:sld xmlns:a="http://schemas.openxmlformats.org/drawingml/2006/main" xmlns:r="http://schemas.openxmlformats.org/officeDocument/2006/relationships" xmlns:p="http://schemas.openxmlformats.org/presentationml/2006/main">
+  <p:cSld>
+    <p:spTree>
+      <p:nvGrpSpPr>
+        <p:cNvPr id="1" name=""/>
+        <p:cNvGrpSpPr/>
+        <p:nvPr/>
+      </p:nvGrpSpPr>
+      <p:grpSpPr>
+        <a:xfrm>
+          <a:off x="0" y="0"/>
+          <a:ext cx="0" cy="0"/>
+          <a:chOff x="0" y="0"/>
+          <a:chExt cx="0" cy="0"/>
+        </a:xfrm>
+      </p:grpSpPr>
+      <p:sp>
+        <p:nvSpPr>
+          <p:cNvPr id="2" name="Title 1"/>
+          <p:cNvSpPr>
+            <a:spLocks noGrp="1"/>
+          </p:cNvSpPr>
+          <p:nvPr>
+            <p:ph type="title"/>
+          </p:nvPr>
+        </p:nvSpPr>
+        <p:spPr/>
+        <p:txBody>
+          <a:bodyPr/>
+          <a:lstStyle/>
+          <a:p>
+            <a:r>
+              <a:rPr lang="en-CA" dirty="0" smtClean="0"/>
+              <a:t>Results Discussion</a:t>
+            </a:r>
+            <a:endParaRPr lang="en-US" dirty="0"/>
+          </a:p>
+        </p:txBody>
+      </p:sp>
+      <p:sp>
+        <p:nvSpPr>
+          <p:cNvPr id="3" name="Content Placeholder 2"/>
+          <p:cNvSpPr>
+            <a:spLocks noGrp="1"/>
+          </p:cNvSpPr>
+          <p:nvPr>
+            <p:ph idx="1"/>
+          </p:nvPr>
+        </p:nvSpPr>
+        <p:spPr/>
+        <p:txBody>
+          <a:bodyPr/>
+          <a:lstStyle/>
+          <a:p>
+            <a:r>
+              <a:rPr lang="en-CA" dirty="0" smtClean="0"/>
+              <a:t>It was clear that more volatile code tends to exhibit lower quality metrics</a:t>
+            </a:r>
+          </a:p>
+          <a:p>
+            <a:endParaRPr lang="en-US" dirty="0"/>
+          </a:p>
+        </p:txBody>
+      </p:sp>
+    </p:spTree>
+    <p:extLst>
+      <p:ext uri="{BB962C8B-B14F-4D97-AF65-F5344CB8AC3E}">
+        <p14:creationId xmlns:p14="http://schemas.microsoft.com/office/powerpoint/2010/main" val="2214876572"/>
+      </p:ext>
+    </p:extLst>
+  </p:cSld>
+  <p:clrMapOvr>
+    <a:masterClrMapping/>
+  </p:clrMapOvr>
+  <p:timing>
+    <p:tnLst>
+      <p:par>
+        <p:cTn id="1" dur="indefinite" restart="never" nodeType="tmRoot"/>
+      </p:par>
+    </p:tnLst>
+  </p:timing>
+</p:sld>
+</file>
+
+<file path=ppt/slides/slide12.xml><?xml version="1.0" encoding="utf-8"?>
+<p:sld xmlns:a="http://schemas.openxmlformats.org/drawingml/2006/main" xmlns:r="http://schemas.openxmlformats.org/officeDocument/2006/relationships" xmlns:p="http://schemas.openxmlformats.org/presentationml/2006/main">
+  <p:cSld>
+    <p:spTree>
+      <p:nvGrpSpPr>
+        <p:cNvPr id="1" name=""/>
+        <p:cNvGrpSpPr/>
+        <p:nvPr/>
+      </p:nvGrpSpPr>
+      <p:grpSpPr>
+        <a:xfrm>
+          <a:off x="0" y="0"/>
+          <a:ext cx="0" cy="0"/>
+          <a:chOff x="0" y="0"/>
+          <a:chExt cx="0" cy="0"/>
+        </a:xfrm>
+      </p:grpSpPr>
+      <p:sp>
+        <p:nvSpPr>
+          <p:cNvPr id="2" name="Title 1"/>
+          <p:cNvSpPr>
+            <a:spLocks noGrp="1"/>
+          </p:cNvSpPr>
+          <p:nvPr>
+            <p:ph type="title"/>
+          </p:nvPr>
+        </p:nvSpPr>
+        <p:spPr/>
+        <p:txBody>
+          <a:bodyPr/>
+          <a:lstStyle/>
+          <a:p>
+            <a:r>
+              <a:rPr lang="en-CA" dirty="0" smtClean="0"/>
+              <a:t>Challenges Faced</a:t>
+            </a:r>
+            <a:endParaRPr lang="en-US" dirty="0"/>
+          </a:p>
+        </p:txBody>
+      </p:sp>
+      <p:sp>
+        <p:nvSpPr>
+          <p:cNvPr id="3" name="Content Placeholder 2"/>
+          <p:cNvSpPr>
+            <a:spLocks noGrp="1"/>
+          </p:cNvSpPr>
+          <p:nvPr>
+            <p:ph idx="1"/>
+          </p:nvPr>
+        </p:nvSpPr>
+        <p:spPr/>
+        <p:txBody>
+          <a:bodyPr/>
+          <a:lstStyle/>
+          <a:p>
+            <a:r>
+              <a:rPr lang="en-CA" dirty="0" smtClean="0"/>
+              <a:t>Parsing the massive SVN commit log using regex</a:t>
+            </a:r>
+          </a:p>
+          <a:p>
+            <a:pPr lvl="1"/>
+            <a:r>
+              <a:rPr lang="en-CA" dirty="0" smtClean="0"/>
+              <a:t>Victim of catastrophic backtracking (SO in Eclipse):</a:t>
+            </a:r>
+          </a:p>
+          <a:p>
+            <a:pPr lvl="1"/>
+            <a:endParaRPr lang="en-CA" dirty="0"/>
+          </a:p>
+          <a:p>
+            <a:pPr lvl="1"/>
+            <a:endParaRPr lang="en-CA" dirty="0" smtClean="0"/>
+          </a:p>
+          <a:p>
+            <a:pPr lvl="1"/>
+            <a:endParaRPr lang="en-CA" dirty="0"/>
+          </a:p>
+          <a:p>
+            <a:r>
+              <a:rPr lang="en-CA" dirty="0" smtClean="0"/>
+              <a:t>Computing the association rules required large computing power (16GB ram!) </a:t>
+            </a:r>
+            <a:endParaRPr lang="en-US" dirty="0"/>
+          </a:p>
+        </p:txBody>
+      </p:sp>
+      <p:pic>
+        <p:nvPicPr>
+          <p:cNvPr id="1026" name="Picture 2"/>
+          <p:cNvPicPr>
+            <a:picLocks noChangeAspect="1" noChangeArrowheads="1"/>
+          </p:cNvPicPr>
+          <p:nvPr/>
+        </p:nvPicPr>
+        <p:blipFill>
+          <a:blip r:embed="rId2">
+            <a:extLst>
+              <a:ext uri="{28A0092B-C50C-407E-A947-70E740481C1C}">
+                <a14:useLocalDpi xmlns:a14="http://schemas.microsoft.com/office/drawing/2010/main" val="0"/>
+              </a:ext>
+            </a:extLst>
+          </a:blip>
+          <a:srcRect/>
+          <a:stretch>
+            <a:fillRect/>
+          </a:stretch>
+        </p:blipFill>
+        <p:spPr bwMode="auto">
+          <a:xfrm>
+            <a:off x="887543" y="3276600"/>
+            <a:ext cx="7570657" cy="1295400"/>
+          </a:xfrm>
+          <a:prstGeom prst="rect">
+            <a:avLst/>
+          </a:prstGeom>
+          <a:ln>
+            <a:noFill/>
+          </a:ln>
+          <a:effectLst>
+            <a:outerShdw blurRad="292100" dist="139700" dir="2700000" algn="tl" rotWithShape="0">
+              <a:srgbClr val="333333">
+                <a:alpha val="65000"/>
+              </a:srgbClr>
+            </a:outerShdw>
+          </a:effectLst>
+          <a:extLst>
+            <a:ext uri="{909E8E84-426E-40DD-AFC4-6F175D3DCCD1}">
+              <a14:hiddenFill xmlns:a14="http://schemas.microsoft.com/office/drawing/2010/main">
+                <a:solidFill>
+                  <a:schemeClr val="accent1"/>
+                </a:solidFill>
+              </a14:hiddenFill>
+            </a:ext>
+            <a:ext uri="{91240B29-F687-4F45-9708-019B960494DF}">
+              <a14:hiddenLine xmlns:a14="http://schemas.microsoft.com/office/drawing/2010/main" w="9525">
+                <a:solidFill>
+                  <a:schemeClr val="tx1"/>
+                </a:solidFill>
+                <a:miter lim="800000"/>
+                <a:headEnd/>
+                <a:tailEnd/>
+              </a14:hiddenLine>
+            </a:ext>
+          </a:extLst>
+        </p:spPr>
+      </p:pic>
+    </p:spTree>
+    <p:extLst>
+      <p:ext uri="{BB962C8B-B14F-4D97-AF65-F5344CB8AC3E}">
+        <p14:creationId xmlns:p14="http://schemas.microsoft.com/office/powerpoint/2010/main" val="615369369"/>
+      </p:ext>
+    </p:extLst>
+  </p:cSld>
+  <p:clrMapOvr>
+    <a:masterClrMapping/>
+  </p:clrMapOvr>
+  <p:timing>
+    <p:tnLst>
+      <p:par>
+        <p:cTn id="1" dur="indefinite" restart="never" nodeType="tmRoot"/>
+      </p:par>
+    </p:tnLst>
+  </p:timing>
+</p:sld>
+</file>
+
 <file path=ppt/slides/slide2.xml><?xml version="1.0" encoding="utf-8"?>
 <p:sld xmlns:a="http://schemas.openxmlformats.org/drawingml/2006/main" xmlns:r="http://schemas.openxmlformats.org/officeDocument/2006/relationships" xmlns:p="http://schemas.openxmlformats.org/presentationml/2006/main">
   <p:cSld>
@@ -3728,7 +4693,7 @@
       </p:grpSpPr>
       <p:sp>
         <p:nvSpPr>
-          <p:cNvPr id="4" name="Title 3"/>
+          <p:cNvPr id="2" name="Title 1"/>
           <p:cNvSpPr>
             <a:spLocks noGrp="1"/>
           </p:cNvSpPr>
@@ -3741,18 +4706,22 @@
           <a:bodyPr/>
           <a:lstStyle/>
           <a:p>
+            <a:r>
+              <a:rPr lang="en-CA" dirty="0" smtClean="0"/>
+              <a:t>Key Message</a:t>
+            </a:r>
             <a:endParaRPr lang="en-US" dirty="0"/>
           </a:p>
         </p:txBody>
       </p:sp>
       <p:sp>
         <p:nvSpPr>
-          <p:cNvPr id="5" name="Text Placeholder 4"/>
-          <p:cNvSpPr>
-            <a:spLocks noGrp="1"/>
-          </p:cNvSpPr>
-          <p:nvPr>
-            <p:ph type="body" idx="1"/>
+          <p:cNvPr id="3" name="Content Placeholder 2"/>
+          <p:cNvSpPr>
+            <a:spLocks noGrp="1"/>
+          </p:cNvSpPr>
+          <p:nvPr>
+            <p:ph idx="1"/>
           </p:nvPr>
         </p:nvSpPr>
         <p:spPr/>
@@ -3760,7 +4729,7 @@
           <a:bodyPr/>
           <a:lstStyle/>
           <a:p>
-            <a:endParaRPr lang="en-US"/>
+            <a:endParaRPr lang="en-US" dirty="0"/>
           </a:p>
         </p:txBody>
       </p:sp>
@@ -3816,6 +4785,10 @@
           <a:bodyPr/>
           <a:lstStyle/>
           <a:p>
+            <a:r>
+              <a:rPr lang="en-CA" dirty="0" smtClean="0"/>
+              <a:t>Definitions</a:t>
+            </a:r>
             <a:endParaRPr lang="en-US" dirty="0"/>
           </a:p>
         </p:txBody>
@@ -3941,38 +4914,6 @@
             </a:r>
           </a:p>
           <a:p>
-            <a:pPr lvl="1"/>
-            <a:r>
-              <a:rPr lang="en-US" sz="2000" dirty="0" smtClean="0"/>
-              <a:t>HV: code which changed 3 times</a:t>
-            </a:r>
-          </a:p>
-          <a:p>
-            <a:pPr lvl="1"/>
-            <a:r>
-              <a:rPr lang="en-US" sz="2000" dirty="0" smtClean="0"/>
-              <a:t>MV: code which changed 2 times</a:t>
-            </a:r>
-          </a:p>
-          <a:p>
-            <a:pPr lvl="1"/>
-            <a:r>
-              <a:rPr lang="en-US" sz="2000" dirty="0" smtClean="0"/>
-              <a:t>LV: code which changed 1 time</a:t>
-            </a:r>
-          </a:p>
-          <a:p>
-            <a:pPr lvl="1"/>
-            <a:r>
-              <a:rPr lang="en-US" sz="2000" dirty="0" smtClean="0">
-                <a:solidFill>
-                  <a:srgbClr val="FF0000"/>
-                </a:solidFill>
-              </a:rPr>
-              <a:t>What about No Volatility? </a:t>
-            </a:r>
-          </a:p>
-          <a:p>
             <a:endParaRPr lang="en-US" sz="2400" dirty="0"/>
           </a:p>
         </p:txBody>
@@ -3985,7 +4926,7 @@
         </p:nvSpPr>
         <p:spPr>
           <a:xfrm>
-            <a:off x="536613" y="4876800"/>
+            <a:off x="536613" y="3962400"/>
             <a:ext cx="8001000" cy="304800"/>
           </a:xfrm>
           <a:prstGeom prst="rect">
@@ -4029,7 +4970,7 @@
         </p:nvSpPr>
         <p:spPr>
           <a:xfrm>
-            <a:off x="7928013" y="4267200"/>
+            <a:off x="7928013" y="3352800"/>
             <a:ext cx="228600" cy="609600"/>
           </a:xfrm>
           <a:prstGeom prst="downArrow">
@@ -4069,7 +5010,7 @@
         </p:nvGrpSpPr>
         <p:grpSpPr>
           <a:xfrm>
-            <a:off x="363334" y="3886200"/>
+            <a:off x="363334" y="2971800"/>
             <a:ext cx="1465466" cy="990600"/>
             <a:chOff x="363334" y="2438400"/>
             <a:chExt cx="1465466" cy="990600"/>
@@ -4154,7 +5095,7 @@
         </p:nvGrpSpPr>
         <p:grpSpPr>
           <a:xfrm>
-            <a:off x="3352800" y="3886200"/>
+            <a:off x="3352800" y="2971800"/>
             <a:ext cx="1468672" cy="990600"/>
             <a:chOff x="3352800" y="2438400"/>
             <a:chExt cx="1468672" cy="990600"/>
@@ -4239,7 +5180,7 @@
         </p:nvSpPr>
         <p:spPr>
           <a:xfrm>
-            <a:off x="7162800" y="3886200"/>
+            <a:off x="7162800" y="2971800"/>
             <a:ext cx="1716945" cy="369332"/>
           </a:xfrm>
           <a:prstGeom prst="rect">
@@ -4269,7 +5210,7 @@
         </p:nvGrpSpPr>
         <p:grpSpPr>
           <a:xfrm>
-            <a:off x="1143000" y="5181600"/>
+            <a:off x="1143000" y="4267200"/>
             <a:ext cx="1468672" cy="1055132"/>
             <a:chOff x="1143000" y="3733800"/>
             <a:chExt cx="1468672" cy="1055132"/>
@@ -4354,7 +5295,7 @@
         </p:nvGrpSpPr>
         <p:grpSpPr>
           <a:xfrm>
-            <a:off x="5486400" y="5181600"/>
+            <a:off x="5486400" y="4267200"/>
             <a:ext cx="1452449" cy="1066800"/>
             <a:chOff x="5486400" y="3733800"/>
             <a:chExt cx="1452449" cy="1066800"/>
@@ -4439,7 +5380,7 @@
         </p:nvSpPr>
         <p:spPr>
           <a:xfrm>
-            <a:off x="363334" y="3886200"/>
+            <a:off x="363334" y="2971800"/>
             <a:ext cx="2456066" cy="2350532"/>
           </a:xfrm>
           <a:prstGeom prst="rect">
@@ -4484,7 +5425,7 @@
         </p:nvSpPr>
         <p:spPr>
           <a:xfrm>
-            <a:off x="1143001" y="3886200"/>
+            <a:off x="1143001" y="2971800"/>
             <a:ext cx="3886200" cy="2350532"/>
           </a:xfrm>
           <a:prstGeom prst="rect">
@@ -4529,7 +5470,7 @@
         </p:nvSpPr>
         <p:spPr>
           <a:xfrm>
-            <a:off x="3352801" y="3886200"/>
+            <a:off x="3352801" y="2971800"/>
             <a:ext cx="3586048" cy="2350532"/>
           </a:xfrm>
           <a:prstGeom prst="rect">
@@ -4574,7 +5515,7 @@
         </p:nvSpPr>
         <p:spPr>
           <a:xfrm>
-            <a:off x="5486401" y="3886200"/>
+            <a:off x="5486401" y="2971800"/>
             <a:ext cx="3393344" cy="2350532"/>
           </a:xfrm>
           <a:prstGeom prst="rect">
@@ -4608,6 +5549,182 @@
           <a:p>
             <a:pPr algn="ctr"/>
             <a:endParaRPr lang="en-US"/>
+          </a:p>
+        </p:txBody>
+      </p:sp>
+      <p:sp>
+        <p:nvSpPr>
+          <p:cNvPr id="10" name="Rectangle 9"/>
+          <p:cNvSpPr/>
+          <p:nvPr/>
+        </p:nvSpPr>
+        <p:spPr>
+          <a:xfrm>
+            <a:off x="685800" y="5562600"/>
+            <a:ext cx="1462253" cy="533400"/>
+          </a:xfrm>
+          <a:prstGeom prst="rect">
+            <a:avLst/>
+          </a:prstGeom>
+        </p:spPr>
+        <p:style>
+          <a:lnRef idx="2">
+            <a:schemeClr val="accent1">
+              <a:shade val="50000"/>
+            </a:schemeClr>
+          </a:lnRef>
+          <a:fillRef idx="1">
+            <a:schemeClr val="accent1"/>
+          </a:fillRef>
+          <a:effectRef idx="0">
+            <a:schemeClr val="accent1"/>
+          </a:effectRef>
+          <a:fontRef idx="minor">
+            <a:schemeClr val="lt1"/>
+          </a:fontRef>
+        </p:style>
+        <p:txBody>
+          <a:bodyPr rtlCol="0" anchor="ctr"/>
+          <a:lstStyle/>
+          <a:p>
+            <a:pPr algn="ctr"/>
+            <a:r>
+              <a:rPr lang="en-CA" dirty="0" smtClean="0"/>
+              <a:t>15_to_16</a:t>
+            </a:r>
+            <a:endParaRPr lang="en-US" dirty="0"/>
+          </a:p>
+        </p:txBody>
+      </p:sp>
+      <p:sp>
+        <p:nvSpPr>
+          <p:cNvPr id="26" name="Rectangle 25"/>
+          <p:cNvSpPr/>
+          <p:nvPr/>
+        </p:nvSpPr>
+        <p:spPr>
+          <a:xfrm>
+            <a:off x="2347747" y="5562600"/>
+            <a:ext cx="1462253" cy="533400"/>
+          </a:xfrm>
+          <a:prstGeom prst="rect">
+            <a:avLst/>
+          </a:prstGeom>
+        </p:spPr>
+        <p:style>
+          <a:lnRef idx="2">
+            <a:schemeClr val="accent1">
+              <a:shade val="50000"/>
+            </a:schemeClr>
+          </a:lnRef>
+          <a:fillRef idx="1">
+            <a:schemeClr val="accent1"/>
+          </a:fillRef>
+          <a:effectRef idx="0">
+            <a:schemeClr val="accent1"/>
+          </a:effectRef>
+          <a:fontRef idx="minor">
+            <a:schemeClr val="lt1"/>
+          </a:fontRef>
+        </p:style>
+        <p:txBody>
+          <a:bodyPr rtlCol="0" anchor="ctr"/>
+          <a:lstStyle/>
+          <a:p>
+            <a:pPr algn="ctr"/>
+            <a:r>
+              <a:rPr lang="en-CA" dirty="0" smtClean="0"/>
+              <a:t>16_to_17</a:t>
+            </a:r>
+            <a:endParaRPr lang="en-US" dirty="0"/>
+          </a:p>
+        </p:txBody>
+      </p:sp>
+      <p:sp>
+        <p:nvSpPr>
+          <p:cNvPr id="27" name="Rectangle 26"/>
+          <p:cNvSpPr/>
+          <p:nvPr/>
+        </p:nvSpPr>
+        <p:spPr>
+          <a:xfrm>
+            <a:off x="4343400" y="5562600"/>
+            <a:ext cx="1462253" cy="533400"/>
+          </a:xfrm>
+          <a:prstGeom prst="rect">
+            <a:avLst/>
+          </a:prstGeom>
+        </p:spPr>
+        <p:style>
+          <a:lnRef idx="2">
+            <a:schemeClr val="accent1">
+              <a:shade val="50000"/>
+            </a:schemeClr>
+          </a:lnRef>
+          <a:fillRef idx="1">
+            <a:schemeClr val="accent1"/>
+          </a:fillRef>
+          <a:effectRef idx="0">
+            <a:schemeClr val="accent1"/>
+          </a:effectRef>
+          <a:fontRef idx="minor">
+            <a:schemeClr val="lt1"/>
+          </a:fontRef>
+        </p:style>
+        <p:txBody>
+          <a:bodyPr rtlCol="0" anchor="ctr"/>
+          <a:lstStyle/>
+          <a:p>
+            <a:pPr algn="ctr"/>
+            <a:r>
+              <a:rPr lang="en-CA" dirty="0" smtClean="0"/>
+              <a:t>17_to_18</a:t>
+            </a:r>
+            <a:endParaRPr lang="en-US" dirty="0"/>
+          </a:p>
+        </p:txBody>
+      </p:sp>
+      <p:sp>
+        <p:nvSpPr>
+          <p:cNvPr id="28" name="Rectangle 27"/>
+          <p:cNvSpPr/>
+          <p:nvPr/>
+        </p:nvSpPr>
+        <p:spPr>
+          <a:xfrm>
+            <a:off x="6553200" y="5562600"/>
+            <a:ext cx="1462253" cy="533400"/>
+          </a:xfrm>
+          <a:prstGeom prst="rect">
+            <a:avLst/>
+          </a:prstGeom>
+        </p:spPr>
+        <p:style>
+          <a:lnRef idx="2">
+            <a:schemeClr val="accent4">
+              <a:shade val="50000"/>
+            </a:schemeClr>
+          </a:lnRef>
+          <a:fillRef idx="1">
+            <a:schemeClr val="accent4"/>
+          </a:fillRef>
+          <a:effectRef idx="0">
+            <a:schemeClr val="accent4"/>
+          </a:effectRef>
+          <a:fontRef idx="minor">
+            <a:schemeClr val="lt1"/>
+          </a:fontRef>
+        </p:style>
+        <p:txBody>
+          <a:bodyPr rtlCol="0" anchor="ctr"/>
+          <a:lstStyle/>
+          <a:p>
+            <a:pPr algn="ctr"/>
+            <a:r>
+              <a:rPr lang="en-CA" dirty="0" smtClean="0"/>
+              <a:t>18_to_19</a:t>
+            </a:r>
+            <a:endParaRPr lang="en-US" dirty="0"/>
           </a:p>
         </p:txBody>
       </p:sp>
@@ -4676,6 +5793,41 @@
                                   </p:childTnLst>
                                 </p:cTn>
                               </p:par>
+                              <p:par>
+                                <p:cTn id="8" presetID="10" presetClass="entr" presetSubtype="0" fill="hold" grpId="0" nodeType="withEffect">
+                                  <p:stCondLst>
+                                    <p:cond delay="0"/>
+                                  </p:stCondLst>
+                                  <p:childTnLst>
+                                    <p:set>
+                                      <p:cBhvr>
+                                        <p:cTn id="9" dur="1" fill="hold">
+                                          <p:stCondLst>
+                                            <p:cond delay="0"/>
+                                          </p:stCondLst>
+                                        </p:cTn>
+                                        <p:tgtEl>
+                                          <p:spTgt spid="10"/>
+                                        </p:tgtEl>
+                                        <p:attrNameLst>
+                                          <p:attrName>style.visibility</p:attrName>
+                                        </p:attrNameLst>
+                                      </p:cBhvr>
+                                      <p:to>
+                                        <p:strVal val="visible"/>
+                                      </p:to>
+                                    </p:set>
+                                    <p:animEffect transition="in" filter="fade">
+                                      <p:cBhvr>
+                                        <p:cTn id="10" dur="500"/>
+                                        <p:tgtEl>
+                                          <p:spTgt spid="10"/>
+                                        </p:tgtEl>
+                                      </p:cBhvr>
+                                    </p:animEffect>
+                                  </p:childTnLst>
+                                </p:cTn>
+                              </p:par>
                             </p:childTnLst>
                           </p:cTn>
                         </p:par>
@@ -4683,26 +5835,26 @@
                     </p:cTn>
                   </p:par>
                   <p:par>
-                    <p:cTn id="8" fill="hold">
+                    <p:cTn id="11" fill="hold">
                       <p:stCondLst>
                         <p:cond delay="indefinite"/>
                       </p:stCondLst>
                       <p:childTnLst>
                         <p:par>
-                          <p:cTn id="9" fill="hold">
+                          <p:cTn id="12" fill="hold">
                             <p:stCondLst>
                               <p:cond delay="0"/>
                             </p:stCondLst>
                             <p:childTnLst>
                               <p:par>
-                                <p:cTn id="10" presetID="10" presetClass="exit" presetSubtype="0" fill="hold" grpId="1" nodeType="clickEffect">
+                                <p:cTn id="13" presetID="10" presetClass="exit" presetSubtype="0" fill="hold" grpId="1" nodeType="clickEffect">
                                   <p:stCondLst>
                                     <p:cond delay="0"/>
                                   </p:stCondLst>
                                   <p:childTnLst>
                                     <p:animEffect transition="out" filter="fade">
                                       <p:cBhvr>
-                                        <p:cTn id="11" dur="500"/>
+                                        <p:cTn id="14" dur="500"/>
                                         <p:tgtEl>
                                           <p:spTgt spid="21"/>
                                         </p:tgtEl>
@@ -4710,7 +5862,7 @@
                                     </p:animEffect>
                                     <p:set>
                                       <p:cBhvr>
-                                        <p:cTn id="12" dur="1" fill="hold">
+                                        <p:cTn id="15" dur="1" fill="hold">
                                           <p:stCondLst>
                                             <p:cond delay="499"/>
                                           </p:stCondLst>
@@ -4730,14 +5882,14 @@
                                 </p:cTn>
                               </p:par>
                               <p:par>
-                                <p:cTn id="13" presetID="10" presetClass="entr" presetSubtype="0" fill="hold" grpId="0" nodeType="withEffect">
+                                <p:cTn id="16" presetID="10" presetClass="entr" presetSubtype="0" fill="hold" grpId="0" nodeType="withEffect">
                                   <p:stCondLst>
                                     <p:cond delay="0"/>
                                   </p:stCondLst>
                                   <p:childTnLst>
                                     <p:set>
                                       <p:cBhvr>
-                                        <p:cTn id="14" dur="1" fill="hold">
+                                        <p:cTn id="17" dur="1" fill="hold">
                                           <p:stCondLst>
                                             <p:cond delay="0"/>
                                           </p:stCondLst>
@@ -4755,9 +5907,44 @@
                                     </p:set>
                                     <p:animEffect transition="in" filter="fade">
                                       <p:cBhvr>
-                                        <p:cTn id="15" dur="500"/>
+                                        <p:cTn id="18" dur="500"/>
                                         <p:tgtEl>
                                           <p:spTgt spid="22"/>
+                                        </p:tgtEl>
+                                      </p:cBhvr>
+                                    </p:animEffect>
+                                  </p:childTnLst>
+                                </p:cTn>
+                              </p:par>
+                              <p:par>
+                                <p:cTn id="19" presetID="10" presetClass="entr" presetSubtype="0" fill="hold" grpId="0" nodeType="withEffect">
+                                  <p:stCondLst>
+                                    <p:cond delay="0"/>
+                                  </p:stCondLst>
+                                  <p:childTnLst>
+                                    <p:set>
+                                      <p:cBhvr>
+                                        <p:cTn id="20" dur="1" fill="hold">
+                                          <p:stCondLst>
+                                            <p:cond delay="0"/>
+                                          </p:stCondLst>
+                                        </p:cTn>
+                                        <p:tgtEl>
+                                          <p:spTgt spid="26"/>
+                                        </p:tgtEl>
+                                        <p:attrNameLst>
+                                          <p:attrName>style.visibility</p:attrName>
+                                        </p:attrNameLst>
+                                      </p:cBhvr>
+                                      <p:to>
+                                        <p:strVal val="visible"/>
+                                      </p:to>
+                                    </p:set>
+                                    <p:animEffect transition="in" filter="fade">
+                                      <p:cBhvr>
+                                        <p:cTn id="21" dur="500"/>
+                                        <p:tgtEl>
+                                          <p:spTgt spid="26"/>
                                         </p:tgtEl>
                                       </p:cBhvr>
                                     </p:animEffect>
@@ -4771,26 +5958,26 @@
                     </p:cTn>
                   </p:par>
                   <p:par>
-                    <p:cTn id="16" fill="hold">
+                    <p:cTn id="22" fill="hold">
                       <p:stCondLst>
                         <p:cond delay="indefinite"/>
                       </p:stCondLst>
                       <p:childTnLst>
                         <p:par>
-                          <p:cTn id="17" fill="hold">
+                          <p:cTn id="23" fill="hold">
                             <p:stCondLst>
                               <p:cond delay="0"/>
                             </p:stCondLst>
                             <p:childTnLst>
                               <p:par>
-                                <p:cTn id="18" presetID="10" presetClass="exit" presetSubtype="0" fill="hold" grpId="1" nodeType="clickEffect">
+                                <p:cTn id="24" presetID="10" presetClass="exit" presetSubtype="0" fill="hold" grpId="1" nodeType="clickEffect">
                                   <p:stCondLst>
                                     <p:cond delay="0"/>
                                   </p:stCondLst>
                                   <p:childTnLst>
                                     <p:animEffect transition="out" filter="fade">
                                       <p:cBhvr>
-                                        <p:cTn id="19" dur="500"/>
+                                        <p:cTn id="25" dur="500"/>
                                         <p:tgtEl>
                                           <p:spTgt spid="22"/>
                                         </p:tgtEl>
@@ -4798,7 +5985,7 @@
                                     </p:animEffect>
                                     <p:set>
                                       <p:cBhvr>
-                                        <p:cTn id="20" dur="1" fill="hold">
+                                        <p:cTn id="26" dur="1" fill="hold">
                                           <p:stCondLst>
                                             <p:cond delay="499"/>
                                           </p:stCondLst>
@@ -4818,14 +6005,14 @@
                                 </p:cTn>
                               </p:par>
                               <p:par>
-                                <p:cTn id="21" presetID="10" presetClass="entr" presetSubtype="0" fill="hold" grpId="0" nodeType="withEffect">
+                                <p:cTn id="27" presetID="10" presetClass="entr" presetSubtype="0" fill="hold" grpId="0" nodeType="withEffect">
                                   <p:stCondLst>
                                     <p:cond delay="0"/>
                                   </p:stCondLst>
                                   <p:childTnLst>
                                     <p:set>
                                       <p:cBhvr>
-                                        <p:cTn id="22" dur="1" fill="hold">
+                                        <p:cTn id="28" dur="1" fill="hold">
                                           <p:stCondLst>
                                             <p:cond delay="0"/>
                                           </p:stCondLst>
@@ -4843,9 +6030,44 @@
                                     </p:set>
                                     <p:animEffect transition="in" filter="fade">
                                       <p:cBhvr>
-                                        <p:cTn id="23" dur="500"/>
+                                        <p:cTn id="29" dur="500"/>
                                         <p:tgtEl>
                                           <p:spTgt spid="23"/>
+                                        </p:tgtEl>
+                                      </p:cBhvr>
+                                    </p:animEffect>
+                                  </p:childTnLst>
+                                </p:cTn>
+                              </p:par>
+                              <p:par>
+                                <p:cTn id="30" presetID="10" presetClass="entr" presetSubtype="0" fill="hold" grpId="0" nodeType="withEffect">
+                                  <p:stCondLst>
+                                    <p:cond delay="0"/>
+                                  </p:stCondLst>
+                                  <p:childTnLst>
+                                    <p:set>
+                                      <p:cBhvr>
+                                        <p:cTn id="31" dur="1" fill="hold">
+                                          <p:stCondLst>
+                                            <p:cond delay="0"/>
+                                          </p:stCondLst>
+                                        </p:cTn>
+                                        <p:tgtEl>
+                                          <p:spTgt spid="27"/>
+                                        </p:tgtEl>
+                                        <p:attrNameLst>
+                                          <p:attrName>style.visibility</p:attrName>
+                                        </p:attrNameLst>
+                                      </p:cBhvr>
+                                      <p:to>
+                                        <p:strVal val="visible"/>
+                                      </p:to>
+                                    </p:set>
+                                    <p:animEffect transition="in" filter="fade">
+                                      <p:cBhvr>
+                                        <p:cTn id="32" dur="500"/>
+                                        <p:tgtEl>
+                                          <p:spTgt spid="27"/>
                                         </p:tgtEl>
                                       </p:cBhvr>
                                     </p:animEffect>
@@ -4859,26 +6081,26 @@
                     </p:cTn>
                   </p:par>
                   <p:par>
-                    <p:cTn id="24" fill="hold">
+                    <p:cTn id="33" fill="hold">
                       <p:stCondLst>
                         <p:cond delay="indefinite"/>
                       </p:stCondLst>
                       <p:childTnLst>
                         <p:par>
-                          <p:cTn id="25" fill="hold">
+                          <p:cTn id="34" fill="hold">
                             <p:stCondLst>
                               <p:cond delay="0"/>
                             </p:stCondLst>
                             <p:childTnLst>
                               <p:par>
-                                <p:cTn id="26" presetID="10" presetClass="exit" presetSubtype="0" fill="hold" grpId="1" nodeType="clickEffect">
+                                <p:cTn id="35" presetID="10" presetClass="exit" presetSubtype="0" fill="hold" grpId="1" nodeType="clickEffect">
                                   <p:stCondLst>
                                     <p:cond delay="0"/>
                                   </p:stCondLst>
                                   <p:childTnLst>
                                     <p:animEffect transition="out" filter="fade">
                                       <p:cBhvr>
-                                        <p:cTn id="27" dur="500"/>
+                                        <p:cTn id="36" dur="500"/>
                                         <p:tgtEl>
                                           <p:spTgt spid="23"/>
                                         </p:tgtEl>
@@ -4886,7 +6108,7 @@
                                     </p:animEffect>
                                     <p:set>
                                       <p:cBhvr>
-                                        <p:cTn id="28" dur="1" fill="hold">
+                                        <p:cTn id="37" dur="1" fill="hold">
                                           <p:stCondLst>
                                             <p:cond delay="499"/>
                                           </p:stCondLst>
@@ -4906,14 +6128,14 @@
                                 </p:cTn>
                               </p:par>
                               <p:par>
-                                <p:cTn id="29" presetID="10" presetClass="entr" presetSubtype="0" fill="hold" grpId="0" nodeType="withEffect">
+                                <p:cTn id="38" presetID="10" presetClass="entr" presetSubtype="0" fill="hold" grpId="0" nodeType="withEffect">
                                   <p:stCondLst>
                                     <p:cond delay="0"/>
                                   </p:stCondLst>
                                   <p:childTnLst>
                                     <p:set>
                                       <p:cBhvr>
-                                        <p:cTn id="30" dur="1" fill="hold">
+                                        <p:cTn id="39" dur="1" fill="hold">
                                           <p:stCondLst>
                                             <p:cond delay="0"/>
                                           </p:stCondLst>
@@ -4931,9 +6153,44 @@
                                     </p:set>
                                     <p:animEffect transition="in" filter="fade">
                                       <p:cBhvr>
-                                        <p:cTn id="31" dur="500"/>
+                                        <p:cTn id="40" dur="500"/>
                                         <p:tgtEl>
                                           <p:spTgt spid="24"/>
+                                        </p:tgtEl>
+                                      </p:cBhvr>
+                                    </p:animEffect>
+                                  </p:childTnLst>
+                                </p:cTn>
+                              </p:par>
+                              <p:par>
+                                <p:cTn id="41" presetID="10" presetClass="entr" presetSubtype="0" fill="hold" grpId="0" nodeType="withEffect">
+                                  <p:stCondLst>
+                                    <p:cond delay="0"/>
+                                  </p:stCondLst>
+                                  <p:childTnLst>
+                                    <p:set>
+                                      <p:cBhvr>
+                                        <p:cTn id="42" dur="1" fill="hold">
+                                          <p:stCondLst>
+                                            <p:cond delay="0"/>
+                                          </p:stCondLst>
+                                        </p:cTn>
+                                        <p:tgtEl>
+                                          <p:spTgt spid="28"/>
+                                        </p:tgtEl>
+                                        <p:attrNameLst>
+                                          <p:attrName>style.visibility</p:attrName>
+                                        </p:attrNameLst>
+                                      </p:cBhvr>
+                                      <p:to>
+                                        <p:strVal val="visible"/>
+                                      </p:to>
+                                    </p:set>
+                                    <p:animEffect transition="in" filter="fade">
+                                      <p:cBhvr>
+                                        <p:cTn id="43" dur="500"/>
+                                        <p:tgtEl>
+                                          <p:spTgt spid="28"/>
                                         </p:tgtEl>
                                       </p:cBhvr>
                                     </p:animEffect>
@@ -4975,6 +6232,10 @@
       <p:bldP spid="23" grpId="0" animBg="1"/>
       <p:bldP spid="23" grpId="1" animBg="1"/>
       <p:bldP spid="24" grpId="0" animBg="1"/>
+      <p:bldP spid="10" grpId="0" animBg="1"/>
+      <p:bldP spid="26" grpId="0" animBg="1"/>
+      <p:bldP spid="27" grpId="0" animBg="1"/>
+      <p:bldP spid="28" grpId="0" animBg="1"/>
     </p:bldLst>
   </p:timing>
 </p:sld>
@@ -4999,6 +6260,44 @@
       </p:grpSpPr>
       <p:sp>
         <p:nvSpPr>
+          <p:cNvPr id="23" name="Rectangle 22"/>
+          <p:cNvSpPr/>
+          <p:nvPr/>
+        </p:nvSpPr>
+        <p:spPr>
+          <a:xfrm>
+            <a:off x="533400" y="4953000"/>
+            <a:ext cx="2133600" cy="1219200"/>
+          </a:xfrm>
+          <a:prstGeom prst="rect">
+            <a:avLst/>
+          </a:prstGeom>
+        </p:spPr>
+        <p:style>
+          <a:lnRef idx="1">
+            <a:schemeClr val="accent1"/>
+          </a:lnRef>
+          <a:fillRef idx="2">
+            <a:schemeClr val="accent1"/>
+          </a:fillRef>
+          <a:effectRef idx="1">
+            <a:schemeClr val="accent1"/>
+          </a:effectRef>
+          <a:fontRef idx="minor">
+            <a:schemeClr val="dk1"/>
+          </a:fontRef>
+        </p:style>
+        <p:txBody>
+          <a:bodyPr rtlCol="0" anchor="ctr"/>
+          <a:lstStyle/>
+          <a:p>
+            <a:pPr algn="ctr"/>
+            <a:endParaRPr lang="en-US"/>
+          </a:p>
+        </p:txBody>
+      </p:sp>
+      <p:sp>
+        <p:nvSpPr>
           <p:cNvPr id="2" name="Title 1"/>
           <p:cNvSpPr>
             <a:spLocks noGrp="1"/>
@@ -5007,14 +6306,19 @@
             <p:ph type="title"/>
           </p:nvPr>
         </p:nvSpPr>
-        <p:spPr/>
+        <p:spPr>
+          <a:xfrm>
+            <a:off x="457200" y="0"/>
+            <a:ext cx="8229600" cy="1143000"/>
+          </a:xfrm>
+        </p:spPr>
         <p:txBody>
           <a:bodyPr/>
           <a:lstStyle/>
           <a:p>
             <a:r>
-              <a:rPr lang="en-US" dirty="0" smtClean="0"/>
-              <a:t>Research Questions</a:t>
+              <a:rPr lang="en-CA" dirty="0" smtClean="0"/>
+              <a:t>Buckets</a:t>
             </a:r>
             <a:endParaRPr lang="en-US" dirty="0"/>
           </a:p>
@@ -5022,52 +6326,695 @@
       </p:sp>
       <p:sp>
         <p:nvSpPr>
-          <p:cNvPr id="3" name="Content Placeholder 2"/>
-          <p:cNvSpPr>
-            <a:spLocks noGrp="1"/>
-          </p:cNvSpPr>
-          <p:nvPr>
-            <p:ph idx="1"/>
-          </p:nvPr>
-        </p:nvSpPr>
-        <p:spPr/>
-        <p:txBody>
-          <a:bodyPr/>
-          <a:lstStyle/>
-          <a:p>
-            <a:r>
-              <a:rPr lang="en-US" dirty="0" smtClean="0"/>
-              <a:t>Does HV code exhibit lower quality metrics compared to LV code?</a:t>
-            </a:r>
-          </a:p>
-          <a:p>
-            <a:r>
-              <a:rPr lang="en-US" dirty="0" smtClean="0"/>
-              <a:t>Based on volatility and association rules, can we build a practical change propensity model?</a:t>
-            </a:r>
-          </a:p>
-          <a:p>
-            <a:pPr lvl="1"/>
-            <a:r>
-              <a:rPr lang="en-US" dirty="0" smtClean="0">
-                <a:solidFill>
-                  <a:srgbClr val="FF0000"/>
-                </a:solidFill>
-              </a:rPr>
-              <a:t>Shams: what about doing a test for the prediction model where we take a % of the classes which changed from 1.8 to 1.9, and the predict which OTHER classes changed. Is that possible? Better?</a:t>
-            </a:r>
-            <a:endParaRPr lang="en-US" dirty="0">
-              <a:solidFill>
-                <a:srgbClr val="FF0000"/>
-              </a:solidFill>
-            </a:endParaRPr>
+          <p:cNvPr id="4" name="Rectangle 3"/>
+          <p:cNvSpPr/>
+          <p:nvPr/>
+        </p:nvSpPr>
+        <p:spPr>
+          <a:xfrm>
+            <a:off x="837252" y="2518023"/>
+            <a:ext cx="1462253" cy="533400"/>
+          </a:xfrm>
+          <a:prstGeom prst="rect">
+            <a:avLst/>
+          </a:prstGeom>
+        </p:spPr>
+        <p:style>
+          <a:lnRef idx="2">
+            <a:schemeClr val="accent1">
+              <a:shade val="50000"/>
+            </a:schemeClr>
+          </a:lnRef>
+          <a:fillRef idx="1">
+            <a:schemeClr val="accent1"/>
+          </a:fillRef>
+          <a:effectRef idx="0">
+            <a:schemeClr val="accent1"/>
+          </a:effectRef>
+          <a:fontRef idx="minor">
+            <a:schemeClr val="lt1"/>
+          </a:fontRef>
+        </p:style>
+        <p:txBody>
+          <a:bodyPr rtlCol="0" anchor="ctr"/>
+          <a:lstStyle/>
+          <a:p>
+            <a:pPr algn="ctr"/>
+            <a:r>
+              <a:rPr lang="en-CA" dirty="0" smtClean="0"/>
+              <a:t>15_to_16</a:t>
+            </a:r>
+          </a:p>
+          <a:p>
+            <a:pPr algn="ctr"/>
+            <a:r>
+              <a:rPr lang="en-CA" sz="1600" dirty="0" smtClean="0"/>
+              <a:t>(434 commits)</a:t>
+            </a:r>
+            <a:endParaRPr lang="en-US" sz="1600" dirty="0"/>
+          </a:p>
+        </p:txBody>
+      </p:sp>
+      <p:sp>
+        <p:nvSpPr>
+          <p:cNvPr id="5" name="Rectangle 4"/>
+          <p:cNvSpPr/>
+          <p:nvPr/>
+        </p:nvSpPr>
+        <p:spPr>
+          <a:xfrm>
+            <a:off x="837251" y="3280023"/>
+            <a:ext cx="1462253" cy="533400"/>
+          </a:xfrm>
+          <a:prstGeom prst="rect">
+            <a:avLst/>
+          </a:prstGeom>
+        </p:spPr>
+        <p:style>
+          <a:lnRef idx="2">
+            <a:schemeClr val="accent1">
+              <a:shade val="50000"/>
+            </a:schemeClr>
+          </a:lnRef>
+          <a:fillRef idx="1">
+            <a:schemeClr val="accent1"/>
+          </a:fillRef>
+          <a:effectRef idx="0">
+            <a:schemeClr val="accent1"/>
+          </a:effectRef>
+          <a:fontRef idx="minor">
+            <a:schemeClr val="lt1"/>
+          </a:fontRef>
+        </p:style>
+        <p:txBody>
+          <a:bodyPr rtlCol="0" anchor="ctr"/>
+          <a:lstStyle/>
+          <a:p>
+            <a:pPr algn="ctr"/>
+            <a:r>
+              <a:rPr lang="en-CA" dirty="0" smtClean="0"/>
+              <a:t>16_to_17 </a:t>
+            </a:r>
+            <a:r>
+              <a:rPr lang="en-CA" sz="1600" dirty="0" smtClean="0"/>
+              <a:t>(630 commits)</a:t>
+            </a:r>
+            <a:endParaRPr lang="en-US" sz="1600" dirty="0"/>
+          </a:p>
+        </p:txBody>
+      </p:sp>
+      <p:sp>
+        <p:nvSpPr>
+          <p:cNvPr id="6" name="Rectangle 5"/>
+          <p:cNvSpPr/>
+          <p:nvPr/>
+        </p:nvSpPr>
+        <p:spPr>
+          <a:xfrm>
+            <a:off x="838200" y="4042023"/>
+            <a:ext cx="1462253" cy="533400"/>
+          </a:xfrm>
+          <a:prstGeom prst="rect">
+            <a:avLst/>
+          </a:prstGeom>
+        </p:spPr>
+        <p:style>
+          <a:lnRef idx="2">
+            <a:schemeClr val="accent1">
+              <a:shade val="50000"/>
+            </a:schemeClr>
+          </a:lnRef>
+          <a:fillRef idx="1">
+            <a:schemeClr val="accent1"/>
+          </a:fillRef>
+          <a:effectRef idx="0">
+            <a:schemeClr val="accent1"/>
+          </a:effectRef>
+          <a:fontRef idx="minor">
+            <a:schemeClr val="lt1"/>
+          </a:fontRef>
+        </p:style>
+        <p:txBody>
+          <a:bodyPr rtlCol="0" anchor="ctr"/>
+          <a:lstStyle/>
+          <a:p>
+            <a:pPr algn="ctr"/>
+            <a:r>
+              <a:rPr lang="en-CA" dirty="0" smtClean="0"/>
+              <a:t>17_to_18</a:t>
+            </a:r>
+          </a:p>
+          <a:p>
+            <a:pPr algn="ctr"/>
+            <a:r>
+              <a:rPr lang="en-CA" sz="1600" dirty="0" smtClean="0"/>
+              <a:t>(296 commits)</a:t>
+            </a:r>
+            <a:endParaRPr lang="en-US" sz="1600" dirty="0"/>
+          </a:p>
+        </p:txBody>
+      </p:sp>
+      <p:sp>
+        <p:nvSpPr>
+          <p:cNvPr id="7" name="Rectangle 6"/>
+          <p:cNvSpPr/>
+          <p:nvPr/>
+        </p:nvSpPr>
+        <p:spPr>
+          <a:xfrm>
+            <a:off x="837250" y="5257800"/>
+            <a:ext cx="1462253" cy="533400"/>
+          </a:xfrm>
+          <a:prstGeom prst="rect">
+            <a:avLst/>
+          </a:prstGeom>
+        </p:spPr>
+        <p:style>
+          <a:lnRef idx="2">
+            <a:schemeClr val="accent4">
+              <a:shade val="50000"/>
+            </a:schemeClr>
+          </a:lnRef>
+          <a:fillRef idx="1">
+            <a:schemeClr val="accent4"/>
+          </a:fillRef>
+          <a:effectRef idx="0">
+            <a:schemeClr val="accent4"/>
+          </a:effectRef>
+          <a:fontRef idx="minor">
+            <a:schemeClr val="lt1"/>
+          </a:fontRef>
+        </p:style>
+        <p:txBody>
+          <a:bodyPr rtlCol="0" anchor="ctr"/>
+          <a:lstStyle/>
+          <a:p>
+            <a:pPr algn="ctr"/>
+            <a:r>
+              <a:rPr lang="en-CA" dirty="0" smtClean="0"/>
+              <a:t>18_to_19</a:t>
+            </a:r>
+          </a:p>
+          <a:p>
+            <a:pPr algn="ctr"/>
+            <a:r>
+              <a:rPr lang="en-CA" sz="1600" dirty="0" smtClean="0"/>
+              <a:t>(101 commits)</a:t>
+            </a:r>
+            <a:endParaRPr lang="en-US" dirty="0"/>
+          </a:p>
+        </p:txBody>
+      </p:sp>
+      <p:sp>
+        <p:nvSpPr>
+          <p:cNvPr id="8" name="Rounded Rectangle 7"/>
+          <p:cNvSpPr/>
+          <p:nvPr/>
+        </p:nvSpPr>
+        <p:spPr>
+          <a:xfrm>
+            <a:off x="6788552" y="1205168"/>
+            <a:ext cx="1905000" cy="1447800"/>
+          </a:xfrm>
+          <a:prstGeom prst="roundRect">
+            <a:avLst/>
+          </a:prstGeom>
+        </p:spPr>
+        <p:style>
+          <a:lnRef idx="2">
+            <a:schemeClr val="accent2">
+              <a:shade val="50000"/>
+            </a:schemeClr>
+          </a:lnRef>
+          <a:fillRef idx="1">
+            <a:schemeClr val="accent2"/>
+          </a:fillRef>
+          <a:effectRef idx="0">
+            <a:schemeClr val="accent2"/>
+          </a:effectRef>
+          <a:fontRef idx="minor">
+            <a:schemeClr val="lt1"/>
+          </a:fontRef>
+        </p:style>
+        <p:txBody>
+          <a:bodyPr rtlCol="0" anchor="ctr"/>
+          <a:lstStyle/>
+          <a:p>
+            <a:pPr algn="ctr"/>
+            <a:r>
+              <a:rPr lang="en-CA" dirty="0" smtClean="0"/>
+              <a:t>High Volatility: </a:t>
+            </a:r>
+          </a:p>
+          <a:p>
+            <a:pPr algn="ctr"/>
+            <a:r>
+              <a:rPr lang="en-CA" dirty="0" smtClean="0"/>
+              <a:t>Java class in all 3 sets</a:t>
+            </a:r>
+          </a:p>
+          <a:p>
+            <a:pPr algn="ctr"/>
+            <a:r>
+              <a:rPr lang="en-CA" b="1" dirty="0" smtClean="0"/>
+              <a:t>(294 total)</a:t>
+            </a:r>
+            <a:endParaRPr lang="en-US" b="1" dirty="0"/>
+          </a:p>
+        </p:txBody>
+      </p:sp>
+      <p:sp>
+        <p:nvSpPr>
+          <p:cNvPr id="13" name="Rounded Rectangle 12"/>
+          <p:cNvSpPr/>
+          <p:nvPr/>
+        </p:nvSpPr>
+        <p:spPr>
+          <a:xfrm>
+            <a:off x="6799162" y="2919714"/>
+            <a:ext cx="1905000" cy="1447800"/>
+          </a:xfrm>
+          <a:prstGeom prst="roundRect">
+            <a:avLst/>
+          </a:prstGeom>
+        </p:spPr>
+        <p:style>
+          <a:lnRef idx="2">
+            <a:schemeClr val="accent6">
+              <a:shade val="50000"/>
+            </a:schemeClr>
+          </a:lnRef>
+          <a:fillRef idx="1">
+            <a:schemeClr val="accent6"/>
+          </a:fillRef>
+          <a:effectRef idx="0">
+            <a:schemeClr val="accent6"/>
+          </a:effectRef>
+          <a:fontRef idx="minor">
+            <a:schemeClr val="lt1"/>
+          </a:fontRef>
+        </p:style>
+        <p:txBody>
+          <a:bodyPr rtlCol="0" anchor="ctr"/>
+          <a:lstStyle/>
+          <a:p>
+            <a:pPr algn="ctr"/>
+            <a:r>
+              <a:rPr lang="en-CA" dirty="0" smtClean="0"/>
+              <a:t>Med. Volatility:</a:t>
+            </a:r>
+          </a:p>
+          <a:p>
+            <a:pPr algn="ctr"/>
+            <a:r>
+              <a:rPr lang="en-CA" dirty="0" smtClean="0"/>
+              <a:t>Java class in any 2 sets </a:t>
+            </a:r>
+            <a:br>
+              <a:rPr lang="en-CA" dirty="0" smtClean="0"/>
+            </a:br>
+            <a:r>
+              <a:rPr lang="en-CA" b="1" dirty="0" smtClean="0"/>
+              <a:t>(503 total)</a:t>
+            </a:r>
+          </a:p>
+          <a:p>
+            <a:pPr algn="ctr"/>
+            <a:endParaRPr lang="en-US" dirty="0"/>
+          </a:p>
+        </p:txBody>
+      </p:sp>
+      <p:sp>
+        <p:nvSpPr>
+          <p:cNvPr id="14" name="Rounded Rectangle 13"/>
+          <p:cNvSpPr/>
+          <p:nvPr/>
+        </p:nvSpPr>
+        <p:spPr>
+          <a:xfrm>
+            <a:off x="6799162" y="4630356"/>
+            <a:ext cx="1905000" cy="1447800"/>
+          </a:xfrm>
+          <a:prstGeom prst="roundRect">
+            <a:avLst/>
+          </a:prstGeom>
+        </p:spPr>
+        <p:style>
+          <a:lnRef idx="2">
+            <a:schemeClr val="accent3">
+              <a:shade val="50000"/>
+            </a:schemeClr>
+          </a:lnRef>
+          <a:fillRef idx="1">
+            <a:schemeClr val="accent3"/>
+          </a:fillRef>
+          <a:effectRef idx="0">
+            <a:schemeClr val="accent3"/>
+          </a:effectRef>
+          <a:fontRef idx="minor">
+            <a:schemeClr val="lt1"/>
+          </a:fontRef>
+        </p:style>
+        <p:txBody>
+          <a:bodyPr rtlCol="0" anchor="ctr"/>
+          <a:lstStyle/>
+          <a:p>
+            <a:pPr algn="ctr"/>
+            <a:r>
+              <a:rPr lang="en-CA" dirty="0" smtClean="0"/>
+              <a:t>Low Volatility:</a:t>
+            </a:r>
+            <a:endParaRPr lang="en-US" dirty="0" smtClean="0"/>
+          </a:p>
+          <a:p>
+            <a:pPr algn="ctr"/>
+            <a:r>
+              <a:rPr lang="en-CA" dirty="0" smtClean="0"/>
+              <a:t>Java class in any 1 set</a:t>
+            </a:r>
+          </a:p>
+          <a:p>
+            <a:pPr algn="ctr"/>
+            <a:r>
+              <a:rPr lang="en-CA" b="1" dirty="0" smtClean="0"/>
+              <a:t>(554 total)</a:t>
+            </a:r>
+          </a:p>
+        </p:txBody>
+      </p:sp>
+      <p:sp>
+        <p:nvSpPr>
+          <p:cNvPr id="16" name="Right Arrow 15"/>
+          <p:cNvSpPr/>
+          <p:nvPr/>
+        </p:nvSpPr>
+        <p:spPr>
+          <a:xfrm>
+            <a:off x="2528105" y="2518023"/>
+            <a:ext cx="609600" cy="533400"/>
+          </a:xfrm>
+          <a:prstGeom prst="rightArrow">
+            <a:avLst/>
+          </a:prstGeom>
+        </p:spPr>
+        <p:style>
+          <a:lnRef idx="2">
+            <a:schemeClr val="accent1">
+              <a:shade val="50000"/>
+            </a:schemeClr>
+          </a:lnRef>
+          <a:fillRef idx="1">
+            <a:schemeClr val="accent1"/>
+          </a:fillRef>
+          <a:effectRef idx="0">
+            <a:schemeClr val="accent1"/>
+          </a:effectRef>
+          <a:fontRef idx="minor">
+            <a:schemeClr val="lt1"/>
+          </a:fontRef>
+        </p:style>
+        <p:txBody>
+          <a:bodyPr rtlCol="0" anchor="ctr"/>
+          <a:lstStyle/>
+          <a:p>
+            <a:pPr algn="ctr"/>
+            <a:endParaRPr lang="en-US"/>
+          </a:p>
+        </p:txBody>
+      </p:sp>
+      <p:sp>
+        <p:nvSpPr>
+          <p:cNvPr id="17" name="TextBox 16"/>
+          <p:cNvSpPr txBox="1"/>
+          <p:nvPr/>
+        </p:nvSpPr>
+        <p:spPr>
+          <a:xfrm>
+            <a:off x="3290105" y="2461557"/>
+            <a:ext cx="1896225" cy="646331"/>
+          </a:xfrm>
+          <a:prstGeom prst="rect">
+            <a:avLst/>
+          </a:prstGeom>
+          <a:noFill/>
+        </p:spPr>
+        <p:txBody>
+          <a:bodyPr wrap="none" rtlCol="0">
+            <a:spAutoFit/>
+          </a:bodyPr>
+          <a:lstStyle/>
+          <a:p>
+            <a:pPr algn="ctr"/>
+            <a:r>
+              <a:rPr lang="en-CA" dirty="0" smtClean="0"/>
+              <a:t>Set of Java Classes</a:t>
+            </a:r>
+          </a:p>
+          <a:p>
+            <a:pPr algn="ctr"/>
+            <a:r>
+              <a:rPr lang="en-CA" dirty="0" smtClean="0"/>
+              <a:t>(788)</a:t>
+            </a:r>
+            <a:endParaRPr lang="en-US" dirty="0"/>
+          </a:p>
+        </p:txBody>
+      </p:sp>
+      <p:sp>
+        <p:nvSpPr>
+          <p:cNvPr id="18" name="Right Arrow 17"/>
+          <p:cNvSpPr/>
+          <p:nvPr/>
+        </p:nvSpPr>
+        <p:spPr>
+          <a:xfrm>
+            <a:off x="2528104" y="3280023"/>
+            <a:ext cx="609600" cy="533400"/>
+          </a:xfrm>
+          <a:prstGeom prst="rightArrow">
+            <a:avLst/>
+          </a:prstGeom>
+        </p:spPr>
+        <p:style>
+          <a:lnRef idx="2">
+            <a:schemeClr val="accent1">
+              <a:shade val="50000"/>
+            </a:schemeClr>
+          </a:lnRef>
+          <a:fillRef idx="1">
+            <a:schemeClr val="accent1"/>
+          </a:fillRef>
+          <a:effectRef idx="0">
+            <a:schemeClr val="accent1"/>
+          </a:effectRef>
+          <a:fontRef idx="minor">
+            <a:schemeClr val="lt1"/>
+          </a:fontRef>
+        </p:style>
+        <p:txBody>
+          <a:bodyPr rtlCol="0" anchor="ctr"/>
+          <a:lstStyle/>
+          <a:p>
+            <a:pPr algn="ctr"/>
+            <a:endParaRPr lang="en-US"/>
+          </a:p>
+        </p:txBody>
+      </p:sp>
+      <p:sp>
+        <p:nvSpPr>
+          <p:cNvPr id="19" name="TextBox 18"/>
+          <p:cNvSpPr txBox="1"/>
+          <p:nvPr/>
+        </p:nvSpPr>
+        <p:spPr>
+          <a:xfrm>
+            <a:off x="3276600" y="3223557"/>
+            <a:ext cx="1896225" cy="646331"/>
+          </a:xfrm>
+          <a:prstGeom prst="rect">
+            <a:avLst/>
+          </a:prstGeom>
+          <a:noFill/>
+        </p:spPr>
+        <p:txBody>
+          <a:bodyPr wrap="none" rtlCol="0">
+            <a:spAutoFit/>
+          </a:bodyPr>
+          <a:lstStyle/>
+          <a:p>
+            <a:pPr algn="ctr"/>
+            <a:r>
+              <a:rPr lang="en-CA" dirty="0" smtClean="0"/>
+              <a:t>Set of Java Classes</a:t>
+            </a:r>
+          </a:p>
+          <a:p>
+            <a:pPr algn="ctr"/>
+            <a:r>
+              <a:rPr lang="en-CA" dirty="0" smtClean="0"/>
+              <a:t>(1089)</a:t>
+            </a:r>
+            <a:endParaRPr lang="en-US" dirty="0"/>
+          </a:p>
+        </p:txBody>
+      </p:sp>
+      <p:sp>
+        <p:nvSpPr>
+          <p:cNvPr id="20" name="Right Arrow 19"/>
+          <p:cNvSpPr/>
+          <p:nvPr/>
+        </p:nvSpPr>
+        <p:spPr>
+          <a:xfrm>
+            <a:off x="2527139" y="4041058"/>
+            <a:ext cx="609600" cy="533400"/>
+          </a:xfrm>
+          <a:prstGeom prst="rightArrow">
+            <a:avLst/>
+          </a:prstGeom>
+        </p:spPr>
+        <p:style>
+          <a:lnRef idx="2">
+            <a:schemeClr val="accent1">
+              <a:shade val="50000"/>
+            </a:schemeClr>
+          </a:lnRef>
+          <a:fillRef idx="1">
+            <a:schemeClr val="accent1"/>
+          </a:fillRef>
+          <a:effectRef idx="0">
+            <a:schemeClr val="accent1"/>
+          </a:effectRef>
+          <a:fontRef idx="minor">
+            <a:schemeClr val="lt1"/>
+          </a:fontRef>
+        </p:style>
+        <p:txBody>
+          <a:bodyPr rtlCol="0" anchor="ctr"/>
+          <a:lstStyle/>
+          <a:p>
+            <a:pPr algn="ctr"/>
+            <a:endParaRPr lang="en-US"/>
+          </a:p>
+        </p:txBody>
+      </p:sp>
+      <p:sp>
+        <p:nvSpPr>
+          <p:cNvPr id="21" name="TextBox 20"/>
+          <p:cNvSpPr txBox="1"/>
+          <p:nvPr/>
+        </p:nvSpPr>
+        <p:spPr>
+          <a:xfrm>
+            <a:off x="3259625" y="3984025"/>
+            <a:ext cx="1949123" cy="646331"/>
+          </a:xfrm>
+          <a:prstGeom prst="rect">
+            <a:avLst/>
+          </a:prstGeom>
+          <a:noFill/>
+        </p:spPr>
+        <p:txBody>
+          <a:bodyPr wrap="none" rtlCol="0">
+            <a:spAutoFit/>
+          </a:bodyPr>
+          <a:lstStyle/>
+          <a:p>
+            <a:pPr algn="ctr"/>
+            <a:r>
+              <a:rPr lang="en-CA" dirty="0" smtClean="0"/>
+              <a:t>Set of Java Classes </a:t>
+            </a:r>
+          </a:p>
+          <a:p>
+            <a:pPr algn="ctr"/>
+            <a:r>
+              <a:rPr lang="en-CA" dirty="0" smtClean="0"/>
+              <a:t>(565)</a:t>
+            </a:r>
+            <a:endParaRPr lang="en-US" dirty="0"/>
+          </a:p>
+        </p:txBody>
+      </p:sp>
+      <p:sp>
+        <p:nvSpPr>
+          <p:cNvPr id="22" name="Left Brace 21"/>
+          <p:cNvSpPr/>
+          <p:nvPr/>
+        </p:nvSpPr>
+        <p:spPr>
+          <a:xfrm>
+            <a:off x="5486400" y="1277556"/>
+            <a:ext cx="990600" cy="4648200"/>
+          </a:xfrm>
+          <a:prstGeom prst="leftBrace">
+            <a:avLst/>
+          </a:prstGeom>
+        </p:spPr>
+        <p:style>
+          <a:lnRef idx="3">
+            <a:schemeClr val="accent1"/>
+          </a:lnRef>
+          <a:fillRef idx="0">
+            <a:schemeClr val="accent1"/>
+          </a:fillRef>
+          <a:effectRef idx="2">
+            <a:schemeClr val="accent1"/>
+          </a:effectRef>
+          <a:fontRef idx="minor">
+            <a:schemeClr val="tx1"/>
+          </a:fontRef>
+        </p:style>
+        <p:txBody>
+          <a:bodyPr rtlCol="0" anchor="ctr"/>
+          <a:lstStyle/>
+          <a:p>
+            <a:pPr algn="ctr"/>
+            <a:endParaRPr lang="en-US"/>
+          </a:p>
+        </p:txBody>
+      </p:sp>
+      <p:sp>
+        <p:nvSpPr>
+          <p:cNvPr id="24" name="TextBox 23"/>
+          <p:cNvSpPr txBox="1"/>
+          <p:nvPr/>
+        </p:nvSpPr>
+        <p:spPr>
+          <a:xfrm>
+            <a:off x="2796436" y="5257800"/>
+            <a:ext cx="1927964" cy="646331"/>
+          </a:xfrm>
+          <a:prstGeom prst="rect">
+            <a:avLst/>
+          </a:prstGeom>
+          <a:noFill/>
+        </p:spPr>
+        <p:txBody>
+          <a:bodyPr wrap="none" rtlCol="0">
+            <a:spAutoFit/>
+          </a:bodyPr>
+          <a:lstStyle/>
+          <a:p>
+            <a:r>
+              <a:rPr lang="en-CA" dirty="0" smtClean="0"/>
+              <a:t>Set of Java Classes</a:t>
+            </a:r>
+            <a:br>
+              <a:rPr lang="en-CA" dirty="0" smtClean="0"/>
+            </a:br>
+            <a:r>
+              <a:rPr lang="en-CA" dirty="0" smtClean="0"/>
+              <a:t>used for validation</a:t>
+            </a:r>
+            <a:endParaRPr lang="en-US" dirty="0"/>
           </a:p>
         </p:txBody>
       </p:sp>
     </p:spTree>
     <p:extLst>
       <p:ext uri="{BB962C8B-B14F-4D97-AF65-F5344CB8AC3E}">
-        <p14:creationId xmlns:p14="http://schemas.microsoft.com/office/powerpoint/2010/main" val="2022304425"/>
+        <p14:creationId xmlns:p14="http://schemas.microsoft.com/office/powerpoint/2010/main" val="660496557"/>
       </p:ext>
     </p:extLst>
   </p:cSld>
@@ -5077,9 +7024,556 @@
   <p:timing>
     <p:tnLst>
       <p:par>
-        <p:cTn id="1" dur="indefinite" restart="never" nodeType="tmRoot"/>
+        <p:cTn id="1" dur="indefinite" restart="never" nodeType="tmRoot">
+          <p:childTnLst>
+            <p:seq concurrent="1" nextAc="seek">
+              <p:cTn id="2" dur="indefinite" nodeType="mainSeq">
+                <p:childTnLst>
+                  <p:par>
+                    <p:cTn id="3" fill="hold">
+                      <p:stCondLst>
+                        <p:cond delay="indefinite"/>
+                      </p:stCondLst>
+                      <p:childTnLst>
+                        <p:par>
+                          <p:cTn id="4" fill="hold">
+                            <p:stCondLst>
+                              <p:cond delay="0"/>
+                            </p:stCondLst>
+                            <p:childTnLst>
+                              <p:par>
+                                <p:cTn id="5" presetID="10" presetClass="entr" presetSubtype="0" fill="hold" grpId="0" nodeType="clickEffect">
+                                  <p:stCondLst>
+                                    <p:cond delay="0"/>
+                                  </p:stCondLst>
+                                  <p:childTnLst>
+                                    <p:set>
+                                      <p:cBhvr>
+                                        <p:cTn id="6" dur="1" fill="hold">
+                                          <p:stCondLst>
+                                            <p:cond delay="0"/>
+                                          </p:stCondLst>
+                                        </p:cTn>
+                                        <p:tgtEl>
+                                          <p:spTgt spid="16"/>
+                                        </p:tgtEl>
+                                        <p:attrNameLst>
+                                          <p:attrName>style.visibility</p:attrName>
+                                        </p:attrNameLst>
+                                      </p:cBhvr>
+                                      <p:to>
+                                        <p:strVal val="visible"/>
+                                      </p:to>
+                                    </p:set>
+                                    <p:animEffect transition="in" filter="fade">
+                                      <p:cBhvr>
+                                        <p:cTn id="7" dur="500"/>
+                                        <p:tgtEl>
+                                          <p:spTgt spid="16"/>
+                                        </p:tgtEl>
+                                      </p:cBhvr>
+                                    </p:animEffect>
+                                  </p:childTnLst>
+                                </p:cTn>
+                              </p:par>
+                              <p:par>
+                                <p:cTn id="8" presetID="10" presetClass="entr" presetSubtype="0" fill="hold" grpId="0" nodeType="withEffect">
+                                  <p:stCondLst>
+                                    <p:cond delay="0"/>
+                                  </p:stCondLst>
+                                  <p:childTnLst>
+                                    <p:set>
+                                      <p:cBhvr>
+                                        <p:cTn id="9" dur="1" fill="hold">
+                                          <p:stCondLst>
+                                            <p:cond delay="0"/>
+                                          </p:stCondLst>
+                                        </p:cTn>
+                                        <p:tgtEl>
+                                          <p:spTgt spid="17"/>
+                                        </p:tgtEl>
+                                        <p:attrNameLst>
+                                          <p:attrName>style.visibility</p:attrName>
+                                        </p:attrNameLst>
+                                      </p:cBhvr>
+                                      <p:to>
+                                        <p:strVal val="visible"/>
+                                      </p:to>
+                                    </p:set>
+                                    <p:animEffect transition="in" filter="fade">
+                                      <p:cBhvr>
+                                        <p:cTn id="10" dur="500"/>
+                                        <p:tgtEl>
+                                          <p:spTgt spid="17"/>
+                                        </p:tgtEl>
+                                      </p:cBhvr>
+                                    </p:animEffect>
+                                  </p:childTnLst>
+                                </p:cTn>
+                              </p:par>
+                              <p:par>
+                                <p:cTn id="11" presetID="10" presetClass="entr" presetSubtype="0" fill="hold" grpId="0" nodeType="withEffect">
+                                  <p:stCondLst>
+                                    <p:cond delay="0"/>
+                                  </p:stCondLst>
+                                  <p:childTnLst>
+                                    <p:set>
+                                      <p:cBhvr>
+                                        <p:cTn id="12" dur="1" fill="hold">
+                                          <p:stCondLst>
+                                            <p:cond delay="0"/>
+                                          </p:stCondLst>
+                                        </p:cTn>
+                                        <p:tgtEl>
+                                          <p:spTgt spid="18"/>
+                                        </p:tgtEl>
+                                        <p:attrNameLst>
+                                          <p:attrName>style.visibility</p:attrName>
+                                        </p:attrNameLst>
+                                      </p:cBhvr>
+                                      <p:to>
+                                        <p:strVal val="visible"/>
+                                      </p:to>
+                                    </p:set>
+                                    <p:animEffect transition="in" filter="fade">
+                                      <p:cBhvr>
+                                        <p:cTn id="13" dur="500"/>
+                                        <p:tgtEl>
+                                          <p:spTgt spid="18"/>
+                                        </p:tgtEl>
+                                      </p:cBhvr>
+                                    </p:animEffect>
+                                  </p:childTnLst>
+                                </p:cTn>
+                              </p:par>
+                              <p:par>
+                                <p:cTn id="14" presetID="10" presetClass="entr" presetSubtype="0" fill="hold" grpId="0" nodeType="withEffect">
+                                  <p:stCondLst>
+                                    <p:cond delay="0"/>
+                                  </p:stCondLst>
+                                  <p:childTnLst>
+                                    <p:set>
+                                      <p:cBhvr>
+                                        <p:cTn id="15" dur="1" fill="hold">
+                                          <p:stCondLst>
+                                            <p:cond delay="0"/>
+                                          </p:stCondLst>
+                                        </p:cTn>
+                                        <p:tgtEl>
+                                          <p:spTgt spid="19"/>
+                                        </p:tgtEl>
+                                        <p:attrNameLst>
+                                          <p:attrName>style.visibility</p:attrName>
+                                        </p:attrNameLst>
+                                      </p:cBhvr>
+                                      <p:to>
+                                        <p:strVal val="visible"/>
+                                      </p:to>
+                                    </p:set>
+                                    <p:animEffect transition="in" filter="fade">
+                                      <p:cBhvr>
+                                        <p:cTn id="16" dur="500"/>
+                                        <p:tgtEl>
+                                          <p:spTgt spid="19"/>
+                                        </p:tgtEl>
+                                      </p:cBhvr>
+                                    </p:animEffect>
+                                  </p:childTnLst>
+                                </p:cTn>
+                              </p:par>
+                              <p:par>
+                                <p:cTn id="17" presetID="10" presetClass="entr" presetSubtype="0" fill="hold" grpId="0" nodeType="withEffect">
+                                  <p:stCondLst>
+                                    <p:cond delay="0"/>
+                                  </p:stCondLst>
+                                  <p:childTnLst>
+                                    <p:set>
+                                      <p:cBhvr>
+                                        <p:cTn id="18" dur="1" fill="hold">
+                                          <p:stCondLst>
+                                            <p:cond delay="0"/>
+                                          </p:stCondLst>
+                                        </p:cTn>
+                                        <p:tgtEl>
+                                          <p:spTgt spid="20"/>
+                                        </p:tgtEl>
+                                        <p:attrNameLst>
+                                          <p:attrName>style.visibility</p:attrName>
+                                        </p:attrNameLst>
+                                      </p:cBhvr>
+                                      <p:to>
+                                        <p:strVal val="visible"/>
+                                      </p:to>
+                                    </p:set>
+                                    <p:animEffect transition="in" filter="fade">
+                                      <p:cBhvr>
+                                        <p:cTn id="19" dur="500"/>
+                                        <p:tgtEl>
+                                          <p:spTgt spid="20"/>
+                                        </p:tgtEl>
+                                      </p:cBhvr>
+                                    </p:animEffect>
+                                  </p:childTnLst>
+                                </p:cTn>
+                              </p:par>
+                              <p:par>
+                                <p:cTn id="20" presetID="10" presetClass="entr" presetSubtype="0" fill="hold" grpId="0" nodeType="withEffect">
+                                  <p:stCondLst>
+                                    <p:cond delay="0"/>
+                                  </p:stCondLst>
+                                  <p:childTnLst>
+                                    <p:set>
+                                      <p:cBhvr>
+                                        <p:cTn id="21" dur="1" fill="hold">
+                                          <p:stCondLst>
+                                            <p:cond delay="0"/>
+                                          </p:stCondLst>
+                                        </p:cTn>
+                                        <p:tgtEl>
+                                          <p:spTgt spid="21"/>
+                                        </p:tgtEl>
+                                        <p:attrNameLst>
+                                          <p:attrName>style.visibility</p:attrName>
+                                        </p:attrNameLst>
+                                      </p:cBhvr>
+                                      <p:to>
+                                        <p:strVal val="visible"/>
+                                      </p:to>
+                                    </p:set>
+                                    <p:animEffect transition="in" filter="fade">
+                                      <p:cBhvr>
+                                        <p:cTn id="22" dur="500"/>
+                                        <p:tgtEl>
+                                          <p:spTgt spid="21"/>
+                                        </p:tgtEl>
+                                      </p:cBhvr>
+                                    </p:animEffect>
+                                  </p:childTnLst>
+                                </p:cTn>
+                              </p:par>
+                            </p:childTnLst>
+                          </p:cTn>
+                        </p:par>
+                      </p:childTnLst>
+                    </p:cTn>
+                  </p:par>
+                  <p:par>
+                    <p:cTn id="23" fill="hold">
+                      <p:stCondLst>
+                        <p:cond delay="indefinite"/>
+                      </p:stCondLst>
+                      <p:childTnLst>
+                        <p:par>
+                          <p:cTn id="24" fill="hold">
+                            <p:stCondLst>
+                              <p:cond delay="0"/>
+                            </p:stCondLst>
+                            <p:childTnLst>
+                              <p:par>
+                                <p:cTn id="25" presetID="10" presetClass="entr" presetSubtype="0" fill="hold" grpId="0" nodeType="clickEffect">
+                                  <p:stCondLst>
+                                    <p:cond delay="0"/>
+                                  </p:stCondLst>
+                                  <p:childTnLst>
+                                    <p:set>
+                                      <p:cBhvr>
+                                        <p:cTn id="26" dur="1" fill="hold">
+                                          <p:stCondLst>
+                                            <p:cond delay="0"/>
+                                          </p:stCondLst>
+                                        </p:cTn>
+                                        <p:tgtEl>
+                                          <p:spTgt spid="8"/>
+                                        </p:tgtEl>
+                                        <p:attrNameLst>
+                                          <p:attrName>style.visibility</p:attrName>
+                                        </p:attrNameLst>
+                                      </p:cBhvr>
+                                      <p:to>
+                                        <p:strVal val="visible"/>
+                                      </p:to>
+                                    </p:set>
+                                    <p:animEffect transition="in" filter="fade">
+                                      <p:cBhvr>
+                                        <p:cTn id="27" dur="500"/>
+                                        <p:tgtEl>
+                                          <p:spTgt spid="8"/>
+                                        </p:tgtEl>
+                                      </p:cBhvr>
+                                    </p:animEffect>
+                                  </p:childTnLst>
+                                </p:cTn>
+                              </p:par>
+                              <p:par>
+                                <p:cTn id="28" presetID="10" presetClass="entr" presetSubtype="0" fill="hold" grpId="0" nodeType="withEffect">
+                                  <p:stCondLst>
+                                    <p:cond delay="0"/>
+                                  </p:stCondLst>
+                                  <p:childTnLst>
+                                    <p:set>
+                                      <p:cBhvr>
+                                        <p:cTn id="29" dur="1" fill="hold">
+                                          <p:stCondLst>
+                                            <p:cond delay="0"/>
+                                          </p:stCondLst>
+                                        </p:cTn>
+                                        <p:tgtEl>
+                                          <p:spTgt spid="13"/>
+                                        </p:tgtEl>
+                                        <p:attrNameLst>
+                                          <p:attrName>style.visibility</p:attrName>
+                                        </p:attrNameLst>
+                                      </p:cBhvr>
+                                      <p:to>
+                                        <p:strVal val="visible"/>
+                                      </p:to>
+                                    </p:set>
+                                    <p:animEffect transition="in" filter="fade">
+                                      <p:cBhvr>
+                                        <p:cTn id="30" dur="500"/>
+                                        <p:tgtEl>
+                                          <p:spTgt spid="13"/>
+                                        </p:tgtEl>
+                                      </p:cBhvr>
+                                    </p:animEffect>
+                                  </p:childTnLst>
+                                </p:cTn>
+                              </p:par>
+                              <p:par>
+                                <p:cTn id="31" presetID="10" presetClass="entr" presetSubtype="0" fill="hold" grpId="0" nodeType="withEffect">
+                                  <p:stCondLst>
+                                    <p:cond delay="0"/>
+                                  </p:stCondLst>
+                                  <p:childTnLst>
+                                    <p:set>
+                                      <p:cBhvr>
+                                        <p:cTn id="32" dur="1" fill="hold">
+                                          <p:stCondLst>
+                                            <p:cond delay="0"/>
+                                          </p:stCondLst>
+                                        </p:cTn>
+                                        <p:tgtEl>
+                                          <p:spTgt spid="14"/>
+                                        </p:tgtEl>
+                                        <p:attrNameLst>
+                                          <p:attrName>style.visibility</p:attrName>
+                                        </p:attrNameLst>
+                                      </p:cBhvr>
+                                      <p:to>
+                                        <p:strVal val="visible"/>
+                                      </p:to>
+                                    </p:set>
+                                    <p:animEffect transition="in" filter="fade">
+                                      <p:cBhvr>
+                                        <p:cTn id="33" dur="500"/>
+                                        <p:tgtEl>
+                                          <p:spTgt spid="14"/>
+                                        </p:tgtEl>
+                                      </p:cBhvr>
+                                    </p:animEffect>
+                                  </p:childTnLst>
+                                </p:cTn>
+                              </p:par>
+                              <p:par>
+                                <p:cTn id="34" presetID="10" presetClass="entr" presetSubtype="0" fill="hold" grpId="0" nodeType="withEffect">
+                                  <p:stCondLst>
+                                    <p:cond delay="0"/>
+                                  </p:stCondLst>
+                                  <p:childTnLst>
+                                    <p:set>
+                                      <p:cBhvr>
+                                        <p:cTn id="35" dur="1" fill="hold">
+                                          <p:stCondLst>
+                                            <p:cond delay="0"/>
+                                          </p:stCondLst>
+                                        </p:cTn>
+                                        <p:tgtEl>
+                                          <p:spTgt spid="22"/>
+                                        </p:tgtEl>
+                                        <p:attrNameLst>
+                                          <p:attrName>style.visibility</p:attrName>
+                                        </p:attrNameLst>
+                                      </p:cBhvr>
+                                      <p:to>
+                                        <p:strVal val="visible"/>
+                                      </p:to>
+                                    </p:set>
+                                    <p:animEffect transition="in" filter="fade">
+                                      <p:cBhvr>
+                                        <p:cTn id="36" dur="500"/>
+                                        <p:tgtEl>
+                                          <p:spTgt spid="22"/>
+                                        </p:tgtEl>
+                                      </p:cBhvr>
+                                    </p:animEffect>
+                                  </p:childTnLst>
+                                </p:cTn>
+                              </p:par>
+                            </p:childTnLst>
+                          </p:cTn>
+                        </p:par>
+                      </p:childTnLst>
+                    </p:cTn>
+                  </p:par>
+                  <p:par>
+                    <p:cTn id="37" fill="hold">
+                      <p:stCondLst>
+                        <p:cond delay="indefinite"/>
+                      </p:stCondLst>
+                      <p:childTnLst>
+                        <p:par>
+                          <p:cTn id="38" fill="hold">
+                            <p:stCondLst>
+                              <p:cond delay="0"/>
+                            </p:stCondLst>
+                            <p:childTnLst>
+                              <p:par>
+                                <p:cTn id="39" presetID="10" presetClass="entr" presetSubtype="0" fill="hold" grpId="0" nodeType="clickEffect">
+                                  <p:stCondLst>
+                                    <p:cond delay="0"/>
+                                  </p:stCondLst>
+                                  <p:childTnLst>
+                                    <p:set>
+                                      <p:cBhvr>
+                                        <p:cTn id="40" dur="1" fill="hold">
+                                          <p:stCondLst>
+                                            <p:cond delay="0"/>
+                                          </p:stCondLst>
+                                        </p:cTn>
+                                        <p:tgtEl>
+                                          <p:spTgt spid="23"/>
+                                        </p:tgtEl>
+                                        <p:attrNameLst>
+                                          <p:attrName>style.visibility</p:attrName>
+                                        </p:attrNameLst>
+                                      </p:cBhvr>
+                                      <p:to>
+                                        <p:strVal val="visible"/>
+                                      </p:to>
+                                    </p:set>
+                                    <p:animEffect transition="in" filter="fade">
+                                      <p:cBhvr>
+                                        <p:cTn id="41" dur="500"/>
+                                        <p:tgtEl>
+                                          <p:spTgt spid="23"/>
+                                        </p:tgtEl>
+                                      </p:cBhvr>
+                                    </p:animEffect>
+                                  </p:childTnLst>
+                                </p:cTn>
+                              </p:par>
+                              <p:par>
+                                <p:cTn id="42" presetID="10" presetClass="entr" presetSubtype="0" fill="hold" grpId="0" nodeType="withEffect">
+                                  <p:stCondLst>
+                                    <p:cond delay="0"/>
+                                  </p:stCondLst>
+                                  <p:childTnLst>
+                                    <p:set>
+                                      <p:cBhvr>
+                                        <p:cTn id="43" dur="1" fill="hold">
+                                          <p:stCondLst>
+                                            <p:cond delay="0"/>
+                                          </p:stCondLst>
+                                        </p:cTn>
+                                        <p:tgtEl>
+                                          <p:spTgt spid="7"/>
+                                        </p:tgtEl>
+                                        <p:attrNameLst>
+                                          <p:attrName>style.visibility</p:attrName>
+                                        </p:attrNameLst>
+                                      </p:cBhvr>
+                                      <p:to>
+                                        <p:strVal val="visible"/>
+                                      </p:to>
+                                    </p:set>
+                                    <p:animEffect transition="in" filter="fade">
+                                      <p:cBhvr>
+                                        <p:cTn id="44" dur="500"/>
+                                        <p:tgtEl>
+                                          <p:spTgt spid="7"/>
+                                        </p:tgtEl>
+                                      </p:cBhvr>
+                                    </p:animEffect>
+                                  </p:childTnLst>
+                                </p:cTn>
+                              </p:par>
+                              <p:par>
+                                <p:cTn id="45" presetID="10" presetClass="entr" presetSubtype="0" fill="hold" grpId="0" nodeType="withEffect">
+                                  <p:stCondLst>
+                                    <p:cond delay="0"/>
+                                  </p:stCondLst>
+                                  <p:childTnLst>
+                                    <p:set>
+                                      <p:cBhvr>
+                                        <p:cTn id="46" dur="1" fill="hold">
+                                          <p:stCondLst>
+                                            <p:cond delay="0"/>
+                                          </p:stCondLst>
+                                        </p:cTn>
+                                        <p:tgtEl>
+                                          <p:spTgt spid="24"/>
+                                        </p:tgtEl>
+                                        <p:attrNameLst>
+                                          <p:attrName>style.visibility</p:attrName>
+                                        </p:attrNameLst>
+                                      </p:cBhvr>
+                                      <p:to>
+                                        <p:strVal val="visible"/>
+                                      </p:to>
+                                    </p:set>
+                                    <p:animEffect transition="in" filter="fade">
+                                      <p:cBhvr>
+                                        <p:cTn id="47" dur="500"/>
+                                        <p:tgtEl>
+                                          <p:spTgt spid="24"/>
+                                        </p:tgtEl>
+                                      </p:cBhvr>
+                                    </p:animEffect>
+                                  </p:childTnLst>
+                                </p:cTn>
+                              </p:par>
+                            </p:childTnLst>
+                          </p:cTn>
+                        </p:par>
+                      </p:childTnLst>
+                    </p:cTn>
+                  </p:par>
+                </p:childTnLst>
+              </p:cTn>
+              <p:prevCondLst>
+                <p:cond evt="onPrev" delay="0">
+                  <p:tgtEl>
+                    <p:sldTgt/>
+                  </p:tgtEl>
+                </p:cond>
+              </p:prevCondLst>
+              <p:nextCondLst>
+                <p:cond evt="onNext" delay="0">
+                  <p:tgtEl>
+                    <p:sldTgt/>
+                  </p:tgtEl>
+                </p:cond>
+              </p:nextCondLst>
+            </p:seq>
+          </p:childTnLst>
+        </p:cTn>
       </p:par>
     </p:tnLst>
+    <p:bldLst>
+      <p:bldP spid="23" grpId="0" animBg="1"/>
+      <p:bldP spid="7" grpId="0" animBg="1"/>
+      <p:bldP spid="8" grpId="0" animBg="1"/>
+      <p:bldP spid="13" grpId="0" animBg="1"/>
+      <p:bldP spid="14" grpId="0" animBg="1"/>
+      <p:bldP spid="16" grpId="0" animBg="1"/>
+      <p:bldP spid="17" grpId="0"/>
+      <p:bldP spid="18" grpId="0" animBg="1"/>
+      <p:bldP spid="19" grpId="0"/>
+      <p:bldP spid="20" grpId="0" animBg="1"/>
+      <p:bldP spid="21" grpId="0"/>
+      <p:bldP spid="22" grpId="0" animBg="1"/>
+      <p:bldP spid="24" grpId="0"/>
+    </p:bldLst>
   </p:timing>
 </p:sld>
 </file>
@@ -5118,7 +7612,104 @@
           <a:p>
             <a:r>
               <a:rPr lang="en-US" dirty="0" smtClean="0"/>
-              <a:t>Log Parser</a:t>
+              <a:t>Research Questions</a:t>
+            </a:r>
+            <a:endParaRPr lang="en-US" dirty="0"/>
+          </a:p>
+        </p:txBody>
+      </p:sp>
+      <p:sp>
+        <p:nvSpPr>
+          <p:cNvPr id="3" name="Content Placeholder 2"/>
+          <p:cNvSpPr>
+            <a:spLocks noGrp="1"/>
+          </p:cNvSpPr>
+          <p:nvPr>
+            <p:ph idx="1"/>
+          </p:nvPr>
+        </p:nvSpPr>
+        <p:spPr/>
+        <p:txBody>
+          <a:bodyPr/>
+          <a:lstStyle/>
+          <a:p>
+            <a:r>
+              <a:rPr lang="en-US" dirty="0" smtClean="0"/>
+              <a:t>Does HV code exhibit lower quality metrics compared to LV code?</a:t>
+            </a:r>
+          </a:p>
+          <a:p>
+            <a:r>
+              <a:rPr lang="en-US" dirty="0" smtClean="0"/>
+              <a:t>Based on volatility and association rules, can we build a practical change propensity model</a:t>
+            </a:r>
+            <a:r>
+              <a:rPr lang="en-US" dirty="0" smtClean="0"/>
+              <a:t>?</a:t>
+            </a:r>
+            <a:endParaRPr lang="en-US" dirty="0" smtClean="0"/>
+          </a:p>
+        </p:txBody>
+      </p:sp>
+    </p:spTree>
+    <p:extLst>
+      <p:ext uri="{BB962C8B-B14F-4D97-AF65-F5344CB8AC3E}">
+        <p14:creationId xmlns:p14="http://schemas.microsoft.com/office/powerpoint/2010/main" val="2022304425"/>
+      </p:ext>
+    </p:extLst>
+  </p:cSld>
+  <p:clrMapOvr>
+    <a:masterClrMapping/>
+  </p:clrMapOvr>
+  <p:timing>
+    <p:tnLst>
+      <p:par>
+        <p:cTn id="1" dur="indefinite" restart="never" nodeType="tmRoot"/>
+      </p:par>
+    </p:tnLst>
+  </p:timing>
+</p:sld>
+</file>
+
+<file path=ppt/slides/slide7.xml><?xml version="1.0" encoding="utf-8"?>
+<p:sld xmlns:a="http://schemas.openxmlformats.org/drawingml/2006/main" xmlns:r="http://schemas.openxmlformats.org/officeDocument/2006/relationships" xmlns:p="http://schemas.openxmlformats.org/presentationml/2006/main">
+  <p:cSld>
+    <p:spTree>
+      <p:nvGrpSpPr>
+        <p:cNvPr id="1" name=""/>
+        <p:cNvGrpSpPr/>
+        <p:nvPr/>
+      </p:nvGrpSpPr>
+      <p:grpSpPr>
+        <a:xfrm>
+          <a:off x="0" y="0"/>
+          <a:ext cx="0" cy="0"/>
+          <a:chOff x="0" y="0"/>
+          <a:chExt cx="0" cy="0"/>
+        </a:xfrm>
+      </p:grpSpPr>
+      <p:sp>
+        <p:nvSpPr>
+          <p:cNvPr id="2" name="Title 1"/>
+          <p:cNvSpPr>
+            <a:spLocks noGrp="1"/>
+          </p:cNvSpPr>
+          <p:nvPr>
+            <p:ph type="title"/>
+          </p:nvPr>
+        </p:nvSpPr>
+        <p:spPr/>
+        <p:txBody>
+          <a:bodyPr/>
+          <a:lstStyle/>
+          <a:p>
+            <a:r>
+              <a:rPr lang="en-US" dirty="0" smtClean="0"/>
+              <a:t>Log </a:t>
+            </a:r>
+            <a:r>
+              <a:rPr lang="en-US" dirty="0" smtClean="0"/>
+              <a:t>Parser /1</a:t>
             </a:r>
             <a:endParaRPr lang="en-US" dirty="0"/>
           </a:p>
@@ -5209,7 +7800,7 @@
           <p:nvPr/>
         </p:nvPicPr>
         <p:blipFill>
-          <a:blip r:embed="rId2">
+          <a:blip r:embed="rId3">
             <a:extLst>
               <a:ext uri="{28A0092B-C50C-407E-A947-70E740481C1C}">
                 <a14:useLocalDpi xmlns:a14="http://schemas.microsoft.com/office/drawing/2010/main" val="0"/>
@@ -5260,10 +7851,849 @@
           </a:extLst>
         </p:spPr>
       </p:pic>
+      <p:sp>
+        <p:nvSpPr>
+          <p:cNvPr id="4" name="Rectangle 3"/>
+          <p:cNvSpPr/>
+          <p:nvPr/>
+        </p:nvSpPr>
+        <p:spPr>
+          <a:xfrm>
+            <a:off x="609600" y="2438400"/>
+            <a:ext cx="685800" cy="304800"/>
+          </a:xfrm>
+          <a:prstGeom prst="rect">
+            <a:avLst/>
+          </a:prstGeom>
+          <a:solidFill>
+            <a:schemeClr val="accent1">
+              <a:alpha val="15000"/>
+            </a:schemeClr>
+          </a:solidFill>
+        </p:spPr>
+        <p:style>
+          <a:lnRef idx="2">
+            <a:schemeClr val="accent1">
+              <a:shade val="50000"/>
+            </a:schemeClr>
+          </a:lnRef>
+          <a:fillRef idx="1">
+            <a:schemeClr val="accent1"/>
+          </a:fillRef>
+          <a:effectRef idx="0">
+            <a:schemeClr val="accent1"/>
+          </a:effectRef>
+          <a:fontRef idx="minor">
+            <a:schemeClr val="lt1"/>
+          </a:fontRef>
+        </p:style>
+        <p:txBody>
+          <a:bodyPr rtlCol="0" anchor="ctr"/>
+          <a:lstStyle/>
+          <a:p>
+            <a:pPr algn="ctr"/>
+            <a:endParaRPr lang="en-US"/>
+          </a:p>
+        </p:txBody>
+      </p:sp>
+      <p:sp>
+        <p:nvSpPr>
+          <p:cNvPr id="6" name="Rectangle 5"/>
+          <p:cNvSpPr/>
+          <p:nvPr/>
+        </p:nvSpPr>
+        <p:spPr>
+          <a:xfrm>
+            <a:off x="2057400" y="2438400"/>
+            <a:ext cx="1981200" cy="304800"/>
+          </a:xfrm>
+          <a:prstGeom prst="rect">
+            <a:avLst/>
+          </a:prstGeom>
+          <a:solidFill>
+            <a:schemeClr val="accent1">
+              <a:alpha val="15000"/>
+            </a:schemeClr>
+          </a:solidFill>
+        </p:spPr>
+        <p:style>
+          <a:lnRef idx="2">
+            <a:schemeClr val="accent1">
+              <a:shade val="50000"/>
+            </a:schemeClr>
+          </a:lnRef>
+          <a:fillRef idx="1">
+            <a:schemeClr val="accent1"/>
+          </a:fillRef>
+          <a:effectRef idx="0">
+            <a:schemeClr val="accent1"/>
+          </a:effectRef>
+          <a:fontRef idx="minor">
+            <a:schemeClr val="lt1"/>
+          </a:fontRef>
+        </p:style>
+        <p:txBody>
+          <a:bodyPr rtlCol="0" anchor="ctr"/>
+          <a:lstStyle/>
+          <a:p>
+            <a:pPr algn="ctr"/>
+            <a:endParaRPr lang="en-US"/>
+          </a:p>
+        </p:txBody>
+      </p:sp>
+      <p:sp>
+        <p:nvSpPr>
+          <p:cNvPr id="7" name="Rectangle 6"/>
+          <p:cNvSpPr/>
+          <p:nvPr/>
+        </p:nvSpPr>
+        <p:spPr>
+          <a:xfrm>
+            <a:off x="838200" y="2819400"/>
+            <a:ext cx="6172200" cy="990600"/>
+          </a:xfrm>
+          <a:prstGeom prst="rect">
+            <a:avLst/>
+          </a:prstGeom>
+          <a:solidFill>
+            <a:schemeClr val="accent1">
+              <a:alpha val="15000"/>
+            </a:schemeClr>
+          </a:solidFill>
+        </p:spPr>
+        <p:style>
+          <a:lnRef idx="2">
+            <a:schemeClr val="accent1">
+              <a:shade val="50000"/>
+            </a:schemeClr>
+          </a:lnRef>
+          <a:fillRef idx="1">
+            <a:schemeClr val="accent1"/>
+          </a:fillRef>
+          <a:effectRef idx="0">
+            <a:schemeClr val="accent1"/>
+          </a:effectRef>
+          <a:fontRef idx="minor">
+            <a:schemeClr val="lt1"/>
+          </a:fontRef>
+        </p:style>
+        <p:txBody>
+          <a:bodyPr rtlCol="0" anchor="ctr"/>
+          <a:lstStyle/>
+          <a:p>
+            <a:pPr algn="ctr"/>
+            <a:endParaRPr lang="en-US"/>
+          </a:p>
+        </p:txBody>
+      </p:sp>
+      <p:sp>
+        <p:nvSpPr>
+          <p:cNvPr id="8" name="Rectangle 7"/>
+          <p:cNvSpPr/>
+          <p:nvPr/>
+        </p:nvSpPr>
+        <p:spPr>
+          <a:xfrm>
+            <a:off x="685799" y="3886200"/>
+            <a:ext cx="7915275" cy="304800"/>
+          </a:xfrm>
+          <a:prstGeom prst="rect">
+            <a:avLst/>
+          </a:prstGeom>
+          <a:solidFill>
+            <a:schemeClr val="accent1">
+              <a:alpha val="15000"/>
+            </a:schemeClr>
+          </a:solidFill>
+        </p:spPr>
+        <p:style>
+          <a:lnRef idx="2">
+            <a:schemeClr val="accent1">
+              <a:shade val="50000"/>
+            </a:schemeClr>
+          </a:lnRef>
+          <a:fillRef idx="1">
+            <a:schemeClr val="accent1"/>
+          </a:fillRef>
+          <a:effectRef idx="0">
+            <a:schemeClr val="accent1"/>
+          </a:effectRef>
+          <a:fontRef idx="minor">
+            <a:schemeClr val="lt1"/>
+          </a:fontRef>
+        </p:style>
+        <p:txBody>
+          <a:bodyPr rtlCol="0" anchor="ctr"/>
+          <a:lstStyle/>
+          <a:p>
+            <a:pPr algn="ctr"/>
+            <a:endParaRPr lang="en-US"/>
+          </a:p>
+        </p:txBody>
+      </p:sp>
     </p:spTree>
     <p:extLst>
       <p:ext uri="{BB962C8B-B14F-4D97-AF65-F5344CB8AC3E}">
         <p14:creationId xmlns:p14="http://schemas.microsoft.com/office/powerpoint/2010/main" val="2300839920"/>
+      </p:ext>
+    </p:extLst>
+  </p:cSld>
+  <p:clrMapOvr>
+    <a:masterClrMapping/>
+  </p:clrMapOvr>
+  <p:timing>
+    <p:tnLst>
+      <p:par>
+        <p:cTn id="1" dur="indefinite" restart="never" nodeType="tmRoot">
+          <p:childTnLst>
+            <p:seq concurrent="1" nextAc="seek">
+              <p:cTn id="2" dur="indefinite" nodeType="mainSeq">
+                <p:childTnLst>
+                  <p:par>
+                    <p:cTn id="3" fill="hold">
+                      <p:stCondLst>
+                        <p:cond delay="indefinite"/>
+                      </p:stCondLst>
+                      <p:childTnLst>
+                        <p:par>
+                          <p:cTn id="4" fill="hold">
+                            <p:stCondLst>
+                              <p:cond delay="0"/>
+                            </p:stCondLst>
+                            <p:childTnLst>
+                              <p:par>
+                                <p:cTn id="5" presetID="10" presetClass="entr" presetSubtype="0" fill="hold" grpId="0" nodeType="clickEffect">
+                                  <p:stCondLst>
+                                    <p:cond delay="0"/>
+                                  </p:stCondLst>
+                                  <p:childTnLst>
+                                    <p:set>
+                                      <p:cBhvr>
+                                        <p:cTn id="6" dur="1" fill="hold">
+                                          <p:stCondLst>
+                                            <p:cond delay="0"/>
+                                          </p:stCondLst>
+                                        </p:cTn>
+                                        <p:tgtEl>
+                                          <p:spTgt spid="4"/>
+                                        </p:tgtEl>
+                                        <p:attrNameLst>
+                                          <p:attrName>style.visibility</p:attrName>
+                                        </p:attrNameLst>
+                                      </p:cBhvr>
+                                      <p:to>
+                                        <p:strVal val="visible"/>
+                                      </p:to>
+                                    </p:set>
+                                    <p:animEffect transition="in" filter="fade">
+                                      <p:cBhvr>
+                                        <p:cTn id="7" dur="500"/>
+                                        <p:tgtEl>
+                                          <p:spTgt spid="4"/>
+                                        </p:tgtEl>
+                                      </p:cBhvr>
+                                    </p:animEffect>
+                                  </p:childTnLst>
+                                </p:cTn>
+                              </p:par>
+                            </p:childTnLst>
+                          </p:cTn>
+                        </p:par>
+                      </p:childTnLst>
+                    </p:cTn>
+                  </p:par>
+                  <p:par>
+                    <p:cTn id="8" fill="hold">
+                      <p:stCondLst>
+                        <p:cond delay="indefinite"/>
+                      </p:stCondLst>
+                      <p:childTnLst>
+                        <p:par>
+                          <p:cTn id="9" fill="hold">
+                            <p:stCondLst>
+                              <p:cond delay="0"/>
+                            </p:stCondLst>
+                            <p:childTnLst>
+                              <p:par>
+                                <p:cTn id="10" presetID="10" presetClass="entr" presetSubtype="0" fill="hold" grpId="0" nodeType="clickEffect">
+                                  <p:stCondLst>
+                                    <p:cond delay="0"/>
+                                  </p:stCondLst>
+                                  <p:childTnLst>
+                                    <p:set>
+                                      <p:cBhvr>
+                                        <p:cTn id="11" dur="1" fill="hold">
+                                          <p:stCondLst>
+                                            <p:cond delay="0"/>
+                                          </p:stCondLst>
+                                        </p:cTn>
+                                        <p:tgtEl>
+                                          <p:spTgt spid="6"/>
+                                        </p:tgtEl>
+                                        <p:attrNameLst>
+                                          <p:attrName>style.visibility</p:attrName>
+                                        </p:attrNameLst>
+                                      </p:cBhvr>
+                                      <p:to>
+                                        <p:strVal val="visible"/>
+                                      </p:to>
+                                    </p:set>
+                                    <p:animEffect transition="in" filter="fade">
+                                      <p:cBhvr>
+                                        <p:cTn id="12" dur="500"/>
+                                        <p:tgtEl>
+                                          <p:spTgt spid="6"/>
+                                        </p:tgtEl>
+                                      </p:cBhvr>
+                                    </p:animEffect>
+                                  </p:childTnLst>
+                                </p:cTn>
+                              </p:par>
+                            </p:childTnLst>
+                          </p:cTn>
+                        </p:par>
+                      </p:childTnLst>
+                    </p:cTn>
+                  </p:par>
+                  <p:par>
+                    <p:cTn id="13" fill="hold">
+                      <p:stCondLst>
+                        <p:cond delay="indefinite"/>
+                      </p:stCondLst>
+                      <p:childTnLst>
+                        <p:par>
+                          <p:cTn id="14" fill="hold">
+                            <p:stCondLst>
+                              <p:cond delay="0"/>
+                            </p:stCondLst>
+                            <p:childTnLst>
+                              <p:par>
+                                <p:cTn id="15" presetID="10" presetClass="entr" presetSubtype="0" fill="hold" grpId="0" nodeType="clickEffect">
+                                  <p:stCondLst>
+                                    <p:cond delay="0"/>
+                                  </p:stCondLst>
+                                  <p:childTnLst>
+                                    <p:set>
+                                      <p:cBhvr>
+                                        <p:cTn id="16" dur="1" fill="hold">
+                                          <p:stCondLst>
+                                            <p:cond delay="0"/>
+                                          </p:stCondLst>
+                                        </p:cTn>
+                                        <p:tgtEl>
+                                          <p:spTgt spid="7"/>
+                                        </p:tgtEl>
+                                        <p:attrNameLst>
+                                          <p:attrName>style.visibility</p:attrName>
+                                        </p:attrNameLst>
+                                      </p:cBhvr>
+                                      <p:to>
+                                        <p:strVal val="visible"/>
+                                      </p:to>
+                                    </p:set>
+                                    <p:animEffect transition="in" filter="fade">
+                                      <p:cBhvr>
+                                        <p:cTn id="17" dur="500"/>
+                                        <p:tgtEl>
+                                          <p:spTgt spid="7"/>
+                                        </p:tgtEl>
+                                      </p:cBhvr>
+                                    </p:animEffect>
+                                  </p:childTnLst>
+                                </p:cTn>
+                              </p:par>
+                            </p:childTnLst>
+                          </p:cTn>
+                        </p:par>
+                      </p:childTnLst>
+                    </p:cTn>
+                  </p:par>
+                  <p:par>
+                    <p:cTn id="18" fill="hold">
+                      <p:stCondLst>
+                        <p:cond delay="indefinite"/>
+                      </p:stCondLst>
+                      <p:childTnLst>
+                        <p:par>
+                          <p:cTn id="19" fill="hold">
+                            <p:stCondLst>
+                              <p:cond delay="0"/>
+                            </p:stCondLst>
+                            <p:childTnLst>
+                              <p:par>
+                                <p:cTn id="20" presetID="10" presetClass="entr" presetSubtype="0" fill="hold" grpId="0" nodeType="clickEffect">
+                                  <p:stCondLst>
+                                    <p:cond delay="0"/>
+                                  </p:stCondLst>
+                                  <p:childTnLst>
+                                    <p:set>
+                                      <p:cBhvr>
+                                        <p:cTn id="21" dur="1" fill="hold">
+                                          <p:stCondLst>
+                                            <p:cond delay="0"/>
+                                          </p:stCondLst>
+                                        </p:cTn>
+                                        <p:tgtEl>
+                                          <p:spTgt spid="8"/>
+                                        </p:tgtEl>
+                                        <p:attrNameLst>
+                                          <p:attrName>style.visibility</p:attrName>
+                                        </p:attrNameLst>
+                                      </p:cBhvr>
+                                      <p:to>
+                                        <p:strVal val="visible"/>
+                                      </p:to>
+                                    </p:set>
+                                    <p:animEffect transition="in" filter="fade">
+                                      <p:cBhvr>
+                                        <p:cTn id="22" dur="500"/>
+                                        <p:tgtEl>
+                                          <p:spTgt spid="8"/>
+                                        </p:tgtEl>
+                                      </p:cBhvr>
+                                    </p:animEffect>
+                                  </p:childTnLst>
+                                </p:cTn>
+                              </p:par>
+                            </p:childTnLst>
+                          </p:cTn>
+                        </p:par>
+                      </p:childTnLst>
+                    </p:cTn>
+                  </p:par>
+                  <p:par>
+                    <p:cTn id="23" fill="hold">
+                      <p:stCondLst>
+                        <p:cond delay="indefinite"/>
+                      </p:stCondLst>
+                      <p:childTnLst>
+                        <p:par>
+                          <p:cTn id="24" fill="hold">
+                            <p:stCondLst>
+                              <p:cond delay="0"/>
+                            </p:stCondLst>
+                            <p:childTnLst>
+                              <p:par>
+                                <p:cTn id="25" presetID="10" presetClass="entr" presetSubtype="0" fill="hold" nodeType="clickEffect">
+                                  <p:stCondLst>
+                                    <p:cond delay="0"/>
+                                  </p:stCondLst>
+                                  <p:childTnLst>
+                                    <p:set>
+                                      <p:cBhvr>
+                                        <p:cTn id="26" dur="1" fill="hold">
+                                          <p:stCondLst>
+                                            <p:cond delay="0"/>
+                                          </p:stCondLst>
+                                        </p:cTn>
+                                        <p:tgtEl>
+                                          <p:spTgt spid="3">
+                                            <p:txEl>
+                                              <p:pRg st="6" end="6"/>
+                                            </p:txEl>
+                                          </p:spTgt>
+                                        </p:tgtEl>
+                                        <p:attrNameLst>
+                                          <p:attrName>style.visibility</p:attrName>
+                                        </p:attrNameLst>
+                                      </p:cBhvr>
+                                      <p:to>
+                                        <p:strVal val="visible"/>
+                                      </p:to>
+                                    </p:set>
+                                    <p:animEffect transition="in" filter="fade">
+                                      <p:cBhvr>
+                                        <p:cTn id="27" dur="500"/>
+                                        <p:tgtEl>
+                                          <p:spTgt spid="3">
+                                            <p:txEl>
+                                              <p:pRg st="6" end="6"/>
+                                            </p:txEl>
+                                          </p:spTgt>
+                                        </p:tgtEl>
+                                      </p:cBhvr>
+                                    </p:animEffect>
+                                  </p:childTnLst>
+                                </p:cTn>
+                              </p:par>
+                              <p:par>
+                                <p:cTn id="28" presetID="10" presetClass="entr" presetSubtype="0" fill="hold" nodeType="withEffect">
+                                  <p:stCondLst>
+                                    <p:cond delay="0"/>
+                                  </p:stCondLst>
+                                  <p:childTnLst>
+                                    <p:set>
+                                      <p:cBhvr>
+                                        <p:cTn id="29" dur="1" fill="hold">
+                                          <p:stCondLst>
+                                            <p:cond delay="0"/>
+                                          </p:stCondLst>
+                                        </p:cTn>
+                                        <p:tgtEl>
+                                          <p:spTgt spid="3">
+                                            <p:txEl>
+                                              <p:pRg st="7" end="7"/>
+                                            </p:txEl>
+                                          </p:spTgt>
+                                        </p:tgtEl>
+                                        <p:attrNameLst>
+                                          <p:attrName>style.visibility</p:attrName>
+                                        </p:attrNameLst>
+                                      </p:cBhvr>
+                                      <p:to>
+                                        <p:strVal val="visible"/>
+                                      </p:to>
+                                    </p:set>
+                                    <p:animEffect transition="in" filter="fade">
+                                      <p:cBhvr>
+                                        <p:cTn id="30" dur="500"/>
+                                        <p:tgtEl>
+                                          <p:spTgt spid="3">
+                                            <p:txEl>
+                                              <p:pRg st="7" end="7"/>
+                                            </p:txEl>
+                                          </p:spTgt>
+                                        </p:tgtEl>
+                                      </p:cBhvr>
+                                    </p:animEffect>
+                                  </p:childTnLst>
+                                </p:cTn>
+                              </p:par>
+                              <p:par>
+                                <p:cTn id="31" presetID="10" presetClass="entr" presetSubtype="0" fill="hold" nodeType="withEffect">
+                                  <p:stCondLst>
+                                    <p:cond delay="0"/>
+                                  </p:stCondLst>
+                                  <p:childTnLst>
+                                    <p:set>
+                                      <p:cBhvr>
+                                        <p:cTn id="32" dur="1" fill="hold">
+                                          <p:stCondLst>
+                                            <p:cond delay="0"/>
+                                          </p:stCondLst>
+                                        </p:cTn>
+                                        <p:tgtEl>
+                                          <p:spTgt spid="3">
+                                            <p:txEl>
+                                              <p:pRg st="8" end="8"/>
+                                            </p:txEl>
+                                          </p:spTgt>
+                                        </p:tgtEl>
+                                        <p:attrNameLst>
+                                          <p:attrName>style.visibility</p:attrName>
+                                        </p:attrNameLst>
+                                      </p:cBhvr>
+                                      <p:to>
+                                        <p:strVal val="visible"/>
+                                      </p:to>
+                                    </p:set>
+                                    <p:animEffect transition="in" filter="fade">
+                                      <p:cBhvr>
+                                        <p:cTn id="33" dur="500"/>
+                                        <p:tgtEl>
+                                          <p:spTgt spid="3">
+                                            <p:txEl>
+                                              <p:pRg st="8" end="8"/>
+                                            </p:txEl>
+                                          </p:spTgt>
+                                        </p:tgtEl>
+                                      </p:cBhvr>
+                                    </p:animEffect>
+                                  </p:childTnLst>
+                                </p:cTn>
+                              </p:par>
+                            </p:childTnLst>
+                          </p:cTn>
+                        </p:par>
+                      </p:childTnLst>
+                    </p:cTn>
+                  </p:par>
+                </p:childTnLst>
+              </p:cTn>
+              <p:prevCondLst>
+                <p:cond evt="onPrev" delay="0">
+                  <p:tgtEl>
+                    <p:sldTgt/>
+                  </p:tgtEl>
+                </p:cond>
+              </p:prevCondLst>
+              <p:nextCondLst>
+                <p:cond evt="onNext" delay="0">
+                  <p:tgtEl>
+                    <p:sldTgt/>
+                  </p:tgtEl>
+                </p:cond>
+              </p:nextCondLst>
+            </p:seq>
+          </p:childTnLst>
+        </p:cTn>
+      </p:par>
+    </p:tnLst>
+    <p:bldLst>
+      <p:bldP spid="4" grpId="0" animBg="1"/>
+      <p:bldP spid="6" grpId="0" animBg="1"/>
+      <p:bldP spid="7" grpId="0" animBg="1"/>
+      <p:bldP spid="8" grpId="0" animBg="1"/>
+    </p:bldLst>
+  </p:timing>
+</p:sld>
+</file>
+
+<file path=ppt/slides/slide8.xml><?xml version="1.0" encoding="utf-8"?>
+<p:sld xmlns:a="http://schemas.openxmlformats.org/drawingml/2006/main" xmlns:r="http://schemas.openxmlformats.org/officeDocument/2006/relationships" xmlns:p="http://schemas.openxmlformats.org/presentationml/2006/main">
+  <p:cSld>
+    <p:spTree>
+      <p:nvGrpSpPr>
+        <p:cNvPr id="1" name=""/>
+        <p:cNvGrpSpPr/>
+        <p:nvPr/>
+      </p:nvGrpSpPr>
+      <p:grpSpPr>
+        <a:xfrm>
+          <a:off x="0" y="0"/>
+          <a:ext cx="0" cy="0"/>
+          <a:chOff x="0" y="0"/>
+          <a:chExt cx="0" cy="0"/>
+        </a:xfrm>
+      </p:grpSpPr>
+      <p:sp>
+        <p:nvSpPr>
+          <p:cNvPr id="2" name="Title 1"/>
+          <p:cNvSpPr>
+            <a:spLocks noGrp="1"/>
+          </p:cNvSpPr>
+          <p:nvPr>
+            <p:ph type="title"/>
+          </p:nvPr>
+        </p:nvSpPr>
+        <p:spPr/>
+        <p:txBody>
+          <a:bodyPr/>
+          <a:lstStyle/>
+          <a:p>
+            <a:r>
+              <a:rPr lang="en-CA" dirty="0" smtClean="0"/>
+              <a:t>Log Parser /2</a:t>
+            </a:r>
+            <a:endParaRPr lang="en-US" dirty="0"/>
+          </a:p>
+        </p:txBody>
+      </p:sp>
+      <p:sp>
+        <p:nvSpPr>
+          <p:cNvPr id="3" name="Content Placeholder 2"/>
+          <p:cNvSpPr>
+            <a:spLocks noGrp="1"/>
+          </p:cNvSpPr>
+          <p:nvPr>
+            <p:ph idx="1"/>
+          </p:nvPr>
+        </p:nvSpPr>
+        <p:spPr/>
+        <p:txBody>
+          <a:bodyPr/>
+          <a:lstStyle/>
+          <a:p>
+            <a:r>
+              <a:rPr lang="en-CA" dirty="0" smtClean="0"/>
+              <a:t>Handled:</a:t>
+            </a:r>
+          </a:p>
+          <a:p>
+            <a:pPr lvl="1"/>
+            <a:r>
+              <a:rPr lang="en-CA" dirty="0" smtClean="0"/>
+              <a:t>Parsing the complete log, calculating volatility</a:t>
+            </a:r>
+          </a:p>
+          <a:p>
+            <a:pPr lvl="1"/>
+            <a:r>
+              <a:rPr lang="en-CA" dirty="0" smtClean="0"/>
+              <a:t>Writing the files to be used in JD (lists of HV, MV, and LV)</a:t>
+            </a:r>
+          </a:p>
+          <a:p>
+            <a:pPr lvl="1"/>
+            <a:r>
+              <a:rPr lang="en-CA" dirty="0" smtClean="0"/>
+              <a:t>Writing the files which show which Java classes were modified together (for association rules)</a:t>
+            </a:r>
+          </a:p>
+          <a:p>
+            <a:r>
+              <a:rPr lang="en-CA" dirty="0" smtClean="0"/>
+              <a:t>Leveraged:</a:t>
+            </a:r>
+          </a:p>
+          <a:p>
+            <a:pPr lvl="1"/>
+            <a:r>
+              <a:rPr lang="en-CA" dirty="0" smtClean="0"/>
+              <a:t>Collections, Guava, </a:t>
+            </a:r>
+            <a:r>
+              <a:rPr lang="en-CA" dirty="0" err="1" smtClean="0"/>
+              <a:t>StackOverflow</a:t>
+            </a:r>
+            <a:r>
+              <a:rPr lang="en-CA" dirty="0" smtClean="0"/>
+              <a:t>…</a:t>
+            </a:r>
+          </a:p>
+          <a:p>
+            <a:pPr lvl="1"/>
+            <a:endParaRPr lang="en-CA" dirty="0" smtClean="0"/>
+          </a:p>
+          <a:p>
+            <a:pPr lvl="1"/>
+            <a:endParaRPr lang="en-US" dirty="0"/>
+          </a:p>
+        </p:txBody>
+      </p:sp>
+    </p:spTree>
+    <p:extLst>
+      <p:ext uri="{BB962C8B-B14F-4D97-AF65-F5344CB8AC3E}">
+        <p14:creationId xmlns:p14="http://schemas.microsoft.com/office/powerpoint/2010/main" val="3177063356"/>
+      </p:ext>
+    </p:extLst>
+  </p:cSld>
+  <p:clrMapOvr>
+    <a:masterClrMapping/>
+  </p:clrMapOvr>
+  <p:timing>
+    <p:tnLst>
+      <p:par>
+        <p:cTn id="1" dur="indefinite" restart="never" nodeType="tmRoot"/>
+      </p:par>
+    </p:tnLst>
+  </p:timing>
+</p:sld>
+</file>
+
+<file path=ppt/slides/slide9.xml><?xml version="1.0" encoding="utf-8"?>
+<p:sld xmlns:a="http://schemas.openxmlformats.org/drawingml/2006/main" xmlns:r="http://schemas.openxmlformats.org/officeDocument/2006/relationships" xmlns:p="http://schemas.openxmlformats.org/presentationml/2006/main">
+  <p:cSld>
+    <p:spTree>
+      <p:nvGrpSpPr>
+        <p:cNvPr id="1" name=""/>
+        <p:cNvGrpSpPr/>
+        <p:nvPr/>
+      </p:nvGrpSpPr>
+      <p:grpSpPr>
+        <a:xfrm>
+          <a:off x="0" y="0"/>
+          <a:ext cx="0" cy="0"/>
+          <a:chOff x="0" y="0"/>
+          <a:chExt cx="0" cy="0"/>
+        </a:xfrm>
+      </p:grpSpPr>
+      <p:sp>
+        <p:nvSpPr>
+          <p:cNvPr id="2" name="Title 1"/>
+          <p:cNvSpPr>
+            <a:spLocks noGrp="1"/>
+          </p:cNvSpPr>
+          <p:nvPr>
+            <p:ph type="title"/>
+          </p:nvPr>
+        </p:nvSpPr>
+        <p:spPr/>
+        <p:txBody>
+          <a:bodyPr/>
+          <a:lstStyle/>
+          <a:p>
+            <a:r>
+              <a:rPr lang="en-CA" dirty="0" smtClean="0"/>
+              <a:t>Developed Metrics in JD</a:t>
+            </a:r>
+            <a:endParaRPr lang="en-US" dirty="0"/>
+          </a:p>
+        </p:txBody>
+      </p:sp>
+      <p:sp>
+        <p:nvSpPr>
+          <p:cNvPr id="3" name="Content Placeholder 2"/>
+          <p:cNvSpPr>
+            <a:spLocks noGrp="1"/>
+          </p:cNvSpPr>
+          <p:nvPr>
+            <p:ph idx="1"/>
+          </p:nvPr>
+        </p:nvSpPr>
+        <p:spPr/>
+        <p:txBody>
+          <a:bodyPr>
+            <a:normAutofit/>
+          </a:bodyPr>
+          <a:lstStyle/>
+          <a:p>
+            <a:r>
+              <a:rPr lang="en-CA" dirty="0" smtClean="0"/>
+              <a:t>Class Metrics (C&amp;K):</a:t>
+            </a:r>
+          </a:p>
+          <a:p>
+            <a:pPr lvl="1"/>
+            <a:r>
+              <a:rPr lang="en-CA" dirty="0" smtClean="0"/>
+              <a:t>LCOM (Given) + LCOM (Henderson)</a:t>
+            </a:r>
+            <a:endParaRPr lang="en-CA" dirty="0"/>
+          </a:p>
+          <a:p>
+            <a:pPr lvl="1"/>
+            <a:r>
+              <a:rPr lang="en-CA" dirty="0" smtClean="0"/>
+              <a:t>Cohesion</a:t>
+            </a:r>
+          </a:p>
+          <a:p>
+            <a:pPr lvl="1"/>
+            <a:r>
+              <a:rPr lang="en-CA" dirty="0" smtClean="0"/>
+              <a:t>RFC</a:t>
+            </a:r>
+          </a:p>
+          <a:p>
+            <a:pPr lvl="1"/>
+            <a:r>
+              <a:rPr lang="en-CA" dirty="0" smtClean="0"/>
+              <a:t>Size / LOC</a:t>
+            </a:r>
+          </a:p>
+          <a:p>
+            <a:r>
+              <a:rPr lang="en-CA" dirty="0" smtClean="0"/>
+              <a:t>System Metrics (MOOD):</a:t>
+            </a:r>
+          </a:p>
+          <a:p>
+            <a:pPr lvl="1"/>
+            <a:r>
+              <a:rPr lang="en-CA" dirty="0" smtClean="0"/>
+              <a:t>MHF</a:t>
+            </a:r>
+          </a:p>
+          <a:p>
+            <a:pPr lvl="1"/>
+            <a:r>
+              <a:rPr lang="en-CA" dirty="0" smtClean="0"/>
+              <a:t>AHF</a:t>
+            </a:r>
+          </a:p>
+          <a:p>
+            <a:endParaRPr lang="en-CA" dirty="0" smtClean="0"/>
+          </a:p>
+          <a:p>
+            <a:endParaRPr lang="en-US" dirty="0"/>
+          </a:p>
+        </p:txBody>
+      </p:sp>
+    </p:spTree>
+    <p:extLst>
+      <p:ext uri="{BB962C8B-B14F-4D97-AF65-F5344CB8AC3E}">
+        <p14:creationId xmlns:p14="http://schemas.microsoft.com/office/powerpoint/2010/main" val="1322938584"/>
       </p:ext>
     </p:extLst>
   </p:cSld>

--- a/milestones/Group_Presentation_Volatility.pptx
+++ b/milestones/Group_Presentation_Volatility.pptx
@@ -5,21 +5,26 @@
     <p:sldMasterId id="2147483648" r:id="rId1"/>
   </p:sldMasterIdLst>
   <p:notesMasterIdLst>
-    <p:notesMasterId r:id="rId14"/>
+    <p:notesMasterId r:id="rId19"/>
   </p:notesMasterIdLst>
   <p:sldIdLst>
     <p:sldId id="256" r:id="rId2"/>
-    <p:sldId id="260" r:id="rId3"/>
-    <p:sldId id="257" r:id="rId4"/>
-    <p:sldId id="261" r:id="rId5"/>
-    <p:sldId id="263" r:id="rId6"/>
-    <p:sldId id="258" r:id="rId7"/>
+    <p:sldId id="257" r:id="rId3"/>
+    <p:sldId id="261" r:id="rId4"/>
+    <p:sldId id="263" r:id="rId5"/>
+    <p:sldId id="258" r:id="rId6"/>
+    <p:sldId id="272" r:id="rId7"/>
     <p:sldId id="259" r:id="rId8"/>
     <p:sldId id="267" r:id="rId9"/>
     <p:sldId id="262" r:id="rId10"/>
-    <p:sldId id="265" r:id="rId11"/>
-    <p:sldId id="266" r:id="rId12"/>
-    <p:sldId id="264" r:id="rId13"/>
+    <p:sldId id="270" r:id="rId11"/>
+    <p:sldId id="269" r:id="rId12"/>
+    <p:sldId id="265" r:id="rId13"/>
+    <p:sldId id="268" r:id="rId14"/>
+    <p:sldId id="271" r:id="rId15"/>
+    <p:sldId id="266" r:id="rId16"/>
+    <p:sldId id="264" r:id="rId17"/>
+    <p:sldId id="273" r:id="rId18"/>
   </p:sldIdLst>
   <p:sldSz cx="9144000" cy="6858000" type="screen4x3"/>
   <p:notesSz cx="6858000" cy="9144000"/>
@@ -203,7 +208,7 @@
           <a:p>
             <a:fld id="{3306547B-373B-42F2-9B6A-41DAAAD10A9A}" type="datetimeFigureOut">
               <a:rPr lang="en-US" smtClean="0"/>
-              <a:t>4/7/2014</a:t>
+              <a:t>4/8/2014</a:t>
             </a:fld>
             <a:endParaRPr lang="en-US"/>
           </a:p>
@@ -604,7 +609,7 @@
           <a:p>
             <a:fld id="{34574B59-0BD7-417A-AEA6-FF8431D8BFDA}" type="slidenum">
               <a:rPr lang="en-US" smtClean="0"/>
-              <a:t>4</a:t>
+              <a:t>3</a:t>
             </a:fld>
             <a:endParaRPr lang="en-US"/>
           </a:p>
@@ -694,7 +699,7 @@
           <a:p>
             <a:fld id="{34574B59-0BD7-417A-AEA6-FF8431D8BFDA}" type="slidenum">
               <a:rPr lang="en-US" smtClean="0"/>
-              <a:t>5</a:t>
+              <a:t>4</a:t>
             </a:fld>
             <a:endParaRPr lang="en-US"/>
           </a:p>
@@ -786,7 +791,7 @@
           <a:p>
             <a:fld id="{34574B59-0BD7-417A-AEA6-FF8431D8BFDA}" type="slidenum">
               <a:rPr lang="en-US" smtClean="0"/>
-              <a:t>6</a:t>
+              <a:t>5</a:t>
             </a:fld>
             <a:endParaRPr lang="en-US"/>
           </a:p>
@@ -855,7 +860,17 @@
             </a:r>
             <a:r>
               <a:rPr lang="en-CA" baseline="0" dirty="0" smtClean="0"/>
-              <a:t> which changed the license, and removed the authors from code etc.)</a:t>
+              <a:t> which changed the license, and removed the authors from code etc</a:t>
+            </a:r>
+            <a:r>
+              <a:rPr lang="en-CA" baseline="0" dirty="0" smtClean="0"/>
+              <a:t>.)</a:t>
+            </a:r>
+          </a:p>
+          <a:p>
+            <a:r>
+              <a:rPr lang="en-CA" baseline="0" dirty="0" smtClean="0"/>
+              <a:t>Bring back our main point: we’re investigating whether higher volatility code exhibits lower quality metrics</a:t>
             </a:r>
             <a:endParaRPr lang="en-US" dirty="0"/>
           </a:p>
@@ -888,6 +903,336 @@
     <p:extLst>
       <p:ext uri="{BB962C8B-B14F-4D97-AF65-F5344CB8AC3E}">
         <p14:creationId xmlns:p14="http://schemas.microsoft.com/office/powerpoint/2010/main" val="3160353600"/>
+      </p:ext>
+    </p:extLst>
+  </p:cSld>
+  <p:clrMapOvr>
+    <a:masterClrMapping/>
+  </p:clrMapOvr>
+</p:notes>
+</file>
+
+<file path=ppt/notesSlides/notesSlide5.xml><?xml version="1.0" encoding="utf-8"?>
+<p:notes xmlns:a="http://schemas.openxmlformats.org/drawingml/2006/main" xmlns:r="http://schemas.openxmlformats.org/officeDocument/2006/relationships" xmlns:p="http://schemas.openxmlformats.org/presentationml/2006/main">
+  <p:cSld>
+    <p:spTree>
+      <p:nvGrpSpPr>
+        <p:cNvPr id="1" name=""/>
+        <p:cNvGrpSpPr/>
+        <p:nvPr/>
+      </p:nvGrpSpPr>
+      <p:grpSpPr>
+        <a:xfrm>
+          <a:off x="0" y="0"/>
+          <a:ext cx="0" cy="0"/>
+          <a:chOff x="0" y="0"/>
+          <a:chExt cx="0" cy="0"/>
+        </a:xfrm>
+      </p:grpSpPr>
+      <p:sp>
+        <p:nvSpPr>
+          <p:cNvPr id="2" name="Slide Image Placeholder 1"/>
+          <p:cNvSpPr>
+            <a:spLocks noGrp="1" noRot="1" noChangeAspect="1"/>
+          </p:cNvSpPr>
+          <p:nvPr>
+            <p:ph type="sldImg"/>
+          </p:nvPr>
+        </p:nvSpPr>
+        <p:spPr/>
+      </p:sp>
+      <p:sp>
+        <p:nvSpPr>
+          <p:cNvPr id="3" name="Notes Placeholder 2"/>
+          <p:cNvSpPr>
+            <a:spLocks noGrp="1"/>
+          </p:cNvSpPr>
+          <p:nvPr>
+            <p:ph type="body" idx="1"/>
+          </p:nvPr>
+        </p:nvSpPr>
+        <p:spPr/>
+        <p:txBody>
+          <a:bodyPr/>
+          <a:lstStyle/>
+          <a:p>
+            <a:r>
+              <a:rPr lang="en-CA" dirty="0" smtClean="0"/>
+              <a:t>In parallel</a:t>
+            </a:r>
+            <a:r>
+              <a:rPr lang="en-CA" baseline="0" dirty="0" smtClean="0"/>
+              <a:t> to extracting all the class information from the logs, </a:t>
+            </a:r>
+            <a:endParaRPr lang="en-US" dirty="0"/>
+          </a:p>
+        </p:txBody>
+      </p:sp>
+      <p:sp>
+        <p:nvSpPr>
+          <p:cNvPr id="4" name="Slide Number Placeholder 3"/>
+          <p:cNvSpPr>
+            <a:spLocks noGrp="1"/>
+          </p:cNvSpPr>
+          <p:nvPr>
+            <p:ph type="sldNum" sz="quarter" idx="10"/>
+          </p:nvPr>
+        </p:nvSpPr>
+        <p:spPr/>
+        <p:txBody>
+          <a:bodyPr/>
+          <a:lstStyle/>
+          <a:p>
+            <a:fld id="{34574B59-0BD7-417A-AEA6-FF8431D8BFDA}" type="slidenum">
+              <a:rPr lang="en-US" smtClean="0"/>
+              <a:t>9</a:t>
+            </a:fld>
+            <a:endParaRPr lang="en-US"/>
+          </a:p>
+        </p:txBody>
+      </p:sp>
+    </p:spTree>
+    <p:extLst>
+      <p:ext uri="{BB962C8B-B14F-4D97-AF65-F5344CB8AC3E}">
+        <p14:creationId xmlns:p14="http://schemas.microsoft.com/office/powerpoint/2010/main" val="2079466370"/>
+      </p:ext>
+    </p:extLst>
+  </p:cSld>
+  <p:clrMapOvr>
+    <a:masterClrMapping/>
+  </p:clrMapOvr>
+</p:notes>
+</file>
+
+<file path=ppt/notesSlides/notesSlide6.xml><?xml version="1.0" encoding="utf-8"?>
+<p:notes xmlns:a="http://schemas.openxmlformats.org/drawingml/2006/main" xmlns:r="http://schemas.openxmlformats.org/officeDocument/2006/relationships" xmlns:p="http://schemas.openxmlformats.org/presentationml/2006/main">
+  <p:cSld>
+    <p:spTree>
+      <p:nvGrpSpPr>
+        <p:cNvPr id="1" name=""/>
+        <p:cNvGrpSpPr/>
+        <p:nvPr/>
+      </p:nvGrpSpPr>
+      <p:grpSpPr>
+        <a:xfrm>
+          <a:off x="0" y="0"/>
+          <a:ext cx="0" cy="0"/>
+          <a:chOff x="0" y="0"/>
+          <a:chExt cx="0" cy="0"/>
+        </a:xfrm>
+      </p:grpSpPr>
+      <p:sp>
+        <p:nvSpPr>
+          <p:cNvPr id="2" name="Slide Image Placeholder 1"/>
+          <p:cNvSpPr>
+            <a:spLocks noGrp="1" noRot="1" noChangeAspect="1"/>
+          </p:cNvSpPr>
+          <p:nvPr>
+            <p:ph type="sldImg"/>
+          </p:nvPr>
+        </p:nvSpPr>
+        <p:spPr/>
+      </p:sp>
+      <p:sp>
+        <p:nvSpPr>
+          <p:cNvPr id="3" name="Notes Placeholder 2"/>
+          <p:cNvSpPr>
+            <a:spLocks noGrp="1"/>
+          </p:cNvSpPr>
+          <p:nvPr>
+            <p:ph type="body" idx="1"/>
+          </p:nvPr>
+        </p:nvSpPr>
+        <p:spPr/>
+        <p:txBody>
+          <a:bodyPr/>
+          <a:lstStyle/>
+          <a:p>
+            <a:pPr marL="228600" indent="-228600">
+              <a:buAutoNum type="arabicPeriod"/>
+            </a:pPr>
+            <a:r>
+              <a:rPr lang="en-CA" dirty="0" smtClean="0"/>
+              <a:t>Much like everybody else,</a:t>
+            </a:r>
+            <a:r>
+              <a:rPr lang="en-CA" baseline="0" dirty="0" smtClean="0"/>
+              <a:t> we started in the same place that the UI integration happens -&gt; the runnable within the </a:t>
+            </a:r>
+            <a:r>
+              <a:rPr lang="en-CA" baseline="0" dirty="0" err="1" smtClean="0"/>
+              <a:t>MetricsAction</a:t>
+            </a:r>
+            <a:r>
+              <a:rPr lang="en-CA" baseline="0" dirty="0" smtClean="0"/>
+              <a:t> java class</a:t>
+            </a:r>
+          </a:p>
+          <a:p>
+            <a:pPr marL="228600" indent="-228600">
+              <a:buAutoNum type="arabicPeriod"/>
+            </a:pPr>
+            <a:r>
+              <a:rPr lang="en-CA" baseline="0" dirty="0" smtClean="0"/>
+              <a:t>We started developed our metrics in individual classes, to do the calculation</a:t>
+            </a:r>
+          </a:p>
+          <a:p>
+            <a:pPr marL="228600" indent="-228600">
+              <a:buAutoNum type="arabicPeriod"/>
+            </a:pPr>
+            <a:r>
+              <a:rPr lang="en-CA" baseline="0" dirty="0" smtClean="0"/>
+              <a:t>We saw some common behavior, and extracted an abstract parent class to manage common tasks -&gt; loading the volatility buckets and writing the results to the database. We implemented a standard template pattern so that each child class would need to only implement one method, and write to a collection defined in the parent.</a:t>
+            </a:r>
+          </a:p>
+          <a:p>
+            <a:pPr marL="228600" indent="-228600">
+              <a:buAutoNum type="arabicPeriod"/>
+            </a:pPr>
+            <a:r>
+              <a:rPr lang="en-CA" baseline="0" dirty="0" smtClean="0"/>
+              <a:t>Finally we needed some additional data to check if the metrics were themselves correlated, so we designed a summary metrics collector which only interacted with the abstract </a:t>
+            </a:r>
+          </a:p>
+          <a:p>
+            <a:pPr marL="228600" indent="-228600">
+              <a:buAutoNum type="arabicPeriod"/>
+            </a:pPr>
+            <a:r>
+              <a:rPr lang="en-CA" baseline="0" dirty="0" smtClean="0"/>
+              <a:t>System level metrics not shown (MHF, AHF) – not ready yet!</a:t>
+            </a:r>
+            <a:endParaRPr lang="en-US" dirty="0"/>
+          </a:p>
+        </p:txBody>
+      </p:sp>
+      <p:sp>
+        <p:nvSpPr>
+          <p:cNvPr id="4" name="Slide Number Placeholder 3"/>
+          <p:cNvSpPr>
+            <a:spLocks noGrp="1"/>
+          </p:cNvSpPr>
+          <p:nvPr>
+            <p:ph type="sldNum" sz="quarter" idx="10"/>
+          </p:nvPr>
+        </p:nvSpPr>
+        <p:spPr/>
+        <p:txBody>
+          <a:bodyPr/>
+          <a:lstStyle/>
+          <a:p>
+            <a:fld id="{34574B59-0BD7-417A-AEA6-FF8431D8BFDA}" type="slidenum">
+              <a:rPr lang="en-US" smtClean="0"/>
+              <a:t>10</a:t>
+            </a:fld>
+            <a:endParaRPr lang="en-US"/>
+          </a:p>
+        </p:txBody>
+      </p:sp>
+    </p:spTree>
+    <p:extLst>
+      <p:ext uri="{BB962C8B-B14F-4D97-AF65-F5344CB8AC3E}">
+        <p14:creationId xmlns:p14="http://schemas.microsoft.com/office/powerpoint/2010/main" val="2668557914"/>
+      </p:ext>
+    </p:extLst>
+  </p:cSld>
+  <p:clrMapOvr>
+    <a:masterClrMapping/>
+  </p:clrMapOvr>
+</p:notes>
+</file>
+
+<file path=ppt/notesSlides/notesSlide7.xml><?xml version="1.0" encoding="utf-8"?>
+<p:notes xmlns:a="http://schemas.openxmlformats.org/drawingml/2006/main" xmlns:r="http://schemas.openxmlformats.org/officeDocument/2006/relationships" xmlns:p="http://schemas.openxmlformats.org/presentationml/2006/main">
+  <p:cSld>
+    <p:spTree>
+      <p:nvGrpSpPr>
+        <p:cNvPr id="1" name=""/>
+        <p:cNvGrpSpPr/>
+        <p:nvPr/>
+      </p:nvGrpSpPr>
+      <p:grpSpPr>
+        <a:xfrm>
+          <a:off x="0" y="0"/>
+          <a:ext cx="0" cy="0"/>
+          <a:chOff x="0" y="0"/>
+          <a:chExt cx="0" cy="0"/>
+        </a:xfrm>
+      </p:grpSpPr>
+      <p:sp>
+        <p:nvSpPr>
+          <p:cNvPr id="2" name="Slide Image Placeholder 1"/>
+          <p:cNvSpPr>
+            <a:spLocks noGrp="1" noRot="1" noChangeAspect="1"/>
+          </p:cNvSpPr>
+          <p:nvPr>
+            <p:ph type="sldImg"/>
+          </p:nvPr>
+        </p:nvSpPr>
+        <p:spPr/>
+      </p:sp>
+      <p:sp>
+        <p:nvSpPr>
+          <p:cNvPr id="3" name="Notes Placeholder 2"/>
+          <p:cNvSpPr>
+            <a:spLocks noGrp="1"/>
+          </p:cNvSpPr>
+          <p:nvPr>
+            <p:ph type="body" idx="1"/>
+          </p:nvPr>
+        </p:nvSpPr>
+        <p:spPr/>
+        <p:txBody>
+          <a:bodyPr/>
+          <a:lstStyle/>
+          <a:p>
+            <a:r>
+              <a:rPr lang="en-CA" dirty="0" smtClean="0"/>
+              <a:t>What does this slide tell us:</a:t>
+            </a:r>
+            <a:endParaRPr lang="en-US" dirty="0" smtClean="0"/>
+          </a:p>
+          <a:p>
+            <a:r>
+              <a:rPr lang="en-CA" dirty="0" smtClean="0"/>
+              <a:t>-</a:t>
+            </a:r>
+            <a:r>
+              <a:rPr lang="en-CA" baseline="0" dirty="0" smtClean="0"/>
+              <a:t> Across all buckets, many metrics are strongly correlated. This is good and bad – good that they validate each other, but bad that they do not offer much new knowledge.</a:t>
+            </a:r>
+            <a:endParaRPr lang="en-CA" dirty="0" smtClean="0"/>
+          </a:p>
+        </p:txBody>
+      </p:sp>
+      <p:sp>
+        <p:nvSpPr>
+          <p:cNvPr id="4" name="Slide Number Placeholder 3"/>
+          <p:cNvSpPr>
+            <a:spLocks noGrp="1"/>
+          </p:cNvSpPr>
+          <p:nvPr>
+            <p:ph type="sldNum" sz="quarter" idx="10"/>
+          </p:nvPr>
+        </p:nvSpPr>
+        <p:spPr/>
+        <p:txBody>
+          <a:bodyPr/>
+          <a:lstStyle/>
+          <a:p>
+            <a:fld id="{34574B59-0BD7-417A-AEA6-FF8431D8BFDA}" type="slidenum">
+              <a:rPr lang="en-US" smtClean="0"/>
+              <a:t>13</a:t>
+            </a:fld>
+            <a:endParaRPr lang="en-US"/>
+          </a:p>
+        </p:txBody>
+      </p:sp>
+    </p:spTree>
+    <p:extLst>
+      <p:ext uri="{BB962C8B-B14F-4D97-AF65-F5344CB8AC3E}">
+        <p14:creationId xmlns:p14="http://schemas.microsoft.com/office/powerpoint/2010/main" val="1033964426"/>
       </p:ext>
     </p:extLst>
   </p:cSld>
@@ -1078,7 +1423,7 @@
           <a:p>
             <a:fld id="{0FAA2E9A-8599-42EB-A43E-9B024D98E334}" type="datetimeFigureOut">
               <a:rPr lang="en-US" smtClean="0"/>
-              <a:t>4/7/2014</a:t>
+              <a:t>4/8/2014</a:t>
             </a:fld>
             <a:endParaRPr lang="en-US"/>
           </a:p>
@@ -1248,7 +1593,7 @@
           <a:p>
             <a:fld id="{0FAA2E9A-8599-42EB-A43E-9B024D98E334}" type="datetimeFigureOut">
               <a:rPr lang="en-US" smtClean="0"/>
-              <a:t>4/7/2014</a:t>
+              <a:t>4/8/2014</a:t>
             </a:fld>
             <a:endParaRPr lang="en-US"/>
           </a:p>
@@ -1428,7 +1773,7 @@
           <a:p>
             <a:fld id="{0FAA2E9A-8599-42EB-A43E-9B024D98E334}" type="datetimeFigureOut">
               <a:rPr lang="en-US" smtClean="0"/>
-              <a:t>4/7/2014</a:t>
+              <a:t>4/8/2014</a:t>
             </a:fld>
             <a:endParaRPr lang="en-US"/>
           </a:p>
@@ -1598,7 +1943,7 @@
           <a:p>
             <a:fld id="{0FAA2E9A-8599-42EB-A43E-9B024D98E334}" type="datetimeFigureOut">
               <a:rPr lang="en-US" smtClean="0"/>
-              <a:t>4/7/2014</a:t>
+              <a:t>4/8/2014</a:t>
             </a:fld>
             <a:endParaRPr lang="en-US"/>
           </a:p>
@@ -1844,7 +2189,7 @@
           <a:p>
             <a:fld id="{0FAA2E9A-8599-42EB-A43E-9B024D98E334}" type="datetimeFigureOut">
               <a:rPr lang="en-US" smtClean="0"/>
-              <a:t>4/7/2014</a:t>
+              <a:t>4/8/2014</a:t>
             </a:fld>
             <a:endParaRPr lang="en-US"/>
           </a:p>
@@ -2132,7 +2477,7 @@
           <a:p>
             <a:fld id="{0FAA2E9A-8599-42EB-A43E-9B024D98E334}" type="datetimeFigureOut">
               <a:rPr lang="en-US" smtClean="0"/>
-              <a:t>4/7/2014</a:t>
+              <a:t>4/8/2014</a:t>
             </a:fld>
             <a:endParaRPr lang="en-US"/>
           </a:p>
@@ -2554,7 +2899,7 @@
           <a:p>
             <a:fld id="{0FAA2E9A-8599-42EB-A43E-9B024D98E334}" type="datetimeFigureOut">
               <a:rPr lang="en-US" smtClean="0"/>
-              <a:t>4/7/2014</a:t>
+              <a:t>4/8/2014</a:t>
             </a:fld>
             <a:endParaRPr lang="en-US"/>
           </a:p>
@@ -2672,7 +3017,7 @@
           <a:p>
             <a:fld id="{0FAA2E9A-8599-42EB-A43E-9B024D98E334}" type="datetimeFigureOut">
               <a:rPr lang="en-US" smtClean="0"/>
-              <a:t>4/7/2014</a:t>
+              <a:t>4/8/2014</a:t>
             </a:fld>
             <a:endParaRPr lang="en-US"/>
           </a:p>
@@ -2767,7 +3112,7 @@
           <a:p>
             <a:fld id="{0FAA2E9A-8599-42EB-A43E-9B024D98E334}" type="datetimeFigureOut">
               <a:rPr lang="en-US" smtClean="0"/>
-              <a:t>4/7/2014</a:t>
+              <a:t>4/8/2014</a:t>
             </a:fld>
             <a:endParaRPr lang="en-US"/>
           </a:p>
@@ -3044,7 +3389,7 @@
           <a:p>
             <a:fld id="{0FAA2E9A-8599-42EB-A43E-9B024D98E334}" type="datetimeFigureOut">
               <a:rPr lang="en-US" smtClean="0"/>
-              <a:t>4/7/2014</a:t>
+              <a:t>4/8/2014</a:t>
             </a:fld>
             <a:endParaRPr lang="en-US"/>
           </a:p>
@@ -3297,7 +3642,7 @@
           <a:p>
             <a:fld id="{0FAA2E9A-8599-42EB-A43E-9B024D98E334}" type="datetimeFigureOut">
               <a:rPr lang="en-US" smtClean="0"/>
-              <a:t>4/7/2014</a:t>
+              <a:t>4/8/2014</a:t>
             </a:fld>
             <a:endParaRPr lang="en-US"/>
           </a:p>
@@ -3510,7 +3855,7 @@
           <a:p>
             <a:fld id="{0FAA2E9A-8599-42EB-A43E-9B024D98E334}" type="datetimeFigureOut">
               <a:rPr lang="en-US" smtClean="0"/>
-              <a:t>4/7/2014</a:t>
+              <a:t>4/8/2014</a:t>
             </a:fld>
             <a:endParaRPr lang="en-US"/>
           </a:p>
@@ -3904,7 +4249,19 @@
           <a:p>
             <a:r>
               <a:rPr lang="en-US" sz="3200" dirty="0" smtClean="0"/>
-              <a:t>Empirical Study Comparing Quality Metrics and Code Volatility + (Bonus) Prediction Model!</a:t>
+              <a:t>Empirical Study Comparing Quality Metrics </a:t>
+            </a:r>
+            <a:r>
+              <a:rPr lang="en-US" sz="3200" dirty="0" smtClean="0"/>
+              <a:t>with Code Volatility, </a:t>
+            </a:r>
+            <a:r>
+              <a:rPr lang="en-US" sz="3200" smtClean="0"/>
+              <a:t>and Investigating a </a:t>
+            </a:r>
+            <a:r>
+              <a:rPr lang="en-US" sz="3200" dirty="0" smtClean="0"/>
+              <a:t>Prediction Model</a:t>
             </a:r>
             <a:endParaRPr lang="en-US" sz="3200" dirty="0"/>
           </a:p>
@@ -3979,6 +4336,18 @@
   <p:clrMapOvr>
     <a:masterClrMapping/>
   </p:clrMapOvr>
+  <mc:AlternateContent xmlns:mc="http://schemas.openxmlformats.org/markup-compatibility/2006">
+    <mc:Choice xmlns:p14="http://schemas.microsoft.com/office/powerpoint/2010/main" Requires="p14">
+      <p:transition spd="med" p14:dur="700">
+        <p:fade/>
+      </p:transition>
+    </mc:Choice>
+    <mc:Fallback>
+      <p:transition spd="med">
+        <p:fade/>
+      </p:transition>
+    </mc:Fallback>
+  </mc:AlternateContent>
   <p:timing>
     <p:tnLst>
       <p:par>
@@ -4006,66 +4375,6 @@
           <a:chExt cx="0" cy="0"/>
         </a:xfrm>
       </p:grpSpPr>
-      <p:pic>
-        <p:nvPicPr>
-          <p:cNvPr id="14" name="Picture 13"/>
-          <p:cNvPicPr>
-            <a:picLocks noChangeAspect="1"/>
-          </p:cNvPicPr>
-          <p:nvPr/>
-        </p:nvPicPr>
-        <p:blipFill>
-          <a:blip r:embed="rId2" cstate="print">
-            <a:extLst>
-              <a:ext uri="{28A0092B-C50C-407E-A947-70E740481C1C}">
-                <a14:useLocalDpi xmlns:a14="http://schemas.microsoft.com/office/drawing/2010/main" val="0"/>
-              </a:ext>
-            </a:extLst>
-          </a:blip>
-          <a:stretch>
-            <a:fillRect/>
-          </a:stretch>
-        </p:blipFill>
-        <p:spPr>
-          <a:xfrm>
-            <a:off x="4629462" y="3962400"/>
-            <a:ext cx="2990538" cy="2895600"/>
-          </a:xfrm>
-          <a:prstGeom prst="rect">
-            <a:avLst/>
-          </a:prstGeom>
-        </p:spPr>
-      </p:pic>
-      <p:pic>
-        <p:nvPicPr>
-          <p:cNvPr id="12" name="Picture 11"/>
-          <p:cNvPicPr>
-            <a:picLocks noChangeAspect="1"/>
-          </p:cNvPicPr>
-          <p:nvPr/>
-        </p:nvPicPr>
-        <p:blipFill>
-          <a:blip r:embed="rId3" cstate="print">
-            <a:extLst>
-              <a:ext uri="{28A0092B-C50C-407E-A947-70E740481C1C}">
-                <a14:useLocalDpi xmlns:a14="http://schemas.microsoft.com/office/drawing/2010/main" val="0"/>
-              </a:ext>
-            </a:extLst>
-          </a:blip>
-          <a:stretch>
-            <a:fillRect/>
-          </a:stretch>
-        </p:blipFill>
-        <p:spPr>
-          <a:xfrm>
-            <a:off x="1600200" y="3962400"/>
-            <a:ext cx="3010767" cy="2915187"/>
-          </a:xfrm>
-          <a:prstGeom prst="rect">
-            <a:avLst/>
-          </a:prstGeom>
-        </p:spPr>
-      </p:pic>
       <p:sp>
         <p:nvSpPr>
           <p:cNvPr id="2" name="Title 1"/>
@@ -4088,7 +4397,7 @@
           <a:p>
             <a:r>
               <a:rPr lang="en-CA" dirty="0" smtClean="0"/>
-              <a:t>Results: Volatility ~ Quality Metrics</a:t>
+              <a:t>Design</a:t>
             </a:r>
             <a:endParaRPr lang="en-US" dirty="0"/>
           </a:p>
@@ -4103,7 +4412,7 @@
           <p:nvPr/>
         </p:nvPicPr>
         <p:blipFill>
-          <a:blip r:embed="rId4" cstate="print">
+          <a:blip r:embed="rId3">
             <a:extLst>
               <a:ext uri="{28A0092B-C50C-407E-A947-70E740481C1C}">
                 <a14:useLocalDpi xmlns:a14="http://schemas.microsoft.com/office/drawing/2010/main" val="0"/>
@@ -4116,38 +4425,8 @@
         </p:blipFill>
         <p:spPr>
           <a:xfrm>
-            <a:off x="381000" y="1190172"/>
-            <a:ext cx="2971800" cy="2877457"/>
-          </a:xfrm>
-          <a:prstGeom prst="rect">
-            <a:avLst/>
-          </a:prstGeom>
-        </p:spPr>
-      </p:pic>
-      <p:pic>
-        <p:nvPicPr>
-          <p:cNvPr id="6" name="Picture 5"/>
-          <p:cNvPicPr>
-            <a:picLocks noChangeAspect="1"/>
-          </p:cNvPicPr>
-          <p:nvPr/>
-        </p:nvPicPr>
-        <p:blipFill>
-          <a:blip r:embed="rId5" cstate="print">
-            <a:extLst>
-              <a:ext uri="{28A0092B-C50C-407E-A947-70E740481C1C}">
-                <a14:useLocalDpi xmlns:a14="http://schemas.microsoft.com/office/drawing/2010/main" val="0"/>
-              </a:ext>
-            </a:extLst>
-          </a:blip>
-          <a:stretch>
-            <a:fillRect/>
-          </a:stretch>
-        </p:blipFill>
-        <p:spPr>
-          <a:xfrm>
-            <a:off x="3124200" y="1143000"/>
-            <a:ext cx="3069236" cy="2971800"/>
+            <a:off x="0" y="1066800"/>
+            <a:ext cx="9144000" cy="5492642"/>
           </a:xfrm>
           <a:prstGeom prst="rect">
             <a:avLst/>
@@ -4156,267 +4435,453 @@
       </p:pic>
       <p:sp>
         <p:nvSpPr>
-          <p:cNvPr id="5" name="TextBox 4"/>
-          <p:cNvSpPr txBox="1"/>
+          <p:cNvPr id="5" name="Rectangle 4"/>
+          <p:cNvSpPr/>
           <p:nvPr/>
         </p:nvSpPr>
         <p:spPr>
           <a:xfrm>
-            <a:off x="3742798" y="1190172"/>
-            <a:ext cx="1832040" cy="369332"/>
+            <a:off x="457200" y="3429000"/>
+            <a:ext cx="8686800" cy="3276600"/>
           </a:xfrm>
           <a:prstGeom prst="rect">
             <a:avLst/>
           </a:prstGeom>
+          <a:solidFill>
+            <a:schemeClr val="accent1">
+              <a:alpha val="15000"/>
+            </a:schemeClr>
+          </a:solidFill>
         </p:spPr>
         <p:style>
           <a:lnRef idx="2">
-            <a:schemeClr val="dk1"/>
+            <a:schemeClr val="accent1">
+              <a:shade val="50000"/>
+            </a:schemeClr>
           </a:lnRef>
           <a:fillRef idx="1">
-            <a:schemeClr val="lt1"/>
+            <a:schemeClr val="accent1"/>
           </a:fillRef>
           <a:effectRef idx="0">
-            <a:schemeClr val="dk1"/>
+            <a:schemeClr val="accent1"/>
           </a:effectRef>
           <a:fontRef idx="minor">
-            <a:schemeClr val="dk1"/>
+            <a:schemeClr val="lt1"/>
           </a:fontRef>
         </p:style>
         <p:txBody>
-          <a:bodyPr wrap="none" rtlCol="0">
-            <a:spAutoFit/>
-          </a:bodyPr>
+          <a:bodyPr rtlCol="0" anchor="ctr"/>
           <a:lstStyle/>
           <a:p>
-            <a:r>
-              <a:rPr lang="en-CA" dirty="0" smtClean="0"/>
-              <a:t>LCOM Henderson</a:t>
-            </a:r>
-            <a:endParaRPr lang="en-US" dirty="0"/>
+            <a:pPr algn="ctr"/>
+            <a:endParaRPr lang="en-US"/>
           </a:p>
         </p:txBody>
       </p:sp>
       <p:sp>
         <p:nvSpPr>
-          <p:cNvPr id="9" name="TextBox 8"/>
-          <p:cNvSpPr txBox="1"/>
+          <p:cNvPr id="6" name="Rectangle 5"/>
+          <p:cNvSpPr/>
           <p:nvPr/>
         </p:nvSpPr>
         <p:spPr>
           <a:xfrm>
-            <a:off x="1491508" y="1190172"/>
-            <a:ext cx="750783" cy="369332"/>
+            <a:off x="3581400" y="914400"/>
+            <a:ext cx="2286000" cy="2667000"/>
           </a:xfrm>
           <a:prstGeom prst="rect">
             <a:avLst/>
           </a:prstGeom>
+          <a:solidFill>
+            <a:schemeClr val="accent3">
+              <a:alpha val="15000"/>
+            </a:schemeClr>
+          </a:solidFill>
         </p:spPr>
         <p:style>
           <a:lnRef idx="2">
-            <a:schemeClr val="dk1"/>
+            <a:schemeClr val="accent3">
+              <a:shade val="50000"/>
+            </a:schemeClr>
           </a:lnRef>
           <a:fillRef idx="1">
-            <a:schemeClr val="lt1"/>
+            <a:schemeClr val="accent3"/>
           </a:fillRef>
           <a:effectRef idx="0">
-            <a:schemeClr val="dk1"/>
+            <a:schemeClr val="accent3"/>
           </a:effectRef>
           <a:fontRef idx="minor">
-            <a:schemeClr val="dk1"/>
+            <a:schemeClr val="lt1"/>
           </a:fontRef>
         </p:style>
         <p:txBody>
-          <a:bodyPr wrap="none" rtlCol="0">
-            <a:spAutoFit/>
-          </a:bodyPr>
+          <a:bodyPr rtlCol="0" anchor="ctr"/>
           <a:lstStyle/>
           <a:p>
-            <a:r>
-              <a:rPr lang="en-CA" dirty="0" smtClean="0"/>
-              <a:t>LCOM</a:t>
-            </a:r>
-            <a:endParaRPr lang="en-US" dirty="0"/>
+            <a:pPr algn="ctr"/>
+            <a:endParaRPr lang="en-US"/>
           </a:p>
         </p:txBody>
       </p:sp>
-      <p:pic>
-        <p:nvPicPr>
-          <p:cNvPr id="10" name="Picture 9"/>
-          <p:cNvPicPr>
-            <a:picLocks noChangeAspect="1"/>
-          </p:cNvPicPr>
+      <p:sp>
+        <p:nvSpPr>
+          <p:cNvPr id="7" name="Rectangle 6"/>
+          <p:cNvSpPr/>
           <p:nvPr/>
-        </p:nvPicPr>
-        <p:blipFill>
-          <a:blip r:embed="rId6" cstate="print">
-            <a:extLst>
-              <a:ext uri="{28A0092B-C50C-407E-A947-70E740481C1C}">
-                <a14:useLocalDpi xmlns:a14="http://schemas.microsoft.com/office/drawing/2010/main" val="0"/>
-              </a:ext>
-            </a:extLst>
-          </a:blip>
-          <a:stretch>
-            <a:fillRect/>
-          </a:stretch>
-        </p:blipFill>
+        </p:nvSpPr>
         <p:spPr>
           <a:xfrm>
-            <a:off x="5943599" y="1081080"/>
-            <a:ext cx="3133185" cy="3033719"/>
+            <a:off x="0" y="1295400"/>
+            <a:ext cx="3255666" cy="1752600"/>
           </a:xfrm>
           <a:prstGeom prst="rect">
             <a:avLst/>
           </a:prstGeom>
+          <a:solidFill>
+            <a:schemeClr val="accent6">
+              <a:alpha val="15000"/>
+            </a:schemeClr>
+          </a:solidFill>
         </p:spPr>
-      </p:pic>
+        <p:style>
+          <a:lnRef idx="2">
+            <a:schemeClr val="accent6">
+              <a:shade val="50000"/>
+            </a:schemeClr>
+          </a:lnRef>
+          <a:fillRef idx="1">
+            <a:schemeClr val="accent6"/>
+          </a:fillRef>
+          <a:effectRef idx="0">
+            <a:schemeClr val="accent6"/>
+          </a:effectRef>
+          <a:fontRef idx="minor">
+            <a:schemeClr val="lt1"/>
+          </a:fontRef>
+        </p:style>
+        <p:txBody>
+          <a:bodyPr rtlCol="0" anchor="ctr"/>
+          <a:lstStyle/>
+          <a:p>
+            <a:pPr algn="ctr"/>
+            <a:endParaRPr lang="en-US"/>
+          </a:p>
+        </p:txBody>
+      </p:sp>
       <p:sp>
         <p:nvSpPr>
-          <p:cNvPr id="11" name="TextBox 10"/>
-          <p:cNvSpPr txBox="1"/>
+          <p:cNvPr id="8" name="Rounded Rectangle 7"/>
+          <p:cNvSpPr/>
           <p:nvPr/>
         </p:nvSpPr>
         <p:spPr>
           <a:xfrm>
-            <a:off x="6983444" y="1190172"/>
-            <a:ext cx="1053494" cy="369332"/>
+            <a:off x="6705600" y="1676400"/>
+            <a:ext cx="1219200" cy="838200"/>
           </a:xfrm>
-          <a:prstGeom prst="rect">
+          <a:prstGeom prst="roundRect">
             <a:avLst/>
           </a:prstGeom>
+          <a:solidFill>
+            <a:schemeClr val="accent4">
+              <a:alpha val="15000"/>
+            </a:schemeClr>
+          </a:solidFill>
         </p:spPr>
         <p:style>
           <a:lnRef idx="2">
-            <a:schemeClr val="dk1"/>
+            <a:schemeClr val="accent4">
+              <a:shade val="50000"/>
+            </a:schemeClr>
           </a:lnRef>
           <a:fillRef idx="1">
-            <a:schemeClr val="lt1"/>
+            <a:schemeClr val="accent4"/>
           </a:fillRef>
           <a:effectRef idx="0">
-            <a:schemeClr val="dk1"/>
+            <a:schemeClr val="accent4"/>
           </a:effectRef>
           <a:fontRef idx="minor">
-            <a:schemeClr val="dk1"/>
+            <a:schemeClr val="lt1"/>
           </a:fontRef>
         </p:style>
         <p:txBody>
-          <a:bodyPr wrap="none" rtlCol="0">
-            <a:spAutoFit/>
-          </a:bodyPr>
+          <a:bodyPr rtlCol="0" anchor="ctr"/>
           <a:lstStyle/>
           <a:p>
-            <a:r>
-              <a:rPr lang="en-CA" dirty="0" smtClean="0"/>
-              <a:t>Cohesion</a:t>
-            </a:r>
-            <a:endParaRPr lang="en-US" dirty="0"/>
-          </a:p>
-        </p:txBody>
-      </p:sp>
-      <p:sp>
-        <p:nvSpPr>
-          <p:cNvPr id="13" name="TextBox 12"/>
-          <p:cNvSpPr txBox="1"/>
-          <p:nvPr/>
-        </p:nvSpPr>
-        <p:spPr>
-          <a:xfrm>
-            <a:off x="2819400" y="4038600"/>
-            <a:ext cx="734299" cy="369332"/>
-          </a:xfrm>
-          <a:prstGeom prst="rect">
-            <a:avLst/>
-          </a:prstGeom>
-        </p:spPr>
-        <p:style>
-          <a:lnRef idx="2">
-            <a:schemeClr val="dk1"/>
-          </a:lnRef>
-          <a:fillRef idx="1">
-            <a:schemeClr val="lt1"/>
-          </a:fillRef>
-          <a:effectRef idx="0">
-            <a:schemeClr val="dk1"/>
-          </a:effectRef>
-          <a:fontRef idx="minor">
-            <a:schemeClr val="dk1"/>
-          </a:fontRef>
-        </p:style>
-        <p:txBody>
-          <a:bodyPr wrap="square" rtlCol="0">
-            <a:spAutoFit/>
-          </a:bodyPr>
-          <a:lstStyle/>
-          <a:p>
             <a:pPr algn="ctr"/>
-            <a:r>
-              <a:rPr lang="en-CA" dirty="0" smtClean="0"/>
-              <a:t>RFC</a:t>
-            </a:r>
-            <a:endParaRPr lang="en-US" dirty="0"/>
-          </a:p>
-        </p:txBody>
-      </p:sp>
-      <p:sp>
-        <p:nvSpPr>
-          <p:cNvPr id="15" name="TextBox 14"/>
-          <p:cNvSpPr txBox="1"/>
-          <p:nvPr/>
-        </p:nvSpPr>
-        <p:spPr>
-          <a:xfrm>
-            <a:off x="5562600" y="4038600"/>
-            <a:ext cx="1267699" cy="369332"/>
-          </a:xfrm>
-          <a:prstGeom prst="rect">
-            <a:avLst/>
-          </a:prstGeom>
-        </p:spPr>
-        <p:style>
-          <a:lnRef idx="2">
-            <a:schemeClr val="dk1"/>
-          </a:lnRef>
-          <a:fillRef idx="1">
-            <a:schemeClr val="lt1"/>
-          </a:fillRef>
-          <a:effectRef idx="0">
-            <a:schemeClr val="dk1"/>
-          </a:effectRef>
-          <a:fontRef idx="minor">
-            <a:schemeClr val="dk1"/>
-          </a:fontRef>
-        </p:style>
-        <p:txBody>
-          <a:bodyPr wrap="square" rtlCol="0">
-            <a:spAutoFit/>
-          </a:bodyPr>
-          <a:lstStyle/>
-          <a:p>
-            <a:pPr algn="ctr"/>
-            <a:r>
-              <a:rPr lang="en-CA" dirty="0" smtClean="0"/>
-              <a:t>Size / LOC</a:t>
-            </a:r>
-            <a:endParaRPr lang="en-US" dirty="0"/>
+            <a:endParaRPr lang="en-US"/>
           </a:p>
         </p:txBody>
       </p:sp>
     </p:spTree>
     <p:extLst>
       <p:ext uri="{BB962C8B-B14F-4D97-AF65-F5344CB8AC3E}">
-        <p14:creationId xmlns:p14="http://schemas.microsoft.com/office/powerpoint/2010/main" val="1940838850"/>
+        <p14:creationId xmlns:p14="http://schemas.microsoft.com/office/powerpoint/2010/main" val="809616489"/>
       </p:ext>
     </p:extLst>
   </p:cSld>
   <p:clrMapOvr>
     <a:masterClrMapping/>
   </p:clrMapOvr>
+  <mc:AlternateContent xmlns:mc="http://schemas.openxmlformats.org/markup-compatibility/2006">
+    <mc:Choice xmlns:p14="http://schemas.microsoft.com/office/powerpoint/2010/main" Requires="p14">
+      <p:transition spd="med" p14:dur="700">
+        <p:fade/>
+      </p:transition>
+    </mc:Choice>
+    <mc:Fallback>
+      <p:transition spd="med">
+        <p:fade/>
+      </p:transition>
+    </mc:Fallback>
+  </mc:AlternateContent>
   <p:timing>
     <p:tnLst>
       <p:par>
-        <p:cTn id="1" dur="indefinite" restart="never" nodeType="tmRoot"/>
+        <p:cTn id="1" dur="indefinite" restart="never" nodeType="tmRoot">
+          <p:childTnLst>
+            <p:seq concurrent="1" nextAc="seek">
+              <p:cTn id="2" dur="indefinite" nodeType="mainSeq">
+                <p:childTnLst>
+                  <p:par>
+                    <p:cTn id="3" fill="hold">
+                      <p:stCondLst>
+                        <p:cond delay="indefinite"/>
+                      </p:stCondLst>
+                      <p:childTnLst>
+                        <p:par>
+                          <p:cTn id="4" fill="hold">
+                            <p:stCondLst>
+                              <p:cond delay="0"/>
+                            </p:stCondLst>
+                            <p:childTnLst>
+                              <p:par>
+                                <p:cTn id="5" presetID="10" presetClass="entr" presetSubtype="0" fill="hold" grpId="0" nodeType="clickEffect">
+                                  <p:stCondLst>
+                                    <p:cond delay="0"/>
+                                  </p:stCondLst>
+                                  <p:childTnLst>
+                                    <p:set>
+                                      <p:cBhvr>
+                                        <p:cTn id="6" dur="1" fill="hold">
+                                          <p:stCondLst>
+                                            <p:cond delay="0"/>
+                                          </p:stCondLst>
+                                        </p:cTn>
+                                        <p:tgtEl>
+                                          <p:spTgt spid="8"/>
+                                        </p:tgtEl>
+                                        <p:attrNameLst>
+                                          <p:attrName>style.visibility</p:attrName>
+                                        </p:attrNameLst>
+                                      </p:cBhvr>
+                                      <p:to>
+                                        <p:strVal val="visible"/>
+                                      </p:to>
+                                    </p:set>
+                                    <p:animEffect transition="in" filter="fade">
+                                      <p:cBhvr>
+                                        <p:cTn id="7" dur="500"/>
+                                        <p:tgtEl>
+                                          <p:spTgt spid="8"/>
+                                        </p:tgtEl>
+                                      </p:cBhvr>
+                                    </p:animEffect>
+                                  </p:childTnLst>
+                                </p:cTn>
+                              </p:par>
+                            </p:childTnLst>
+                          </p:cTn>
+                        </p:par>
+                      </p:childTnLst>
+                    </p:cTn>
+                  </p:par>
+                  <p:par>
+                    <p:cTn id="8" fill="hold">
+                      <p:stCondLst>
+                        <p:cond delay="indefinite"/>
+                      </p:stCondLst>
+                      <p:childTnLst>
+                        <p:par>
+                          <p:cTn id="9" fill="hold">
+                            <p:stCondLst>
+                              <p:cond delay="0"/>
+                            </p:stCondLst>
+                            <p:childTnLst>
+                              <p:par>
+                                <p:cTn id="10" presetID="10" presetClass="entr" presetSubtype="0" fill="hold" grpId="0" nodeType="clickEffect">
+                                  <p:stCondLst>
+                                    <p:cond delay="0"/>
+                                  </p:stCondLst>
+                                  <p:childTnLst>
+                                    <p:set>
+                                      <p:cBhvr>
+                                        <p:cTn id="11" dur="1" fill="hold">
+                                          <p:stCondLst>
+                                            <p:cond delay="0"/>
+                                          </p:stCondLst>
+                                        </p:cTn>
+                                        <p:tgtEl>
+                                          <p:spTgt spid="5"/>
+                                        </p:tgtEl>
+                                        <p:attrNameLst>
+                                          <p:attrName>style.visibility</p:attrName>
+                                        </p:attrNameLst>
+                                      </p:cBhvr>
+                                      <p:to>
+                                        <p:strVal val="visible"/>
+                                      </p:to>
+                                    </p:set>
+                                    <p:animEffect transition="in" filter="fade">
+                                      <p:cBhvr>
+                                        <p:cTn id="12" dur="500"/>
+                                        <p:tgtEl>
+                                          <p:spTgt spid="5"/>
+                                        </p:tgtEl>
+                                      </p:cBhvr>
+                                    </p:animEffect>
+                                  </p:childTnLst>
+                                </p:cTn>
+                              </p:par>
+                            </p:childTnLst>
+                          </p:cTn>
+                        </p:par>
+                      </p:childTnLst>
+                    </p:cTn>
+                  </p:par>
+                  <p:par>
+                    <p:cTn id="13" fill="hold">
+                      <p:stCondLst>
+                        <p:cond delay="indefinite"/>
+                      </p:stCondLst>
+                      <p:childTnLst>
+                        <p:par>
+                          <p:cTn id="14" fill="hold">
+                            <p:stCondLst>
+                              <p:cond delay="0"/>
+                            </p:stCondLst>
+                            <p:childTnLst>
+                              <p:par>
+                                <p:cTn id="15" presetID="10" presetClass="entr" presetSubtype="0" fill="hold" grpId="0" nodeType="clickEffect">
+                                  <p:stCondLst>
+                                    <p:cond delay="0"/>
+                                  </p:stCondLst>
+                                  <p:childTnLst>
+                                    <p:set>
+                                      <p:cBhvr>
+                                        <p:cTn id="16" dur="1" fill="hold">
+                                          <p:stCondLst>
+                                            <p:cond delay="0"/>
+                                          </p:stCondLst>
+                                        </p:cTn>
+                                        <p:tgtEl>
+                                          <p:spTgt spid="6"/>
+                                        </p:tgtEl>
+                                        <p:attrNameLst>
+                                          <p:attrName>style.visibility</p:attrName>
+                                        </p:attrNameLst>
+                                      </p:cBhvr>
+                                      <p:to>
+                                        <p:strVal val="visible"/>
+                                      </p:to>
+                                    </p:set>
+                                    <p:animEffect transition="in" filter="fade">
+                                      <p:cBhvr>
+                                        <p:cTn id="17" dur="500"/>
+                                        <p:tgtEl>
+                                          <p:spTgt spid="6"/>
+                                        </p:tgtEl>
+                                      </p:cBhvr>
+                                    </p:animEffect>
+                                  </p:childTnLst>
+                                </p:cTn>
+                              </p:par>
+                            </p:childTnLst>
+                          </p:cTn>
+                        </p:par>
+                      </p:childTnLst>
+                    </p:cTn>
+                  </p:par>
+                  <p:par>
+                    <p:cTn id="18" fill="hold">
+                      <p:stCondLst>
+                        <p:cond delay="indefinite"/>
+                      </p:stCondLst>
+                      <p:childTnLst>
+                        <p:par>
+                          <p:cTn id="19" fill="hold">
+                            <p:stCondLst>
+                              <p:cond delay="0"/>
+                            </p:stCondLst>
+                            <p:childTnLst>
+                              <p:par>
+                                <p:cTn id="20" presetID="10" presetClass="entr" presetSubtype="0" fill="hold" grpId="0" nodeType="clickEffect">
+                                  <p:stCondLst>
+                                    <p:cond delay="0"/>
+                                  </p:stCondLst>
+                                  <p:childTnLst>
+                                    <p:set>
+                                      <p:cBhvr>
+                                        <p:cTn id="21" dur="1" fill="hold">
+                                          <p:stCondLst>
+                                            <p:cond delay="0"/>
+                                          </p:stCondLst>
+                                        </p:cTn>
+                                        <p:tgtEl>
+                                          <p:spTgt spid="7"/>
+                                        </p:tgtEl>
+                                        <p:attrNameLst>
+                                          <p:attrName>style.visibility</p:attrName>
+                                        </p:attrNameLst>
+                                      </p:cBhvr>
+                                      <p:to>
+                                        <p:strVal val="visible"/>
+                                      </p:to>
+                                    </p:set>
+                                    <p:animEffect transition="in" filter="fade">
+                                      <p:cBhvr>
+                                        <p:cTn id="22" dur="500"/>
+                                        <p:tgtEl>
+                                          <p:spTgt spid="7"/>
+                                        </p:tgtEl>
+                                      </p:cBhvr>
+                                    </p:animEffect>
+                                  </p:childTnLst>
+                                </p:cTn>
+                              </p:par>
+                            </p:childTnLst>
+                          </p:cTn>
+                        </p:par>
+                      </p:childTnLst>
+                    </p:cTn>
+                  </p:par>
+                </p:childTnLst>
+              </p:cTn>
+              <p:prevCondLst>
+                <p:cond evt="onPrev" delay="0">
+                  <p:tgtEl>
+                    <p:sldTgt/>
+                  </p:tgtEl>
+                </p:cond>
+              </p:prevCondLst>
+              <p:nextCondLst>
+                <p:cond evt="onNext" delay="0">
+                  <p:tgtEl>
+                    <p:sldTgt/>
+                  </p:tgtEl>
+                </p:cond>
+              </p:nextCondLst>
+            </p:seq>
+          </p:childTnLst>
+        </p:cTn>
       </p:par>
     </p:tnLst>
+    <p:bldLst>
+      <p:bldP spid="5" grpId="0" animBg="1"/>
+      <p:bldP spid="6" grpId="0" animBg="1"/>
+      <p:bldP spid="7" grpId="0" animBg="1"/>
+      <p:bldP spid="8" grpId="0" animBg="1"/>
+    </p:bldLst>
   </p:timing>
 </p:sld>
 </file>
@@ -4455,7 +4920,7 @@
           <a:p>
             <a:r>
               <a:rPr lang="en-CA" dirty="0" smtClean="0"/>
-              <a:t>Results Discussion</a:t>
+              <a:t>Association Rules</a:t>
             </a:r>
             <a:endParaRPr lang="en-US" dirty="0"/>
           </a:p>
@@ -4478,6 +4943,5009 @@
           <a:p>
             <a:r>
               <a:rPr lang="en-CA" dirty="0" smtClean="0"/>
+              <a:t>Code </a:t>
+            </a:r>
+            <a:r>
+              <a:rPr lang="en-CA" dirty="0"/>
+              <a:t>elements </a:t>
+            </a:r>
+            <a:r>
+              <a:rPr lang="en-CA" dirty="0" smtClean="0"/>
+              <a:t>changed </a:t>
+            </a:r>
+            <a:r>
+              <a:rPr lang="en-CA" dirty="0"/>
+              <a:t>in </a:t>
+            </a:r>
+            <a:r>
+              <a:rPr lang="en-CA" dirty="0" smtClean="0"/>
+              <a:t>a single commit </a:t>
+            </a:r>
+            <a:r>
+              <a:rPr lang="en-CA" dirty="0"/>
+              <a:t>are taken as one </a:t>
+            </a:r>
+            <a:r>
+              <a:rPr lang="en-CA" dirty="0" smtClean="0"/>
+              <a:t>transaction</a:t>
+            </a:r>
+          </a:p>
+          <a:p>
+            <a:r>
+              <a:rPr lang="en-CA" dirty="0" smtClean="0"/>
+              <a:t>Created </a:t>
+            </a:r>
+            <a:r>
+              <a:rPr lang="en-CA" dirty="0"/>
+              <a:t>three different </a:t>
+            </a:r>
+            <a:r>
+              <a:rPr lang="en-CA" dirty="0" smtClean="0"/>
+              <a:t>files </a:t>
+            </a:r>
+            <a:r>
+              <a:rPr lang="en-CA" dirty="0"/>
+              <a:t>for four different versions of apache ant. </a:t>
+            </a:r>
+            <a:endParaRPr lang="en-CA" dirty="0" smtClean="0"/>
+          </a:p>
+          <a:p>
+            <a:r>
+              <a:rPr lang="en-CA" dirty="0" smtClean="0"/>
+              <a:t>Applied </a:t>
+            </a:r>
+            <a:r>
+              <a:rPr lang="en-CA" dirty="0" err="1" smtClean="0"/>
+              <a:t>Apriori</a:t>
+            </a:r>
+            <a:r>
+              <a:rPr lang="en-CA" dirty="0" smtClean="0"/>
+              <a:t> </a:t>
+            </a:r>
+            <a:r>
+              <a:rPr lang="en-CA" dirty="0"/>
+              <a:t>algorithm to get the association </a:t>
+            </a:r>
+            <a:r>
+              <a:rPr lang="en-CA" dirty="0" smtClean="0"/>
+              <a:t>rule</a:t>
+            </a:r>
+          </a:p>
+          <a:p>
+            <a:pPr lvl="1"/>
+            <a:r>
+              <a:rPr lang="en-CA" dirty="0" smtClean="0"/>
+              <a:t>Minimum support: 9</a:t>
+            </a:r>
+            <a:r>
+              <a:rPr lang="en-CA" dirty="0"/>
+              <a:t>% </a:t>
+            </a:r>
+            <a:endParaRPr lang="en-CA" dirty="0" smtClean="0"/>
+          </a:p>
+          <a:p>
+            <a:pPr lvl="1"/>
+            <a:r>
+              <a:rPr lang="en-CA" dirty="0"/>
+              <a:t>M</a:t>
+            </a:r>
+            <a:r>
+              <a:rPr lang="en-CA" dirty="0" smtClean="0"/>
+              <a:t>inimum confidence: 50%. </a:t>
+            </a:r>
+            <a:endParaRPr lang="en-US" dirty="0"/>
+          </a:p>
+        </p:txBody>
+      </p:sp>
+    </p:spTree>
+    <p:extLst>
+      <p:ext uri="{BB962C8B-B14F-4D97-AF65-F5344CB8AC3E}">
+        <p14:creationId xmlns:p14="http://schemas.microsoft.com/office/powerpoint/2010/main" val="827279922"/>
+      </p:ext>
+    </p:extLst>
+  </p:cSld>
+  <p:clrMapOvr>
+    <a:masterClrMapping/>
+  </p:clrMapOvr>
+  <mc:AlternateContent xmlns:mc="http://schemas.openxmlformats.org/markup-compatibility/2006">
+    <mc:Choice xmlns:p14="http://schemas.microsoft.com/office/powerpoint/2010/main" Requires="p14">
+      <p:transition spd="med" p14:dur="700">
+        <p:fade/>
+      </p:transition>
+    </mc:Choice>
+    <mc:Fallback>
+      <p:transition spd="med">
+        <p:fade/>
+      </p:transition>
+    </mc:Fallback>
+  </mc:AlternateContent>
+  <p:timing>
+    <p:tnLst>
+      <p:par>
+        <p:cTn id="1" dur="indefinite" restart="never" nodeType="tmRoot"/>
+      </p:par>
+    </p:tnLst>
+  </p:timing>
+</p:sld>
+</file>
+
+<file path=ppt/slides/slide12.xml><?xml version="1.0" encoding="utf-8"?>
+<p:sld xmlns:a="http://schemas.openxmlformats.org/drawingml/2006/main" xmlns:r="http://schemas.openxmlformats.org/officeDocument/2006/relationships" xmlns:p="http://schemas.openxmlformats.org/presentationml/2006/main">
+  <p:cSld>
+    <p:spTree>
+      <p:nvGrpSpPr>
+        <p:cNvPr id="1" name=""/>
+        <p:cNvGrpSpPr/>
+        <p:nvPr/>
+      </p:nvGrpSpPr>
+      <p:grpSpPr>
+        <a:xfrm>
+          <a:off x="0" y="0"/>
+          <a:ext cx="0" cy="0"/>
+          <a:chOff x="0" y="0"/>
+          <a:chExt cx="0" cy="0"/>
+        </a:xfrm>
+      </p:grpSpPr>
+      <p:sp>
+        <p:nvSpPr>
+          <p:cNvPr id="2" name="Title 1"/>
+          <p:cNvSpPr>
+            <a:spLocks noGrp="1"/>
+          </p:cNvSpPr>
+          <p:nvPr>
+            <p:ph type="title"/>
+          </p:nvPr>
+        </p:nvSpPr>
+        <p:spPr>
+          <a:xfrm>
+            <a:off x="457200" y="-76200"/>
+            <a:ext cx="8229600" cy="1143000"/>
+          </a:xfrm>
+        </p:spPr>
+        <p:txBody>
+          <a:bodyPr/>
+          <a:lstStyle/>
+          <a:p>
+            <a:r>
+              <a:rPr lang="en-CA" dirty="0" smtClean="0"/>
+              <a:t>Results: Volatility ~ Quality Metrics</a:t>
+            </a:r>
+            <a:endParaRPr lang="en-US" dirty="0"/>
+          </a:p>
+        </p:txBody>
+      </p:sp>
+      <p:grpSp>
+        <p:nvGrpSpPr>
+          <p:cNvPr id="17" name="Group 16"/>
+          <p:cNvGrpSpPr/>
+          <p:nvPr/>
+        </p:nvGrpSpPr>
+        <p:grpSpPr>
+          <a:xfrm>
+            <a:off x="5846164" y="1190172"/>
+            <a:ext cx="3069236" cy="2971800"/>
+            <a:chOff x="3124200" y="1143000"/>
+            <a:chExt cx="3069236" cy="2971800"/>
+          </a:xfrm>
+        </p:grpSpPr>
+        <p:pic>
+          <p:nvPicPr>
+            <p:cNvPr id="6" name="Picture 5"/>
+            <p:cNvPicPr>
+              <a:picLocks noChangeAspect="1"/>
+            </p:cNvPicPr>
+            <p:nvPr/>
+          </p:nvPicPr>
+          <p:blipFill>
+            <a:blip r:embed="rId2" cstate="print">
+              <a:extLst>
+                <a:ext uri="{28A0092B-C50C-407E-A947-70E740481C1C}">
+                  <a14:useLocalDpi xmlns:a14="http://schemas.microsoft.com/office/drawing/2010/main" val="0"/>
+                </a:ext>
+              </a:extLst>
+            </a:blip>
+            <a:stretch>
+              <a:fillRect/>
+            </a:stretch>
+          </p:blipFill>
+          <p:spPr>
+            <a:xfrm>
+              <a:off x="3124200" y="1143000"/>
+              <a:ext cx="3069236" cy="2971800"/>
+            </a:xfrm>
+            <a:prstGeom prst="rect">
+              <a:avLst/>
+            </a:prstGeom>
+          </p:spPr>
+        </p:pic>
+        <p:sp>
+          <p:nvSpPr>
+            <p:cNvPr id="5" name="TextBox 4"/>
+            <p:cNvSpPr txBox="1"/>
+            <p:nvPr/>
+          </p:nvSpPr>
+          <p:spPr>
+            <a:xfrm>
+              <a:off x="3742798" y="1190172"/>
+              <a:ext cx="1832040" cy="369332"/>
+            </a:xfrm>
+            <a:prstGeom prst="rect">
+              <a:avLst/>
+            </a:prstGeom>
+          </p:spPr>
+          <p:style>
+            <a:lnRef idx="2">
+              <a:schemeClr val="dk1"/>
+            </a:lnRef>
+            <a:fillRef idx="1">
+              <a:schemeClr val="lt1"/>
+            </a:fillRef>
+            <a:effectRef idx="0">
+              <a:schemeClr val="dk1"/>
+            </a:effectRef>
+            <a:fontRef idx="minor">
+              <a:schemeClr val="dk1"/>
+            </a:fontRef>
+          </p:style>
+          <p:txBody>
+            <a:bodyPr wrap="none" rtlCol="0">
+              <a:spAutoFit/>
+            </a:bodyPr>
+            <a:lstStyle/>
+            <a:p>
+              <a:r>
+                <a:rPr lang="en-CA" dirty="0" smtClean="0"/>
+                <a:t>LCOM Henderson</a:t>
+              </a:r>
+              <a:endParaRPr lang="en-US" dirty="0"/>
+            </a:p>
+          </p:txBody>
+        </p:sp>
+      </p:grpSp>
+      <p:grpSp>
+        <p:nvGrpSpPr>
+          <p:cNvPr id="16" name="Group 15"/>
+          <p:cNvGrpSpPr/>
+          <p:nvPr/>
+        </p:nvGrpSpPr>
+        <p:grpSpPr>
+          <a:xfrm>
+            <a:off x="3102964" y="1237344"/>
+            <a:ext cx="2971800" cy="2877457"/>
+            <a:chOff x="381000" y="1190172"/>
+            <a:chExt cx="2971800" cy="2877457"/>
+          </a:xfrm>
+        </p:grpSpPr>
+        <p:pic>
+          <p:nvPicPr>
+            <p:cNvPr id="4" name="Picture 3"/>
+            <p:cNvPicPr>
+              <a:picLocks noChangeAspect="1"/>
+            </p:cNvPicPr>
+            <p:nvPr/>
+          </p:nvPicPr>
+          <p:blipFill>
+            <a:blip r:embed="rId3" cstate="print">
+              <a:extLst>
+                <a:ext uri="{28A0092B-C50C-407E-A947-70E740481C1C}">
+                  <a14:useLocalDpi xmlns:a14="http://schemas.microsoft.com/office/drawing/2010/main" val="0"/>
+                </a:ext>
+              </a:extLst>
+            </a:blip>
+            <a:stretch>
+              <a:fillRect/>
+            </a:stretch>
+          </p:blipFill>
+          <p:spPr>
+            <a:xfrm>
+              <a:off x="381000" y="1190172"/>
+              <a:ext cx="2971800" cy="2877457"/>
+            </a:xfrm>
+            <a:prstGeom prst="rect">
+              <a:avLst/>
+            </a:prstGeom>
+          </p:spPr>
+        </p:pic>
+        <p:sp>
+          <p:nvSpPr>
+            <p:cNvPr id="9" name="TextBox 8"/>
+            <p:cNvSpPr txBox="1"/>
+            <p:nvPr/>
+          </p:nvSpPr>
+          <p:spPr>
+            <a:xfrm>
+              <a:off x="1491508" y="1190172"/>
+              <a:ext cx="750783" cy="369332"/>
+            </a:xfrm>
+            <a:prstGeom prst="rect">
+              <a:avLst/>
+            </a:prstGeom>
+          </p:spPr>
+          <p:style>
+            <a:lnRef idx="2">
+              <a:schemeClr val="dk1"/>
+            </a:lnRef>
+            <a:fillRef idx="1">
+              <a:schemeClr val="lt1"/>
+            </a:fillRef>
+            <a:effectRef idx="0">
+              <a:schemeClr val="dk1"/>
+            </a:effectRef>
+            <a:fontRef idx="minor">
+              <a:schemeClr val="dk1"/>
+            </a:fontRef>
+          </p:style>
+          <p:txBody>
+            <a:bodyPr wrap="none" rtlCol="0">
+              <a:spAutoFit/>
+            </a:bodyPr>
+            <a:lstStyle/>
+            <a:p>
+              <a:r>
+                <a:rPr lang="en-CA" dirty="0" smtClean="0"/>
+                <a:t>LCOM</a:t>
+              </a:r>
+              <a:endParaRPr lang="en-US" dirty="0"/>
+            </a:p>
+          </p:txBody>
+        </p:sp>
+      </p:grpSp>
+      <p:grpSp>
+        <p:nvGrpSpPr>
+          <p:cNvPr id="3" name="Group 2"/>
+          <p:cNvGrpSpPr/>
+          <p:nvPr/>
+        </p:nvGrpSpPr>
+        <p:grpSpPr>
+          <a:xfrm>
+            <a:off x="207364" y="1143000"/>
+            <a:ext cx="3133185" cy="3033719"/>
+            <a:chOff x="5943599" y="1081080"/>
+            <a:chExt cx="3133185" cy="3033719"/>
+          </a:xfrm>
+        </p:grpSpPr>
+        <p:pic>
+          <p:nvPicPr>
+            <p:cNvPr id="10" name="Picture 9"/>
+            <p:cNvPicPr>
+              <a:picLocks noChangeAspect="1"/>
+            </p:cNvPicPr>
+            <p:nvPr/>
+          </p:nvPicPr>
+          <p:blipFill>
+            <a:blip r:embed="rId4" cstate="print">
+              <a:extLst>
+                <a:ext uri="{28A0092B-C50C-407E-A947-70E740481C1C}">
+                  <a14:useLocalDpi xmlns:a14="http://schemas.microsoft.com/office/drawing/2010/main" val="0"/>
+                </a:ext>
+              </a:extLst>
+            </a:blip>
+            <a:stretch>
+              <a:fillRect/>
+            </a:stretch>
+          </p:blipFill>
+          <p:spPr>
+            <a:xfrm>
+              <a:off x="5943599" y="1081080"/>
+              <a:ext cx="3133185" cy="3033719"/>
+            </a:xfrm>
+            <a:prstGeom prst="rect">
+              <a:avLst/>
+            </a:prstGeom>
+          </p:spPr>
+        </p:pic>
+        <p:sp>
+          <p:nvSpPr>
+            <p:cNvPr id="11" name="TextBox 10"/>
+            <p:cNvSpPr txBox="1"/>
+            <p:nvPr/>
+          </p:nvSpPr>
+          <p:spPr>
+            <a:xfrm>
+              <a:off x="6983444" y="1190172"/>
+              <a:ext cx="1053494" cy="369332"/>
+            </a:xfrm>
+            <a:prstGeom prst="rect">
+              <a:avLst/>
+            </a:prstGeom>
+          </p:spPr>
+          <p:style>
+            <a:lnRef idx="2">
+              <a:schemeClr val="dk1"/>
+            </a:lnRef>
+            <a:fillRef idx="1">
+              <a:schemeClr val="lt1"/>
+            </a:fillRef>
+            <a:effectRef idx="0">
+              <a:schemeClr val="dk1"/>
+            </a:effectRef>
+            <a:fontRef idx="minor">
+              <a:schemeClr val="dk1"/>
+            </a:fontRef>
+          </p:style>
+          <p:txBody>
+            <a:bodyPr wrap="none" rtlCol="0">
+              <a:spAutoFit/>
+            </a:bodyPr>
+            <a:lstStyle/>
+            <a:p>
+              <a:r>
+                <a:rPr lang="en-CA" dirty="0" smtClean="0"/>
+                <a:t>Cohesion</a:t>
+              </a:r>
+              <a:endParaRPr lang="en-US" dirty="0"/>
+            </a:p>
+          </p:txBody>
+        </p:sp>
+      </p:grpSp>
+      <p:grpSp>
+        <p:nvGrpSpPr>
+          <p:cNvPr id="8" name="Group 7"/>
+          <p:cNvGrpSpPr/>
+          <p:nvPr/>
+        </p:nvGrpSpPr>
+        <p:grpSpPr>
+          <a:xfrm>
+            <a:off x="1600200" y="3962400"/>
+            <a:ext cx="3010767" cy="2915187"/>
+            <a:chOff x="1600200" y="3962400"/>
+            <a:chExt cx="3010767" cy="2915187"/>
+          </a:xfrm>
+        </p:grpSpPr>
+        <p:pic>
+          <p:nvPicPr>
+            <p:cNvPr id="12" name="Picture 11"/>
+            <p:cNvPicPr>
+              <a:picLocks noChangeAspect="1"/>
+            </p:cNvPicPr>
+            <p:nvPr/>
+          </p:nvPicPr>
+          <p:blipFill>
+            <a:blip r:embed="rId5" cstate="print">
+              <a:extLst>
+                <a:ext uri="{28A0092B-C50C-407E-A947-70E740481C1C}">
+                  <a14:useLocalDpi xmlns:a14="http://schemas.microsoft.com/office/drawing/2010/main" val="0"/>
+                </a:ext>
+              </a:extLst>
+            </a:blip>
+            <a:stretch>
+              <a:fillRect/>
+            </a:stretch>
+          </p:blipFill>
+          <p:spPr>
+            <a:xfrm>
+              <a:off x="1600200" y="3962400"/>
+              <a:ext cx="3010767" cy="2915187"/>
+            </a:xfrm>
+            <a:prstGeom prst="rect">
+              <a:avLst/>
+            </a:prstGeom>
+          </p:spPr>
+        </p:pic>
+        <p:sp>
+          <p:nvSpPr>
+            <p:cNvPr id="13" name="TextBox 12"/>
+            <p:cNvSpPr txBox="1"/>
+            <p:nvPr/>
+          </p:nvSpPr>
+          <p:spPr>
+            <a:xfrm>
+              <a:off x="2819400" y="4038600"/>
+              <a:ext cx="734299" cy="369332"/>
+            </a:xfrm>
+            <a:prstGeom prst="rect">
+              <a:avLst/>
+            </a:prstGeom>
+          </p:spPr>
+          <p:style>
+            <a:lnRef idx="2">
+              <a:schemeClr val="dk1"/>
+            </a:lnRef>
+            <a:fillRef idx="1">
+              <a:schemeClr val="lt1"/>
+            </a:fillRef>
+            <a:effectRef idx="0">
+              <a:schemeClr val="dk1"/>
+            </a:effectRef>
+            <a:fontRef idx="minor">
+              <a:schemeClr val="dk1"/>
+            </a:fontRef>
+          </p:style>
+          <p:txBody>
+            <a:bodyPr wrap="square" rtlCol="0">
+              <a:spAutoFit/>
+            </a:bodyPr>
+            <a:lstStyle/>
+            <a:p>
+              <a:pPr algn="ctr"/>
+              <a:r>
+                <a:rPr lang="en-CA" dirty="0" smtClean="0"/>
+                <a:t>RFC</a:t>
+              </a:r>
+              <a:endParaRPr lang="en-US" dirty="0"/>
+            </a:p>
+          </p:txBody>
+        </p:sp>
+      </p:grpSp>
+      <p:grpSp>
+        <p:nvGrpSpPr>
+          <p:cNvPr id="7" name="Group 6"/>
+          <p:cNvGrpSpPr/>
+          <p:nvPr/>
+        </p:nvGrpSpPr>
+        <p:grpSpPr>
+          <a:xfrm>
+            <a:off x="4629462" y="3962400"/>
+            <a:ext cx="2990538" cy="2895600"/>
+            <a:chOff x="4629462" y="3962400"/>
+            <a:chExt cx="2990538" cy="2895600"/>
+          </a:xfrm>
+        </p:grpSpPr>
+        <p:pic>
+          <p:nvPicPr>
+            <p:cNvPr id="14" name="Picture 13"/>
+            <p:cNvPicPr>
+              <a:picLocks noChangeAspect="1"/>
+            </p:cNvPicPr>
+            <p:nvPr/>
+          </p:nvPicPr>
+          <p:blipFill>
+            <a:blip r:embed="rId6" cstate="print">
+              <a:extLst>
+                <a:ext uri="{28A0092B-C50C-407E-A947-70E740481C1C}">
+                  <a14:useLocalDpi xmlns:a14="http://schemas.microsoft.com/office/drawing/2010/main" val="0"/>
+                </a:ext>
+              </a:extLst>
+            </a:blip>
+            <a:stretch>
+              <a:fillRect/>
+            </a:stretch>
+          </p:blipFill>
+          <p:spPr>
+            <a:xfrm>
+              <a:off x="4629462" y="3962400"/>
+              <a:ext cx="2990538" cy="2895600"/>
+            </a:xfrm>
+            <a:prstGeom prst="rect">
+              <a:avLst/>
+            </a:prstGeom>
+          </p:spPr>
+        </p:pic>
+        <p:sp>
+          <p:nvSpPr>
+            <p:cNvPr id="15" name="TextBox 14"/>
+            <p:cNvSpPr txBox="1"/>
+            <p:nvPr/>
+          </p:nvSpPr>
+          <p:spPr>
+            <a:xfrm>
+              <a:off x="5562600" y="4038600"/>
+              <a:ext cx="1267699" cy="369332"/>
+            </a:xfrm>
+            <a:prstGeom prst="rect">
+              <a:avLst/>
+            </a:prstGeom>
+          </p:spPr>
+          <p:style>
+            <a:lnRef idx="2">
+              <a:schemeClr val="dk1"/>
+            </a:lnRef>
+            <a:fillRef idx="1">
+              <a:schemeClr val="lt1"/>
+            </a:fillRef>
+            <a:effectRef idx="0">
+              <a:schemeClr val="dk1"/>
+            </a:effectRef>
+            <a:fontRef idx="minor">
+              <a:schemeClr val="dk1"/>
+            </a:fontRef>
+          </p:style>
+          <p:txBody>
+            <a:bodyPr wrap="square" rtlCol="0">
+              <a:spAutoFit/>
+            </a:bodyPr>
+            <a:lstStyle/>
+            <a:p>
+              <a:pPr algn="ctr"/>
+              <a:r>
+                <a:rPr lang="en-CA" dirty="0" smtClean="0"/>
+                <a:t>Size / LOC</a:t>
+              </a:r>
+              <a:endParaRPr lang="en-US" dirty="0"/>
+            </a:p>
+          </p:txBody>
+        </p:sp>
+      </p:grpSp>
+      <p:cxnSp>
+        <p:nvCxnSpPr>
+          <p:cNvPr id="19" name="Straight Arrow Connector 18"/>
+          <p:cNvCxnSpPr/>
+          <p:nvPr/>
+        </p:nvCxnSpPr>
+        <p:spPr>
+          <a:xfrm>
+            <a:off x="838200" y="2895600"/>
+            <a:ext cx="1676400" cy="685800"/>
+          </a:xfrm>
+          <a:prstGeom prst="straightConnector1">
+            <a:avLst/>
+          </a:prstGeom>
+          <a:ln>
+            <a:tailEnd type="arrow"/>
+          </a:ln>
+        </p:spPr>
+        <p:style>
+          <a:lnRef idx="2">
+            <a:schemeClr val="accent1"/>
+          </a:lnRef>
+          <a:fillRef idx="0">
+            <a:schemeClr val="accent1"/>
+          </a:fillRef>
+          <a:effectRef idx="1">
+            <a:schemeClr val="accent1"/>
+          </a:effectRef>
+          <a:fontRef idx="minor">
+            <a:schemeClr val="tx1"/>
+          </a:fontRef>
+        </p:style>
+      </p:cxnSp>
+      <p:cxnSp>
+        <p:nvCxnSpPr>
+          <p:cNvPr id="21" name="Straight Arrow Connector 20"/>
+          <p:cNvCxnSpPr/>
+          <p:nvPr/>
+        </p:nvCxnSpPr>
+        <p:spPr>
+          <a:xfrm flipV="1">
+            <a:off x="4267200" y="2895600"/>
+            <a:ext cx="1578964" cy="685800"/>
+          </a:xfrm>
+          <a:prstGeom prst="straightConnector1">
+            <a:avLst/>
+          </a:prstGeom>
+          <a:ln>
+            <a:tailEnd type="arrow"/>
+          </a:ln>
+        </p:spPr>
+        <p:style>
+          <a:lnRef idx="2">
+            <a:schemeClr val="accent1"/>
+          </a:lnRef>
+          <a:fillRef idx="0">
+            <a:schemeClr val="accent1"/>
+          </a:fillRef>
+          <a:effectRef idx="1">
+            <a:schemeClr val="accent1"/>
+          </a:effectRef>
+          <a:fontRef idx="minor">
+            <a:schemeClr val="tx1"/>
+          </a:fontRef>
+        </p:style>
+      </p:cxnSp>
+      <p:cxnSp>
+        <p:nvCxnSpPr>
+          <p:cNvPr id="22" name="Straight Arrow Connector 21"/>
+          <p:cNvCxnSpPr/>
+          <p:nvPr/>
+        </p:nvCxnSpPr>
+        <p:spPr>
+          <a:xfrm flipV="1">
+            <a:off x="6591300" y="2659859"/>
+            <a:ext cx="1578964" cy="685800"/>
+          </a:xfrm>
+          <a:prstGeom prst="straightConnector1">
+            <a:avLst/>
+          </a:prstGeom>
+          <a:ln>
+            <a:tailEnd type="arrow"/>
+          </a:ln>
+        </p:spPr>
+        <p:style>
+          <a:lnRef idx="2">
+            <a:schemeClr val="accent1"/>
+          </a:lnRef>
+          <a:fillRef idx="0">
+            <a:schemeClr val="accent1"/>
+          </a:fillRef>
+          <a:effectRef idx="1">
+            <a:schemeClr val="accent1"/>
+          </a:effectRef>
+          <a:fontRef idx="minor">
+            <a:schemeClr val="tx1"/>
+          </a:fontRef>
+        </p:style>
+      </p:cxnSp>
+      <p:cxnSp>
+        <p:nvCxnSpPr>
+          <p:cNvPr id="23" name="Straight Arrow Connector 22"/>
+          <p:cNvCxnSpPr/>
+          <p:nvPr/>
+        </p:nvCxnSpPr>
+        <p:spPr>
+          <a:xfrm flipV="1">
+            <a:off x="2397067" y="5562600"/>
+            <a:ext cx="1578964" cy="685800"/>
+          </a:xfrm>
+          <a:prstGeom prst="straightConnector1">
+            <a:avLst/>
+          </a:prstGeom>
+          <a:ln>
+            <a:tailEnd type="arrow"/>
+          </a:ln>
+        </p:spPr>
+        <p:style>
+          <a:lnRef idx="2">
+            <a:schemeClr val="accent1"/>
+          </a:lnRef>
+          <a:fillRef idx="0">
+            <a:schemeClr val="accent1"/>
+          </a:fillRef>
+          <a:effectRef idx="1">
+            <a:schemeClr val="accent1"/>
+          </a:effectRef>
+          <a:fontRef idx="minor">
+            <a:schemeClr val="tx1"/>
+          </a:fontRef>
+        </p:style>
+      </p:cxnSp>
+      <p:cxnSp>
+        <p:nvCxnSpPr>
+          <p:cNvPr id="24" name="Straight Arrow Connector 23"/>
+          <p:cNvCxnSpPr/>
+          <p:nvPr/>
+        </p:nvCxnSpPr>
+        <p:spPr>
+          <a:xfrm flipV="1">
+            <a:off x="5406967" y="5219700"/>
+            <a:ext cx="1578964" cy="685800"/>
+          </a:xfrm>
+          <a:prstGeom prst="straightConnector1">
+            <a:avLst/>
+          </a:prstGeom>
+          <a:ln>
+            <a:tailEnd type="arrow"/>
+          </a:ln>
+        </p:spPr>
+        <p:style>
+          <a:lnRef idx="2">
+            <a:schemeClr val="accent1"/>
+          </a:lnRef>
+          <a:fillRef idx="0">
+            <a:schemeClr val="accent1"/>
+          </a:fillRef>
+          <a:effectRef idx="1">
+            <a:schemeClr val="accent1"/>
+          </a:effectRef>
+          <a:fontRef idx="minor">
+            <a:schemeClr val="tx1"/>
+          </a:fontRef>
+        </p:style>
+      </p:cxnSp>
+    </p:spTree>
+    <p:extLst>
+      <p:ext uri="{BB962C8B-B14F-4D97-AF65-F5344CB8AC3E}">
+        <p14:creationId xmlns:p14="http://schemas.microsoft.com/office/powerpoint/2010/main" val="1940838850"/>
+      </p:ext>
+    </p:extLst>
+  </p:cSld>
+  <p:clrMapOvr>
+    <a:masterClrMapping/>
+  </p:clrMapOvr>
+  <mc:AlternateContent xmlns:mc="http://schemas.openxmlformats.org/markup-compatibility/2006">
+    <mc:Choice xmlns:p14="http://schemas.microsoft.com/office/powerpoint/2010/main" Requires="p14">
+      <p:transition spd="med" p14:dur="700">
+        <p:fade/>
+      </p:transition>
+    </mc:Choice>
+    <mc:Fallback>
+      <p:transition spd="med">
+        <p:fade/>
+      </p:transition>
+    </mc:Fallback>
+  </mc:AlternateContent>
+  <p:timing>
+    <p:tnLst>
+      <p:par>
+        <p:cTn id="1" dur="indefinite" restart="never" nodeType="tmRoot">
+          <p:childTnLst>
+            <p:seq concurrent="1" nextAc="seek">
+              <p:cTn id="2" dur="indefinite" nodeType="mainSeq">
+                <p:childTnLst>
+                  <p:par>
+                    <p:cTn id="3" fill="hold">
+                      <p:stCondLst>
+                        <p:cond delay="indefinite"/>
+                      </p:stCondLst>
+                      <p:childTnLst>
+                        <p:par>
+                          <p:cTn id="4" fill="hold">
+                            <p:stCondLst>
+                              <p:cond delay="0"/>
+                            </p:stCondLst>
+                            <p:childTnLst>
+                              <p:par>
+                                <p:cTn id="5" presetID="10" presetClass="entr" presetSubtype="0" fill="hold" nodeType="clickEffect">
+                                  <p:stCondLst>
+                                    <p:cond delay="0"/>
+                                  </p:stCondLst>
+                                  <p:childTnLst>
+                                    <p:set>
+                                      <p:cBhvr>
+                                        <p:cTn id="6" dur="1" fill="hold">
+                                          <p:stCondLst>
+                                            <p:cond delay="0"/>
+                                          </p:stCondLst>
+                                        </p:cTn>
+                                        <p:tgtEl>
+                                          <p:spTgt spid="19"/>
+                                        </p:tgtEl>
+                                        <p:attrNameLst>
+                                          <p:attrName>style.visibility</p:attrName>
+                                        </p:attrNameLst>
+                                      </p:cBhvr>
+                                      <p:to>
+                                        <p:strVal val="visible"/>
+                                      </p:to>
+                                    </p:set>
+                                    <p:animEffect transition="in" filter="fade">
+                                      <p:cBhvr>
+                                        <p:cTn id="7" dur="500"/>
+                                        <p:tgtEl>
+                                          <p:spTgt spid="19"/>
+                                        </p:tgtEl>
+                                      </p:cBhvr>
+                                    </p:animEffect>
+                                  </p:childTnLst>
+                                </p:cTn>
+                              </p:par>
+                            </p:childTnLst>
+                          </p:cTn>
+                        </p:par>
+                      </p:childTnLst>
+                    </p:cTn>
+                  </p:par>
+                  <p:par>
+                    <p:cTn id="8" fill="hold">
+                      <p:stCondLst>
+                        <p:cond delay="indefinite"/>
+                      </p:stCondLst>
+                      <p:childTnLst>
+                        <p:par>
+                          <p:cTn id="9" fill="hold">
+                            <p:stCondLst>
+                              <p:cond delay="0"/>
+                            </p:stCondLst>
+                            <p:childTnLst>
+                              <p:par>
+                                <p:cTn id="10" presetID="10" presetClass="entr" presetSubtype="0" fill="hold" nodeType="clickEffect">
+                                  <p:stCondLst>
+                                    <p:cond delay="0"/>
+                                  </p:stCondLst>
+                                  <p:childTnLst>
+                                    <p:set>
+                                      <p:cBhvr>
+                                        <p:cTn id="11" dur="1" fill="hold">
+                                          <p:stCondLst>
+                                            <p:cond delay="0"/>
+                                          </p:stCondLst>
+                                        </p:cTn>
+                                        <p:tgtEl>
+                                          <p:spTgt spid="21"/>
+                                        </p:tgtEl>
+                                        <p:attrNameLst>
+                                          <p:attrName>style.visibility</p:attrName>
+                                        </p:attrNameLst>
+                                      </p:cBhvr>
+                                      <p:to>
+                                        <p:strVal val="visible"/>
+                                      </p:to>
+                                    </p:set>
+                                    <p:animEffect transition="in" filter="fade">
+                                      <p:cBhvr>
+                                        <p:cTn id="12" dur="500"/>
+                                        <p:tgtEl>
+                                          <p:spTgt spid="21"/>
+                                        </p:tgtEl>
+                                      </p:cBhvr>
+                                    </p:animEffect>
+                                  </p:childTnLst>
+                                </p:cTn>
+                              </p:par>
+                            </p:childTnLst>
+                          </p:cTn>
+                        </p:par>
+                      </p:childTnLst>
+                    </p:cTn>
+                  </p:par>
+                  <p:par>
+                    <p:cTn id="13" fill="hold">
+                      <p:stCondLst>
+                        <p:cond delay="indefinite"/>
+                      </p:stCondLst>
+                      <p:childTnLst>
+                        <p:par>
+                          <p:cTn id="14" fill="hold">
+                            <p:stCondLst>
+                              <p:cond delay="0"/>
+                            </p:stCondLst>
+                            <p:childTnLst>
+                              <p:par>
+                                <p:cTn id="15" presetID="10" presetClass="entr" presetSubtype="0" fill="hold" nodeType="clickEffect">
+                                  <p:stCondLst>
+                                    <p:cond delay="0"/>
+                                  </p:stCondLst>
+                                  <p:childTnLst>
+                                    <p:set>
+                                      <p:cBhvr>
+                                        <p:cTn id="16" dur="1" fill="hold">
+                                          <p:stCondLst>
+                                            <p:cond delay="0"/>
+                                          </p:stCondLst>
+                                        </p:cTn>
+                                        <p:tgtEl>
+                                          <p:spTgt spid="22"/>
+                                        </p:tgtEl>
+                                        <p:attrNameLst>
+                                          <p:attrName>style.visibility</p:attrName>
+                                        </p:attrNameLst>
+                                      </p:cBhvr>
+                                      <p:to>
+                                        <p:strVal val="visible"/>
+                                      </p:to>
+                                    </p:set>
+                                    <p:animEffect transition="in" filter="fade">
+                                      <p:cBhvr>
+                                        <p:cTn id="17" dur="500"/>
+                                        <p:tgtEl>
+                                          <p:spTgt spid="22"/>
+                                        </p:tgtEl>
+                                      </p:cBhvr>
+                                    </p:animEffect>
+                                  </p:childTnLst>
+                                </p:cTn>
+                              </p:par>
+                            </p:childTnLst>
+                          </p:cTn>
+                        </p:par>
+                      </p:childTnLst>
+                    </p:cTn>
+                  </p:par>
+                  <p:par>
+                    <p:cTn id="18" fill="hold">
+                      <p:stCondLst>
+                        <p:cond delay="indefinite"/>
+                      </p:stCondLst>
+                      <p:childTnLst>
+                        <p:par>
+                          <p:cTn id="19" fill="hold">
+                            <p:stCondLst>
+                              <p:cond delay="0"/>
+                            </p:stCondLst>
+                            <p:childTnLst>
+                              <p:par>
+                                <p:cTn id="20" presetID="10" presetClass="entr" presetSubtype="0" fill="hold" nodeType="clickEffect">
+                                  <p:stCondLst>
+                                    <p:cond delay="0"/>
+                                  </p:stCondLst>
+                                  <p:childTnLst>
+                                    <p:set>
+                                      <p:cBhvr>
+                                        <p:cTn id="21" dur="1" fill="hold">
+                                          <p:stCondLst>
+                                            <p:cond delay="0"/>
+                                          </p:stCondLst>
+                                        </p:cTn>
+                                        <p:tgtEl>
+                                          <p:spTgt spid="23"/>
+                                        </p:tgtEl>
+                                        <p:attrNameLst>
+                                          <p:attrName>style.visibility</p:attrName>
+                                        </p:attrNameLst>
+                                      </p:cBhvr>
+                                      <p:to>
+                                        <p:strVal val="visible"/>
+                                      </p:to>
+                                    </p:set>
+                                    <p:animEffect transition="in" filter="fade">
+                                      <p:cBhvr>
+                                        <p:cTn id="22" dur="500"/>
+                                        <p:tgtEl>
+                                          <p:spTgt spid="23"/>
+                                        </p:tgtEl>
+                                      </p:cBhvr>
+                                    </p:animEffect>
+                                  </p:childTnLst>
+                                </p:cTn>
+                              </p:par>
+                            </p:childTnLst>
+                          </p:cTn>
+                        </p:par>
+                      </p:childTnLst>
+                    </p:cTn>
+                  </p:par>
+                  <p:par>
+                    <p:cTn id="23" fill="hold">
+                      <p:stCondLst>
+                        <p:cond delay="indefinite"/>
+                      </p:stCondLst>
+                      <p:childTnLst>
+                        <p:par>
+                          <p:cTn id="24" fill="hold">
+                            <p:stCondLst>
+                              <p:cond delay="0"/>
+                            </p:stCondLst>
+                            <p:childTnLst>
+                              <p:par>
+                                <p:cTn id="25" presetID="10" presetClass="entr" presetSubtype="0" fill="hold" nodeType="clickEffect">
+                                  <p:stCondLst>
+                                    <p:cond delay="0"/>
+                                  </p:stCondLst>
+                                  <p:childTnLst>
+                                    <p:set>
+                                      <p:cBhvr>
+                                        <p:cTn id="26" dur="1" fill="hold">
+                                          <p:stCondLst>
+                                            <p:cond delay="0"/>
+                                          </p:stCondLst>
+                                        </p:cTn>
+                                        <p:tgtEl>
+                                          <p:spTgt spid="24"/>
+                                        </p:tgtEl>
+                                        <p:attrNameLst>
+                                          <p:attrName>style.visibility</p:attrName>
+                                        </p:attrNameLst>
+                                      </p:cBhvr>
+                                      <p:to>
+                                        <p:strVal val="visible"/>
+                                      </p:to>
+                                    </p:set>
+                                    <p:animEffect transition="in" filter="fade">
+                                      <p:cBhvr>
+                                        <p:cTn id="27" dur="500"/>
+                                        <p:tgtEl>
+                                          <p:spTgt spid="24"/>
+                                        </p:tgtEl>
+                                      </p:cBhvr>
+                                    </p:animEffect>
+                                  </p:childTnLst>
+                                </p:cTn>
+                              </p:par>
+                            </p:childTnLst>
+                          </p:cTn>
+                        </p:par>
+                      </p:childTnLst>
+                    </p:cTn>
+                  </p:par>
+                </p:childTnLst>
+              </p:cTn>
+              <p:prevCondLst>
+                <p:cond evt="onPrev" delay="0">
+                  <p:tgtEl>
+                    <p:sldTgt/>
+                  </p:tgtEl>
+                </p:cond>
+              </p:prevCondLst>
+              <p:nextCondLst>
+                <p:cond evt="onNext" delay="0">
+                  <p:tgtEl>
+                    <p:sldTgt/>
+                  </p:tgtEl>
+                </p:cond>
+              </p:nextCondLst>
+            </p:seq>
+          </p:childTnLst>
+        </p:cTn>
+      </p:par>
+    </p:tnLst>
+  </p:timing>
+</p:sld>
+</file>
+
+<file path=ppt/slides/slide13.xml><?xml version="1.0" encoding="utf-8"?>
+<p:sld xmlns:a="http://schemas.openxmlformats.org/drawingml/2006/main" xmlns:r="http://schemas.openxmlformats.org/officeDocument/2006/relationships" xmlns:p="http://schemas.openxmlformats.org/presentationml/2006/main">
+  <p:cSld>
+    <p:spTree>
+      <p:nvGrpSpPr>
+        <p:cNvPr id="1" name=""/>
+        <p:cNvGrpSpPr/>
+        <p:nvPr/>
+      </p:nvGrpSpPr>
+      <p:grpSpPr>
+        <a:xfrm>
+          <a:off x="0" y="0"/>
+          <a:ext cx="0" cy="0"/>
+          <a:chOff x="0" y="0"/>
+          <a:chExt cx="0" cy="0"/>
+        </a:xfrm>
+      </p:grpSpPr>
+      <p:sp>
+        <p:nvSpPr>
+          <p:cNvPr id="2" name="Title 1"/>
+          <p:cNvSpPr>
+            <a:spLocks noGrp="1"/>
+          </p:cNvSpPr>
+          <p:nvPr>
+            <p:ph type="title"/>
+          </p:nvPr>
+        </p:nvSpPr>
+        <p:spPr/>
+        <p:txBody>
+          <a:bodyPr/>
+          <a:lstStyle/>
+          <a:p>
+            <a:r>
+              <a:rPr lang="en-CA" dirty="0" smtClean="0"/>
+              <a:t>Results: Metrics Correlation</a:t>
+            </a:r>
+            <a:endParaRPr lang="en-US" dirty="0"/>
+          </a:p>
+        </p:txBody>
+      </p:sp>
+      <p:graphicFrame>
+        <p:nvGraphicFramePr>
+          <p:cNvPr id="7" name="Table 6"/>
+          <p:cNvGraphicFramePr>
+            <a:graphicFrameLocks noGrp="1"/>
+          </p:cNvGraphicFramePr>
+          <p:nvPr>
+            <p:extLst>
+              <p:ext uri="{D42A27DB-BD31-4B8C-83A1-F6EECF244321}">
+                <p14:modId xmlns:p14="http://schemas.microsoft.com/office/powerpoint/2010/main" val="2596081513"/>
+              </p:ext>
+            </p:extLst>
+          </p:nvPr>
+        </p:nvGraphicFramePr>
+        <p:xfrm>
+          <a:off x="2374900" y="1752600"/>
+          <a:ext cx="5321300" cy="1343025"/>
+        </p:xfrm>
+        <a:graphic>
+          <a:graphicData uri="http://schemas.openxmlformats.org/drawingml/2006/table">
+            <a:tbl>
+              <a:tblPr>
+                <a:tableStyleId>{5C22544A-7EE6-4342-B048-85BDC9FD1C3A}</a:tableStyleId>
+              </a:tblPr>
+              <a:tblGrid>
+                <a:gridCol w="927100"/>
+                <a:gridCol w="698500"/>
+                <a:gridCol w="698500"/>
+                <a:gridCol w="698500"/>
+                <a:gridCol w="698500"/>
+                <a:gridCol w="698500"/>
+                <a:gridCol w="901700"/>
+              </a:tblGrid>
+              <a:tr h="190500">
+                <a:tc>
+                  <a:txBody>
+                    <a:bodyPr/>
+                    <a:lstStyle/>
+                    <a:p>
+                      <a:pPr algn="l" fontAlgn="b"/>
+                      <a:r>
+                        <a:rPr lang="en-US" sz="1100" b="1" u="none" strike="noStrike" dirty="0">
+                          <a:effectLst/>
+                        </a:rPr>
+                        <a:t> </a:t>
+                      </a:r>
+                      <a:endParaRPr lang="en-US" sz="1100" b="1" i="0" u="none" strike="noStrike" dirty="0">
+                        <a:solidFill>
+                          <a:srgbClr val="000000"/>
+                        </a:solidFill>
+                        <a:effectLst/>
+                        <a:latin typeface="Calibri"/>
+                      </a:endParaRPr>
+                    </a:p>
+                  </a:txBody>
+                  <a:tcPr marL="9525" marR="9525" marT="9525" marB="0" anchor="b"/>
+                </a:tc>
+                <a:tc>
+                  <a:txBody>
+                    <a:bodyPr/>
+                    <a:lstStyle/>
+                    <a:p>
+                      <a:pPr algn="ctr" fontAlgn="b"/>
+                      <a:r>
+                        <a:rPr lang="en-US" sz="1100" b="1" u="none" strike="noStrike" dirty="0" err="1">
+                          <a:effectLst/>
+                        </a:rPr>
+                        <a:t>Coh</a:t>
+                      </a:r>
+                      <a:endParaRPr lang="en-US" sz="1100" b="1" i="0" u="none" strike="noStrike" dirty="0">
+                        <a:solidFill>
+                          <a:srgbClr val="000000"/>
+                        </a:solidFill>
+                        <a:effectLst/>
+                        <a:latin typeface="Calibri"/>
+                      </a:endParaRPr>
+                    </a:p>
+                  </a:txBody>
+                  <a:tcPr marL="9525" marR="9525" marT="9525" marB="0" anchor="b"/>
+                </a:tc>
+                <a:tc>
+                  <a:txBody>
+                    <a:bodyPr/>
+                    <a:lstStyle/>
+                    <a:p>
+                      <a:pPr algn="ctr" fontAlgn="b"/>
+                      <a:r>
+                        <a:rPr lang="en-US" sz="1100" b="1" u="none" strike="noStrike" dirty="0" err="1">
+                          <a:effectLst/>
+                        </a:rPr>
+                        <a:t>Lcom</a:t>
+                      </a:r>
+                      <a:endParaRPr lang="en-US" sz="1100" b="1" i="0" u="none" strike="noStrike" dirty="0">
+                        <a:solidFill>
+                          <a:srgbClr val="000000"/>
+                        </a:solidFill>
+                        <a:effectLst/>
+                        <a:latin typeface="Calibri"/>
+                      </a:endParaRPr>
+                    </a:p>
+                  </a:txBody>
+                  <a:tcPr marL="9525" marR="9525" marT="9525" marB="0" anchor="b"/>
+                </a:tc>
+                <a:tc>
+                  <a:txBody>
+                    <a:bodyPr/>
+                    <a:lstStyle/>
+                    <a:p>
+                      <a:pPr algn="ctr" fontAlgn="b"/>
+                      <a:r>
+                        <a:rPr lang="en-US" sz="1100" b="1" u="none" strike="noStrike" dirty="0" err="1">
+                          <a:effectLst/>
+                        </a:rPr>
+                        <a:t>Lcom_h</a:t>
+                      </a:r>
+                      <a:endParaRPr lang="en-US" sz="1100" b="1" i="0" u="none" strike="noStrike" dirty="0">
+                        <a:solidFill>
+                          <a:srgbClr val="000000"/>
+                        </a:solidFill>
+                        <a:effectLst/>
+                        <a:latin typeface="Calibri"/>
+                      </a:endParaRPr>
+                    </a:p>
+                  </a:txBody>
+                  <a:tcPr marL="9525" marR="9525" marT="9525" marB="0" anchor="b"/>
+                </a:tc>
+                <a:tc>
+                  <a:txBody>
+                    <a:bodyPr/>
+                    <a:lstStyle/>
+                    <a:p>
+                      <a:pPr algn="ctr" fontAlgn="b"/>
+                      <a:r>
+                        <a:rPr lang="en-US" sz="1100" b="1" u="none" strike="noStrike" dirty="0" err="1">
+                          <a:effectLst/>
+                        </a:rPr>
+                        <a:t>Loc</a:t>
+                      </a:r>
+                      <a:endParaRPr lang="en-US" sz="1100" b="1" i="0" u="none" strike="noStrike" dirty="0">
+                        <a:solidFill>
+                          <a:srgbClr val="000000"/>
+                        </a:solidFill>
+                        <a:effectLst/>
+                        <a:latin typeface="Calibri"/>
+                      </a:endParaRPr>
+                    </a:p>
+                  </a:txBody>
+                  <a:tcPr marL="9525" marR="9525" marT="9525" marB="0" anchor="b"/>
+                </a:tc>
+                <a:tc>
+                  <a:txBody>
+                    <a:bodyPr/>
+                    <a:lstStyle/>
+                    <a:p>
+                      <a:pPr algn="ctr" fontAlgn="b"/>
+                      <a:r>
+                        <a:rPr lang="en-US" sz="1100" b="1" u="none" strike="noStrike" dirty="0">
+                          <a:effectLst/>
+                        </a:rPr>
+                        <a:t>RFC</a:t>
+                      </a:r>
+                      <a:endParaRPr lang="en-US" sz="1100" b="1" i="0" u="none" strike="noStrike" dirty="0">
+                        <a:solidFill>
+                          <a:srgbClr val="000000"/>
+                        </a:solidFill>
+                        <a:effectLst/>
+                        <a:latin typeface="Calibri"/>
+                      </a:endParaRPr>
+                    </a:p>
+                  </a:txBody>
+                  <a:tcPr marL="9525" marR="9525" marT="9525" marB="0" anchor="b"/>
+                </a:tc>
+                <a:tc>
+                  <a:txBody>
+                    <a:bodyPr/>
+                    <a:lstStyle/>
+                    <a:p>
+                      <a:pPr algn="ctr" fontAlgn="b"/>
+                      <a:r>
+                        <a:rPr lang="en-US" sz="1100" b="1" u="none" strike="noStrike" dirty="0" err="1">
+                          <a:effectLst/>
+                        </a:rPr>
+                        <a:t>Relative_Size</a:t>
+                      </a:r>
+                      <a:endParaRPr lang="en-US" sz="1100" b="1" i="0" u="none" strike="noStrike" dirty="0">
+                        <a:solidFill>
+                          <a:srgbClr val="000000"/>
+                        </a:solidFill>
+                        <a:effectLst/>
+                        <a:latin typeface="Calibri"/>
+                      </a:endParaRPr>
+                    </a:p>
+                  </a:txBody>
+                  <a:tcPr marL="9525" marR="9525" marT="9525" marB="0" anchor="b"/>
+                </a:tc>
+              </a:tr>
+              <a:tr h="190500">
+                <a:tc>
+                  <a:txBody>
+                    <a:bodyPr/>
+                    <a:lstStyle/>
+                    <a:p>
+                      <a:pPr algn="l" fontAlgn="b"/>
+                      <a:r>
+                        <a:rPr lang="en-US" sz="1100" b="1" u="none" strike="noStrike" dirty="0" err="1">
+                          <a:effectLst/>
+                        </a:rPr>
+                        <a:t>Coh</a:t>
+                      </a:r>
+                      <a:endParaRPr lang="en-US" sz="1100" b="1" i="0" u="none" strike="noStrike" dirty="0">
+                        <a:solidFill>
+                          <a:srgbClr val="000000"/>
+                        </a:solidFill>
+                        <a:effectLst/>
+                        <a:latin typeface="Calibri"/>
+                      </a:endParaRPr>
+                    </a:p>
+                  </a:txBody>
+                  <a:tcPr marL="9525" marR="9525" marT="9525" marB="0" anchor="b"/>
+                </a:tc>
+                <a:tc>
+                  <a:txBody>
+                    <a:bodyPr/>
+                    <a:lstStyle/>
+                    <a:p>
+                      <a:pPr algn="ctr" fontAlgn="b"/>
+                      <a:r>
+                        <a:rPr lang="en-US" sz="1100" u="none" strike="noStrike">
+                          <a:effectLst/>
+                        </a:rPr>
+                        <a:t>1.00000</a:t>
+                      </a:r>
+                      <a:endParaRPr lang="en-US" sz="1100" b="0" i="0" u="none" strike="noStrike">
+                        <a:solidFill>
+                          <a:srgbClr val="000000"/>
+                        </a:solidFill>
+                        <a:effectLst/>
+                        <a:latin typeface="Calibri"/>
+                      </a:endParaRPr>
+                    </a:p>
+                  </a:txBody>
+                  <a:tcPr marL="9525" marR="9525" marT="9525" marB="0" anchor="b"/>
+                </a:tc>
+                <a:tc>
+                  <a:txBody>
+                    <a:bodyPr/>
+                    <a:lstStyle/>
+                    <a:p>
+                      <a:pPr algn="ctr" fontAlgn="b"/>
+                      <a:r>
+                        <a:rPr lang="en-US" sz="1100" u="none" strike="noStrike">
+                          <a:effectLst/>
+                        </a:rPr>
+                        <a:t> </a:t>
+                      </a:r>
+                      <a:endParaRPr lang="en-US" sz="1100" b="0" i="0" u="none" strike="noStrike">
+                        <a:solidFill>
+                          <a:srgbClr val="000000"/>
+                        </a:solidFill>
+                        <a:effectLst/>
+                        <a:latin typeface="Calibri"/>
+                      </a:endParaRPr>
+                    </a:p>
+                  </a:txBody>
+                  <a:tcPr marL="9525" marR="9525" marT="9525" marB="0" anchor="b"/>
+                </a:tc>
+                <a:tc>
+                  <a:txBody>
+                    <a:bodyPr/>
+                    <a:lstStyle/>
+                    <a:p>
+                      <a:pPr algn="ctr" fontAlgn="b"/>
+                      <a:r>
+                        <a:rPr lang="en-US" sz="1100" u="none" strike="noStrike">
+                          <a:effectLst/>
+                        </a:rPr>
+                        <a:t> </a:t>
+                      </a:r>
+                      <a:endParaRPr lang="en-US" sz="1100" b="0" i="0" u="none" strike="noStrike">
+                        <a:solidFill>
+                          <a:srgbClr val="000000"/>
+                        </a:solidFill>
+                        <a:effectLst/>
+                        <a:latin typeface="Calibri"/>
+                      </a:endParaRPr>
+                    </a:p>
+                  </a:txBody>
+                  <a:tcPr marL="9525" marR="9525" marT="9525" marB="0" anchor="b"/>
+                </a:tc>
+                <a:tc>
+                  <a:txBody>
+                    <a:bodyPr/>
+                    <a:lstStyle/>
+                    <a:p>
+                      <a:pPr algn="ctr" fontAlgn="b"/>
+                      <a:r>
+                        <a:rPr lang="en-US" sz="1100" u="none" strike="noStrike">
+                          <a:effectLst/>
+                        </a:rPr>
+                        <a:t> </a:t>
+                      </a:r>
+                      <a:endParaRPr lang="en-US" sz="1100" b="0" i="0" u="none" strike="noStrike">
+                        <a:solidFill>
+                          <a:srgbClr val="000000"/>
+                        </a:solidFill>
+                        <a:effectLst/>
+                        <a:latin typeface="Calibri"/>
+                      </a:endParaRPr>
+                    </a:p>
+                  </a:txBody>
+                  <a:tcPr marL="9525" marR="9525" marT="9525" marB="0" anchor="b"/>
+                </a:tc>
+                <a:tc>
+                  <a:txBody>
+                    <a:bodyPr/>
+                    <a:lstStyle/>
+                    <a:p>
+                      <a:pPr algn="ctr" fontAlgn="b"/>
+                      <a:r>
+                        <a:rPr lang="en-US" sz="1100" u="none" strike="noStrike">
+                          <a:effectLst/>
+                        </a:rPr>
+                        <a:t> </a:t>
+                      </a:r>
+                      <a:endParaRPr lang="en-US" sz="1100" b="0" i="0" u="none" strike="noStrike">
+                        <a:solidFill>
+                          <a:srgbClr val="000000"/>
+                        </a:solidFill>
+                        <a:effectLst/>
+                        <a:latin typeface="Calibri"/>
+                      </a:endParaRPr>
+                    </a:p>
+                  </a:txBody>
+                  <a:tcPr marL="9525" marR="9525" marT="9525" marB="0" anchor="b"/>
+                </a:tc>
+                <a:tc>
+                  <a:txBody>
+                    <a:bodyPr/>
+                    <a:lstStyle/>
+                    <a:p>
+                      <a:pPr algn="ctr" fontAlgn="b"/>
+                      <a:r>
+                        <a:rPr lang="en-US" sz="1100" u="none" strike="noStrike">
+                          <a:effectLst/>
+                        </a:rPr>
+                        <a:t> </a:t>
+                      </a:r>
+                      <a:endParaRPr lang="en-US" sz="1100" b="0" i="0" u="none" strike="noStrike">
+                        <a:solidFill>
+                          <a:srgbClr val="000000"/>
+                        </a:solidFill>
+                        <a:effectLst/>
+                        <a:latin typeface="Calibri"/>
+                      </a:endParaRPr>
+                    </a:p>
+                  </a:txBody>
+                  <a:tcPr marL="9525" marR="9525" marT="9525" marB="0" anchor="b"/>
+                </a:tc>
+              </a:tr>
+              <a:tr h="190500">
+                <a:tc>
+                  <a:txBody>
+                    <a:bodyPr/>
+                    <a:lstStyle/>
+                    <a:p>
+                      <a:pPr algn="l" fontAlgn="b"/>
+                      <a:r>
+                        <a:rPr lang="en-US" sz="1100" b="1" u="none" strike="noStrike" dirty="0" err="1">
+                          <a:effectLst/>
+                        </a:rPr>
+                        <a:t>Lcom</a:t>
+                      </a:r>
+                      <a:endParaRPr lang="en-US" sz="1100" b="1" i="0" u="none" strike="noStrike" dirty="0">
+                        <a:solidFill>
+                          <a:srgbClr val="000000"/>
+                        </a:solidFill>
+                        <a:effectLst/>
+                        <a:latin typeface="Calibri"/>
+                      </a:endParaRPr>
+                    </a:p>
+                  </a:txBody>
+                  <a:tcPr marL="9525" marR="9525" marT="9525" marB="0" anchor="b"/>
+                </a:tc>
+                <a:tc>
+                  <a:txBody>
+                    <a:bodyPr/>
+                    <a:lstStyle/>
+                    <a:p>
+                      <a:pPr algn="ctr" fontAlgn="b"/>
+                      <a:r>
+                        <a:rPr lang="en-US" sz="1100" u="none" strike="noStrike">
+                          <a:effectLst/>
+                        </a:rPr>
+                        <a:t>-0.24631</a:t>
+                      </a:r>
+                      <a:endParaRPr lang="en-US" sz="1100" b="0" i="0" u="none" strike="noStrike">
+                        <a:solidFill>
+                          <a:srgbClr val="000000"/>
+                        </a:solidFill>
+                        <a:effectLst/>
+                        <a:latin typeface="Calibri"/>
+                      </a:endParaRPr>
+                    </a:p>
+                  </a:txBody>
+                  <a:tcPr marL="9525" marR="9525" marT="9525" marB="0" anchor="b"/>
+                </a:tc>
+                <a:tc>
+                  <a:txBody>
+                    <a:bodyPr/>
+                    <a:lstStyle/>
+                    <a:p>
+                      <a:pPr algn="ctr" fontAlgn="b"/>
+                      <a:r>
+                        <a:rPr lang="en-US" sz="1100" u="none" strike="noStrike">
+                          <a:effectLst/>
+                        </a:rPr>
+                        <a:t>1.00000</a:t>
+                      </a:r>
+                      <a:endParaRPr lang="en-US" sz="1100" b="0" i="0" u="none" strike="noStrike">
+                        <a:solidFill>
+                          <a:srgbClr val="000000"/>
+                        </a:solidFill>
+                        <a:effectLst/>
+                        <a:latin typeface="Calibri"/>
+                      </a:endParaRPr>
+                    </a:p>
+                  </a:txBody>
+                  <a:tcPr marL="9525" marR="9525" marT="9525" marB="0" anchor="b"/>
+                </a:tc>
+                <a:tc>
+                  <a:txBody>
+                    <a:bodyPr/>
+                    <a:lstStyle/>
+                    <a:p>
+                      <a:pPr algn="ctr" fontAlgn="b"/>
+                      <a:r>
+                        <a:rPr lang="en-US" sz="1100" u="none" strike="noStrike">
+                          <a:effectLst/>
+                        </a:rPr>
+                        <a:t> </a:t>
+                      </a:r>
+                      <a:endParaRPr lang="en-US" sz="1100" b="0" i="0" u="none" strike="noStrike">
+                        <a:solidFill>
+                          <a:srgbClr val="000000"/>
+                        </a:solidFill>
+                        <a:effectLst/>
+                        <a:latin typeface="Calibri"/>
+                      </a:endParaRPr>
+                    </a:p>
+                  </a:txBody>
+                  <a:tcPr marL="9525" marR="9525" marT="9525" marB="0" anchor="b"/>
+                </a:tc>
+                <a:tc>
+                  <a:txBody>
+                    <a:bodyPr/>
+                    <a:lstStyle/>
+                    <a:p>
+                      <a:pPr algn="ctr" fontAlgn="b"/>
+                      <a:r>
+                        <a:rPr lang="en-US" sz="1100" u="none" strike="noStrike">
+                          <a:effectLst/>
+                        </a:rPr>
+                        <a:t> </a:t>
+                      </a:r>
+                      <a:endParaRPr lang="en-US" sz="1100" b="0" i="0" u="none" strike="noStrike">
+                        <a:solidFill>
+                          <a:srgbClr val="000000"/>
+                        </a:solidFill>
+                        <a:effectLst/>
+                        <a:latin typeface="Calibri"/>
+                      </a:endParaRPr>
+                    </a:p>
+                  </a:txBody>
+                  <a:tcPr marL="9525" marR="9525" marT="9525" marB="0" anchor="b"/>
+                </a:tc>
+                <a:tc>
+                  <a:txBody>
+                    <a:bodyPr/>
+                    <a:lstStyle/>
+                    <a:p>
+                      <a:pPr algn="ctr" fontAlgn="b"/>
+                      <a:r>
+                        <a:rPr lang="en-US" sz="1100" u="none" strike="noStrike">
+                          <a:effectLst/>
+                        </a:rPr>
+                        <a:t> </a:t>
+                      </a:r>
+                      <a:endParaRPr lang="en-US" sz="1100" b="0" i="0" u="none" strike="noStrike">
+                        <a:solidFill>
+                          <a:srgbClr val="000000"/>
+                        </a:solidFill>
+                        <a:effectLst/>
+                        <a:latin typeface="Calibri"/>
+                      </a:endParaRPr>
+                    </a:p>
+                  </a:txBody>
+                  <a:tcPr marL="9525" marR="9525" marT="9525" marB="0" anchor="b"/>
+                </a:tc>
+                <a:tc>
+                  <a:txBody>
+                    <a:bodyPr/>
+                    <a:lstStyle/>
+                    <a:p>
+                      <a:pPr algn="ctr" fontAlgn="b"/>
+                      <a:r>
+                        <a:rPr lang="en-US" sz="1100" u="none" strike="noStrike">
+                          <a:effectLst/>
+                        </a:rPr>
+                        <a:t> </a:t>
+                      </a:r>
+                      <a:endParaRPr lang="en-US" sz="1100" b="0" i="0" u="none" strike="noStrike">
+                        <a:solidFill>
+                          <a:srgbClr val="000000"/>
+                        </a:solidFill>
+                        <a:effectLst/>
+                        <a:latin typeface="Calibri"/>
+                      </a:endParaRPr>
+                    </a:p>
+                  </a:txBody>
+                  <a:tcPr marL="9525" marR="9525" marT="9525" marB="0" anchor="b"/>
+                </a:tc>
+              </a:tr>
+              <a:tr h="190500">
+                <a:tc>
+                  <a:txBody>
+                    <a:bodyPr/>
+                    <a:lstStyle/>
+                    <a:p>
+                      <a:pPr algn="l" fontAlgn="b"/>
+                      <a:r>
+                        <a:rPr lang="en-US" sz="1100" b="1" u="none" strike="noStrike" dirty="0" err="1">
+                          <a:effectLst/>
+                        </a:rPr>
+                        <a:t>Lcom_h</a:t>
+                      </a:r>
+                      <a:endParaRPr lang="en-US" sz="1100" b="1" i="0" u="none" strike="noStrike" dirty="0">
+                        <a:solidFill>
+                          <a:srgbClr val="000000"/>
+                        </a:solidFill>
+                        <a:effectLst/>
+                        <a:latin typeface="Calibri"/>
+                      </a:endParaRPr>
+                    </a:p>
+                  </a:txBody>
+                  <a:tcPr marL="9525" marR="9525" marT="9525" marB="0" anchor="b"/>
+                </a:tc>
+                <a:tc>
+                  <a:txBody>
+                    <a:bodyPr/>
+                    <a:lstStyle/>
+                    <a:p>
+                      <a:pPr algn="ctr" fontAlgn="b"/>
+                      <a:r>
+                        <a:rPr lang="en-US" sz="1100" b="1" u="none" strike="noStrike" dirty="0">
+                          <a:effectLst/>
+                        </a:rPr>
+                        <a:t>-0.96238</a:t>
+                      </a:r>
+                      <a:endParaRPr lang="en-US" sz="1100" b="1" i="0" u="none" strike="noStrike" dirty="0">
+                        <a:solidFill>
+                          <a:srgbClr val="000000"/>
+                        </a:solidFill>
+                        <a:effectLst/>
+                        <a:latin typeface="Calibri"/>
+                      </a:endParaRPr>
+                    </a:p>
+                  </a:txBody>
+                  <a:tcPr marL="9525" marR="9525" marT="9525" marB="0" anchor="b"/>
+                </a:tc>
+                <a:tc>
+                  <a:txBody>
+                    <a:bodyPr/>
+                    <a:lstStyle/>
+                    <a:p>
+                      <a:pPr algn="ctr" fontAlgn="b"/>
+                      <a:r>
+                        <a:rPr lang="en-US" sz="1100" u="none" strike="noStrike">
+                          <a:effectLst/>
+                        </a:rPr>
+                        <a:t>0.16640</a:t>
+                      </a:r>
+                      <a:endParaRPr lang="en-US" sz="1100" b="0" i="0" u="none" strike="noStrike">
+                        <a:solidFill>
+                          <a:srgbClr val="000000"/>
+                        </a:solidFill>
+                        <a:effectLst/>
+                        <a:latin typeface="Calibri"/>
+                      </a:endParaRPr>
+                    </a:p>
+                  </a:txBody>
+                  <a:tcPr marL="9525" marR="9525" marT="9525" marB="0" anchor="b"/>
+                </a:tc>
+                <a:tc>
+                  <a:txBody>
+                    <a:bodyPr/>
+                    <a:lstStyle/>
+                    <a:p>
+                      <a:pPr algn="ctr" fontAlgn="b"/>
+                      <a:r>
+                        <a:rPr lang="en-US" sz="1100" u="none" strike="noStrike">
+                          <a:effectLst/>
+                        </a:rPr>
+                        <a:t>1.00000</a:t>
+                      </a:r>
+                      <a:endParaRPr lang="en-US" sz="1100" b="0" i="0" u="none" strike="noStrike">
+                        <a:solidFill>
+                          <a:srgbClr val="000000"/>
+                        </a:solidFill>
+                        <a:effectLst/>
+                        <a:latin typeface="Calibri"/>
+                      </a:endParaRPr>
+                    </a:p>
+                  </a:txBody>
+                  <a:tcPr marL="9525" marR="9525" marT="9525" marB="0" anchor="b"/>
+                </a:tc>
+                <a:tc>
+                  <a:txBody>
+                    <a:bodyPr/>
+                    <a:lstStyle/>
+                    <a:p>
+                      <a:pPr algn="ctr" fontAlgn="b"/>
+                      <a:r>
+                        <a:rPr lang="en-US" sz="1100" u="none" strike="noStrike">
+                          <a:effectLst/>
+                        </a:rPr>
+                        <a:t> </a:t>
+                      </a:r>
+                      <a:endParaRPr lang="en-US" sz="1100" b="0" i="0" u="none" strike="noStrike">
+                        <a:solidFill>
+                          <a:srgbClr val="000000"/>
+                        </a:solidFill>
+                        <a:effectLst/>
+                        <a:latin typeface="Calibri"/>
+                      </a:endParaRPr>
+                    </a:p>
+                  </a:txBody>
+                  <a:tcPr marL="9525" marR="9525" marT="9525" marB="0" anchor="b"/>
+                </a:tc>
+                <a:tc>
+                  <a:txBody>
+                    <a:bodyPr/>
+                    <a:lstStyle/>
+                    <a:p>
+                      <a:pPr algn="ctr" fontAlgn="b"/>
+                      <a:r>
+                        <a:rPr lang="en-US" sz="1100" u="none" strike="noStrike">
+                          <a:effectLst/>
+                        </a:rPr>
+                        <a:t> </a:t>
+                      </a:r>
+                      <a:endParaRPr lang="en-US" sz="1100" b="0" i="0" u="none" strike="noStrike">
+                        <a:solidFill>
+                          <a:srgbClr val="000000"/>
+                        </a:solidFill>
+                        <a:effectLst/>
+                        <a:latin typeface="Calibri"/>
+                      </a:endParaRPr>
+                    </a:p>
+                  </a:txBody>
+                  <a:tcPr marL="9525" marR="9525" marT="9525" marB="0" anchor="b"/>
+                </a:tc>
+                <a:tc>
+                  <a:txBody>
+                    <a:bodyPr/>
+                    <a:lstStyle/>
+                    <a:p>
+                      <a:pPr algn="ctr" fontAlgn="b"/>
+                      <a:r>
+                        <a:rPr lang="en-US" sz="1100" u="none" strike="noStrike">
+                          <a:effectLst/>
+                        </a:rPr>
+                        <a:t> </a:t>
+                      </a:r>
+                      <a:endParaRPr lang="en-US" sz="1100" b="0" i="0" u="none" strike="noStrike">
+                        <a:solidFill>
+                          <a:srgbClr val="000000"/>
+                        </a:solidFill>
+                        <a:effectLst/>
+                        <a:latin typeface="Calibri"/>
+                      </a:endParaRPr>
+                    </a:p>
+                  </a:txBody>
+                  <a:tcPr marL="9525" marR="9525" marT="9525" marB="0" anchor="b"/>
+                </a:tc>
+              </a:tr>
+              <a:tr h="190500">
+                <a:tc>
+                  <a:txBody>
+                    <a:bodyPr/>
+                    <a:lstStyle/>
+                    <a:p>
+                      <a:pPr algn="l" fontAlgn="b"/>
+                      <a:r>
+                        <a:rPr lang="en-US" sz="1100" b="1" u="none" strike="noStrike" dirty="0" err="1">
+                          <a:effectLst/>
+                        </a:rPr>
+                        <a:t>Loc</a:t>
+                      </a:r>
+                      <a:endParaRPr lang="en-US" sz="1100" b="1" i="0" u="none" strike="noStrike" dirty="0">
+                        <a:solidFill>
+                          <a:srgbClr val="000000"/>
+                        </a:solidFill>
+                        <a:effectLst/>
+                        <a:latin typeface="Calibri"/>
+                      </a:endParaRPr>
+                    </a:p>
+                  </a:txBody>
+                  <a:tcPr marL="9525" marR="9525" marT="9525" marB="0" anchor="b"/>
+                </a:tc>
+                <a:tc>
+                  <a:txBody>
+                    <a:bodyPr/>
+                    <a:lstStyle/>
+                    <a:p>
+                      <a:pPr algn="ctr" fontAlgn="b"/>
+                      <a:r>
+                        <a:rPr lang="en-US" sz="1100" u="none" strike="noStrike">
+                          <a:effectLst/>
+                        </a:rPr>
+                        <a:t>-0.49723</a:t>
+                      </a:r>
+                      <a:endParaRPr lang="en-US" sz="1100" b="0" i="0" u="none" strike="noStrike">
+                        <a:solidFill>
+                          <a:srgbClr val="000000"/>
+                        </a:solidFill>
+                        <a:effectLst/>
+                        <a:latin typeface="Calibri"/>
+                      </a:endParaRPr>
+                    </a:p>
+                  </a:txBody>
+                  <a:tcPr marL="9525" marR="9525" marT="9525" marB="0" anchor="b"/>
+                </a:tc>
+                <a:tc>
+                  <a:txBody>
+                    <a:bodyPr/>
+                    <a:lstStyle/>
+                    <a:p>
+                      <a:pPr algn="ctr" fontAlgn="b"/>
+                      <a:r>
+                        <a:rPr lang="en-US" sz="1100" u="none" strike="noStrike">
+                          <a:effectLst/>
+                        </a:rPr>
+                        <a:t>0.44354</a:t>
+                      </a:r>
+                      <a:endParaRPr lang="en-US" sz="1100" b="0" i="0" u="none" strike="noStrike">
+                        <a:solidFill>
+                          <a:srgbClr val="000000"/>
+                        </a:solidFill>
+                        <a:effectLst/>
+                        <a:latin typeface="Calibri"/>
+                      </a:endParaRPr>
+                    </a:p>
+                  </a:txBody>
+                  <a:tcPr marL="9525" marR="9525" marT="9525" marB="0" anchor="b"/>
+                </a:tc>
+                <a:tc>
+                  <a:txBody>
+                    <a:bodyPr/>
+                    <a:lstStyle/>
+                    <a:p>
+                      <a:pPr algn="ctr" fontAlgn="b"/>
+                      <a:r>
+                        <a:rPr lang="en-US" sz="1100" u="none" strike="noStrike">
+                          <a:effectLst/>
+                        </a:rPr>
+                        <a:t>0.34259</a:t>
+                      </a:r>
+                      <a:endParaRPr lang="en-US" sz="1100" b="0" i="0" u="none" strike="noStrike">
+                        <a:solidFill>
+                          <a:srgbClr val="000000"/>
+                        </a:solidFill>
+                        <a:effectLst/>
+                        <a:latin typeface="Calibri"/>
+                      </a:endParaRPr>
+                    </a:p>
+                  </a:txBody>
+                  <a:tcPr marL="9525" marR="9525" marT="9525" marB="0" anchor="b"/>
+                </a:tc>
+                <a:tc>
+                  <a:txBody>
+                    <a:bodyPr/>
+                    <a:lstStyle/>
+                    <a:p>
+                      <a:pPr algn="ctr" fontAlgn="b"/>
+                      <a:r>
+                        <a:rPr lang="en-US" sz="1100" u="none" strike="noStrike">
+                          <a:effectLst/>
+                        </a:rPr>
+                        <a:t>1.00000</a:t>
+                      </a:r>
+                      <a:endParaRPr lang="en-US" sz="1100" b="0" i="0" u="none" strike="noStrike">
+                        <a:solidFill>
+                          <a:srgbClr val="000000"/>
+                        </a:solidFill>
+                        <a:effectLst/>
+                        <a:latin typeface="Calibri"/>
+                      </a:endParaRPr>
+                    </a:p>
+                  </a:txBody>
+                  <a:tcPr marL="9525" marR="9525" marT="9525" marB="0" anchor="b"/>
+                </a:tc>
+                <a:tc>
+                  <a:txBody>
+                    <a:bodyPr/>
+                    <a:lstStyle/>
+                    <a:p>
+                      <a:pPr algn="ctr" fontAlgn="b"/>
+                      <a:r>
+                        <a:rPr lang="en-US" sz="1100" u="none" strike="noStrike">
+                          <a:effectLst/>
+                        </a:rPr>
+                        <a:t> </a:t>
+                      </a:r>
+                      <a:endParaRPr lang="en-US" sz="1100" b="0" i="0" u="none" strike="noStrike">
+                        <a:solidFill>
+                          <a:srgbClr val="000000"/>
+                        </a:solidFill>
+                        <a:effectLst/>
+                        <a:latin typeface="Calibri"/>
+                      </a:endParaRPr>
+                    </a:p>
+                  </a:txBody>
+                  <a:tcPr marL="9525" marR="9525" marT="9525" marB="0" anchor="b"/>
+                </a:tc>
+                <a:tc>
+                  <a:txBody>
+                    <a:bodyPr/>
+                    <a:lstStyle/>
+                    <a:p>
+                      <a:pPr algn="ctr" fontAlgn="b"/>
+                      <a:r>
+                        <a:rPr lang="en-US" sz="1100" u="none" strike="noStrike">
+                          <a:effectLst/>
+                        </a:rPr>
+                        <a:t> </a:t>
+                      </a:r>
+                      <a:endParaRPr lang="en-US" sz="1100" b="0" i="0" u="none" strike="noStrike">
+                        <a:solidFill>
+                          <a:srgbClr val="000000"/>
+                        </a:solidFill>
+                        <a:effectLst/>
+                        <a:latin typeface="Calibri"/>
+                      </a:endParaRPr>
+                    </a:p>
+                  </a:txBody>
+                  <a:tcPr marL="9525" marR="9525" marT="9525" marB="0" anchor="b"/>
+                </a:tc>
+              </a:tr>
+              <a:tr h="190500">
+                <a:tc>
+                  <a:txBody>
+                    <a:bodyPr/>
+                    <a:lstStyle/>
+                    <a:p>
+                      <a:pPr algn="l" fontAlgn="b"/>
+                      <a:r>
+                        <a:rPr lang="en-US" sz="1100" b="1" u="none" strike="noStrike" dirty="0">
+                          <a:effectLst/>
+                        </a:rPr>
+                        <a:t>RFC</a:t>
+                      </a:r>
+                      <a:endParaRPr lang="en-US" sz="1100" b="1" i="0" u="none" strike="noStrike" dirty="0">
+                        <a:solidFill>
+                          <a:srgbClr val="000000"/>
+                        </a:solidFill>
+                        <a:effectLst/>
+                        <a:latin typeface="Calibri"/>
+                      </a:endParaRPr>
+                    </a:p>
+                  </a:txBody>
+                  <a:tcPr marL="9525" marR="9525" marT="9525" marB="0" anchor="b"/>
+                </a:tc>
+                <a:tc>
+                  <a:txBody>
+                    <a:bodyPr/>
+                    <a:lstStyle/>
+                    <a:p>
+                      <a:pPr algn="ctr" fontAlgn="b"/>
+                      <a:r>
+                        <a:rPr lang="en-US" sz="1100" u="none" strike="noStrike">
+                          <a:effectLst/>
+                        </a:rPr>
+                        <a:t>-0.52309</a:t>
+                      </a:r>
+                      <a:endParaRPr lang="en-US" sz="1100" b="0" i="0" u="none" strike="noStrike">
+                        <a:solidFill>
+                          <a:srgbClr val="000000"/>
+                        </a:solidFill>
+                        <a:effectLst/>
+                        <a:latin typeface="Calibri"/>
+                      </a:endParaRPr>
+                    </a:p>
+                  </a:txBody>
+                  <a:tcPr marL="9525" marR="9525" marT="9525" marB="0" anchor="b"/>
+                </a:tc>
+                <a:tc>
+                  <a:txBody>
+                    <a:bodyPr/>
+                    <a:lstStyle/>
+                    <a:p>
+                      <a:pPr algn="ctr" fontAlgn="b"/>
+                      <a:r>
+                        <a:rPr lang="en-US" sz="1100" b="1" u="none" strike="noStrike" dirty="0">
+                          <a:effectLst/>
+                        </a:rPr>
+                        <a:t>0.82539</a:t>
+                      </a:r>
+                      <a:endParaRPr lang="en-US" sz="1100" b="1" i="0" u="none" strike="noStrike" dirty="0">
+                        <a:solidFill>
+                          <a:srgbClr val="000000"/>
+                        </a:solidFill>
+                        <a:effectLst/>
+                        <a:latin typeface="Calibri"/>
+                      </a:endParaRPr>
+                    </a:p>
+                  </a:txBody>
+                  <a:tcPr marL="9525" marR="9525" marT="9525" marB="0" anchor="b"/>
+                </a:tc>
+                <a:tc>
+                  <a:txBody>
+                    <a:bodyPr/>
+                    <a:lstStyle/>
+                    <a:p>
+                      <a:pPr algn="ctr" fontAlgn="b"/>
+                      <a:r>
+                        <a:rPr lang="en-US" sz="1100" u="none" strike="noStrike">
+                          <a:effectLst/>
+                        </a:rPr>
+                        <a:t>0.36112</a:t>
+                      </a:r>
+                      <a:endParaRPr lang="en-US" sz="1100" b="0" i="0" u="none" strike="noStrike">
+                        <a:solidFill>
+                          <a:srgbClr val="000000"/>
+                        </a:solidFill>
+                        <a:effectLst/>
+                        <a:latin typeface="Calibri"/>
+                      </a:endParaRPr>
+                    </a:p>
+                  </a:txBody>
+                  <a:tcPr marL="9525" marR="9525" marT="9525" marB="0" anchor="b"/>
+                </a:tc>
+                <a:tc>
+                  <a:txBody>
+                    <a:bodyPr/>
+                    <a:lstStyle/>
+                    <a:p>
+                      <a:pPr algn="ctr" fontAlgn="b"/>
+                      <a:r>
+                        <a:rPr lang="en-US" sz="1100" b="1" u="none" strike="noStrike" dirty="0">
+                          <a:effectLst/>
+                        </a:rPr>
+                        <a:t>0.71414</a:t>
+                      </a:r>
+                      <a:endParaRPr lang="en-US" sz="1100" b="1" i="0" u="none" strike="noStrike" dirty="0">
+                        <a:solidFill>
+                          <a:srgbClr val="000000"/>
+                        </a:solidFill>
+                        <a:effectLst/>
+                        <a:latin typeface="Calibri"/>
+                      </a:endParaRPr>
+                    </a:p>
+                  </a:txBody>
+                  <a:tcPr marL="9525" marR="9525" marT="9525" marB="0" anchor="b"/>
+                </a:tc>
+                <a:tc>
+                  <a:txBody>
+                    <a:bodyPr/>
+                    <a:lstStyle/>
+                    <a:p>
+                      <a:pPr algn="ctr" fontAlgn="b"/>
+                      <a:r>
+                        <a:rPr lang="en-US" sz="1100" u="none" strike="noStrike">
+                          <a:effectLst/>
+                        </a:rPr>
+                        <a:t>1.00000</a:t>
+                      </a:r>
+                      <a:endParaRPr lang="en-US" sz="1100" b="0" i="0" u="none" strike="noStrike">
+                        <a:solidFill>
+                          <a:srgbClr val="000000"/>
+                        </a:solidFill>
+                        <a:effectLst/>
+                        <a:latin typeface="Calibri"/>
+                      </a:endParaRPr>
+                    </a:p>
+                  </a:txBody>
+                  <a:tcPr marL="9525" marR="9525" marT="9525" marB="0" anchor="b"/>
+                </a:tc>
+                <a:tc>
+                  <a:txBody>
+                    <a:bodyPr/>
+                    <a:lstStyle/>
+                    <a:p>
+                      <a:pPr algn="ctr" fontAlgn="b"/>
+                      <a:r>
+                        <a:rPr lang="en-US" sz="1100" u="none" strike="noStrike">
+                          <a:effectLst/>
+                        </a:rPr>
+                        <a:t> </a:t>
+                      </a:r>
+                      <a:endParaRPr lang="en-US" sz="1100" b="0" i="0" u="none" strike="noStrike">
+                        <a:solidFill>
+                          <a:srgbClr val="000000"/>
+                        </a:solidFill>
+                        <a:effectLst/>
+                        <a:latin typeface="Calibri"/>
+                      </a:endParaRPr>
+                    </a:p>
+                  </a:txBody>
+                  <a:tcPr marL="9525" marR="9525" marT="9525" marB="0" anchor="b"/>
+                </a:tc>
+              </a:tr>
+              <a:tr h="200025">
+                <a:tc>
+                  <a:txBody>
+                    <a:bodyPr/>
+                    <a:lstStyle/>
+                    <a:p>
+                      <a:pPr algn="l" fontAlgn="b"/>
+                      <a:r>
+                        <a:rPr lang="en-US" sz="1100" b="1" u="none" strike="noStrike" dirty="0" err="1">
+                          <a:effectLst/>
+                        </a:rPr>
+                        <a:t>Relative_Size</a:t>
+                      </a:r>
+                      <a:endParaRPr lang="en-US" sz="1100" b="1" i="0" u="none" strike="noStrike" dirty="0">
+                        <a:solidFill>
+                          <a:srgbClr val="000000"/>
+                        </a:solidFill>
+                        <a:effectLst/>
+                        <a:latin typeface="Calibri"/>
+                      </a:endParaRPr>
+                    </a:p>
+                  </a:txBody>
+                  <a:tcPr marL="9525" marR="9525" marT="9525" marB="0" anchor="b"/>
+                </a:tc>
+                <a:tc>
+                  <a:txBody>
+                    <a:bodyPr/>
+                    <a:lstStyle/>
+                    <a:p>
+                      <a:pPr algn="ctr" fontAlgn="b"/>
+                      <a:r>
+                        <a:rPr lang="en-US" sz="1100" u="none" strike="noStrike" dirty="0">
+                          <a:effectLst/>
+                        </a:rPr>
+                        <a:t>-0.45214</a:t>
+                      </a:r>
+                      <a:endParaRPr lang="en-US" sz="1100" b="0" i="0" u="none" strike="noStrike" dirty="0">
+                        <a:solidFill>
+                          <a:srgbClr val="000000"/>
+                        </a:solidFill>
+                        <a:effectLst/>
+                        <a:latin typeface="Calibri"/>
+                      </a:endParaRPr>
+                    </a:p>
+                  </a:txBody>
+                  <a:tcPr marL="9525" marR="9525" marT="9525" marB="0" anchor="b"/>
+                </a:tc>
+                <a:tc>
+                  <a:txBody>
+                    <a:bodyPr/>
+                    <a:lstStyle/>
+                    <a:p>
+                      <a:pPr algn="ctr" fontAlgn="b"/>
+                      <a:r>
+                        <a:rPr lang="en-US" sz="1100" u="none" strike="noStrike">
+                          <a:effectLst/>
+                        </a:rPr>
+                        <a:t>0.32464</a:t>
+                      </a:r>
+                      <a:endParaRPr lang="en-US" sz="1100" b="0" i="0" u="none" strike="noStrike">
+                        <a:solidFill>
+                          <a:srgbClr val="000000"/>
+                        </a:solidFill>
+                        <a:effectLst/>
+                        <a:latin typeface="Calibri"/>
+                      </a:endParaRPr>
+                    </a:p>
+                  </a:txBody>
+                  <a:tcPr marL="9525" marR="9525" marT="9525" marB="0" anchor="b"/>
+                </a:tc>
+                <a:tc>
+                  <a:txBody>
+                    <a:bodyPr/>
+                    <a:lstStyle/>
+                    <a:p>
+                      <a:pPr algn="ctr" fontAlgn="b"/>
+                      <a:r>
+                        <a:rPr lang="en-US" sz="1100" u="none" strike="noStrike">
+                          <a:effectLst/>
+                        </a:rPr>
+                        <a:t>0.30957</a:t>
+                      </a:r>
+                      <a:endParaRPr lang="en-US" sz="1100" b="0" i="0" u="none" strike="noStrike">
+                        <a:solidFill>
+                          <a:srgbClr val="000000"/>
+                        </a:solidFill>
+                        <a:effectLst/>
+                        <a:latin typeface="Calibri"/>
+                      </a:endParaRPr>
+                    </a:p>
+                  </a:txBody>
+                  <a:tcPr marL="9525" marR="9525" marT="9525" marB="0" anchor="b"/>
+                </a:tc>
+                <a:tc>
+                  <a:txBody>
+                    <a:bodyPr/>
+                    <a:lstStyle/>
+                    <a:p>
+                      <a:pPr algn="ctr" fontAlgn="b"/>
+                      <a:r>
+                        <a:rPr lang="en-US" sz="1100" b="1" u="none" strike="noStrike" dirty="0">
+                          <a:effectLst/>
+                        </a:rPr>
+                        <a:t>0.97546</a:t>
+                      </a:r>
+                      <a:endParaRPr lang="en-US" sz="1100" b="1" i="0" u="none" strike="noStrike" dirty="0">
+                        <a:solidFill>
+                          <a:srgbClr val="000000"/>
+                        </a:solidFill>
+                        <a:effectLst/>
+                        <a:latin typeface="Calibri"/>
+                      </a:endParaRPr>
+                    </a:p>
+                  </a:txBody>
+                  <a:tcPr marL="9525" marR="9525" marT="9525" marB="0" anchor="b"/>
+                </a:tc>
+                <a:tc>
+                  <a:txBody>
+                    <a:bodyPr/>
+                    <a:lstStyle/>
+                    <a:p>
+                      <a:pPr algn="ctr" fontAlgn="b"/>
+                      <a:r>
+                        <a:rPr lang="en-US" sz="1100" b="1" u="none" strike="noStrike" dirty="0">
+                          <a:effectLst/>
+                        </a:rPr>
+                        <a:t>0.60745</a:t>
+                      </a:r>
+                      <a:endParaRPr lang="en-US" sz="1100" b="1" i="0" u="none" strike="noStrike" dirty="0">
+                        <a:solidFill>
+                          <a:srgbClr val="000000"/>
+                        </a:solidFill>
+                        <a:effectLst/>
+                        <a:latin typeface="Calibri"/>
+                      </a:endParaRPr>
+                    </a:p>
+                  </a:txBody>
+                  <a:tcPr marL="9525" marR="9525" marT="9525" marB="0" anchor="b"/>
+                </a:tc>
+                <a:tc>
+                  <a:txBody>
+                    <a:bodyPr/>
+                    <a:lstStyle/>
+                    <a:p>
+                      <a:pPr algn="ctr" fontAlgn="b"/>
+                      <a:r>
+                        <a:rPr lang="en-US" sz="1100" u="none" strike="noStrike" dirty="0">
+                          <a:effectLst/>
+                        </a:rPr>
+                        <a:t>1.00000</a:t>
+                      </a:r>
+                      <a:endParaRPr lang="en-US" sz="1100" b="0" i="0" u="none" strike="noStrike" dirty="0">
+                        <a:solidFill>
+                          <a:srgbClr val="000000"/>
+                        </a:solidFill>
+                        <a:effectLst/>
+                        <a:latin typeface="Calibri"/>
+                      </a:endParaRPr>
+                    </a:p>
+                  </a:txBody>
+                  <a:tcPr marL="9525" marR="9525" marT="9525" marB="0" anchor="b"/>
+                </a:tc>
+              </a:tr>
+            </a:tbl>
+          </a:graphicData>
+        </a:graphic>
+      </p:graphicFrame>
+      <p:graphicFrame>
+        <p:nvGraphicFramePr>
+          <p:cNvPr id="8" name="Table 7"/>
+          <p:cNvGraphicFramePr>
+            <a:graphicFrameLocks noGrp="1"/>
+          </p:cNvGraphicFramePr>
+          <p:nvPr>
+            <p:extLst>
+              <p:ext uri="{D42A27DB-BD31-4B8C-83A1-F6EECF244321}">
+                <p14:modId xmlns:p14="http://schemas.microsoft.com/office/powerpoint/2010/main" val="321244636"/>
+              </p:ext>
+            </p:extLst>
+          </p:nvPr>
+        </p:nvGraphicFramePr>
+        <p:xfrm>
+          <a:off x="2374900" y="3352800"/>
+          <a:ext cx="5295900" cy="1343025"/>
+        </p:xfrm>
+        <a:graphic>
+          <a:graphicData uri="http://schemas.openxmlformats.org/drawingml/2006/table">
+            <a:tbl>
+              <a:tblPr>
+                <a:tableStyleId>{5C22544A-7EE6-4342-B048-85BDC9FD1C3A}</a:tableStyleId>
+              </a:tblPr>
+              <a:tblGrid>
+                <a:gridCol w="863600"/>
+                <a:gridCol w="850900"/>
+                <a:gridCol w="647700"/>
+                <a:gridCol w="711200"/>
+                <a:gridCol w="673100"/>
+                <a:gridCol w="685800"/>
+                <a:gridCol w="863600"/>
+              </a:tblGrid>
+              <a:tr h="190500">
+                <a:tc>
+                  <a:txBody>
+                    <a:bodyPr/>
+                    <a:lstStyle/>
+                    <a:p>
+                      <a:pPr algn="l" fontAlgn="b"/>
+                      <a:r>
+                        <a:rPr lang="en-US" sz="1100" b="1" u="none" strike="noStrike" dirty="0">
+                          <a:effectLst/>
+                        </a:rPr>
+                        <a:t> </a:t>
+                      </a:r>
+                      <a:endParaRPr lang="en-US" sz="1100" b="1" i="0" u="none" strike="noStrike" dirty="0">
+                        <a:solidFill>
+                          <a:srgbClr val="000000"/>
+                        </a:solidFill>
+                        <a:effectLst/>
+                        <a:latin typeface="Calibri"/>
+                      </a:endParaRPr>
+                    </a:p>
+                  </a:txBody>
+                  <a:tcPr marL="9525" marR="9525" marT="9525" marB="0" anchor="b"/>
+                </a:tc>
+                <a:tc>
+                  <a:txBody>
+                    <a:bodyPr/>
+                    <a:lstStyle/>
+                    <a:p>
+                      <a:pPr algn="ctr" fontAlgn="b"/>
+                      <a:r>
+                        <a:rPr lang="en-US" sz="1100" b="1" u="none" strike="noStrike" dirty="0" err="1">
+                          <a:effectLst/>
+                        </a:rPr>
+                        <a:t>Coh</a:t>
+                      </a:r>
+                      <a:endParaRPr lang="en-US" sz="1100" b="1" i="0" u="none" strike="noStrike" dirty="0">
+                        <a:solidFill>
+                          <a:srgbClr val="000000"/>
+                        </a:solidFill>
+                        <a:effectLst/>
+                        <a:latin typeface="Calibri"/>
+                      </a:endParaRPr>
+                    </a:p>
+                  </a:txBody>
+                  <a:tcPr marL="9525" marR="9525" marT="9525" marB="0" anchor="b"/>
+                </a:tc>
+                <a:tc>
+                  <a:txBody>
+                    <a:bodyPr/>
+                    <a:lstStyle/>
+                    <a:p>
+                      <a:pPr algn="ctr" fontAlgn="b"/>
+                      <a:r>
+                        <a:rPr lang="en-US" sz="1100" b="1" u="none" strike="noStrike" dirty="0" err="1">
+                          <a:effectLst/>
+                        </a:rPr>
+                        <a:t>Lcom</a:t>
+                      </a:r>
+                      <a:endParaRPr lang="en-US" sz="1100" b="1" i="0" u="none" strike="noStrike" dirty="0">
+                        <a:solidFill>
+                          <a:srgbClr val="000000"/>
+                        </a:solidFill>
+                        <a:effectLst/>
+                        <a:latin typeface="Calibri"/>
+                      </a:endParaRPr>
+                    </a:p>
+                  </a:txBody>
+                  <a:tcPr marL="9525" marR="9525" marT="9525" marB="0" anchor="b"/>
+                </a:tc>
+                <a:tc>
+                  <a:txBody>
+                    <a:bodyPr/>
+                    <a:lstStyle/>
+                    <a:p>
+                      <a:pPr algn="ctr" fontAlgn="b"/>
+                      <a:r>
+                        <a:rPr lang="en-US" sz="1100" b="1" u="none" strike="noStrike" dirty="0" err="1">
+                          <a:effectLst/>
+                        </a:rPr>
+                        <a:t>Lcom_h</a:t>
+                      </a:r>
+                      <a:endParaRPr lang="en-US" sz="1100" b="1" i="0" u="none" strike="noStrike" dirty="0">
+                        <a:solidFill>
+                          <a:srgbClr val="000000"/>
+                        </a:solidFill>
+                        <a:effectLst/>
+                        <a:latin typeface="Calibri"/>
+                      </a:endParaRPr>
+                    </a:p>
+                  </a:txBody>
+                  <a:tcPr marL="9525" marR="9525" marT="9525" marB="0" anchor="b"/>
+                </a:tc>
+                <a:tc>
+                  <a:txBody>
+                    <a:bodyPr/>
+                    <a:lstStyle/>
+                    <a:p>
+                      <a:pPr algn="ctr" fontAlgn="b"/>
+                      <a:r>
+                        <a:rPr lang="en-US" sz="1100" b="1" u="none" strike="noStrike" dirty="0" err="1">
+                          <a:effectLst/>
+                        </a:rPr>
+                        <a:t>Loc</a:t>
+                      </a:r>
+                      <a:endParaRPr lang="en-US" sz="1100" b="1" i="0" u="none" strike="noStrike" dirty="0">
+                        <a:solidFill>
+                          <a:srgbClr val="000000"/>
+                        </a:solidFill>
+                        <a:effectLst/>
+                        <a:latin typeface="Calibri"/>
+                      </a:endParaRPr>
+                    </a:p>
+                  </a:txBody>
+                  <a:tcPr marL="9525" marR="9525" marT="9525" marB="0" anchor="b"/>
+                </a:tc>
+                <a:tc>
+                  <a:txBody>
+                    <a:bodyPr/>
+                    <a:lstStyle/>
+                    <a:p>
+                      <a:pPr algn="ctr" fontAlgn="b"/>
+                      <a:r>
+                        <a:rPr lang="en-US" sz="1100" b="1" u="none" strike="noStrike" dirty="0">
+                          <a:effectLst/>
+                        </a:rPr>
+                        <a:t>RFC</a:t>
+                      </a:r>
+                      <a:endParaRPr lang="en-US" sz="1100" b="1" i="0" u="none" strike="noStrike" dirty="0">
+                        <a:solidFill>
+                          <a:srgbClr val="000000"/>
+                        </a:solidFill>
+                        <a:effectLst/>
+                        <a:latin typeface="Calibri"/>
+                      </a:endParaRPr>
+                    </a:p>
+                  </a:txBody>
+                  <a:tcPr marL="9525" marR="9525" marT="9525" marB="0" anchor="b"/>
+                </a:tc>
+                <a:tc>
+                  <a:txBody>
+                    <a:bodyPr/>
+                    <a:lstStyle/>
+                    <a:p>
+                      <a:pPr algn="ctr" fontAlgn="b"/>
+                      <a:r>
+                        <a:rPr lang="en-US" sz="1100" b="1" u="none" strike="noStrike" dirty="0" err="1">
+                          <a:effectLst/>
+                        </a:rPr>
+                        <a:t>Relative_Size</a:t>
+                      </a:r>
+                      <a:endParaRPr lang="en-US" sz="1100" b="1" i="0" u="none" strike="noStrike" dirty="0">
+                        <a:solidFill>
+                          <a:srgbClr val="000000"/>
+                        </a:solidFill>
+                        <a:effectLst/>
+                        <a:latin typeface="Calibri"/>
+                      </a:endParaRPr>
+                    </a:p>
+                  </a:txBody>
+                  <a:tcPr marL="9525" marR="9525" marT="9525" marB="0" anchor="b"/>
+                </a:tc>
+              </a:tr>
+              <a:tr h="190500">
+                <a:tc>
+                  <a:txBody>
+                    <a:bodyPr/>
+                    <a:lstStyle/>
+                    <a:p>
+                      <a:pPr algn="l" fontAlgn="b"/>
+                      <a:r>
+                        <a:rPr lang="en-US" sz="1100" b="1" u="none" strike="noStrike" dirty="0" err="1">
+                          <a:effectLst/>
+                        </a:rPr>
+                        <a:t>Coh</a:t>
+                      </a:r>
+                      <a:endParaRPr lang="en-US" sz="1100" b="1" i="0" u="none" strike="noStrike" dirty="0">
+                        <a:solidFill>
+                          <a:srgbClr val="000000"/>
+                        </a:solidFill>
+                        <a:effectLst/>
+                        <a:latin typeface="Calibri"/>
+                      </a:endParaRPr>
+                    </a:p>
+                  </a:txBody>
+                  <a:tcPr marL="9525" marR="9525" marT="9525" marB="0" anchor="b"/>
+                </a:tc>
+                <a:tc>
+                  <a:txBody>
+                    <a:bodyPr/>
+                    <a:lstStyle/>
+                    <a:p>
+                      <a:pPr algn="ctr" fontAlgn="b"/>
+                      <a:r>
+                        <a:rPr lang="en-US" sz="1100" u="none" strike="noStrike">
+                          <a:effectLst/>
+                        </a:rPr>
+                        <a:t>1.00000</a:t>
+                      </a:r>
+                      <a:endParaRPr lang="en-US" sz="1100" b="0" i="0" u="none" strike="noStrike">
+                        <a:solidFill>
+                          <a:srgbClr val="000000"/>
+                        </a:solidFill>
+                        <a:effectLst/>
+                        <a:latin typeface="Calibri"/>
+                      </a:endParaRPr>
+                    </a:p>
+                  </a:txBody>
+                  <a:tcPr marL="9525" marR="9525" marT="9525" marB="0" anchor="b"/>
+                </a:tc>
+                <a:tc>
+                  <a:txBody>
+                    <a:bodyPr/>
+                    <a:lstStyle/>
+                    <a:p>
+                      <a:pPr algn="ctr" fontAlgn="b"/>
+                      <a:r>
+                        <a:rPr lang="en-US" sz="1100" u="none" strike="noStrike">
+                          <a:effectLst/>
+                        </a:rPr>
+                        <a:t> </a:t>
+                      </a:r>
+                      <a:endParaRPr lang="en-US" sz="1100" b="0" i="0" u="none" strike="noStrike">
+                        <a:solidFill>
+                          <a:srgbClr val="000000"/>
+                        </a:solidFill>
+                        <a:effectLst/>
+                        <a:latin typeface="Calibri"/>
+                      </a:endParaRPr>
+                    </a:p>
+                  </a:txBody>
+                  <a:tcPr marL="9525" marR="9525" marT="9525" marB="0" anchor="b"/>
+                </a:tc>
+                <a:tc>
+                  <a:txBody>
+                    <a:bodyPr/>
+                    <a:lstStyle/>
+                    <a:p>
+                      <a:pPr algn="ctr" fontAlgn="b"/>
+                      <a:r>
+                        <a:rPr lang="en-US" sz="1100" u="none" strike="noStrike">
+                          <a:effectLst/>
+                        </a:rPr>
+                        <a:t> </a:t>
+                      </a:r>
+                      <a:endParaRPr lang="en-US" sz="1100" b="0" i="0" u="none" strike="noStrike">
+                        <a:solidFill>
+                          <a:srgbClr val="000000"/>
+                        </a:solidFill>
+                        <a:effectLst/>
+                        <a:latin typeface="Calibri"/>
+                      </a:endParaRPr>
+                    </a:p>
+                  </a:txBody>
+                  <a:tcPr marL="9525" marR="9525" marT="9525" marB="0" anchor="b"/>
+                </a:tc>
+                <a:tc>
+                  <a:txBody>
+                    <a:bodyPr/>
+                    <a:lstStyle/>
+                    <a:p>
+                      <a:pPr algn="ctr" fontAlgn="b"/>
+                      <a:r>
+                        <a:rPr lang="en-US" sz="1100" u="none" strike="noStrike">
+                          <a:effectLst/>
+                        </a:rPr>
+                        <a:t> </a:t>
+                      </a:r>
+                      <a:endParaRPr lang="en-US" sz="1100" b="0" i="0" u="none" strike="noStrike">
+                        <a:solidFill>
+                          <a:srgbClr val="000000"/>
+                        </a:solidFill>
+                        <a:effectLst/>
+                        <a:latin typeface="Calibri"/>
+                      </a:endParaRPr>
+                    </a:p>
+                  </a:txBody>
+                  <a:tcPr marL="9525" marR="9525" marT="9525" marB="0" anchor="b"/>
+                </a:tc>
+                <a:tc>
+                  <a:txBody>
+                    <a:bodyPr/>
+                    <a:lstStyle/>
+                    <a:p>
+                      <a:pPr algn="ctr" fontAlgn="b"/>
+                      <a:r>
+                        <a:rPr lang="en-US" sz="1100" u="none" strike="noStrike">
+                          <a:effectLst/>
+                        </a:rPr>
+                        <a:t> </a:t>
+                      </a:r>
+                      <a:endParaRPr lang="en-US" sz="1100" b="0" i="0" u="none" strike="noStrike">
+                        <a:solidFill>
+                          <a:srgbClr val="000000"/>
+                        </a:solidFill>
+                        <a:effectLst/>
+                        <a:latin typeface="Calibri"/>
+                      </a:endParaRPr>
+                    </a:p>
+                  </a:txBody>
+                  <a:tcPr marL="9525" marR="9525" marT="9525" marB="0" anchor="b"/>
+                </a:tc>
+                <a:tc>
+                  <a:txBody>
+                    <a:bodyPr/>
+                    <a:lstStyle/>
+                    <a:p>
+                      <a:pPr algn="ctr" fontAlgn="b"/>
+                      <a:r>
+                        <a:rPr lang="en-US" sz="1100" u="none" strike="noStrike">
+                          <a:effectLst/>
+                        </a:rPr>
+                        <a:t> </a:t>
+                      </a:r>
+                      <a:endParaRPr lang="en-US" sz="1100" b="0" i="0" u="none" strike="noStrike">
+                        <a:solidFill>
+                          <a:srgbClr val="000000"/>
+                        </a:solidFill>
+                        <a:effectLst/>
+                        <a:latin typeface="Calibri"/>
+                      </a:endParaRPr>
+                    </a:p>
+                  </a:txBody>
+                  <a:tcPr marL="9525" marR="9525" marT="9525" marB="0" anchor="b"/>
+                </a:tc>
+              </a:tr>
+              <a:tr h="190500">
+                <a:tc>
+                  <a:txBody>
+                    <a:bodyPr/>
+                    <a:lstStyle/>
+                    <a:p>
+                      <a:pPr algn="l" fontAlgn="b"/>
+                      <a:r>
+                        <a:rPr lang="en-US" sz="1100" b="1" u="none" strike="noStrike" dirty="0" err="1">
+                          <a:effectLst/>
+                        </a:rPr>
+                        <a:t>Lcom</a:t>
+                      </a:r>
+                      <a:endParaRPr lang="en-US" sz="1100" b="1" i="0" u="none" strike="noStrike" dirty="0">
+                        <a:solidFill>
+                          <a:srgbClr val="000000"/>
+                        </a:solidFill>
+                        <a:effectLst/>
+                        <a:latin typeface="Calibri"/>
+                      </a:endParaRPr>
+                    </a:p>
+                  </a:txBody>
+                  <a:tcPr marL="9525" marR="9525" marT="9525" marB="0" anchor="b"/>
+                </a:tc>
+                <a:tc>
+                  <a:txBody>
+                    <a:bodyPr/>
+                    <a:lstStyle/>
+                    <a:p>
+                      <a:pPr algn="ctr" fontAlgn="b"/>
+                      <a:r>
+                        <a:rPr lang="en-US" sz="1100" u="none" strike="noStrike">
+                          <a:effectLst/>
+                        </a:rPr>
+                        <a:t>-0.49787</a:t>
+                      </a:r>
+                      <a:endParaRPr lang="en-US" sz="1100" b="0" i="0" u="none" strike="noStrike">
+                        <a:solidFill>
+                          <a:srgbClr val="000000"/>
+                        </a:solidFill>
+                        <a:effectLst/>
+                        <a:latin typeface="Calibri"/>
+                      </a:endParaRPr>
+                    </a:p>
+                  </a:txBody>
+                  <a:tcPr marL="9525" marR="9525" marT="9525" marB="0" anchor="b"/>
+                </a:tc>
+                <a:tc>
+                  <a:txBody>
+                    <a:bodyPr/>
+                    <a:lstStyle/>
+                    <a:p>
+                      <a:pPr algn="ctr" fontAlgn="b"/>
+                      <a:r>
+                        <a:rPr lang="en-US" sz="1100" u="none" strike="noStrike">
+                          <a:effectLst/>
+                        </a:rPr>
+                        <a:t>1.00000</a:t>
+                      </a:r>
+                      <a:endParaRPr lang="en-US" sz="1100" b="0" i="0" u="none" strike="noStrike">
+                        <a:solidFill>
+                          <a:srgbClr val="000000"/>
+                        </a:solidFill>
+                        <a:effectLst/>
+                        <a:latin typeface="Calibri"/>
+                      </a:endParaRPr>
+                    </a:p>
+                  </a:txBody>
+                  <a:tcPr marL="9525" marR="9525" marT="9525" marB="0" anchor="b"/>
+                </a:tc>
+                <a:tc>
+                  <a:txBody>
+                    <a:bodyPr/>
+                    <a:lstStyle/>
+                    <a:p>
+                      <a:pPr algn="ctr" fontAlgn="b"/>
+                      <a:r>
+                        <a:rPr lang="en-US" sz="1100" u="none" strike="noStrike">
+                          <a:effectLst/>
+                        </a:rPr>
+                        <a:t> </a:t>
+                      </a:r>
+                      <a:endParaRPr lang="en-US" sz="1100" b="0" i="0" u="none" strike="noStrike">
+                        <a:solidFill>
+                          <a:srgbClr val="000000"/>
+                        </a:solidFill>
+                        <a:effectLst/>
+                        <a:latin typeface="Calibri"/>
+                      </a:endParaRPr>
+                    </a:p>
+                  </a:txBody>
+                  <a:tcPr marL="9525" marR="9525" marT="9525" marB="0" anchor="b"/>
+                </a:tc>
+                <a:tc>
+                  <a:txBody>
+                    <a:bodyPr/>
+                    <a:lstStyle/>
+                    <a:p>
+                      <a:pPr algn="ctr" fontAlgn="b"/>
+                      <a:r>
+                        <a:rPr lang="en-US" sz="1100" u="none" strike="noStrike">
+                          <a:effectLst/>
+                        </a:rPr>
+                        <a:t> </a:t>
+                      </a:r>
+                      <a:endParaRPr lang="en-US" sz="1100" b="0" i="0" u="none" strike="noStrike">
+                        <a:solidFill>
+                          <a:srgbClr val="000000"/>
+                        </a:solidFill>
+                        <a:effectLst/>
+                        <a:latin typeface="Calibri"/>
+                      </a:endParaRPr>
+                    </a:p>
+                  </a:txBody>
+                  <a:tcPr marL="9525" marR="9525" marT="9525" marB="0" anchor="b"/>
+                </a:tc>
+                <a:tc>
+                  <a:txBody>
+                    <a:bodyPr/>
+                    <a:lstStyle/>
+                    <a:p>
+                      <a:pPr algn="ctr" fontAlgn="b"/>
+                      <a:r>
+                        <a:rPr lang="en-US" sz="1100" u="none" strike="noStrike">
+                          <a:effectLst/>
+                        </a:rPr>
+                        <a:t> </a:t>
+                      </a:r>
+                      <a:endParaRPr lang="en-US" sz="1100" b="0" i="0" u="none" strike="noStrike">
+                        <a:solidFill>
+                          <a:srgbClr val="000000"/>
+                        </a:solidFill>
+                        <a:effectLst/>
+                        <a:latin typeface="Calibri"/>
+                      </a:endParaRPr>
+                    </a:p>
+                  </a:txBody>
+                  <a:tcPr marL="9525" marR="9525" marT="9525" marB="0" anchor="b"/>
+                </a:tc>
+                <a:tc>
+                  <a:txBody>
+                    <a:bodyPr/>
+                    <a:lstStyle/>
+                    <a:p>
+                      <a:pPr algn="ctr" fontAlgn="b"/>
+                      <a:r>
+                        <a:rPr lang="en-US" sz="1100" u="none" strike="noStrike">
+                          <a:effectLst/>
+                        </a:rPr>
+                        <a:t> </a:t>
+                      </a:r>
+                      <a:endParaRPr lang="en-US" sz="1100" b="0" i="0" u="none" strike="noStrike">
+                        <a:solidFill>
+                          <a:srgbClr val="000000"/>
+                        </a:solidFill>
+                        <a:effectLst/>
+                        <a:latin typeface="Calibri"/>
+                      </a:endParaRPr>
+                    </a:p>
+                  </a:txBody>
+                  <a:tcPr marL="9525" marR="9525" marT="9525" marB="0" anchor="b"/>
+                </a:tc>
+              </a:tr>
+              <a:tr h="190500">
+                <a:tc>
+                  <a:txBody>
+                    <a:bodyPr/>
+                    <a:lstStyle/>
+                    <a:p>
+                      <a:pPr algn="l" fontAlgn="b"/>
+                      <a:r>
+                        <a:rPr lang="en-US" sz="1100" b="1" u="none" strike="noStrike" dirty="0" err="1">
+                          <a:effectLst/>
+                        </a:rPr>
+                        <a:t>Lcom_h</a:t>
+                      </a:r>
+                      <a:endParaRPr lang="en-US" sz="1100" b="1" i="0" u="none" strike="noStrike" dirty="0">
+                        <a:solidFill>
+                          <a:srgbClr val="000000"/>
+                        </a:solidFill>
+                        <a:effectLst/>
+                        <a:latin typeface="Calibri"/>
+                      </a:endParaRPr>
+                    </a:p>
+                  </a:txBody>
+                  <a:tcPr marL="9525" marR="9525" marT="9525" marB="0" anchor="b"/>
+                </a:tc>
+                <a:tc>
+                  <a:txBody>
+                    <a:bodyPr/>
+                    <a:lstStyle/>
+                    <a:p>
+                      <a:pPr algn="ctr" fontAlgn="b"/>
+                      <a:r>
+                        <a:rPr lang="en-US" sz="1100" u="none" strike="noStrike" dirty="0">
+                          <a:effectLst/>
+                        </a:rPr>
+                        <a:t>-</a:t>
+                      </a:r>
+                      <a:r>
+                        <a:rPr lang="en-US" sz="1100" b="1" u="none" strike="noStrike" dirty="0">
+                          <a:effectLst/>
+                        </a:rPr>
+                        <a:t>0.97217</a:t>
+                      </a:r>
+                      <a:endParaRPr lang="en-US" sz="1100" b="1" i="0" u="none" strike="noStrike" dirty="0">
+                        <a:solidFill>
+                          <a:srgbClr val="000000"/>
+                        </a:solidFill>
+                        <a:effectLst/>
+                        <a:latin typeface="Calibri"/>
+                      </a:endParaRPr>
+                    </a:p>
+                  </a:txBody>
+                  <a:tcPr marL="9525" marR="9525" marT="9525" marB="0" anchor="b"/>
+                </a:tc>
+                <a:tc>
+                  <a:txBody>
+                    <a:bodyPr/>
+                    <a:lstStyle/>
+                    <a:p>
+                      <a:pPr algn="ctr" fontAlgn="b"/>
+                      <a:r>
+                        <a:rPr lang="en-US" sz="1100" u="none" strike="noStrike">
+                          <a:effectLst/>
+                        </a:rPr>
+                        <a:t>0.38735</a:t>
+                      </a:r>
+                      <a:endParaRPr lang="en-US" sz="1100" b="0" i="0" u="none" strike="noStrike">
+                        <a:solidFill>
+                          <a:srgbClr val="000000"/>
+                        </a:solidFill>
+                        <a:effectLst/>
+                        <a:latin typeface="Calibri"/>
+                      </a:endParaRPr>
+                    </a:p>
+                  </a:txBody>
+                  <a:tcPr marL="9525" marR="9525" marT="9525" marB="0" anchor="b"/>
+                </a:tc>
+                <a:tc>
+                  <a:txBody>
+                    <a:bodyPr/>
+                    <a:lstStyle/>
+                    <a:p>
+                      <a:pPr algn="ctr" fontAlgn="b"/>
+                      <a:r>
+                        <a:rPr lang="en-US" sz="1100" u="none" strike="noStrike">
+                          <a:effectLst/>
+                        </a:rPr>
+                        <a:t>1.00000</a:t>
+                      </a:r>
+                      <a:endParaRPr lang="en-US" sz="1100" b="0" i="0" u="none" strike="noStrike">
+                        <a:solidFill>
+                          <a:srgbClr val="000000"/>
+                        </a:solidFill>
+                        <a:effectLst/>
+                        <a:latin typeface="Calibri"/>
+                      </a:endParaRPr>
+                    </a:p>
+                  </a:txBody>
+                  <a:tcPr marL="9525" marR="9525" marT="9525" marB="0" anchor="b"/>
+                </a:tc>
+                <a:tc>
+                  <a:txBody>
+                    <a:bodyPr/>
+                    <a:lstStyle/>
+                    <a:p>
+                      <a:pPr algn="ctr" fontAlgn="b"/>
+                      <a:r>
+                        <a:rPr lang="en-US" sz="1100" u="none" strike="noStrike">
+                          <a:effectLst/>
+                        </a:rPr>
+                        <a:t> </a:t>
+                      </a:r>
+                      <a:endParaRPr lang="en-US" sz="1100" b="0" i="0" u="none" strike="noStrike">
+                        <a:solidFill>
+                          <a:srgbClr val="000000"/>
+                        </a:solidFill>
+                        <a:effectLst/>
+                        <a:latin typeface="Calibri"/>
+                      </a:endParaRPr>
+                    </a:p>
+                  </a:txBody>
+                  <a:tcPr marL="9525" marR="9525" marT="9525" marB="0" anchor="b"/>
+                </a:tc>
+                <a:tc>
+                  <a:txBody>
+                    <a:bodyPr/>
+                    <a:lstStyle/>
+                    <a:p>
+                      <a:pPr algn="ctr" fontAlgn="b"/>
+                      <a:r>
+                        <a:rPr lang="en-US" sz="1100" u="none" strike="noStrike">
+                          <a:effectLst/>
+                        </a:rPr>
+                        <a:t> </a:t>
+                      </a:r>
+                      <a:endParaRPr lang="en-US" sz="1100" b="0" i="0" u="none" strike="noStrike">
+                        <a:solidFill>
+                          <a:srgbClr val="000000"/>
+                        </a:solidFill>
+                        <a:effectLst/>
+                        <a:latin typeface="Calibri"/>
+                      </a:endParaRPr>
+                    </a:p>
+                  </a:txBody>
+                  <a:tcPr marL="9525" marR="9525" marT="9525" marB="0" anchor="b"/>
+                </a:tc>
+                <a:tc>
+                  <a:txBody>
+                    <a:bodyPr/>
+                    <a:lstStyle/>
+                    <a:p>
+                      <a:pPr algn="ctr" fontAlgn="b"/>
+                      <a:r>
+                        <a:rPr lang="en-US" sz="1100" u="none" strike="noStrike">
+                          <a:effectLst/>
+                        </a:rPr>
+                        <a:t> </a:t>
+                      </a:r>
+                      <a:endParaRPr lang="en-US" sz="1100" b="0" i="0" u="none" strike="noStrike">
+                        <a:solidFill>
+                          <a:srgbClr val="000000"/>
+                        </a:solidFill>
+                        <a:effectLst/>
+                        <a:latin typeface="Calibri"/>
+                      </a:endParaRPr>
+                    </a:p>
+                  </a:txBody>
+                  <a:tcPr marL="9525" marR="9525" marT="9525" marB="0" anchor="b"/>
+                </a:tc>
+              </a:tr>
+              <a:tr h="190500">
+                <a:tc>
+                  <a:txBody>
+                    <a:bodyPr/>
+                    <a:lstStyle/>
+                    <a:p>
+                      <a:pPr algn="l" fontAlgn="b"/>
+                      <a:r>
+                        <a:rPr lang="en-US" sz="1100" b="1" u="none" strike="noStrike" dirty="0" err="1">
+                          <a:effectLst/>
+                        </a:rPr>
+                        <a:t>Loc</a:t>
+                      </a:r>
+                      <a:endParaRPr lang="en-US" sz="1100" b="1" i="0" u="none" strike="noStrike" dirty="0">
+                        <a:solidFill>
+                          <a:srgbClr val="000000"/>
+                        </a:solidFill>
+                        <a:effectLst/>
+                        <a:latin typeface="Calibri"/>
+                      </a:endParaRPr>
+                    </a:p>
+                  </a:txBody>
+                  <a:tcPr marL="9525" marR="9525" marT="9525" marB="0" anchor="b"/>
+                </a:tc>
+                <a:tc>
+                  <a:txBody>
+                    <a:bodyPr/>
+                    <a:lstStyle/>
+                    <a:p>
+                      <a:pPr algn="ctr" fontAlgn="b"/>
+                      <a:r>
+                        <a:rPr lang="en-US" sz="1100" u="none" strike="noStrike">
+                          <a:effectLst/>
+                        </a:rPr>
+                        <a:t>-0.50970</a:t>
+                      </a:r>
+                      <a:endParaRPr lang="en-US" sz="1100" b="0" i="0" u="none" strike="noStrike">
+                        <a:solidFill>
+                          <a:srgbClr val="000000"/>
+                        </a:solidFill>
+                        <a:effectLst/>
+                        <a:latin typeface="Calibri"/>
+                      </a:endParaRPr>
+                    </a:p>
+                  </a:txBody>
+                  <a:tcPr marL="9525" marR="9525" marT="9525" marB="0" anchor="b"/>
+                </a:tc>
+                <a:tc>
+                  <a:txBody>
+                    <a:bodyPr/>
+                    <a:lstStyle/>
+                    <a:p>
+                      <a:pPr algn="ctr" fontAlgn="b"/>
+                      <a:r>
+                        <a:rPr lang="en-US" sz="1100" u="none" strike="noStrike">
+                          <a:effectLst/>
+                        </a:rPr>
+                        <a:t>0.57340</a:t>
+                      </a:r>
+                      <a:endParaRPr lang="en-US" sz="1100" b="0" i="0" u="none" strike="noStrike">
+                        <a:solidFill>
+                          <a:srgbClr val="000000"/>
+                        </a:solidFill>
+                        <a:effectLst/>
+                        <a:latin typeface="Calibri"/>
+                      </a:endParaRPr>
+                    </a:p>
+                  </a:txBody>
+                  <a:tcPr marL="9525" marR="9525" marT="9525" marB="0" anchor="b"/>
+                </a:tc>
+                <a:tc>
+                  <a:txBody>
+                    <a:bodyPr/>
+                    <a:lstStyle/>
+                    <a:p>
+                      <a:pPr algn="ctr" fontAlgn="b"/>
+                      <a:r>
+                        <a:rPr lang="en-US" sz="1100" u="none" strike="noStrike">
+                          <a:effectLst/>
+                        </a:rPr>
+                        <a:t>0.39795</a:t>
+                      </a:r>
+                      <a:endParaRPr lang="en-US" sz="1100" b="0" i="0" u="none" strike="noStrike">
+                        <a:solidFill>
+                          <a:srgbClr val="000000"/>
+                        </a:solidFill>
+                        <a:effectLst/>
+                        <a:latin typeface="Calibri"/>
+                      </a:endParaRPr>
+                    </a:p>
+                  </a:txBody>
+                  <a:tcPr marL="9525" marR="9525" marT="9525" marB="0" anchor="b"/>
+                </a:tc>
+                <a:tc>
+                  <a:txBody>
+                    <a:bodyPr/>
+                    <a:lstStyle/>
+                    <a:p>
+                      <a:pPr algn="ctr" fontAlgn="b"/>
+                      <a:r>
+                        <a:rPr lang="en-US" sz="1100" u="none" strike="noStrike">
+                          <a:effectLst/>
+                        </a:rPr>
+                        <a:t>1.00000</a:t>
+                      </a:r>
+                      <a:endParaRPr lang="en-US" sz="1100" b="0" i="0" u="none" strike="noStrike">
+                        <a:solidFill>
+                          <a:srgbClr val="000000"/>
+                        </a:solidFill>
+                        <a:effectLst/>
+                        <a:latin typeface="Calibri"/>
+                      </a:endParaRPr>
+                    </a:p>
+                  </a:txBody>
+                  <a:tcPr marL="9525" marR="9525" marT="9525" marB="0" anchor="b"/>
+                </a:tc>
+                <a:tc>
+                  <a:txBody>
+                    <a:bodyPr/>
+                    <a:lstStyle/>
+                    <a:p>
+                      <a:pPr algn="ctr" fontAlgn="b"/>
+                      <a:r>
+                        <a:rPr lang="en-US" sz="1100" u="none" strike="noStrike">
+                          <a:effectLst/>
+                        </a:rPr>
+                        <a:t> </a:t>
+                      </a:r>
+                      <a:endParaRPr lang="en-US" sz="1100" b="0" i="0" u="none" strike="noStrike">
+                        <a:solidFill>
+                          <a:srgbClr val="000000"/>
+                        </a:solidFill>
+                        <a:effectLst/>
+                        <a:latin typeface="Calibri"/>
+                      </a:endParaRPr>
+                    </a:p>
+                  </a:txBody>
+                  <a:tcPr marL="9525" marR="9525" marT="9525" marB="0" anchor="b"/>
+                </a:tc>
+                <a:tc>
+                  <a:txBody>
+                    <a:bodyPr/>
+                    <a:lstStyle/>
+                    <a:p>
+                      <a:pPr algn="ctr" fontAlgn="b"/>
+                      <a:r>
+                        <a:rPr lang="en-US" sz="1100" u="none" strike="noStrike">
+                          <a:effectLst/>
+                        </a:rPr>
+                        <a:t> </a:t>
+                      </a:r>
+                      <a:endParaRPr lang="en-US" sz="1100" b="0" i="0" u="none" strike="noStrike">
+                        <a:solidFill>
+                          <a:srgbClr val="000000"/>
+                        </a:solidFill>
+                        <a:effectLst/>
+                        <a:latin typeface="Calibri"/>
+                      </a:endParaRPr>
+                    </a:p>
+                  </a:txBody>
+                  <a:tcPr marL="9525" marR="9525" marT="9525" marB="0" anchor="b"/>
+                </a:tc>
+              </a:tr>
+              <a:tr h="190500">
+                <a:tc>
+                  <a:txBody>
+                    <a:bodyPr/>
+                    <a:lstStyle/>
+                    <a:p>
+                      <a:pPr algn="l" fontAlgn="b"/>
+                      <a:r>
+                        <a:rPr lang="en-US" sz="1100" b="1" u="none" strike="noStrike" dirty="0">
+                          <a:effectLst/>
+                        </a:rPr>
+                        <a:t>RFC</a:t>
+                      </a:r>
+                      <a:endParaRPr lang="en-US" sz="1100" b="1" i="0" u="none" strike="noStrike" dirty="0">
+                        <a:solidFill>
+                          <a:srgbClr val="000000"/>
+                        </a:solidFill>
+                        <a:effectLst/>
+                        <a:latin typeface="Calibri"/>
+                      </a:endParaRPr>
+                    </a:p>
+                  </a:txBody>
+                  <a:tcPr marL="9525" marR="9525" marT="9525" marB="0" anchor="b"/>
+                </a:tc>
+                <a:tc>
+                  <a:txBody>
+                    <a:bodyPr/>
+                    <a:lstStyle/>
+                    <a:p>
+                      <a:pPr algn="ctr" fontAlgn="b"/>
+                      <a:r>
+                        <a:rPr lang="en-US" sz="1100" u="none" strike="noStrike">
+                          <a:effectLst/>
+                        </a:rPr>
+                        <a:t>-0.44099</a:t>
+                      </a:r>
+                      <a:endParaRPr lang="en-US" sz="1100" b="0" i="0" u="none" strike="noStrike">
+                        <a:solidFill>
+                          <a:srgbClr val="000000"/>
+                        </a:solidFill>
+                        <a:effectLst/>
+                        <a:latin typeface="Calibri"/>
+                      </a:endParaRPr>
+                    </a:p>
+                  </a:txBody>
+                  <a:tcPr marL="9525" marR="9525" marT="9525" marB="0" anchor="b"/>
+                </a:tc>
+                <a:tc>
+                  <a:txBody>
+                    <a:bodyPr/>
+                    <a:lstStyle/>
+                    <a:p>
+                      <a:pPr algn="ctr" fontAlgn="b"/>
+                      <a:r>
+                        <a:rPr lang="en-US" sz="1100" b="1" u="none" strike="noStrike" dirty="0">
+                          <a:effectLst/>
+                        </a:rPr>
+                        <a:t>0.64572</a:t>
+                      </a:r>
+                      <a:endParaRPr lang="en-US" sz="1100" b="1" i="0" u="none" strike="noStrike" dirty="0">
+                        <a:solidFill>
+                          <a:srgbClr val="000000"/>
+                        </a:solidFill>
+                        <a:effectLst/>
+                        <a:latin typeface="Calibri"/>
+                      </a:endParaRPr>
+                    </a:p>
+                  </a:txBody>
+                  <a:tcPr marL="9525" marR="9525" marT="9525" marB="0" anchor="b"/>
+                </a:tc>
+                <a:tc>
+                  <a:txBody>
+                    <a:bodyPr/>
+                    <a:lstStyle/>
+                    <a:p>
+                      <a:pPr algn="ctr" fontAlgn="b"/>
+                      <a:r>
+                        <a:rPr lang="en-US" sz="1100" u="none" strike="noStrike">
+                          <a:effectLst/>
+                        </a:rPr>
+                        <a:t>0.30974</a:t>
+                      </a:r>
+                      <a:endParaRPr lang="en-US" sz="1100" b="0" i="0" u="none" strike="noStrike">
+                        <a:solidFill>
+                          <a:srgbClr val="000000"/>
+                        </a:solidFill>
+                        <a:effectLst/>
+                        <a:latin typeface="Calibri"/>
+                      </a:endParaRPr>
+                    </a:p>
+                  </a:txBody>
+                  <a:tcPr marL="9525" marR="9525" marT="9525" marB="0" anchor="b"/>
+                </a:tc>
+                <a:tc>
+                  <a:txBody>
+                    <a:bodyPr/>
+                    <a:lstStyle/>
+                    <a:p>
+                      <a:pPr algn="ctr" fontAlgn="b"/>
+                      <a:r>
+                        <a:rPr lang="en-US" sz="1100" b="1" u="none" strike="noStrike" dirty="0">
+                          <a:effectLst/>
+                        </a:rPr>
+                        <a:t>0.74532</a:t>
+                      </a:r>
+                      <a:endParaRPr lang="en-US" sz="1100" b="1" i="0" u="none" strike="noStrike" dirty="0">
+                        <a:solidFill>
+                          <a:srgbClr val="000000"/>
+                        </a:solidFill>
+                        <a:effectLst/>
+                        <a:latin typeface="Calibri"/>
+                      </a:endParaRPr>
+                    </a:p>
+                  </a:txBody>
+                  <a:tcPr marL="9525" marR="9525" marT="9525" marB="0" anchor="b"/>
+                </a:tc>
+                <a:tc>
+                  <a:txBody>
+                    <a:bodyPr/>
+                    <a:lstStyle/>
+                    <a:p>
+                      <a:pPr algn="ctr" fontAlgn="b"/>
+                      <a:r>
+                        <a:rPr lang="en-US" sz="1100" u="none" strike="noStrike">
+                          <a:effectLst/>
+                        </a:rPr>
+                        <a:t>1.00000</a:t>
+                      </a:r>
+                      <a:endParaRPr lang="en-US" sz="1100" b="0" i="0" u="none" strike="noStrike">
+                        <a:solidFill>
+                          <a:srgbClr val="000000"/>
+                        </a:solidFill>
+                        <a:effectLst/>
+                        <a:latin typeface="Calibri"/>
+                      </a:endParaRPr>
+                    </a:p>
+                  </a:txBody>
+                  <a:tcPr marL="9525" marR="9525" marT="9525" marB="0" anchor="b"/>
+                </a:tc>
+                <a:tc>
+                  <a:txBody>
+                    <a:bodyPr/>
+                    <a:lstStyle/>
+                    <a:p>
+                      <a:pPr algn="ctr" fontAlgn="b"/>
+                      <a:r>
+                        <a:rPr lang="en-US" sz="1100" u="none" strike="noStrike">
+                          <a:effectLst/>
+                        </a:rPr>
+                        <a:t> </a:t>
+                      </a:r>
+                      <a:endParaRPr lang="en-US" sz="1100" b="0" i="0" u="none" strike="noStrike">
+                        <a:solidFill>
+                          <a:srgbClr val="000000"/>
+                        </a:solidFill>
+                        <a:effectLst/>
+                        <a:latin typeface="Calibri"/>
+                      </a:endParaRPr>
+                    </a:p>
+                  </a:txBody>
+                  <a:tcPr marL="9525" marR="9525" marT="9525" marB="0" anchor="b"/>
+                </a:tc>
+              </a:tr>
+              <a:tr h="200025">
+                <a:tc>
+                  <a:txBody>
+                    <a:bodyPr/>
+                    <a:lstStyle/>
+                    <a:p>
+                      <a:pPr algn="l" fontAlgn="b"/>
+                      <a:r>
+                        <a:rPr lang="en-US" sz="1100" b="1" u="none" strike="noStrike" dirty="0" err="1">
+                          <a:effectLst/>
+                        </a:rPr>
+                        <a:t>Relative_Size</a:t>
+                      </a:r>
+                      <a:endParaRPr lang="en-US" sz="1100" b="1" i="0" u="none" strike="noStrike" dirty="0">
+                        <a:solidFill>
+                          <a:srgbClr val="000000"/>
+                        </a:solidFill>
+                        <a:effectLst/>
+                        <a:latin typeface="Calibri"/>
+                      </a:endParaRPr>
+                    </a:p>
+                  </a:txBody>
+                  <a:tcPr marL="9525" marR="9525" marT="9525" marB="0" anchor="b"/>
+                </a:tc>
+                <a:tc>
+                  <a:txBody>
+                    <a:bodyPr/>
+                    <a:lstStyle/>
+                    <a:p>
+                      <a:pPr algn="ctr" fontAlgn="b"/>
+                      <a:r>
+                        <a:rPr lang="en-US" sz="1100" u="none" strike="noStrike">
+                          <a:effectLst/>
+                        </a:rPr>
+                        <a:t>-0.49208</a:t>
+                      </a:r>
+                      <a:endParaRPr lang="en-US" sz="1100" b="0" i="0" u="none" strike="noStrike">
+                        <a:solidFill>
+                          <a:srgbClr val="000000"/>
+                        </a:solidFill>
+                        <a:effectLst/>
+                        <a:latin typeface="Calibri"/>
+                      </a:endParaRPr>
+                    </a:p>
+                  </a:txBody>
+                  <a:tcPr marL="9525" marR="9525" marT="9525" marB="0" anchor="b"/>
+                </a:tc>
+                <a:tc>
+                  <a:txBody>
+                    <a:bodyPr/>
+                    <a:lstStyle/>
+                    <a:p>
+                      <a:pPr algn="ctr" fontAlgn="b"/>
+                      <a:r>
+                        <a:rPr lang="en-US" sz="1100" u="none" strike="noStrike">
+                          <a:effectLst/>
+                        </a:rPr>
+                        <a:t>0.50096</a:t>
+                      </a:r>
+                      <a:endParaRPr lang="en-US" sz="1100" b="0" i="0" u="none" strike="noStrike">
+                        <a:solidFill>
+                          <a:srgbClr val="000000"/>
+                        </a:solidFill>
+                        <a:effectLst/>
+                        <a:latin typeface="Calibri"/>
+                      </a:endParaRPr>
+                    </a:p>
+                  </a:txBody>
+                  <a:tcPr marL="9525" marR="9525" marT="9525" marB="0" anchor="b"/>
+                </a:tc>
+                <a:tc>
+                  <a:txBody>
+                    <a:bodyPr/>
+                    <a:lstStyle/>
+                    <a:p>
+                      <a:pPr algn="ctr" fontAlgn="b"/>
+                      <a:r>
+                        <a:rPr lang="en-US" sz="1100" u="none" strike="noStrike">
+                          <a:effectLst/>
+                        </a:rPr>
+                        <a:t>0.39083</a:t>
+                      </a:r>
+                      <a:endParaRPr lang="en-US" sz="1100" b="0" i="0" u="none" strike="noStrike">
+                        <a:solidFill>
+                          <a:srgbClr val="000000"/>
+                        </a:solidFill>
+                        <a:effectLst/>
+                        <a:latin typeface="Calibri"/>
+                      </a:endParaRPr>
+                    </a:p>
+                  </a:txBody>
+                  <a:tcPr marL="9525" marR="9525" marT="9525" marB="0" anchor="b"/>
+                </a:tc>
+                <a:tc>
+                  <a:txBody>
+                    <a:bodyPr/>
+                    <a:lstStyle/>
+                    <a:p>
+                      <a:pPr algn="ctr" fontAlgn="b"/>
+                      <a:r>
+                        <a:rPr lang="en-US" sz="1100" b="1" u="none" strike="noStrike" dirty="0">
+                          <a:effectLst/>
+                        </a:rPr>
+                        <a:t>0.96111</a:t>
+                      </a:r>
+                      <a:endParaRPr lang="en-US" sz="1100" b="1" i="0" u="none" strike="noStrike" dirty="0">
+                        <a:solidFill>
+                          <a:srgbClr val="000000"/>
+                        </a:solidFill>
+                        <a:effectLst/>
+                        <a:latin typeface="Calibri"/>
+                      </a:endParaRPr>
+                    </a:p>
+                  </a:txBody>
+                  <a:tcPr marL="9525" marR="9525" marT="9525" marB="0" anchor="b"/>
+                </a:tc>
+                <a:tc>
+                  <a:txBody>
+                    <a:bodyPr/>
+                    <a:lstStyle/>
+                    <a:p>
+                      <a:pPr algn="ctr" fontAlgn="b"/>
+                      <a:r>
+                        <a:rPr lang="en-US" sz="1100" b="1" u="none" strike="noStrike" dirty="0">
+                          <a:effectLst/>
+                        </a:rPr>
+                        <a:t>0.71735</a:t>
+                      </a:r>
+                      <a:endParaRPr lang="en-US" sz="1100" b="1" i="0" u="none" strike="noStrike" dirty="0">
+                        <a:solidFill>
+                          <a:srgbClr val="000000"/>
+                        </a:solidFill>
+                        <a:effectLst/>
+                        <a:latin typeface="Calibri"/>
+                      </a:endParaRPr>
+                    </a:p>
+                  </a:txBody>
+                  <a:tcPr marL="9525" marR="9525" marT="9525" marB="0" anchor="b"/>
+                </a:tc>
+                <a:tc>
+                  <a:txBody>
+                    <a:bodyPr/>
+                    <a:lstStyle/>
+                    <a:p>
+                      <a:pPr algn="ctr" fontAlgn="b"/>
+                      <a:r>
+                        <a:rPr lang="en-US" sz="1100" u="none" strike="noStrike" dirty="0">
+                          <a:effectLst/>
+                        </a:rPr>
+                        <a:t>1.00000</a:t>
+                      </a:r>
+                      <a:endParaRPr lang="en-US" sz="1100" b="0" i="0" u="none" strike="noStrike" dirty="0">
+                        <a:solidFill>
+                          <a:srgbClr val="000000"/>
+                        </a:solidFill>
+                        <a:effectLst/>
+                        <a:latin typeface="Calibri"/>
+                      </a:endParaRPr>
+                    </a:p>
+                  </a:txBody>
+                  <a:tcPr marL="9525" marR="9525" marT="9525" marB="0" anchor="b"/>
+                </a:tc>
+              </a:tr>
+            </a:tbl>
+          </a:graphicData>
+        </a:graphic>
+      </p:graphicFrame>
+      <p:graphicFrame>
+        <p:nvGraphicFramePr>
+          <p:cNvPr id="9" name="Table 8"/>
+          <p:cNvGraphicFramePr>
+            <a:graphicFrameLocks noGrp="1"/>
+          </p:cNvGraphicFramePr>
+          <p:nvPr>
+            <p:extLst>
+              <p:ext uri="{D42A27DB-BD31-4B8C-83A1-F6EECF244321}">
+                <p14:modId xmlns:p14="http://schemas.microsoft.com/office/powerpoint/2010/main" val="2009775263"/>
+              </p:ext>
+            </p:extLst>
+          </p:nvPr>
+        </p:nvGraphicFramePr>
+        <p:xfrm>
+          <a:off x="2374900" y="4953000"/>
+          <a:ext cx="5283201" cy="1343025"/>
+        </p:xfrm>
+        <a:graphic>
+          <a:graphicData uri="http://schemas.openxmlformats.org/drawingml/2006/table">
+            <a:tbl>
+              <a:tblPr>
+                <a:tableStyleId>{5C22544A-7EE6-4342-B048-85BDC9FD1C3A}</a:tableStyleId>
+              </a:tblPr>
+              <a:tblGrid>
+                <a:gridCol w="861013"/>
+                <a:gridCol w="712235"/>
+                <a:gridCol w="712235"/>
+                <a:gridCol w="712235"/>
+                <a:gridCol w="712235"/>
+                <a:gridCol w="712235"/>
+                <a:gridCol w="861013"/>
+              </a:tblGrid>
+              <a:tr h="190500">
+                <a:tc>
+                  <a:txBody>
+                    <a:bodyPr/>
+                    <a:lstStyle/>
+                    <a:p>
+                      <a:pPr algn="l" fontAlgn="b"/>
+                      <a:r>
+                        <a:rPr lang="en-US" sz="1100" b="1" u="none" strike="noStrike" dirty="0">
+                          <a:effectLst/>
+                        </a:rPr>
+                        <a:t> </a:t>
+                      </a:r>
+                      <a:endParaRPr lang="en-US" sz="1100" b="1" i="0" u="none" strike="noStrike" dirty="0">
+                        <a:solidFill>
+                          <a:srgbClr val="000000"/>
+                        </a:solidFill>
+                        <a:effectLst/>
+                        <a:latin typeface="Calibri"/>
+                      </a:endParaRPr>
+                    </a:p>
+                  </a:txBody>
+                  <a:tcPr marL="9525" marR="9525" marT="9525" marB="0" anchor="b"/>
+                </a:tc>
+                <a:tc>
+                  <a:txBody>
+                    <a:bodyPr/>
+                    <a:lstStyle/>
+                    <a:p>
+                      <a:pPr algn="ctr" fontAlgn="b"/>
+                      <a:r>
+                        <a:rPr lang="en-US" sz="1100" b="1" u="none" strike="noStrike" dirty="0" err="1">
+                          <a:effectLst/>
+                        </a:rPr>
+                        <a:t>Coh</a:t>
+                      </a:r>
+                      <a:endParaRPr lang="en-US" sz="1100" b="1" i="0" u="none" strike="noStrike" dirty="0">
+                        <a:solidFill>
+                          <a:srgbClr val="000000"/>
+                        </a:solidFill>
+                        <a:effectLst/>
+                        <a:latin typeface="Calibri"/>
+                      </a:endParaRPr>
+                    </a:p>
+                  </a:txBody>
+                  <a:tcPr marL="9525" marR="9525" marT="9525" marB="0" anchor="b"/>
+                </a:tc>
+                <a:tc>
+                  <a:txBody>
+                    <a:bodyPr/>
+                    <a:lstStyle/>
+                    <a:p>
+                      <a:pPr algn="ctr" fontAlgn="b"/>
+                      <a:r>
+                        <a:rPr lang="en-US" sz="1100" b="1" u="none" strike="noStrike" dirty="0" err="1">
+                          <a:effectLst/>
+                        </a:rPr>
+                        <a:t>Lcom</a:t>
+                      </a:r>
+                      <a:endParaRPr lang="en-US" sz="1100" b="1" i="0" u="none" strike="noStrike" dirty="0">
+                        <a:solidFill>
+                          <a:srgbClr val="000000"/>
+                        </a:solidFill>
+                        <a:effectLst/>
+                        <a:latin typeface="Calibri"/>
+                      </a:endParaRPr>
+                    </a:p>
+                  </a:txBody>
+                  <a:tcPr marL="9525" marR="9525" marT="9525" marB="0" anchor="b"/>
+                </a:tc>
+                <a:tc>
+                  <a:txBody>
+                    <a:bodyPr/>
+                    <a:lstStyle/>
+                    <a:p>
+                      <a:pPr algn="ctr" fontAlgn="b"/>
+                      <a:r>
+                        <a:rPr lang="en-US" sz="1100" b="1" u="none" strike="noStrike" dirty="0" err="1">
+                          <a:effectLst/>
+                        </a:rPr>
+                        <a:t>Lcom_h</a:t>
+                      </a:r>
+                      <a:endParaRPr lang="en-US" sz="1100" b="1" i="0" u="none" strike="noStrike" dirty="0">
+                        <a:solidFill>
+                          <a:srgbClr val="000000"/>
+                        </a:solidFill>
+                        <a:effectLst/>
+                        <a:latin typeface="Calibri"/>
+                      </a:endParaRPr>
+                    </a:p>
+                  </a:txBody>
+                  <a:tcPr marL="9525" marR="9525" marT="9525" marB="0" anchor="b"/>
+                </a:tc>
+                <a:tc>
+                  <a:txBody>
+                    <a:bodyPr/>
+                    <a:lstStyle/>
+                    <a:p>
+                      <a:pPr algn="ctr" fontAlgn="b"/>
+                      <a:r>
+                        <a:rPr lang="en-US" sz="1100" b="1" u="none" strike="noStrike" dirty="0" err="1">
+                          <a:effectLst/>
+                        </a:rPr>
+                        <a:t>Loc</a:t>
+                      </a:r>
+                      <a:endParaRPr lang="en-US" sz="1100" b="1" i="0" u="none" strike="noStrike" dirty="0">
+                        <a:solidFill>
+                          <a:srgbClr val="000000"/>
+                        </a:solidFill>
+                        <a:effectLst/>
+                        <a:latin typeface="Calibri"/>
+                      </a:endParaRPr>
+                    </a:p>
+                  </a:txBody>
+                  <a:tcPr marL="9525" marR="9525" marT="9525" marB="0" anchor="b"/>
+                </a:tc>
+                <a:tc>
+                  <a:txBody>
+                    <a:bodyPr/>
+                    <a:lstStyle/>
+                    <a:p>
+                      <a:pPr algn="ctr" fontAlgn="b"/>
+                      <a:r>
+                        <a:rPr lang="en-US" sz="1100" b="1" u="none" strike="noStrike" dirty="0">
+                          <a:effectLst/>
+                        </a:rPr>
+                        <a:t>RFC</a:t>
+                      </a:r>
+                      <a:endParaRPr lang="en-US" sz="1100" b="1" i="0" u="none" strike="noStrike" dirty="0">
+                        <a:solidFill>
+                          <a:srgbClr val="000000"/>
+                        </a:solidFill>
+                        <a:effectLst/>
+                        <a:latin typeface="Calibri"/>
+                      </a:endParaRPr>
+                    </a:p>
+                  </a:txBody>
+                  <a:tcPr marL="9525" marR="9525" marT="9525" marB="0" anchor="b"/>
+                </a:tc>
+                <a:tc>
+                  <a:txBody>
+                    <a:bodyPr/>
+                    <a:lstStyle/>
+                    <a:p>
+                      <a:pPr algn="ctr" fontAlgn="b"/>
+                      <a:r>
+                        <a:rPr lang="en-US" sz="1100" b="1" u="none" strike="noStrike" dirty="0" err="1">
+                          <a:effectLst/>
+                        </a:rPr>
+                        <a:t>Relative_Size</a:t>
+                      </a:r>
+                      <a:endParaRPr lang="en-US" sz="1100" b="1" i="0" u="none" strike="noStrike" dirty="0">
+                        <a:solidFill>
+                          <a:srgbClr val="000000"/>
+                        </a:solidFill>
+                        <a:effectLst/>
+                        <a:latin typeface="Calibri"/>
+                      </a:endParaRPr>
+                    </a:p>
+                  </a:txBody>
+                  <a:tcPr marL="9525" marR="9525" marT="9525" marB="0" anchor="b"/>
+                </a:tc>
+              </a:tr>
+              <a:tr h="190500">
+                <a:tc>
+                  <a:txBody>
+                    <a:bodyPr/>
+                    <a:lstStyle/>
+                    <a:p>
+                      <a:pPr algn="l" fontAlgn="b"/>
+                      <a:r>
+                        <a:rPr lang="en-US" sz="1100" b="1" u="none" strike="noStrike" dirty="0" err="1">
+                          <a:effectLst/>
+                        </a:rPr>
+                        <a:t>Coh</a:t>
+                      </a:r>
+                      <a:endParaRPr lang="en-US" sz="1100" b="1" i="0" u="none" strike="noStrike" dirty="0">
+                        <a:solidFill>
+                          <a:srgbClr val="000000"/>
+                        </a:solidFill>
+                        <a:effectLst/>
+                        <a:latin typeface="Calibri"/>
+                      </a:endParaRPr>
+                    </a:p>
+                  </a:txBody>
+                  <a:tcPr marL="9525" marR="9525" marT="9525" marB="0" anchor="b"/>
+                </a:tc>
+                <a:tc>
+                  <a:txBody>
+                    <a:bodyPr/>
+                    <a:lstStyle/>
+                    <a:p>
+                      <a:pPr algn="ctr" fontAlgn="b"/>
+                      <a:r>
+                        <a:rPr lang="en-US" sz="1100" u="none" strike="noStrike">
+                          <a:effectLst/>
+                        </a:rPr>
+                        <a:t>1.00000</a:t>
+                      </a:r>
+                      <a:endParaRPr lang="en-US" sz="1100" b="0" i="0" u="none" strike="noStrike">
+                        <a:solidFill>
+                          <a:srgbClr val="000000"/>
+                        </a:solidFill>
+                        <a:effectLst/>
+                        <a:latin typeface="Calibri"/>
+                      </a:endParaRPr>
+                    </a:p>
+                  </a:txBody>
+                  <a:tcPr marL="9525" marR="9525" marT="9525" marB="0" anchor="b"/>
+                </a:tc>
+                <a:tc>
+                  <a:txBody>
+                    <a:bodyPr/>
+                    <a:lstStyle/>
+                    <a:p>
+                      <a:pPr algn="ctr" fontAlgn="b"/>
+                      <a:r>
+                        <a:rPr lang="en-US" sz="1100" u="none" strike="noStrike">
+                          <a:effectLst/>
+                        </a:rPr>
+                        <a:t> </a:t>
+                      </a:r>
+                      <a:endParaRPr lang="en-US" sz="1100" b="0" i="0" u="none" strike="noStrike">
+                        <a:solidFill>
+                          <a:srgbClr val="000000"/>
+                        </a:solidFill>
+                        <a:effectLst/>
+                        <a:latin typeface="Calibri"/>
+                      </a:endParaRPr>
+                    </a:p>
+                  </a:txBody>
+                  <a:tcPr marL="9525" marR="9525" marT="9525" marB="0" anchor="b"/>
+                </a:tc>
+                <a:tc>
+                  <a:txBody>
+                    <a:bodyPr/>
+                    <a:lstStyle/>
+                    <a:p>
+                      <a:pPr algn="ctr" fontAlgn="b"/>
+                      <a:r>
+                        <a:rPr lang="en-US" sz="1100" u="none" strike="noStrike">
+                          <a:effectLst/>
+                        </a:rPr>
+                        <a:t> </a:t>
+                      </a:r>
+                      <a:endParaRPr lang="en-US" sz="1100" b="0" i="0" u="none" strike="noStrike">
+                        <a:solidFill>
+                          <a:srgbClr val="000000"/>
+                        </a:solidFill>
+                        <a:effectLst/>
+                        <a:latin typeface="Calibri"/>
+                      </a:endParaRPr>
+                    </a:p>
+                  </a:txBody>
+                  <a:tcPr marL="9525" marR="9525" marT="9525" marB="0" anchor="b"/>
+                </a:tc>
+                <a:tc>
+                  <a:txBody>
+                    <a:bodyPr/>
+                    <a:lstStyle/>
+                    <a:p>
+                      <a:pPr algn="ctr" fontAlgn="b"/>
+                      <a:r>
+                        <a:rPr lang="en-US" sz="1100" u="none" strike="noStrike">
+                          <a:effectLst/>
+                        </a:rPr>
+                        <a:t> </a:t>
+                      </a:r>
+                      <a:endParaRPr lang="en-US" sz="1100" b="0" i="0" u="none" strike="noStrike">
+                        <a:solidFill>
+                          <a:srgbClr val="000000"/>
+                        </a:solidFill>
+                        <a:effectLst/>
+                        <a:latin typeface="Calibri"/>
+                      </a:endParaRPr>
+                    </a:p>
+                  </a:txBody>
+                  <a:tcPr marL="9525" marR="9525" marT="9525" marB="0" anchor="b"/>
+                </a:tc>
+                <a:tc>
+                  <a:txBody>
+                    <a:bodyPr/>
+                    <a:lstStyle/>
+                    <a:p>
+                      <a:pPr algn="ctr" fontAlgn="b"/>
+                      <a:r>
+                        <a:rPr lang="en-US" sz="1100" u="none" strike="noStrike">
+                          <a:effectLst/>
+                        </a:rPr>
+                        <a:t> </a:t>
+                      </a:r>
+                      <a:endParaRPr lang="en-US" sz="1100" b="0" i="0" u="none" strike="noStrike">
+                        <a:solidFill>
+                          <a:srgbClr val="000000"/>
+                        </a:solidFill>
+                        <a:effectLst/>
+                        <a:latin typeface="Calibri"/>
+                      </a:endParaRPr>
+                    </a:p>
+                  </a:txBody>
+                  <a:tcPr marL="9525" marR="9525" marT="9525" marB="0" anchor="b"/>
+                </a:tc>
+                <a:tc>
+                  <a:txBody>
+                    <a:bodyPr/>
+                    <a:lstStyle/>
+                    <a:p>
+                      <a:pPr algn="ctr" fontAlgn="b"/>
+                      <a:r>
+                        <a:rPr lang="en-US" sz="1100" u="none" strike="noStrike">
+                          <a:effectLst/>
+                        </a:rPr>
+                        <a:t> </a:t>
+                      </a:r>
+                      <a:endParaRPr lang="en-US" sz="1100" b="0" i="0" u="none" strike="noStrike">
+                        <a:solidFill>
+                          <a:srgbClr val="000000"/>
+                        </a:solidFill>
+                        <a:effectLst/>
+                        <a:latin typeface="Calibri"/>
+                      </a:endParaRPr>
+                    </a:p>
+                  </a:txBody>
+                  <a:tcPr marL="9525" marR="9525" marT="9525" marB="0" anchor="b"/>
+                </a:tc>
+              </a:tr>
+              <a:tr h="190500">
+                <a:tc>
+                  <a:txBody>
+                    <a:bodyPr/>
+                    <a:lstStyle/>
+                    <a:p>
+                      <a:pPr algn="l" fontAlgn="b"/>
+                      <a:r>
+                        <a:rPr lang="en-US" sz="1100" b="1" u="none" strike="noStrike" dirty="0" err="1">
+                          <a:effectLst/>
+                        </a:rPr>
+                        <a:t>Lcom</a:t>
+                      </a:r>
+                      <a:endParaRPr lang="en-US" sz="1100" b="1" i="0" u="none" strike="noStrike" dirty="0">
+                        <a:solidFill>
+                          <a:srgbClr val="000000"/>
+                        </a:solidFill>
+                        <a:effectLst/>
+                        <a:latin typeface="Calibri"/>
+                      </a:endParaRPr>
+                    </a:p>
+                  </a:txBody>
+                  <a:tcPr marL="9525" marR="9525" marT="9525" marB="0" anchor="b"/>
+                </a:tc>
+                <a:tc>
+                  <a:txBody>
+                    <a:bodyPr/>
+                    <a:lstStyle/>
+                    <a:p>
+                      <a:pPr algn="ctr" fontAlgn="b"/>
+                      <a:r>
+                        <a:rPr lang="en-US" sz="1100" u="none" strike="noStrike">
+                          <a:effectLst/>
+                        </a:rPr>
+                        <a:t>-0.34738</a:t>
+                      </a:r>
+                      <a:endParaRPr lang="en-US" sz="1100" b="0" i="0" u="none" strike="noStrike">
+                        <a:solidFill>
+                          <a:srgbClr val="000000"/>
+                        </a:solidFill>
+                        <a:effectLst/>
+                        <a:latin typeface="Calibri"/>
+                      </a:endParaRPr>
+                    </a:p>
+                  </a:txBody>
+                  <a:tcPr marL="9525" marR="9525" marT="9525" marB="0" anchor="b"/>
+                </a:tc>
+                <a:tc>
+                  <a:txBody>
+                    <a:bodyPr/>
+                    <a:lstStyle/>
+                    <a:p>
+                      <a:pPr algn="ctr" fontAlgn="b"/>
+                      <a:r>
+                        <a:rPr lang="en-US" sz="1100" u="none" strike="noStrike">
+                          <a:effectLst/>
+                        </a:rPr>
+                        <a:t>1.00000</a:t>
+                      </a:r>
+                      <a:endParaRPr lang="en-US" sz="1100" b="0" i="0" u="none" strike="noStrike">
+                        <a:solidFill>
+                          <a:srgbClr val="000000"/>
+                        </a:solidFill>
+                        <a:effectLst/>
+                        <a:latin typeface="Calibri"/>
+                      </a:endParaRPr>
+                    </a:p>
+                  </a:txBody>
+                  <a:tcPr marL="9525" marR="9525" marT="9525" marB="0" anchor="b"/>
+                </a:tc>
+                <a:tc>
+                  <a:txBody>
+                    <a:bodyPr/>
+                    <a:lstStyle/>
+                    <a:p>
+                      <a:pPr algn="ctr" fontAlgn="b"/>
+                      <a:r>
+                        <a:rPr lang="en-US" sz="1100" u="none" strike="noStrike">
+                          <a:effectLst/>
+                        </a:rPr>
+                        <a:t> </a:t>
+                      </a:r>
+                      <a:endParaRPr lang="en-US" sz="1100" b="0" i="0" u="none" strike="noStrike">
+                        <a:solidFill>
+                          <a:srgbClr val="000000"/>
+                        </a:solidFill>
+                        <a:effectLst/>
+                        <a:latin typeface="Calibri"/>
+                      </a:endParaRPr>
+                    </a:p>
+                  </a:txBody>
+                  <a:tcPr marL="9525" marR="9525" marT="9525" marB="0" anchor="b"/>
+                </a:tc>
+                <a:tc>
+                  <a:txBody>
+                    <a:bodyPr/>
+                    <a:lstStyle/>
+                    <a:p>
+                      <a:pPr algn="ctr" fontAlgn="b"/>
+                      <a:r>
+                        <a:rPr lang="en-US" sz="1100" u="none" strike="noStrike">
+                          <a:effectLst/>
+                        </a:rPr>
+                        <a:t> </a:t>
+                      </a:r>
+                      <a:endParaRPr lang="en-US" sz="1100" b="0" i="0" u="none" strike="noStrike">
+                        <a:solidFill>
+                          <a:srgbClr val="000000"/>
+                        </a:solidFill>
+                        <a:effectLst/>
+                        <a:latin typeface="Calibri"/>
+                      </a:endParaRPr>
+                    </a:p>
+                  </a:txBody>
+                  <a:tcPr marL="9525" marR="9525" marT="9525" marB="0" anchor="b"/>
+                </a:tc>
+                <a:tc>
+                  <a:txBody>
+                    <a:bodyPr/>
+                    <a:lstStyle/>
+                    <a:p>
+                      <a:pPr algn="ctr" fontAlgn="b"/>
+                      <a:r>
+                        <a:rPr lang="en-US" sz="1100" u="none" strike="noStrike">
+                          <a:effectLst/>
+                        </a:rPr>
+                        <a:t> </a:t>
+                      </a:r>
+                      <a:endParaRPr lang="en-US" sz="1100" b="0" i="0" u="none" strike="noStrike">
+                        <a:solidFill>
+                          <a:srgbClr val="000000"/>
+                        </a:solidFill>
+                        <a:effectLst/>
+                        <a:latin typeface="Calibri"/>
+                      </a:endParaRPr>
+                    </a:p>
+                  </a:txBody>
+                  <a:tcPr marL="9525" marR="9525" marT="9525" marB="0" anchor="b"/>
+                </a:tc>
+                <a:tc>
+                  <a:txBody>
+                    <a:bodyPr/>
+                    <a:lstStyle/>
+                    <a:p>
+                      <a:pPr algn="ctr" fontAlgn="b"/>
+                      <a:r>
+                        <a:rPr lang="en-US" sz="1100" u="none" strike="noStrike">
+                          <a:effectLst/>
+                        </a:rPr>
+                        <a:t> </a:t>
+                      </a:r>
+                      <a:endParaRPr lang="en-US" sz="1100" b="0" i="0" u="none" strike="noStrike">
+                        <a:solidFill>
+                          <a:srgbClr val="000000"/>
+                        </a:solidFill>
+                        <a:effectLst/>
+                        <a:latin typeface="Calibri"/>
+                      </a:endParaRPr>
+                    </a:p>
+                  </a:txBody>
+                  <a:tcPr marL="9525" marR="9525" marT="9525" marB="0" anchor="b"/>
+                </a:tc>
+              </a:tr>
+              <a:tr h="190500">
+                <a:tc>
+                  <a:txBody>
+                    <a:bodyPr/>
+                    <a:lstStyle/>
+                    <a:p>
+                      <a:pPr algn="l" fontAlgn="b"/>
+                      <a:r>
+                        <a:rPr lang="en-US" sz="1100" b="1" u="none" strike="noStrike" dirty="0" err="1">
+                          <a:effectLst/>
+                        </a:rPr>
+                        <a:t>Lcom_h</a:t>
+                      </a:r>
+                      <a:endParaRPr lang="en-US" sz="1100" b="1" i="0" u="none" strike="noStrike" dirty="0">
+                        <a:solidFill>
+                          <a:srgbClr val="000000"/>
+                        </a:solidFill>
+                        <a:effectLst/>
+                        <a:latin typeface="Calibri"/>
+                      </a:endParaRPr>
+                    </a:p>
+                  </a:txBody>
+                  <a:tcPr marL="9525" marR="9525" marT="9525" marB="0" anchor="b"/>
+                </a:tc>
+                <a:tc>
+                  <a:txBody>
+                    <a:bodyPr/>
+                    <a:lstStyle/>
+                    <a:p>
+                      <a:pPr algn="ctr" fontAlgn="b"/>
+                      <a:r>
+                        <a:rPr lang="en-US" sz="1100" u="none" strike="noStrike" dirty="0">
+                          <a:effectLst/>
+                        </a:rPr>
+                        <a:t>-</a:t>
+                      </a:r>
+                      <a:r>
+                        <a:rPr lang="en-US" sz="1100" b="1" u="none" strike="noStrike" dirty="0">
+                          <a:effectLst/>
+                        </a:rPr>
+                        <a:t>0.93932</a:t>
+                      </a:r>
+                      <a:endParaRPr lang="en-US" sz="1100" b="1" i="0" u="none" strike="noStrike" dirty="0">
+                        <a:solidFill>
+                          <a:srgbClr val="000000"/>
+                        </a:solidFill>
+                        <a:effectLst/>
+                        <a:latin typeface="Calibri"/>
+                      </a:endParaRPr>
+                    </a:p>
+                  </a:txBody>
+                  <a:tcPr marL="9525" marR="9525" marT="9525" marB="0" anchor="b"/>
+                </a:tc>
+                <a:tc>
+                  <a:txBody>
+                    <a:bodyPr/>
+                    <a:lstStyle/>
+                    <a:p>
+                      <a:pPr algn="ctr" fontAlgn="b"/>
+                      <a:r>
+                        <a:rPr lang="en-US" sz="1100" u="none" strike="noStrike">
+                          <a:effectLst/>
+                        </a:rPr>
+                        <a:t>0.26818</a:t>
+                      </a:r>
+                      <a:endParaRPr lang="en-US" sz="1100" b="0" i="0" u="none" strike="noStrike">
+                        <a:solidFill>
+                          <a:srgbClr val="000000"/>
+                        </a:solidFill>
+                        <a:effectLst/>
+                        <a:latin typeface="Calibri"/>
+                      </a:endParaRPr>
+                    </a:p>
+                  </a:txBody>
+                  <a:tcPr marL="9525" marR="9525" marT="9525" marB="0" anchor="b"/>
+                </a:tc>
+                <a:tc>
+                  <a:txBody>
+                    <a:bodyPr/>
+                    <a:lstStyle/>
+                    <a:p>
+                      <a:pPr algn="ctr" fontAlgn="b"/>
+                      <a:r>
+                        <a:rPr lang="en-US" sz="1100" u="none" strike="noStrike">
+                          <a:effectLst/>
+                        </a:rPr>
+                        <a:t>1.00000</a:t>
+                      </a:r>
+                      <a:endParaRPr lang="en-US" sz="1100" b="0" i="0" u="none" strike="noStrike">
+                        <a:solidFill>
+                          <a:srgbClr val="000000"/>
+                        </a:solidFill>
+                        <a:effectLst/>
+                        <a:latin typeface="Calibri"/>
+                      </a:endParaRPr>
+                    </a:p>
+                  </a:txBody>
+                  <a:tcPr marL="9525" marR="9525" marT="9525" marB="0" anchor="b"/>
+                </a:tc>
+                <a:tc>
+                  <a:txBody>
+                    <a:bodyPr/>
+                    <a:lstStyle/>
+                    <a:p>
+                      <a:pPr algn="ctr" fontAlgn="b"/>
+                      <a:r>
+                        <a:rPr lang="en-US" sz="1100" u="none" strike="noStrike">
+                          <a:effectLst/>
+                        </a:rPr>
+                        <a:t> </a:t>
+                      </a:r>
+                      <a:endParaRPr lang="en-US" sz="1100" b="0" i="0" u="none" strike="noStrike">
+                        <a:solidFill>
+                          <a:srgbClr val="000000"/>
+                        </a:solidFill>
+                        <a:effectLst/>
+                        <a:latin typeface="Calibri"/>
+                      </a:endParaRPr>
+                    </a:p>
+                  </a:txBody>
+                  <a:tcPr marL="9525" marR="9525" marT="9525" marB="0" anchor="b"/>
+                </a:tc>
+                <a:tc>
+                  <a:txBody>
+                    <a:bodyPr/>
+                    <a:lstStyle/>
+                    <a:p>
+                      <a:pPr algn="ctr" fontAlgn="b"/>
+                      <a:r>
+                        <a:rPr lang="en-US" sz="1100" u="none" strike="noStrike">
+                          <a:effectLst/>
+                        </a:rPr>
+                        <a:t> </a:t>
+                      </a:r>
+                      <a:endParaRPr lang="en-US" sz="1100" b="0" i="0" u="none" strike="noStrike">
+                        <a:solidFill>
+                          <a:srgbClr val="000000"/>
+                        </a:solidFill>
+                        <a:effectLst/>
+                        <a:latin typeface="Calibri"/>
+                      </a:endParaRPr>
+                    </a:p>
+                  </a:txBody>
+                  <a:tcPr marL="9525" marR="9525" marT="9525" marB="0" anchor="b"/>
+                </a:tc>
+                <a:tc>
+                  <a:txBody>
+                    <a:bodyPr/>
+                    <a:lstStyle/>
+                    <a:p>
+                      <a:pPr algn="ctr" fontAlgn="b"/>
+                      <a:r>
+                        <a:rPr lang="en-US" sz="1100" u="none" strike="noStrike">
+                          <a:effectLst/>
+                        </a:rPr>
+                        <a:t> </a:t>
+                      </a:r>
+                      <a:endParaRPr lang="en-US" sz="1100" b="0" i="0" u="none" strike="noStrike">
+                        <a:solidFill>
+                          <a:srgbClr val="000000"/>
+                        </a:solidFill>
+                        <a:effectLst/>
+                        <a:latin typeface="Calibri"/>
+                      </a:endParaRPr>
+                    </a:p>
+                  </a:txBody>
+                  <a:tcPr marL="9525" marR="9525" marT="9525" marB="0" anchor="b"/>
+                </a:tc>
+              </a:tr>
+              <a:tr h="190500">
+                <a:tc>
+                  <a:txBody>
+                    <a:bodyPr/>
+                    <a:lstStyle/>
+                    <a:p>
+                      <a:pPr algn="l" fontAlgn="b"/>
+                      <a:r>
+                        <a:rPr lang="en-US" sz="1100" b="1" u="none" strike="noStrike" dirty="0" err="1">
+                          <a:effectLst/>
+                        </a:rPr>
+                        <a:t>Loc</a:t>
+                      </a:r>
+                      <a:endParaRPr lang="en-US" sz="1100" b="1" i="0" u="none" strike="noStrike" dirty="0">
+                        <a:solidFill>
+                          <a:srgbClr val="000000"/>
+                        </a:solidFill>
+                        <a:effectLst/>
+                        <a:latin typeface="Calibri"/>
+                      </a:endParaRPr>
+                    </a:p>
+                  </a:txBody>
+                  <a:tcPr marL="9525" marR="9525" marT="9525" marB="0" anchor="b"/>
+                </a:tc>
+                <a:tc>
+                  <a:txBody>
+                    <a:bodyPr/>
+                    <a:lstStyle/>
+                    <a:p>
+                      <a:pPr algn="ctr" fontAlgn="b"/>
+                      <a:r>
+                        <a:rPr lang="en-US" sz="1100" u="none" strike="noStrike">
+                          <a:effectLst/>
+                        </a:rPr>
+                        <a:t>-0.51472</a:t>
+                      </a:r>
+                      <a:endParaRPr lang="en-US" sz="1100" b="0" i="0" u="none" strike="noStrike">
+                        <a:solidFill>
+                          <a:srgbClr val="000000"/>
+                        </a:solidFill>
+                        <a:effectLst/>
+                        <a:latin typeface="Calibri"/>
+                      </a:endParaRPr>
+                    </a:p>
+                  </a:txBody>
+                  <a:tcPr marL="9525" marR="9525" marT="9525" marB="0" anchor="b"/>
+                </a:tc>
+                <a:tc>
+                  <a:txBody>
+                    <a:bodyPr/>
+                    <a:lstStyle/>
+                    <a:p>
+                      <a:pPr algn="ctr" fontAlgn="b"/>
+                      <a:r>
+                        <a:rPr lang="en-US" sz="1100" b="1" u="none" strike="noStrike" dirty="0">
+                          <a:effectLst/>
+                        </a:rPr>
+                        <a:t>0.65227</a:t>
+                      </a:r>
+                      <a:endParaRPr lang="en-US" sz="1100" b="1" i="0" u="none" strike="noStrike" dirty="0">
+                        <a:solidFill>
+                          <a:srgbClr val="000000"/>
+                        </a:solidFill>
+                        <a:effectLst/>
+                        <a:latin typeface="Calibri"/>
+                      </a:endParaRPr>
+                    </a:p>
+                  </a:txBody>
+                  <a:tcPr marL="9525" marR="9525" marT="9525" marB="0" anchor="b"/>
+                </a:tc>
+                <a:tc>
+                  <a:txBody>
+                    <a:bodyPr/>
+                    <a:lstStyle/>
+                    <a:p>
+                      <a:pPr algn="ctr" fontAlgn="b"/>
+                      <a:r>
+                        <a:rPr lang="en-US" sz="1100" u="none" strike="noStrike">
+                          <a:effectLst/>
+                        </a:rPr>
+                        <a:t>0.39144</a:t>
+                      </a:r>
+                      <a:endParaRPr lang="en-US" sz="1100" b="0" i="0" u="none" strike="noStrike">
+                        <a:solidFill>
+                          <a:srgbClr val="000000"/>
+                        </a:solidFill>
+                        <a:effectLst/>
+                        <a:latin typeface="Calibri"/>
+                      </a:endParaRPr>
+                    </a:p>
+                  </a:txBody>
+                  <a:tcPr marL="9525" marR="9525" marT="9525" marB="0" anchor="b"/>
+                </a:tc>
+                <a:tc>
+                  <a:txBody>
+                    <a:bodyPr/>
+                    <a:lstStyle/>
+                    <a:p>
+                      <a:pPr algn="ctr" fontAlgn="b"/>
+                      <a:r>
+                        <a:rPr lang="en-US" sz="1100" u="none" strike="noStrike">
+                          <a:effectLst/>
+                        </a:rPr>
+                        <a:t>1.00000</a:t>
+                      </a:r>
+                      <a:endParaRPr lang="en-US" sz="1100" b="0" i="0" u="none" strike="noStrike">
+                        <a:solidFill>
+                          <a:srgbClr val="000000"/>
+                        </a:solidFill>
+                        <a:effectLst/>
+                        <a:latin typeface="Calibri"/>
+                      </a:endParaRPr>
+                    </a:p>
+                  </a:txBody>
+                  <a:tcPr marL="9525" marR="9525" marT="9525" marB="0" anchor="b"/>
+                </a:tc>
+                <a:tc>
+                  <a:txBody>
+                    <a:bodyPr/>
+                    <a:lstStyle/>
+                    <a:p>
+                      <a:pPr algn="ctr" fontAlgn="b"/>
+                      <a:r>
+                        <a:rPr lang="en-US" sz="1100" u="none" strike="noStrike">
+                          <a:effectLst/>
+                        </a:rPr>
+                        <a:t> </a:t>
+                      </a:r>
+                      <a:endParaRPr lang="en-US" sz="1100" b="0" i="0" u="none" strike="noStrike">
+                        <a:solidFill>
+                          <a:srgbClr val="000000"/>
+                        </a:solidFill>
+                        <a:effectLst/>
+                        <a:latin typeface="Calibri"/>
+                      </a:endParaRPr>
+                    </a:p>
+                  </a:txBody>
+                  <a:tcPr marL="9525" marR="9525" marT="9525" marB="0" anchor="b"/>
+                </a:tc>
+                <a:tc>
+                  <a:txBody>
+                    <a:bodyPr/>
+                    <a:lstStyle/>
+                    <a:p>
+                      <a:pPr algn="ctr" fontAlgn="b"/>
+                      <a:r>
+                        <a:rPr lang="en-US" sz="1100" u="none" strike="noStrike">
+                          <a:effectLst/>
+                        </a:rPr>
+                        <a:t> </a:t>
+                      </a:r>
+                      <a:endParaRPr lang="en-US" sz="1100" b="0" i="0" u="none" strike="noStrike">
+                        <a:solidFill>
+                          <a:srgbClr val="000000"/>
+                        </a:solidFill>
+                        <a:effectLst/>
+                        <a:latin typeface="Calibri"/>
+                      </a:endParaRPr>
+                    </a:p>
+                  </a:txBody>
+                  <a:tcPr marL="9525" marR="9525" marT="9525" marB="0" anchor="b"/>
+                </a:tc>
+              </a:tr>
+              <a:tr h="190500">
+                <a:tc>
+                  <a:txBody>
+                    <a:bodyPr/>
+                    <a:lstStyle/>
+                    <a:p>
+                      <a:pPr algn="l" fontAlgn="b"/>
+                      <a:r>
+                        <a:rPr lang="en-US" sz="1100" b="1" u="none" strike="noStrike" dirty="0">
+                          <a:effectLst/>
+                        </a:rPr>
+                        <a:t>RFC</a:t>
+                      </a:r>
+                      <a:endParaRPr lang="en-US" sz="1100" b="1" i="0" u="none" strike="noStrike" dirty="0">
+                        <a:solidFill>
+                          <a:srgbClr val="000000"/>
+                        </a:solidFill>
+                        <a:effectLst/>
+                        <a:latin typeface="Calibri"/>
+                      </a:endParaRPr>
+                    </a:p>
+                  </a:txBody>
+                  <a:tcPr marL="9525" marR="9525" marT="9525" marB="0" anchor="b"/>
+                </a:tc>
+                <a:tc>
+                  <a:txBody>
+                    <a:bodyPr/>
+                    <a:lstStyle/>
+                    <a:p>
+                      <a:pPr algn="ctr" fontAlgn="b"/>
+                      <a:r>
+                        <a:rPr lang="en-US" sz="1100" u="none" strike="noStrike">
+                          <a:effectLst/>
+                        </a:rPr>
+                        <a:t>-0.55733</a:t>
+                      </a:r>
+                      <a:endParaRPr lang="en-US" sz="1100" b="0" i="0" u="none" strike="noStrike">
+                        <a:solidFill>
+                          <a:srgbClr val="000000"/>
+                        </a:solidFill>
+                        <a:effectLst/>
+                        <a:latin typeface="Calibri"/>
+                      </a:endParaRPr>
+                    </a:p>
+                  </a:txBody>
+                  <a:tcPr marL="9525" marR="9525" marT="9525" marB="0" anchor="b"/>
+                </a:tc>
+                <a:tc>
+                  <a:txBody>
+                    <a:bodyPr/>
+                    <a:lstStyle/>
+                    <a:p>
+                      <a:pPr algn="ctr" fontAlgn="b"/>
+                      <a:r>
+                        <a:rPr lang="en-US" sz="1100" b="1" u="none" strike="noStrike" dirty="0">
+                          <a:effectLst/>
+                        </a:rPr>
+                        <a:t>0.79999</a:t>
+                      </a:r>
+                      <a:endParaRPr lang="en-US" sz="1100" b="1" i="0" u="none" strike="noStrike" dirty="0">
+                        <a:solidFill>
+                          <a:srgbClr val="000000"/>
+                        </a:solidFill>
+                        <a:effectLst/>
+                        <a:latin typeface="Calibri"/>
+                      </a:endParaRPr>
+                    </a:p>
+                  </a:txBody>
+                  <a:tcPr marL="9525" marR="9525" marT="9525" marB="0" anchor="b"/>
+                </a:tc>
+                <a:tc>
+                  <a:txBody>
+                    <a:bodyPr/>
+                    <a:lstStyle/>
+                    <a:p>
+                      <a:pPr algn="ctr" fontAlgn="b"/>
+                      <a:r>
+                        <a:rPr lang="en-US" sz="1100" u="none" strike="noStrike">
+                          <a:effectLst/>
+                        </a:rPr>
+                        <a:t>0.42153</a:t>
+                      </a:r>
+                      <a:endParaRPr lang="en-US" sz="1100" b="0" i="0" u="none" strike="noStrike">
+                        <a:solidFill>
+                          <a:srgbClr val="000000"/>
+                        </a:solidFill>
+                        <a:effectLst/>
+                        <a:latin typeface="Calibri"/>
+                      </a:endParaRPr>
+                    </a:p>
+                  </a:txBody>
+                  <a:tcPr marL="9525" marR="9525" marT="9525" marB="0" anchor="b"/>
+                </a:tc>
+                <a:tc>
+                  <a:txBody>
+                    <a:bodyPr/>
+                    <a:lstStyle/>
+                    <a:p>
+                      <a:pPr algn="ctr" fontAlgn="b"/>
+                      <a:r>
+                        <a:rPr lang="en-US" sz="1100" b="1" u="none" strike="noStrike" dirty="0">
+                          <a:effectLst/>
+                        </a:rPr>
+                        <a:t>0.83401</a:t>
+                      </a:r>
+                      <a:endParaRPr lang="en-US" sz="1100" b="1" i="0" u="none" strike="noStrike" dirty="0">
+                        <a:solidFill>
+                          <a:srgbClr val="000000"/>
+                        </a:solidFill>
+                        <a:effectLst/>
+                        <a:latin typeface="Calibri"/>
+                      </a:endParaRPr>
+                    </a:p>
+                  </a:txBody>
+                  <a:tcPr marL="9525" marR="9525" marT="9525" marB="0" anchor="b"/>
+                </a:tc>
+                <a:tc>
+                  <a:txBody>
+                    <a:bodyPr/>
+                    <a:lstStyle/>
+                    <a:p>
+                      <a:pPr algn="ctr" fontAlgn="b"/>
+                      <a:r>
+                        <a:rPr lang="en-US" sz="1100" u="none" strike="noStrike">
+                          <a:effectLst/>
+                        </a:rPr>
+                        <a:t>1.00000</a:t>
+                      </a:r>
+                      <a:endParaRPr lang="en-US" sz="1100" b="0" i="0" u="none" strike="noStrike">
+                        <a:solidFill>
+                          <a:srgbClr val="000000"/>
+                        </a:solidFill>
+                        <a:effectLst/>
+                        <a:latin typeface="Calibri"/>
+                      </a:endParaRPr>
+                    </a:p>
+                  </a:txBody>
+                  <a:tcPr marL="9525" marR="9525" marT="9525" marB="0" anchor="b"/>
+                </a:tc>
+                <a:tc>
+                  <a:txBody>
+                    <a:bodyPr/>
+                    <a:lstStyle/>
+                    <a:p>
+                      <a:pPr algn="ctr" fontAlgn="b"/>
+                      <a:r>
+                        <a:rPr lang="en-US" sz="1100" u="none" strike="noStrike">
+                          <a:effectLst/>
+                        </a:rPr>
+                        <a:t> </a:t>
+                      </a:r>
+                      <a:endParaRPr lang="en-US" sz="1100" b="0" i="0" u="none" strike="noStrike">
+                        <a:solidFill>
+                          <a:srgbClr val="000000"/>
+                        </a:solidFill>
+                        <a:effectLst/>
+                        <a:latin typeface="Calibri"/>
+                      </a:endParaRPr>
+                    </a:p>
+                  </a:txBody>
+                  <a:tcPr marL="9525" marR="9525" marT="9525" marB="0" anchor="b"/>
+                </a:tc>
+              </a:tr>
+              <a:tr h="200025">
+                <a:tc>
+                  <a:txBody>
+                    <a:bodyPr/>
+                    <a:lstStyle/>
+                    <a:p>
+                      <a:pPr algn="l" fontAlgn="b"/>
+                      <a:r>
+                        <a:rPr lang="en-US" sz="1100" b="1" u="none" strike="noStrike" dirty="0" err="1">
+                          <a:effectLst/>
+                        </a:rPr>
+                        <a:t>Relative_Size</a:t>
+                      </a:r>
+                      <a:endParaRPr lang="en-US" sz="1100" b="1" i="0" u="none" strike="noStrike" dirty="0">
+                        <a:solidFill>
+                          <a:srgbClr val="000000"/>
+                        </a:solidFill>
+                        <a:effectLst/>
+                        <a:latin typeface="Calibri"/>
+                      </a:endParaRPr>
+                    </a:p>
+                  </a:txBody>
+                  <a:tcPr marL="9525" marR="9525" marT="9525" marB="0" anchor="b"/>
+                </a:tc>
+                <a:tc>
+                  <a:txBody>
+                    <a:bodyPr/>
+                    <a:lstStyle/>
+                    <a:p>
+                      <a:pPr algn="ctr" fontAlgn="b"/>
+                      <a:r>
+                        <a:rPr lang="en-US" sz="1100" u="none" strike="noStrike">
+                          <a:effectLst/>
+                        </a:rPr>
+                        <a:t>-0.51278</a:t>
+                      </a:r>
+                      <a:endParaRPr lang="en-US" sz="1100" b="0" i="0" u="none" strike="noStrike">
+                        <a:solidFill>
+                          <a:srgbClr val="000000"/>
+                        </a:solidFill>
+                        <a:effectLst/>
+                        <a:latin typeface="Calibri"/>
+                      </a:endParaRPr>
+                    </a:p>
+                  </a:txBody>
+                  <a:tcPr marL="9525" marR="9525" marT="9525" marB="0" anchor="b"/>
+                </a:tc>
+                <a:tc>
+                  <a:txBody>
+                    <a:bodyPr/>
+                    <a:lstStyle/>
+                    <a:p>
+                      <a:pPr algn="ctr" fontAlgn="b"/>
+                      <a:r>
+                        <a:rPr lang="en-US" sz="1100" b="1" u="none" strike="noStrike" dirty="0">
+                          <a:effectLst/>
+                        </a:rPr>
+                        <a:t>0.66683</a:t>
+                      </a:r>
+                      <a:endParaRPr lang="en-US" sz="1100" b="1" i="0" u="none" strike="noStrike" dirty="0">
+                        <a:solidFill>
+                          <a:srgbClr val="000000"/>
+                        </a:solidFill>
+                        <a:effectLst/>
+                        <a:latin typeface="Calibri"/>
+                      </a:endParaRPr>
+                    </a:p>
+                  </a:txBody>
+                  <a:tcPr marL="9525" marR="9525" marT="9525" marB="0" anchor="b"/>
+                </a:tc>
+                <a:tc>
+                  <a:txBody>
+                    <a:bodyPr/>
+                    <a:lstStyle/>
+                    <a:p>
+                      <a:pPr algn="ctr" fontAlgn="b"/>
+                      <a:r>
+                        <a:rPr lang="en-US" sz="1100" u="none" strike="noStrike">
+                          <a:effectLst/>
+                        </a:rPr>
+                        <a:t>0.39364</a:t>
+                      </a:r>
+                      <a:endParaRPr lang="en-US" sz="1100" b="0" i="0" u="none" strike="noStrike">
+                        <a:solidFill>
+                          <a:srgbClr val="000000"/>
+                        </a:solidFill>
+                        <a:effectLst/>
+                        <a:latin typeface="Calibri"/>
+                      </a:endParaRPr>
+                    </a:p>
+                  </a:txBody>
+                  <a:tcPr marL="9525" marR="9525" marT="9525" marB="0" anchor="b"/>
+                </a:tc>
+                <a:tc>
+                  <a:txBody>
+                    <a:bodyPr/>
+                    <a:lstStyle/>
+                    <a:p>
+                      <a:pPr algn="ctr" fontAlgn="b"/>
+                      <a:r>
+                        <a:rPr lang="en-US" sz="1100" b="1" u="none" strike="noStrike" dirty="0">
+                          <a:effectLst/>
+                        </a:rPr>
+                        <a:t>0.98594</a:t>
+                      </a:r>
+                      <a:endParaRPr lang="en-US" sz="1100" b="1" i="0" u="none" strike="noStrike" dirty="0">
+                        <a:solidFill>
+                          <a:srgbClr val="000000"/>
+                        </a:solidFill>
+                        <a:effectLst/>
+                        <a:latin typeface="Calibri"/>
+                      </a:endParaRPr>
+                    </a:p>
+                  </a:txBody>
+                  <a:tcPr marL="9525" marR="9525" marT="9525" marB="0" anchor="b"/>
+                </a:tc>
+                <a:tc>
+                  <a:txBody>
+                    <a:bodyPr/>
+                    <a:lstStyle/>
+                    <a:p>
+                      <a:pPr algn="ctr" fontAlgn="b"/>
+                      <a:r>
+                        <a:rPr lang="en-US" sz="1100" b="1" u="none" strike="noStrike" dirty="0">
+                          <a:effectLst/>
+                        </a:rPr>
+                        <a:t>0.84090</a:t>
+                      </a:r>
+                      <a:endParaRPr lang="en-US" sz="1100" b="1" i="0" u="none" strike="noStrike" dirty="0">
+                        <a:solidFill>
+                          <a:srgbClr val="000000"/>
+                        </a:solidFill>
+                        <a:effectLst/>
+                        <a:latin typeface="Calibri"/>
+                      </a:endParaRPr>
+                    </a:p>
+                  </a:txBody>
+                  <a:tcPr marL="9525" marR="9525" marT="9525" marB="0" anchor="b"/>
+                </a:tc>
+                <a:tc>
+                  <a:txBody>
+                    <a:bodyPr/>
+                    <a:lstStyle/>
+                    <a:p>
+                      <a:pPr algn="ctr" fontAlgn="b"/>
+                      <a:r>
+                        <a:rPr lang="en-US" sz="1100" u="none" strike="noStrike" dirty="0">
+                          <a:effectLst/>
+                        </a:rPr>
+                        <a:t>1.00000</a:t>
+                      </a:r>
+                      <a:endParaRPr lang="en-US" sz="1100" b="0" i="0" u="none" strike="noStrike" dirty="0">
+                        <a:solidFill>
+                          <a:srgbClr val="000000"/>
+                        </a:solidFill>
+                        <a:effectLst/>
+                        <a:latin typeface="Calibri"/>
+                      </a:endParaRPr>
+                    </a:p>
+                  </a:txBody>
+                  <a:tcPr marL="9525" marR="9525" marT="9525" marB="0" anchor="b"/>
+                </a:tc>
+              </a:tr>
+            </a:tbl>
+          </a:graphicData>
+        </a:graphic>
+      </p:graphicFrame>
+      <p:sp>
+        <p:nvSpPr>
+          <p:cNvPr id="10" name="TextBox 9"/>
+          <p:cNvSpPr txBox="1"/>
+          <p:nvPr/>
+        </p:nvSpPr>
+        <p:spPr>
+          <a:xfrm>
+            <a:off x="774700" y="2177534"/>
+            <a:ext cx="1443152" cy="369332"/>
+          </a:xfrm>
+          <a:prstGeom prst="rect">
+            <a:avLst/>
+          </a:prstGeom>
+        </p:spPr>
+        <p:style>
+          <a:lnRef idx="2">
+            <a:schemeClr val="accent3">
+              <a:shade val="50000"/>
+            </a:schemeClr>
+          </a:lnRef>
+          <a:fillRef idx="1">
+            <a:schemeClr val="accent3"/>
+          </a:fillRef>
+          <a:effectRef idx="0">
+            <a:schemeClr val="accent3"/>
+          </a:effectRef>
+          <a:fontRef idx="minor">
+            <a:schemeClr val="lt1"/>
+          </a:fontRef>
+        </p:style>
+        <p:txBody>
+          <a:bodyPr wrap="none" rtlCol="0">
+            <a:spAutoFit/>
+          </a:bodyPr>
+          <a:lstStyle/>
+          <a:p>
+            <a:r>
+              <a:rPr lang="en-CA" dirty="0" smtClean="0"/>
+              <a:t>Low Volatility</a:t>
+            </a:r>
+            <a:endParaRPr lang="en-US" dirty="0"/>
+          </a:p>
+        </p:txBody>
+      </p:sp>
+      <p:sp>
+        <p:nvSpPr>
+          <p:cNvPr id="14" name="TextBox 13"/>
+          <p:cNvSpPr txBox="1"/>
+          <p:nvPr/>
+        </p:nvSpPr>
+        <p:spPr>
+          <a:xfrm>
+            <a:off x="749405" y="3810000"/>
+            <a:ext cx="1493742" cy="369332"/>
+          </a:xfrm>
+          <a:prstGeom prst="rect">
+            <a:avLst/>
+          </a:prstGeom>
+        </p:spPr>
+        <p:style>
+          <a:lnRef idx="2">
+            <a:schemeClr val="accent6">
+              <a:shade val="50000"/>
+            </a:schemeClr>
+          </a:lnRef>
+          <a:fillRef idx="1">
+            <a:schemeClr val="accent6"/>
+          </a:fillRef>
+          <a:effectRef idx="0">
+            <a:schemeClr val="accent6"/>
+          </a:effectRef>
+          <a:fontRef idx="minor">
+            <a:schemeClr val="lt1"/>
+          </a:fontRef>
+        </p:style>
+        <p:txBody>
+          <a:bodyPr wrap="none" rtlCol="0">
+            <a:spAutoFit/>
+          </a:bodyPr>
+          <a:lstStyle/>
+          <a:p>
+            <a:r>
+              <a:rPr lang="en-CA" dirty="0" smtClean="0"/>
+              <a:t>Med Volatility</a:t>
+            </a:r>
+            <a:endParaRPr lang="en-US" dirty="0"/>
+          </a:p>
+        </p:txBody>
+      </p:sp>
+      <p:sp>
+        <p:nvSpPr>
+          <p:cNvPr id="15" name="TextBox 14"/>
+          <p:cNvSpPr txBox="1"/>
+          <p:nvPr/>
+        </p:nvSpPr>
+        <p:spPr>
+          <a:xfrm>
+            <a:off x="749405" y="5486400"/>
+            <a:ext cx="1487330" cy="369332"/>
+          </a:xfrm>
+          <a:prstGeom prst="rect">
+            <a:avLst/>
+          </a:prstGeom>
+        </p:spPr>
+        <p:style>
+          <a:lnRef idx="2">
+            <a:schemeClr val="accent2">
+              <a:shade val="50000"/>
+            </a:schemeClr>
+          </a:lnRef>
+          <a:fillRef idx="1">
+            <a:schemeClr val="accent2"/>
+          </a:fillRef>
+          <a:effectRef idx="0">
+            <a:schemeClr val="accent2"/>
+          </a:effectRef>
+          <a:fontRef idx="minor">
+            <a:schemeClr val="lt1"/>
+          </a:fontRef>
+        </p:style>
+        <p:txBody>
+          <a:bodyPr wrap="none" rtlCol="0">
+            <a:spAutoFit/>
+          </a:bodyPr>
+          <a:lstStyle/>
+          <a:p>
+            <a:r>
+              <a:rPr lang="en-CA" dirty="0" smtClean="0"/>
+              <a:t>High Volatility</a:t>
+            </a:r>
+            <a:endParaRPr lang="en-US" dirty="0"/>
+          </a:p>
+        </p:txBody>
+      </p:sp>
+    </p:spTree>
+    <p:extLst>
+      <p:ext uri="{BB962C8B-B14F-4D97-AF65-F5344CB8AC3E}">
+        <p14:creationId xmlns:p14="http://schemas.microsoft.com/office/powerpoint/2010/main" val="3430037393"/>
+      </p:ext>
+    </p:extLst>
+  </p:cSld>
+  <p:clrMapOvr>
+    <a:masterClrMapping/>
+  </p:clrMapOvr>
+  <mc:AlternateContent xmlns:mc="http://schemas.openxmlformats.org/markup-compatibility/2006">
+    <mc:Choice xmlns:p14="http://schemas.microsoft.com/office/powerpoint/2010/main" Requires="p14">
+      <p:transition spd="med" p14:dur="700">
+        <p:fade/>
+      </p:transition>
+    </mc:Choice>
+    <mc:Fallback>
+      <p:transition spd="med">
+        <p:fade/>
+      </p:transition>
+    </mc:Fallback>
+  </mc:AlternateContent>
+  <p:timing>
+    <p:tnLst>
+      <p:par>
+        <p:cTn id="1" dur="indefinite" restart="never" nodeType="tmRoot"/>
+      </p:par>
+    </p:tnLst>
+  </p:timing>
+</p:sld>
+</file>
+
+<file path=ppt/slides/slide14.xml><?xml version="1.0" encoding="utf-8"?>
+<p:sld xmlns:a="http://schemas.openxmlformats.org/drawingml/2006/main" xmlns:r="http://schemas.openxmlformats.org/officeDocument/2006/relationships" xmlns:p="http://schemas.openxmlformats.org/presentationml/2006/main">
+  <p:cSld>
+    <p:spTree>
+      <p:nvGrpSpPr>
+        <p:cNvPr id="1" name=""/>
+        <p:cNvGrpSpPr/>
+        <p:nvPr/>
+      </p:nvGrpSpPr>
+      <p:grpSpPr>
+        <a:xfrm>
+          <a:off x="0" y="0"/>
+          <a:ext cx="0" cy="0"/>
+          <a:chOff x="0" y="0"/>
+          <a:chExt cx="0" cy="0"/>
+        </a:xfrm>
+      </p:grpSpPr>
+      <p:sp>
+        <p:nvSpPr>
+          <p:cNvPr id="2" name="Title 1"/>
+          <p:cNvSpPr>
+            <a:spLocks noGrp="1"/>
+          </p:cNvSpPr>
+          <p:nvPr>
+            <p:ph type="title"/>
+          </p:nvPr>
+        </p:nvSpPr>
+        <p:spPr/>
+        <p:txBody>
+          <a:bodyPr/>
+          <a:lstStyle/>
+          <a:p>
+            <a:r>
+              <a:rPr lang="en-CA" dirty="0" smtClean="0"/>
+              <a:t>Results: Association Rules</a:t>
+            </a:r>
+            <a:endParaRPr lang="en-US" dirty="0"/>
+          </a:p>
+        </p:txBody>
+      </p:sp>
+      <p:sp>
+        <p:nvSpPr>
+          <p:cNvPr id="3" name="Content Placeholder 2"/>
+          <p:cNvSpPr>
+            <a:spLocks noGrp="1"/>
+          </p:cNvSpPr>
+          <p:nvPr>
+            <p:ph idx="1"/>
+          </p:nvPr>
+        </p:nvSpPr>
+        <p:spPr/>
+        <p:txBody>
+          <a:bodyPr/>
+          <a:lstStyle/>
+          <a:p>
+            <a:r>
+              <a:rPr lang="en-CA" dirty="0" smtClean="0"/>
+              <a:t>Precision, recall, </a:t>
+            </a:r>
+            <a:endParaRPr lang="en-US" dirty="0"/>
+          </a:p>
+        </p:txBody>
+      </p:sp>
+    </p:spTree>
+    <p:extLst>
+      <p:ext uri="{BB962C8B-B14F-4D97-AF65-F5344CB8AC3E}">
+        <p14:creationId xmlns:p14="http://schemas.microsoft.com/office/powerpoint/2010/main" val="915485435"/>
+      </p:ext>
+    </p:extLst>
+  </p:cSld>
+  <p:clrMapOvr>
+    <a:masterClrMapping/>
+  </p:clrMapOvr>
+  <mc:AlternateContent xmlns:mc="http://schemas.openxmlformats.org/markup-compatibility/2006">
+    <mc:Choice xmlns:p14="http://schemas.microsoft.com/office/powerpoint/2010/main" Requires="p14">
+      <p:transition spd="med" p14:dur="700">
+        <p:fade/>
+      </p:transition>
+    </mc:Choice>
+    <mc:Fallback>
+      <p:transition spd="med">
+        <p:fade/>
+      </p:transition>
+    </mc:Fallback>
+  </mc:AlternateContent>
+  <p:timing>
+    <p:tnLst>
+      <p:par>
+        <p:cTn id="1" dur="indefinite" restart="never" nodeType="tmRoot"/>
+      </p:par>
+    </p:tnLst>
+  </p:timing>
+</p:sld>
+</file>
+
+<file path=ppt/slides/slide15.xml><?xml version="1.0" encoding="utf-8"?>
+<p:sld xmlns:a="http://schemas.openxmlformats.org/drawingml/2006/main" xmlns:r="http://schemas.openxmlformats.org/officeDocument/2006/relationships" xmlns:p="http://schemas.openxmlformats.org/presentationml/2006/main">
+  <p:cSld>
+    <p:spTree>
+      <p:nvGrpSpPr>
+        <p:cNvPr id="1" name=""/>
+        <p:cNvGrpSpPr/>
+        <p:nvPr/>
+      </p:nvGrpSpPr>
+      <p:grpSpPr>
+        <a:xfrm>
+          <a:off x="0" y="0"/>
+          <a:ext cx="0" cy="0"/>
+          <a:chOff x="0" y="0"/>
+          <a:chExt cx="0" cy="0"/>
+        </a:xfrm>
+      </p:grpSpPr>
+      <p:sp>
+        <p:nvSpPr>
+          <p:cNvPr id="2" name="Title 1"/>
+          <p:cNvSpPr>
+            <a:spLocks noGrp="1"/>
+          </p:cNvSpPr>
+          <p:nvPr>
+            <p:ph type="title"/>
+          </p:nvPr>
+        </p:nvSpPr>
+        <p:spPr/>
+        <p:txBody>
+          <a:bodyPr/>
+          <a:lstStyle/>
+          <a:p>
+            <a:r>
+              <a:rPr lang="en-CA" dirty="0" smtClean="0"/>
+              <a:t>Results Discussion</a:t>
+            </a:r>
+            <a:endParaRPr lang="en-US" dirty="0"/>
+          </a:p>
+        </p:txBody>
+      </p:sp>
+      <p:sp>
+        <p:nvSpPr>
+          <p:cNvPr id="3" name="Content Placeholder 2"/>
+          <p:cNvSpPr>
+            <a:spLocks noGrp="1"/>
+          </p:cNvSpPr>
+          <p:nvPr>
+            <p:ph idx="1"/>
+          </p:nvPr>
+        </p:nvSpPr>
+        <p:spPr/>
+        <p:txBody>
+          <a:bodyPr/>
+          <a:lstStyle/>
+          <a:p>
+            <a:r>
+              <a:rPr lang="en-CA" dirty="0" smtClean="0"/>
               <a:t>It was clear that more volatile code tends to exhibit lower quality metrics</a:t>
             </a:r>
           </a:p>
@@ -4496,6 +9964,18 @@
   <p:clrMapOvr>
     <a:masterClrMapping/>
   </p:clrMapOvr>
+  <mc:AlternateContent xmlns:mc="http://schemas.openxmlformats.org/markup-compatibility/2006">
+    <mc:Choice xmlns:p14="http://schemas.microsoft.com/office/powerpoint/2010/main" Requires="p14">
+      <p:transition spd="med" p14:dur="700">
+        <p:fade/>
+      </p:transition>
+    </mc:Choice>
+    <mc:Fallback>
+      <p:transition spd="med">
+        <p:fade/>
+      </p:transition>
+    </mc:Fallback>
+  </mc:AlternateContent>
   <p:timing>
     <p:tnLst>
       <p:par>
@@ -4506,7 +9986,7 @@
 </p:sld>
 </file>
 
-<file path=ppt/slides/slide12.xml><?xml version="1.0" encoding="utf-8"?>
+<file path=ppt/slides/slide16.xml><?xml version="1.0" encoding="utf-8"?>
 <p:sld xmlns:a="http://schemas.openxmlformats.org/drawingml/2006/main" xmlns:r="http://schemas.openxmlformats.org/officeDocument/2006/relationships" xmlns:p="http://schemas.openxmlformats.org/presentationml/2006/main">
   <p:cSld>
     <p:spTree>
@@ -4664,6 +10144,133 @@
   <p:clrMapOvr>
     <a:masterClrMapping/>
   </p:clrMapOvr>
+  <mc:AlternateContent xmlns:mc="http://schemas.openxmlformats.org/markup-compatibility/2006">
+    <mc:Choice xmlns:p14="http://schemas.microsoft.com/office/powerpoint/2010/main" Requires="p14">
+      <p:transition spd="med" p14:dur="700">
+        <p:fade/>
+      </p:transition>
+    </mc:Choice>
+    <mc:Fallback>
+      <p:transition spd="med">
+        <p:fade/>
+      </p:transition>
+    </mc:Fallback>
+  </mc:AlternateContent>
+  <p:timing>
+    <p:tnLst>
+      <p:par>
+        <p:cTn id="1" dur="indefinite" restart="never" nodeType="tmRoot"/>
+      </p:par>
+    </p:tnLst>
+  </p:timing>
+</p:sld>
+</file>
+
+<file path=ppt/slides/slide17.xml><?xml version="1.0" encoding="utf-8"?>
+<p:sld xmlns:a="http://schemas.openxmlformats.org/drawingml/2006/main" xmlns:r="http://schemas.openxmlformats.org/officeDocument/2006/relationships" xmlns:p="http://schemas.openxmlformats.org/presentationml/2006/main">
+  <p:cSld>
+    <p:spTree>
+      <p:nvGrpSpPr>
+        <p:cNvPr id="1" name=""/>
+        <p:cNvGrpSpPr/>
+        <p:nvPr/>
+      </p:nvGrpSpPr>
+      <p:grpSpPr>
+        <a:xfrm>
+          <a:off x="0" y="0"/>
+          <a:ext cx="0" cy="0"/>
+          <a:chOff x="0" y="0"/>
+          <a:chExt cx="0" cy="0"/>
+        </a:xfrm>
+      </p:grpSpPr>
+      <p:sp>
+        <p:nvSpPr>
+          <p:cNvPr id="2" name="Title 1"/>
+          <p:cNvSpPr>
+            <a:spLocks noGrp="1"/>
+          </p:cNvSpPr>
+          <p:nvPr>
+            <p:ph type="title"/>
+          </p:nvPr>
+        </p:nvSpPr>
+        <p:spPr/>
+        <p:txBody>
+          <a:bodyPr/>
+          <a:lstStyle/>
+          <a:p>
+            <a:r>
+              <a:rPr lang="en-CA" dirty="0" smtClean="0"/>
+              <a:t>Threats to Validity</a:t>
+            </a:r>
+            <a:endParaRPr lang="en-US" dirty="0"/>
+          </a:p>
+        </p:txBody>
+      </p:sp>
+      <p:sp>
+        <p:nvSpPr>
+          <p:cNvPr id="3" name="Content Placeholder 2"/>
+          <p:cNvSpPr>
+            <a:spLocks noGrp="1"/>
+          </p:cNvSpPr>
+          <p:nvPr>
+            <p:ph idx="1"/>
+          </p:nvPr>
+        </p:nvSpPr>
+        <p:spPr/>
+        <p:txBody>
+          <a:bodyPr/>
+          <a:lstStyle/>
+          <a:p>
+            <a:r>
+              <a:rPr lang="en-CA" dirty="0" smtClean="0"/>
+              <a:t>Construct</a:t>
+            </a:r>
+          </a:p>
+          <a:p>
+            <a:r>
+              <a:rPr lang="en-CA" dirty="0" smtClean="0"/>
+              <a:t>Internal</a:t>
+            </a:r>
+          </a:p>
+          <a:p>
+            <a:r>
+              <a:rPr lang="en-CA" dirty="0" smtClean="0"/>
+              <a:t>External</a:t>
+            </a:r>
+          </a:p>
+          <a:p>
+            <a:r>
+              <a:rPr lang="en-CA" dirty="0" smtClean="0"/>
+              <a:t>Reliability</a:t>
+            </a:r>
+          </a:p>
+          <a:p>
+            <a:endParaRPr lang="en-US" dirty="0"/>
+          </a:p>
+        </p:txBody>
+      </p:sp>
+    </p:spTree>
+    <p:extLst>
+      <p:ext uri="{BB962C8B-B14F-4D97-AF65-F5344CB8AC3E}">
+        <p14:creationId xmlns:p14="http://schemas.microsoft.com/office/powerpoint/2010/main" val="1013677625"/>
+      </p:ext>
+    </p:extLst>
+  </p:cSld>
+  <p:clrMapOvr>
+    <a:masterClrMapping/>
+  </p:clrMapOvr>
+  <mc:AlternateContent xmlns:mc="http://schemas.openxmlformats.org/markup-compatibility/2006">
+    <mc:Choice xmlns:p14="http://schemas.microsoft.com/office/powerpoint/2010/main" Requires="p14">
+      <p:transition spd="med" p14:dur="700">
+        <p:fade/>
+      </p:transition>
+    </mc:Choice>
+    <mc:Fallback>
+      <p:transition spd="med">
+        <p:fade/>
+      </p:transition>
+    </mc:Fallback>
+  </mc:AlternateContent>
   <p:timing>
     <p:tnLst>
       <p:par>
@@ -4708,7 +10315,7 @@
           <a:p>
             <a:r>
               <a:rPr lang="en-CA" dirty="0" smtClean="0"/>
-              <a:t>Key Message</a:t>
+              <a:t>Definitions</a:t>
             </a:r>
             <a:endParaRPr lang="en-US" dirty="0"/>
           </a:p>
@@ -4726,23 +10333,134 @@
         </p:nvSpPr>
         <p:spPr/>
         <p:txBody>
-          <a:bodyPr/>
+          <a:bodyPr>
+            <a:normAutofit fontScale="85000" lnSpcReduction="20000"/>
+          </a:bodyPr>
           <a:lstStyle/>
           <a:p>
-            <a:endParaRPr lang="en-US" dirty="0"/>
+            <a:r>
+              <a:rPr lang="en-US" b="1" dirty="0" smtClean="0"/>
+              <a:t>Code Volatility</a:t>
+            </a:r>
+            <a:r>
+              <a:rPr lang="en-US" dirty="0" smtClean="0"/>
+              <a:t>: the propensity for a given code fragment </a:t>
+            </a:r>
+            <a:r>
+              <a:rPr lang="en-US" i="1" dirty="0" smtClean="0"/>
+              <a:t>to change over different </a:t>
+            </a:r>
+            <a:r>
+              <a:rPr lang="en-US" i="1" dirty="0" smtClean="0"/>
+              <a:t>releases</a:t>
+            </a:r>
+          </a:p>
+          <a:p>
+            <a:pPr lvl="1"/>
+            <a:r>
+              <a:rPr lang="en-CA" dirty="0" smtClean="0"/>
+              <a:t>Example: MyClass.java changed between versions 1 and 2, and also between version 3 and 4</a:t>
+            </a:r>
+          </a:p>
+          <a:p>
+            <a:pPr lvl="1"/>
+            <a:r>
+              <a:rPr lang="en-CA" dirty="0" smtClean="0"/>
+              <a:t>This class has a volatility of 2 / 3</a:t>
+            </a:r>
+            <a:endParaRPr lang="en-US" dirty="0" smtClean="0"/>
+          </a:p>
+          <a:p>
+            <a:r>
+              <a:rPr lang="en-US" b="1" dirty="0" smtClean="0"/>
+              <a:t>Association Rules</a:t>
+            </a:r>
+            <a:r>
+              <a:rPr lang="en-US" dirty="0" smtClean="0"/>
+              <a:t>: </a:t>
+            </a:r>
+            <a:r>
+              <a:rPr lang="en-CA" dirty="0"/>
+              <a:t>conditional statements that help in finding </a:t>
+            </a:r>
+            <a:r>
+              <a:rPr lang="en-CA" i="1" dirty="0" smtClean="0"/>
+              <a:t>relationships </a:t>
+            </a:r>
+            <a:r>
+              <a:rPr lang="en-CA" i="1" dirty="0"/>
+              <a:t>between random </a:t>
+            </a:r>
+            <a:r>
+              <a:rPr lang="en-CA" i="1" dirty="0" smtClean="0"/>
+              <a:t>objects</a:t>
+            </a:r>
+          </a:p>
+          <a:p>
+            <a:pPr lvl="1"/>
+            <a:r>
+              <a:rPr lang="en-CA" b="1" dirty="0" smtClean="0"/>
+              <a:t>Antecedent</a:t>
+            </a:r>
+            <a:r>
+              <a:rPr lang="en-CA" dirty="0" smtClean="0"/>
+              <a:t>: an item (of interest) found in the data</a:t>
+            </a:r>
+          </a:p>
+          <a:p>
+            <a:pPr lvl="1"/>
+            <a:r>
+              <a:rPr lang="en-CA" b="1" dirty="0" smtClean="0"/>
+              <a:t>Consequent</a:t>
+            </a:r>
+            <a:r>
+              <a:rPr lang="en-CA" dirty="0" smtClean="0"/>
+              <a:t>: an item that is found in combination with the antecedent</a:t>
+            </a:r>
+          </a:p>
+          <a:p>
+            <a:pPr lvl="1"/>
+            <a:r>
+              <a:rPr lang="en-CA" dirty="0" smtClean="0"/>
+              <a:t>Mining this data allows us to form prediction models:</a:t>
+            </a:r>
+          </a:p>
+          <a:p>
+            <a:pPr lvl="2"/>
+            <a:r>
+              <a:rPr lang="en-CA" dirty="0" smtClean="0"/>
+              <a:t> </a:t>
+            </a:r>
+            <a:r>
+              <a:rPr lang="en-CA" i="1" dirty="0" smtClean="0"/>
+              <a:t>“if a person buys milk, there’s a 60% chance he’ll buy eggs”</a:t>
+            </a:r>
+            <a:endParaRPr lang="en-US" i="1" dirty="0" smtClean="0"/>
           </a:p>
         </p:txBody>
       </p:sp>
     </p:spTree>
     <p:extLst>
       <p:ext uri="{BB962C8B-B14F-4D97-AF65-F5344CB8AC3E}">
-        <p14:creationId xmlns:p14="http://schemas.microsoft.com/office/powerpoint/2010/main" val="4110345419"/>
+        <p14:creationId xmlns:p14="http://schemas.microsoft.com/office/powerpoint/2010/main" val="410510627"/>
       </p:ext>
     </p:extLst>
   </p:cSld>
   <p:clrMapOvr>
     <a:masterClrMapping/>
   </p:clrMapOvr>
+  <mc:AlternateContent xmlns:mc="http://schemas.openxmlformats.org/markup-compatibility/2006">
+    <mc:Choice xmlns:p14="http://schemas.microsoft.com/office/powerpoint/2010/main" Requires="p14">
+      <p:transition spd="med" p14:dur="700">
+        <p:fade/>
+      </p:transition>
+    </mc:Choice>
+    <mc:Fallback>
+      <p:transition spd="med">
+        <p:fade/>
+      </p:transition>
+    </mc:Fallback>
+  </mc:AlternateContent>
   <p:timing>
     <p:tnLst>
       <p:par>
@@ -4786,106 +10504,12 @@
           <a:lstStyle/>
           <a:p>
             <a:r>
-              <a:rPr lang="en-CA" dirty="0" smtClean="0"/>
-              <a:t>Definitions</a:t>
-            </a:r>
-            <a:endParaRPr lang="en-US" dirty="0"/>
-          </a:p>
-        </p:txBody>
-      </p:sp>
-      <p:sp>
-        <p:nvSpPr>
-          <p:cNvPr id="3" name="Content Placeholder 2"/>
-          <p:cNvSpPr>
-            <a:spLocks noGrp="1"/>
-          </p:cNvSpPr>
-          <p:nvPr>
-            <p:ph idx="1"/>
-          </p:nvPr>
-        </p:nvSpPr>
-        <p:spPr/>
-        <p:txBody>
-          <a:bodyPr>
-            <a:normAutofit/>
-          </a:bodyPr>
-          <a:lstStyle/>
-          <a:p>
-            <a:r>
               <a:rPr lang="en-US" dirty="0" smtClean="0"/>
-              <a:t>Code Volatility: the propensity for a given code fragment to change over different releases. </a:t>
-            </a:r>
-          </a:p>
-          <a:p>
+              <a:t>The Data: Apache </a:t>
+            </a:r>
             <a:r>
               <a:rPr lang="en-US" dirty="0" smtClean="0"/>
-              <a:t>Association Rules: </a:t>
-            </a:r>
-            <a:r>
-              <a:rPr lang="en-US" dirty="0" smtClean="0">
-                <a:solidFill>
-                  <a:srgbClr val="FF0000"/>
-                </a:solidFill>
-              </a:rPr>
-              <a:t>get info from Shams’ document</a:t>
-            </a:r>
-          </a:p>
-        </p:txBody>
-      </p:sp>
-    </p:spTree>
-    <p:extLst>
-      <p:ext uri="{BB962C8B-B14F-4D97-AF65-F5344CB8AC3E}">
-        <p14:creationId xmlns:p14="http://schemas.microsoft.com/office/powerpoint/2010/main" val="410510627"/>
-      </p:ext>
-    </p:extLst>
-  </p:cSld>
-  <p:clrMapOvr>
-    <a:masterClrMapping/>
-  </p:clrMapOvr>
-  <p:timing>
-    <p:tnLst>
-      <p:par>
-        <p:cTn id="1" dur="indefinite" restart="never" nodeType="tmRoot"/>
-      </p:par>
-    </p:tnLst>
-  </p:timing>
-</p:sld>
-</file>
-
-<file path=ppt/slides/slide4.xml><?xml version="1.0" encoding="utf-8"?>
-<p:sld xmlns:a="http://schemas.openxmlformats.org/drawingml/2006/main" xmlns:r="http://schemas.openxmlformats.org/officeDocument/2006/relationships" xmlns:p="http://schemas.openxmlformats.org/presentationml/2006/main">
-  <p:cSld>
-    <p:spTree>
-      <p:nvGrpSpPr>
-        <p:cNvPr id="1" name=""/>
-        <p:cNvGrpSpPr/>
-        <p:nvPr/>
-      </p:nvGrpSpPr>
-      <p:grpSpPr>
-        <a:xfrm>
-          <a:off x="0" y="0"/>
-          <a:ext cx="0" cy="0"/>
-          <a:chOff x="0" y="0"/>
-          <a:chExt cx="0" cy="0"/>
-        </a:xfrm>
-      </p:grpSpPr>
-      <p:sp>
-        <p:nvSpPr>
-          <p:cNvPr id="2" name="Title 1"/>
-          <p:cNvSpPr>
-            <a:spLocks noGrp="1"/>
-          </p:cNvSpPr>
-          <p:nvPr>
-            <p:ph type="title"/>
-          </p:nvPr>
-        </p:nvSpPr>
-        <p:spPr/>
-        <p:txBody>
-          <a:bodyPr/>
-          <a:lstStyle/>
-          <a:p>
-            <a:r>
-              <a:rPr lang="en-US" dirty="0" smtClean="0"/>
-              <a:t>Apache Timeline</a:t>
+              <a:t>Timeline</a:t>
             </a:r>
             <a:endParaRPr lang="en-US" dirty="0"/>
           </a:p>
@@ -5738,6 +11362,18 @@
   <p:clrMapOvr>
     <a:masterClrMapping/>
   </p:clrMapOvr>
+  <mc:AlternateContent xmlns:mc="http://schemas.openxmlformats.org/markup-compatibility/2006">
+    <mc:Choice xmlns:p14="http://schemas.microsoft.com/office/powerpoint/2010/main" Requires="p14">
+      <p:transition spd="med" p14:dur="700">
+        <p:fade/>
+      </p:transition>
+    </mc:Choice>
+    <mc:Fallback>
+      <p:transition spd="med">
+        <p:fade/>
+      </p:transition>
+    </mc:Fallback>
+  </mc:AlternateContent>
   <p:timing>
     <p:tnLst>
       <p:par>
@@ -6241,7 +11877,7 @@
 </p:sld>
 </file>
 
-<file path=ppt/slides/slide5.xml><?xml version="1.0" encoding="utf-8"?>
+<file path=ppt/slides/slide4.xml><?xml version="1.0" encoding="utf-8"?>
 <p:sld xmlns:a="http://schemas.openxmlformats.org/drawingml/2006/main" xmlns:r="http://schemas.openxmlformats.org/officeDocument/2006/relationships" xmlns:p="http://schemas.openxmlformats.org/presentationml/2006/main">
   <p:cSld>
     <p:spTree>
@@ -6275,13 +11911,13 @@
         </p:spPr>
         <p:style>
           <a:lnRef idx="1">
-            <a:schemeClr val="accent1"/>
+            <a:schemeClr val="accent4"/>
           </a:lnRef>
           <a:fillRef idx="2">
-            <a:schemeClr val="accent1"/>
+            <a:schemeClr val="accent4"/>
           </a:fillRef>
           <a:effectRef idx="1">
-            <a:schemeClr val="accent1"/>
+            <a:schemeClr val="accent4"/>
           </a:effectRef>
           <a:fontRef idx="minor">
             <a:schemeClr val="dk1"/>
@@ -6318,7 +11954,7 @@
           <a:p>
             <a:r>
               <a:rPr lang="en-CA" dirty="0" smtClean="0"/>
-              <a:t>Buckets</a:t>
+              <a:t>Organizing Data: Buckets</a:t>
             </a:r>
             <a:endParaRPr lang="en-US" dirty="0"/>
           </a:p>
@@ -7021,6 +12657,18 @@
   <p:clrMapOvr>
     <a:masterClrMapping/>
   </p:clrMapOvr>
+  <mc:AlternateContent xmlns:mc="http://schemas.openxmlformats.org/markup-compatibility/2006">
+    <mc:Choice xmlns:p14="http://schemas.microsoft.com/office/powerpoint/2010/main" Requires="p14">
+      <p:transition spd="med" p14:dur="700">
+        <p:fade/>
+      </p:transition>
+    </mc:Choice>
+    <mc:Fallback>
+      <p:transition spd="med">
+        <p:fade/>
+      </p:transition>
+    </mc:Fallback>
+  </mc:AlternateContent>
   <p:timing>
     <p:tnLst>
       <p:par>
@@ -7578,7 +13226,7 @@
 </p:sld>
 </file>
 
-<file path=ppt/slides/slide6.xml><?xml version="1.0" encoding="utf-8"?>
+<file path=ppt/slides/slide5.xml><?xml version="1.0" encoding="utf-8"?>
 <p:sld xmlns:a="http://schemas.openxmlformats.org/drawingml/2006/main" xmlns:r="http://schemas.openxmlformats.org/officeDocument/2006/relationships" xmlns:p="http://schemas.openxmlformats.org/presentationml/2006/main">
   <p:cSld>
     <p:spTree>
@@ -7635,8 +13283,78 @@
           <a:p>
             <a:r>
               <a:rPr lang="en-US" dirty="0" smtClean="0"/>
-              <a:t>Does HV code exhibit lower quality metrics compared to LV code?</a:t>
-            </a:r>
+              <a:t>What is </a:t>
+            </a:r>
+            <a:r>
+              <a:rPr lang="en-US" dirty="0" smtClean="0"/>
+              <a:t>the relationship between code volatility and quality metrics? </a:t>
+            </a:r>
+            <a:endParaRPr lang="en-US" dirty="0" smtClean="0"/>
+          </a:p>
+          <a:p>
+            <a:pPr lvl="1"/>
+            <a:r>
+              <a:rPr lang="en-CA" b="1" dirty="0" smtClean="0"/>
+              <a:t>Hypothesis</a:t>
+            </a:r>
+            <a:r>
+              <a:rPr lang="en-CA" dirty="0"/>
+              <a:t>: </a:t>
+            </a:r>
+            <a:r>
+              <a:rPr lang="en-CA" dirty="0" smtClean="0"/>
+              <a:t>HV </a:t>
+            </a:r>
+            <a:r>
+              <a:rPr lang="en-CA" dirty="0"/>
+              <a:t>code exhibit </a:t>
+            </a:r>
+            <a:r>
+              <a:rPr lang="en-CA" b="1" dirty="0">
+                <a:ln w="1905"/>
+                <a:gradFill>
+                  <a:gsLst>
+                    <a:gs pos="0">
+                      <a:schemeClr val="accent6">
+                        <a:shade val="20000"/>
+                        <a:satMod val="200000"/>
+                      </a:schemeClr>
+                    </a:gs>
+                    <a:gs pos="78000">
+                      <a:schemeClr val="accent6">
+                        <a:tint val="90000"/>
+                        <a:shade val="89000"/>
+                        <a:satMod val="220000"/>
+                      </a:schemeClr>
+                    </a:gs>
+                    <a:gs pos="100000">
+                      <a:schemeClr val="accent6">
+                        <a:tint val="12000"/>
+                        <a:satMod val="255000"/>
+                      </a:schemeClr>
+                    </a:gs>
+                  </a:gsLst>
+                  <a:lin ang="5400000"/>
+                </a:gradFill>
+                <a:effectLst>
+                  <a:innerShdw blurRad="69850" dist="43180" dir="5400000">
+                    <a:srgbClr val="000000">
+                      <a:alpha val="65000"/>
+                    </a:srgbClr>
+                  </a:innerShdw>
+                </a:effectLst>
+              </a:rPr>
+              <a:t>lower quality metrics </a:t>
+            </a:r>
+            <a:r>
+              <a:rPr lang="en-CA" dirty="0"/>
+              <a:t>compared to LV </a:t>
+            </a:r>
+            <a:r>
+              <a:rPr lang="en-CA" dirty="0" smtClean="0"/>
+              <a:t>code</a:t>
+            </a:r>
+            <a:endParaRPr lang="en-US" dirty="0" smtClean="0"/>
           </a:p>
           <a:p>
             <a:r>
@@ -7647,7 +13365,88 @@
               <a:rPr lang="en-US" dirty="0" smtClean="0"/>
               <a:t>?</a:t>
             </a:r>
-            <a:endParaRPr lang="en-US" dirty="0" smtClean="0"/>
+          </a:p>
+          <a:p>
+            <a:pPr lvl="1"/>
+            <a:r>
+              <a:rPr lang="en-CA" b="1" dirty="0" smtClean="0"/>
+              <a:t>Hypothesis</a:t>
+            </a:r>
+            <a:r>
+              <a:rPr lang="en-CA" dirty="0" smtClean="0"/>
+              <a:t>: Based on historical volatility data and association rules, we can </a:t>
+            </a:r>
+            <a:r>
+              <a:rPr lang="en-CA" b="1" dirty="0" smtClean="0">
+                <a:ln w="1905"/>
+                <a:gradFill>
+                  <a:gsLst>
+                    <a:gs pos="0">
+                      <a:schemeClr val="accent6">
+                        <a:shade val="20000"/>
+                        <a:satMod val="200000"/>
+                      </a:schemeClr>
+                    </a:gs>
+                    <a:gs pos="78000">
+                      <a:schemeClr val="accent6">
+                        <a:tint val="90000"/>
+                        <a:shade val="89000"/>
+                        <a:satMod val="220000"/>
+                      </a:schemeClr>
+                    </a:gs>
+                    <a:gs pos="100000">
+                      <a:schemeClr val="accent6">
+                        <a:tint val="12000"/>
+                        <a:satMod val="255000"/>
+                      </a:schemeClr>
+                    </a:gs>
+                  </a:gsLst>
+                  <a:lin ang="5400000"/>
+                </a:gradFill>
+                <a:effectLst>
+                  <a:innerShdw blurRad="69850" dist="43180" dir="5400000">
+                    <a:srgbClr val="000000">
+                      <a:alpha val="65000"/>
+                    </a:srgbClr>
+                  </a:innerShdw>
+                </a:effectLst>
+              </a:rPr>
+              <a:t>predict which classes may also change</a:t>
+            </a:r>
+            <a:endParaRPr lang="en-US" b="1" dirty="0" smtClean="0">
+              <a:ln w="1905"/>
+              <a:gradFill>
+                <a:gsLst>
+                  <a:gs pos="0">
+                    <a:schemeClr val="accent6">
+                      <a:shade val="20000"/>
+                      <a:satMod val="200000"/>
+                    </a:schemeClr>
+                  </a:gs>
+                  <a:gs pos="78000">
+                    <a:schemeClr val="accent6">
+                      <a:tint val="90000"/>
+                      <a:shade val="89000"/>
+                      <a:satMod val="220000"/>
+                    </a:schemeClr>
+                  </a:gs>
+                  <a:gs pos="100000">
+                    <a:schemeClr val="accent6">
+                      <a:tint val="12000"/>
+                      <a:satMod val="255000"/>
+                    </a:schemeClr>
+                  </a:gs>
+                </a:gsLst>
+                <a:lin ang="5400000"/>
+              </a:gradFill>
+              <a:effectLst>
+                <a:innerShdw blurRad="69850" dist="43180" dir="5400000">
+                  <a:srgbClr val="000000">
+                    <a:alpha val="65000"/>
+                  </a:srgbClr>
+                </a:innerShdw>
+              </a:effectLst>
+            </a:endParaRPr>
           </a:p>
         </p:txBody>
       </p:sp>
@@ -7661,6 +13460,113 @@
   <p:clrMapOvr>
     <a:masterClrMapping/>
   </p:clrMapOvr>
+  <mc:AlternateContent xmlns:mc="http://schemas.openxmlformats.org/markup-compatibility/2006">
+    <mc:Choice xmlns:p14="http://schemas.microsoft.com/office/powerpoint/2010/main" Requires="p14">
+      <p:transition spd="med" p14:dur="700">
+        <p:fade/>
+      </p:transition>
+    </mc:Choice>
+    <mc:Fallback>
+      <p:transition spd="med">
+        <p:fade/>
+      </p:transition>
+    </mc:Fallback>
+  </mc:AlternateContent>
+  <p:timing>
+    <p:tnLst>
+      <p:par>
+        <p:cTn id="1" dur="indefinite" restart="never" nodeType="tmRoot"/>
+      </p:par>
+    </p:tnLst>
+  </p:timing>
+</p:sld>
+</file>
+
+<file path=ppt/slides/slide6.xml><?xml version="1.0" encoding="utf-8"?>
+<p:sld xmlns:a="http://schemas.openxmlformats.org/drawingml/2006/main" xmlns:r="http://schemas.openxmlformats.org/officeDocument/2006/relationships" xmlns:p="http://schemas.openxmlformats.org/presentationml/2006/main">
+  <p:cSld>
+    <p:spTree>
+      <p:nvGrpSpPr>
+        <p:cNvPr id="1" name=""/>
+        <p:cNvGrpSpPr/>
+        <p:nvPr/>
+      </p:nvGrpSpPr>
+      <p:grpSpPr>
+        <a:xfrm>
+          <a:off x="0" y="0"/>
+          <a:ext cx="0" cy="0"/>
+          <a:chOff x="0" y="0"/>
+          <a:chExt cx="0" cy="0"/>
+        </a:xfrm>
+      </p:grpSpPr>
+      <p:sp>
+        <p:nvSpPr>
+          <p:cNvPr id="4" name="Title 3"/>
+          <p:cNvSpPr>
+            <a:spLocks noGrp="1"/>
+          </p:cNvSpPr>
+          <p:nvPr>
+            <p:ph type="title"/>
+          </p:nvPr>
+        </p:nvSpPr>
+        <p:spPr/>
+        <p:txBody>
+          <a:bodyPr/>
+          <a:lstStyle/>
+          <a:p>
+            <a:r>
+              <a:rPr lang="en-CA" dirty="0" smtClean="0"/>
+              <a:t>Design and Methodology</a:t>
+            </a:r>
+            <a:endParaRPr lang="en-US" dirty="0"/>
+          </a:p>
+        </p:txBody>
+      </p:sp>
+      <p:sp>
+        <p:nvSpPr>
+          <p:cNvPr id="5" name="Text Placeholder 4"/>
+          <p:cNvSpPr>
+            <a:spLocks noGrp="1"/>
+          </p:cNvSpPr>
+          <p:nvPr>
+            <p:ph type="body" idx="1"/>
+          </p:nvPr>
+        </p:nvSpPr>
+        <p:spPr/>
+        <p:txBody>
+          <a:bodyPr/>
+          <a:lstStyle/>
+          <a:p>
+            <a:r>
+              <a:rPr lang="en-CA" i="1" dirty="0"/>
+              <a:t>"It's not the tools that you have faith in - tools are just tools. They work, or they don't work. It's people you have faith in or not."</a:t>
+            </a:r>
+            <a:endParaRPr lang="en-US" dirty="0"/>
+          </a:p>
+        </p:txBody>
+      </p:sp>
+    </p:spTree>
+    <p:extLst>
+      <p:ext uri="{BB962C8B-B14F-4D97-AF65-F5344CB8AC3E}">
+        <p14:creationId xmlns:p14="http://schemas.microsoft.com/office/powerpoint/2010/main" val="3575668478"/>
+      </p:ext>
+    </p:extLst>
+  </p:cSld>
+  <p:clrMapOvr>
+    <a:masterClrMapping/>
+  </p:clrMapOvr>
+  <mc:AlternateContent xmlns:mc="http://schemas.openxmlformats.org/markup-compatibility/2006">
+    <mc:Choice xmlns:p14="http://schemas.microsoft.com/office/powerpoint/2010/main" Requires="p14">
+      <p:transition spd="med" p14:dur="700">
+        <p:fade/>
+      </p:transition>
+    </mc:Choice>
+    <mc:Fallback>
+      <p:transition spd="med">
+        <p:fade/>
+      </p:transition>
+    </mc:Fallback>
+  </mc:AlternateContent>
   <p:timing>
     <p:tnLst>
       <p:par>
@@ -7705,11 +13611,7 @@
           <a:p>
             <a:r>
               <a:rPr lang="en-US" dirty="0" smtClean="0"/>
-              <a:t>Log </a:t>
-            </a:r>
-            <a:r>
-              <a:rPr lang="en-US" dirty="0" smtClean="0"/>
-              <a:t>Parser /1</a:t>
+              <a:t>Log Parser /1</a:t>
             </a:r>
             <a:endParaRPr lang="en-US" dirty="0"/>
           </a:p>
@@ -7734,7 +13636,19 @@
           <a:p>
             <a:r>
               <a:rPr lang="en-US" dirty="0" smtClean="0"/>
-              <a:t>Have access to complete SVN commit history for Apache Ant. Example commit:</a:t>
+              <a:t>Had access </a:t>
+            </a:r>
+            <a:r>
+              <a:rPr lang="en-US" dirty="0" smtClean="0"/>
+              <a:t>to </a:t>
+            </a:r>
+            <a:r>
+              <a:rPr lang="en-US" dirty="0" smtClean="0"/>
+              <a:t>the complete </a:t>
+            </a:r>
+            <a:r>
+              <a:rPr lang="en-US" dirty="0" smtClean="0"/>
+              <a:t>SVN commit history for Apache Ant. Example commit:</a:t>
             </a:r>
           </a:p>
           <a:p>
@@ -8041,6 +13955,18 @@
   <p:clrMapOvr>
     <a:masterClrMapping/>
   </p:clrMapOvr>
+  <mc:AlternateContent xmlns:mc="http://schemas.openxmlformats.org/markup-compatibility/2006">
+    <mc:Choice xmlns:p14="http://schemas.microsoft.com/office/powerpoint/2010/main" Requires="p14">
+      <p:transition spd="med" p14:dur="700">
+        <p:fade/>
+      </p:transition>
+    </mc:Choice>
+    <mc:Fallback>
+      <p:transition spd="med">
+        <p:fade/>
+      </p:transition>
+    </mc:Fallback>
+  </mc:AlternateContent>
   <p:timing>
     <p:tnLst>
       <p:par>
@@ -8062,7 +13988,7 @@
                             </p:stCondLst>
                             <p:childTnLst>
                               <p:par>
-                                <p:cTn id="5" presetID="10" presetClass="entr" presetSubtype="0" fill="hold" grpId="0" nodeType="clickEffect">
+                                <p:cTn id="5" presetID="10" presetClass="entr" presetSubtype="0" fill="hold" nodeType="clickEffect">
                                   <p:stCondLst>
                                     <p:cond delay="0"/>
                                   </p:stCondLst>
@@ -8075,7 +14001,7 @@
                                           </p:stCondLst>
                                         </p:cTn>
                                         <p:tgtEl>
-                                          <p:spTgt spid="4"/>
+                                          <p:spTgt spid="1026"/>
                                         </p:tgtEl>
                                         <p:attrNameLst>
                                           <p:attrName>style.visibility</p:attrName>
@@ -8089,7 +14015,7 @@
                                       <p:cBhvr>
                                         <p:cTn id="7" dur="500"/>
                                         <p:tgtEl>
-                                          <p:spTgt spid="4"/>
+                                          <p:spTgt spid="1026"/>
                                         </p:tgtEl>
                                       </p:cBhvr>
                                     </p:animEffect>
@@ -8128,7 +14054,7 @@
                                           </p:stCondLst>
                                         </p:cTn>
                                         <p:tgtEl>
-                                          <p:spTgt spid="6"/>
+                                          <p:spTgt spid="4"/>
                                         </p:tgtEl>
                                         <p:attrNameLst>
                                           <p:attrName>style.visibility</p:attrName>
@@ -8142,7 +14068,7 @@
                                       <p:cBhvr>
                                         <p:cTn id="12" dur="500"/>
                                         <p:tgtEl>
-                                          <p:spTgt spid="6"/>
+                                          <p:spTgt spid="4"/>
                                         </p:tgtEl>
                                       </p:cBhvr>
                                     </p:animEffect>
@@ -8181,7 +14107,7 @@
                                           </p:stCondLst>
                                         </p:cTn>
                                         <p:tgtEl>
-                                          <p:spTgt spid="7"/>
+                                          <p:spTgt spid="6"/>
                                         </p:tgtEl>
                                         <p:attrNameLst>
                                           <p:attrName>style.visibility</p:attrName>
@@ -8195,7 +14121,7 @@
                                       <p:cBhvr>
                                         <p:cTn id="17" dur="500"/>
                                         <p:tgtEl>
-                                          <p:spTgt spid="7"/>
+                                          <p:spTgt spid="6"/>
                                         </p:tgtEl>
                                       </p:cBhvr>
                                     </p:animEffect>
@@ -8234,7 +14160,7 @@
                                           </p:stCondLst>
                                         </p:cTn>
                                         <p:tgtEl>
-                                          <p:spTgt spid="8"/>
+                                          <p:spTgt spid="7"/>
                                         </p:tgtEl>
                                         <p:attrNameLst>
                                           <p:attrName>style.visibility</p:attrName>
@@ -8248,7 +14174,7 @@
                                       <p:cBhvr>
                                         <p:cTn id="22" dur="500"/>
                                         <p:tgtEl>
-                                          <p:spTgt spid="8"/>
+                                          <p:spTgt spid="7"/>
                                         </p:tgtEl>
                                       </p:cBhvr>
                                     </p:animEffect>
@@ -8274,7 +14200,7 @@
                             </p:stCondLst>
                             <p:childTnLst>
                               <p:par>
-                                <p:cTn id="25" presetID="10" presetClass="entr" presetSubtype="0" fill="hold" nodeType="clickEffect">
+                                <p:cTn id="25" presetID="10" presetClass="entr" presetSubtype="0" fill="hold" grpId="0" nodeType="clickEffect">
                                   <p:stCondLst>
                                     <p:cond delay="0"/>
                                   </p:stCondLst>
@@ -8282,6 +14208,59 @@
                                     <p:set>
                                       <p:cBhvr>
                                         <p:cTn id="26" dur="1" fill="hold">
+                                          <p:stCondLst>
+                                            <p:cond delay="0"/>
+                                          </p:stCondLst>
+                                        </p:cTn>
+                                        <p:tgtEl>
+                                          <p:spTgt spid="8"/>
+                                        </p:tgtEl>
+                                        <p:attrNameLst>
+                                          <p:attrName>style.visibility</p:attrName>
+                                        </p:attrNameLst>
+                                      </p:cBhvr>
+                                      <p:to>
+                                        <p:strVal val="visible"/>
+                                      </p:to>
+                                    </p:set>
+                                    <p:animEffect transition="in" filter="fade">
+                                      <p:cBhvr>
+                                        <p:cTn id="27" dur="500"/>
+                                        <p:tgtEl>
+                                          <p:spTgt spid="8"/>
+                                        </p:tgtEl>
+                                      </p:cBhvr>
+                                    </p:animEffect>
+                                  </p:childTnLst>
+                                </p:cTn>
+                              </p:par>
+                            </p:childTnLst>
+                          </p:cTn>
+                        </p:par>
+                      </p:childTnLst>
+                    </p:cTn>
+                  </p:par>
+                  <p:par>
+                    <p:cTn id="28" fill="hold">
+                      <p:stCondLst>
+                        <p:cond delay="indefinite"/>
+                      </p:stCondLst>
+                      <p:childTnLst>
+                        <p:par>
+                          <p:cTn id="29" fill="hold">
+                            <p:stCondLst>
+                              <p:cond delay="0"/>
+                            </p:stCondLst>
+                            <p:childTnLst>
+                              <p:par>
+                                <p:cTn id="30" presetID="10" presetClass="entr" presetSubtype="0" fill="hold" nodeType="clickEffect">
+                                  <p:stCondLst>
+                                    <p:cond delay="0"/>
+                                  </p:stCondLst>
+                                  <p:childTnLst>
+                                    <p:set>
+                                      <p:cBhvr>
+                                        <p:cTn id="31" dur="1" fill="hold">
                                           <p:stCondLst>
                                             <p:cond delay="0"/>
                                           </p:stCondLst>
@@ -8303,7 +14282,7 @@
                                     </p:set>
                                     <p:animEffect transition="in" filter="fade">
                                       <p:cBhvr>
-                                        <p:cTn id="27" dur="500"/>
+                                        <p:cTn id="32" dur="500"/>
                                         <p:tgtEl>
                                           <p:spTgt spid="3">
                                             <p:txEl>
@@ -8317,14 +14296,14 @@
                                 </p:cTn>
                               </p:par>
                               <p:par>
-                                <p:cTn id="28" presetID="10" presetClass="entr" presetSubtype="0" fill="hold" nodeType="withEffect">
+                                <p:cTn id="33" presetID="10" presetClass="entr" presetSubtype="0" fill="hold" nodeType="withEffect">
                                   <p:stCondLst>
                                     <p:cond delay="0"/>
                                   </p:stCondLst>
                                   <p:childTnLst>
                                     <p:set>
                                       <p:cBhvr>
-                                        <p:cTn id="29" dur="1" fill="hold">
+                                        <p:cTn id="34" dur="1" fill="hold">
                                           <p:stCondLst>
                                             <p:cond delay="0"/>
                                           </p:stCondLst>
@@ -8346,7 +14325,7 @@
                                     </p:set>
                                     <p:animEffect transition="in" filter="fade">
                                       <p:cBhvr>
-                                        <p:cTn id="30" dur="500"/>
+                                        <p:cTn id="35" dur="500"/>
                                         <p:tgtEl>
                                           <p:spTgt spid="3">
                                             <p:txEl>
@@ -8360,14 +14339,14 @@
                                 </p:cTn>
                               </p:par>
                               <p:par>
-                                <p:cTn id="31" presetID="10" presetClass="entr" presetSubtype="0" fill="hold" nodeType="withEffect">
+                                <p:cTn id="36" presetID="10" presetClass="entr" presetSubtype="0" fill="hold" nodeType="withEffect">
                                   <p:stCondLst>
                                     <p:cond delay="0"/>
                                   </p:stCondLst>
                                   <p:childTnLst>
                                     <p:set>
                                       <p:cBhvr>
-                                        <p:cTn id="32" dur="1" fill="hold">
+                                        <p:cTn id="37" dur="1" fill="hold">
                                           <p:stCondLst>
                                             <p:cond delay="0"/>
                                           </p:stCondLst>
@@ -8389,7 +14368,7 @@
                                     </p:set>
                                     <p:animEffect transition="in" filter="fade">
                                       <p:cBhvr>
-                                        <p:cTn id="33" dur="500"/>
+                                        <p:cTn id="38" dur="500"/>
                                         <p:tgtEl>
                                           <p:spTgt spid="3">
                                             <p:txEl>
@@ -8456,6 +14435,60 @@
           <a:chExt cx="0" cy="0"/>
         </a:xfrm>
       </p:grpSpPr>
+      <p:pic>
+        <p:nvPicPr>
+          <p:cNvPr id="3074" name="Picture 2"/>
+          <p:cNvPicPr>
+            <a:picLocks noChangeAspect="1" noChangeArrowheads="1"/>
+          </p:cNvPicPr>
+          <p:nvPr/>
+        </p:nvPicPr>
+        <p:blipFill>
+          <a:blip r:embed="rId2">
+            <a:extLst>
+              <a:ext uri="{28A0092B-C50C-407E-A947-70E740481C1C}">
+                <a14:useLocalDpi xmlns:a14="http://schemas.microsoft.com/office/drawing/2010/main" val="0"/>
+              </a:ext>
+            </a:extLst>
+          </a:blip>
+          <a:srcRect/>
+          <a:stretch>
+            <a:fillRect/>
+          </a:stretch>
+        </p:blipFill>
+        <p:spPr bwMode="auto">
+          <a:xfrm>
+            <a:off x="7188233" y="1600200"/>
+            <a:ext cx="1803367" cy="4162425"/>
+          </a:xfrm>
+          <a:prstGeom prst="rect">
+            <a:avLst/>
+          </a:prstGeom>
+          <a:noFill/>
+          <a:ln>
+            <a:noFill/>
+          </a:ln>
+          <a:extLst>
+            <a:ext uri="{909E8E84-426E-40DD-AFC4-6F175D3DCCD1}">
+              <a14:hiddenFill xmlns:a14="http://schemas.microsoft.com/office/drawing/2010/main">
+                <a:solidFill>
+                  <a:schemeClr val="accent1"/>
+                </a:solidFill>
+              </a14:hiddenFill>
+            </a:ext>
+            <a:ext uri="{91240B29-F687-4F45-9708-019B960494DF}">
+              <a14:hiddenLine xmlns:a14="http://schemas.microsoft.com/office/drawing/2010/main" w="9525">
+                <a:solidFill>
+                  <a:schemeClr val="tx1"/>
+                </a:solidFill>
+                <a:miter lim="800000"/>
+                <a:headEnd/>
+                <a:tailEnd/>
+              </a14:hiddenLine>
+            </a:ext>
+          </a:extLst>
+        </p:spPr>
+      </p:pic>
       <p:sp>
         <p:nvSpPr>
           <p:cNvPr id="2" name="Title 1"/>
@@ -8489,35 +14522,96 @@
             <p:ph idx="1"/>
           </p:nvPr>
         </p:nvSpPr>
-        <p:spPr/>
+        <p:spPr>
+          <a:xfrm>
+            <a:off x="457200" y="1600200"/>
+            <a:ext cx="6858000" cy="4525963"/>
+          </a:xfrm>
+        </p:spPr>
         <p:txBody>
-          <a:bodyPr/>
+          <a:bodyPr>
+            <a:normAutofit lnSpcReduction="10000"/>
+          </a:bodyPr>
           <a:lstStyle/>
           <a:p>
             <a:r>
               <a:rPr lang="en-CA" dirty="0" smtClean="0"/>
-              <a:t>Handled:</a:t>
+              <a:t>Plain </a:t>
+            </a:r>
+            <a:r>
+              <a:rPr lang="en-CA" dirty="0" err="1" smtClean="0"/>
+              <a:t>ol</a:t>
+            </a:r>
+            <a:r>
+              <a:rPr lang="en-CA" dirty="0" smtClean="0"/>
+              <a:t>’ Java </a:t>
+            </a:r>
+            <a:r>
+              <a:rPr lang="en-CA" dirty="0" smtClean="0"/>
+              <a:t>project, which h</a:t>
+            </a:r>
+            <a:r>
+              <a:rPr lang="en-CA" dirty="0" smtClean="0"/>
+              <a:t>andled</a:t>
+            </a:r>
+            <a:r>
+              <a:rPr lang="en-CA" dirty="0" smtClean="0"/>
+              <a:t>:</a:t>
             </a:r>
           </a:p>
           <a:p>
             <a:pPr lvl="1"/>
             <a:r>
               <a:rPr lang="en-CA" dirty="0" smtClean="0"/>
-              <a:t>Parsing the complete log, calculating volatility</a:t>
-            </a:r>
+              <a:t>Parsing the </a:t>
+            </a:r>
+            <a:r>
+              <a:rPr lang="en-CA" b="1" dirty="0" smtClean="0"/>
+              <a:t>complete log</a:t>
+            </a:r>
+            <a:r>
+              <a:rPr lang="en-CA" dirty="0" smtClean="0"/>
+              <a:t>, calculating </a:t>
+            </a:r>
+            <a:r>
+              <a:rPr lang="en-CA" dirty="0" smtClean="0"/>
+              <a:t>volatility</a:t>
+            </a:r>
+            <a:endParaRPr lang="en-CA" dirty="0" smtClean="0"/>
           </a:p>
           <a:p>
             <a:pPr lvl="1"/>
             <a:r>
               <a:rPr lang="en-CA" dirty="0" smtClean="0"/>
-              <a:t>Writing the files to be used in JD (lists of HV, MV, and LV)</a:t>
-            </a:r>
+              <a:t>Writing the </a:t>
+            </a:r>
+            <a:r>
+              <a:rPr lang="en-CA" dirty="0" smtClean="0"/>
+              <a:t>text files </a:t>
+            </a:r>
+            <a:r>
+              <a:rPr lang="en-CA" dirty="0" smtClean="0"/>
+              <a:t>to be used in JD (lists of HV, MV, and </a:t>
+            </a:r>
+            <a:r>
+              <a:rPr lang="en-CA" dirty="0" smtClean="0"/>
+              <a:t>LV classes)</a:t>
+            </a:r>
+            <a:endParaRPr lang="en-CA" dirty="0" smtClean="0"/>
           </a:p>
           <a:p>
             <a:pPr lvl="1"/>
             <a:r>
               <a:rPr lang="en-CA" dirty="0" smtClean="0"/>
-              <a:t>Writing the files which show which Java classes were modified together (for association rules)</a:t>
+              <a:t>Writing the files which show which Java classes were </a:t>
+            </a:r>
+            <a:r>
+              <a:rPr lang="en-CA" b="1" dirty="0" smtClean="0"/>
+              <a:t>modified together </a:t>
+            </a:r>
+            <a:r>
+              <a:rPr lang="en-CA" dirty="0" smtClean="0"/>
+              <a:t>(for association rules)</a:t>
             </a:r>
           </a:p>
           <a:p>
@@ -8540,14 +14634,7 @@
               <a:rPr lang="en-CA" dirty="0" smtClean="0"/>
               <a:t>…</a:t>
             </a:r>
-          </a:p>
-          <a:p>
-            <a:pPr lvl="1"/>
             <a:endParaRPr lang="en-CA" dirty="0" smtClean="0"/>
-          </a:p>
-          <a:p>
-            <a:pPr lvl="1"/>
-            <a:endParaRPr lang="en-US" dirty="0"/>
           </a:p>
         </p:txBody>
       </p:sp>
@@ -8561,10 +14648,374 @@
   <p:clrMapOvr>
     <a:masterClrMapping/>
   </p:clrMapOvr>
+  <mc:AlternateContent xmlns:mc="http://schemas.openxmlformats.org/markup-compatibility/2006">
+    <mc:Choice xmlns:p14="http://schemas.microsoft.com/office/powerpoint/2010/main" Requires="p14">
+      <p:transition spd="med" p14:dur="700">
+        <p:fade/>
+      </p:transition>
+    </mc:Choice>
+    <mc:Fallback>
+      <p:transition spd="med">
+        <p:fade/>
+      </p:transition>
+    </mc:Fallback>
+  </mc:AlternateContent>
   <p:timing>
     <p:tnLst>
       <p:par>
-        <p:cTn id="1" dur="indefinite" restart="never" nodeType="tmRoot"/>
+        <p:cTn id="1" dur="indefinite" restart="never" nodeType="tmRoot">
+          <p:childTnLst>
+            <p:seq concurrent="1" nextAc="seek">
+              <p:cTn id="2" dur="indefinite" nodeType="mainSeq">
+                <p:childTnLst>
+                  <p:par>
+                    <p:cTn id="3" fill="hold">
+                      <p:stCondLst>
+                        <p:cond delay="indefinite"/>
+                      </p:stCondLst>
+                      <p:childTnLst>
+                        <p:par>
+                          <p:cTn id="4" fill="hold">
+                            <p:stCondLst>
+                              <p:cond delay="0"/>
+                            </p:stCondLst>
+                            <p:childTnLst>
+                              <p:par>
+                                <p:cTn id="5" presetID="10" presetClass="entr" presetSubtype="0" fill="hold" nodeType="clickEffect">
+                                  <p:stCondLst>
+                                    <p:cond delay="0"/>
+                                  </p:stCondLst>
+                                  <p:childTnLst>
+                                    <p:set>
+                                      <p:cBhvr>
+                                        <p:cTn id="6" dur="1" fill="hold">
+                                          <p:stCondLst>
+                                            <p:cond delay="0"/>
+                                          </p:stCondLst>
+                                        </p:cTn>
+                                        <p:tgtEl>
+                                          <p:spTgt spid="3">
+                                            <p:txEl>
+                                              <p:pRg st="0" end="0"/>
+                                            </p:txEl>
+                                          </p:spTgt>
+                                        </p:tgtEl>
+                                        <p:attrNameLst>
+                                          <p:attrName>style.visibility</p:attrName>
+                                        </p:attrNameLst>
+                                      </p:cBhvr>
+                                      <p:to>
+                                        <p:strVal val="visible"/>
+                                      </p:to>
+                                    </p:set>
+                                    <p:animEffect transition="in" filter="fade">
+                                      <p:cBhvr>
+                                        <p:cTn id="7" dur="500"/>
+                                        <p:tgtEl>
+                                          <p:spTgt spid="3">
+                                            <p:txEl>
+                                              <p:pRg st="0" end="0"/>
+                                            </p:txEl>
+                                          </p:spTgt>
+                                        </p:tgtEl>
+                                      </p:cBhvr>
+                                    </p:animEffect>
+                                  </p:childTnLst>
+                                </p:cTn>
+                              </p:par>
+                              <p:par>
+                                <p:cTn id="8" presetID="10" presetClass="entr" presetSubtype="0" fill="hold" nodeType="withEffect">
+                                  <p:stCondLst>
+                                    <p:cond delay="0"/>
+                                  </p:stCondLst>
+                                  <p:childTnLst>
+                                    <p:set>
+                                      <p:cBhvr>
+                                        <p:cTn id="9" dur="1" fill="hold">
+                                          <p:stCondLst>
+                                            <p:cond delay="0"/>
+                                          </p:stCondLst>
+                                        </p:cTn>
+                                        <p:tgtEl>
+                                          <p:spTgt spid="3">
+                                            <p:txEl>
+                                              <p:pRg st="1" end="1"/>
+                                            </p:txEl>
+                                          </p:spTgt>
+                                        </p:tgtEl>
+                                        <p:attrNameLst>
+                                          <p:attrName>style.visibility</p:attrName>
+                                        </p:attrNameLst>
+                                      </p:cBhvr>
+                                      <p:to>
+                                        <p:strVal val="visible"/>
+                                      </p:to>
+                                    </p:set>
+                                    <p:animEffect transition="in" filter="fade">
+                                      <p:cBhvr>
+                                        <p:cTn id="10" dur="500"/>
+                                        <p:tgtEl>
+                                          <p:spTgt spid="3">
+                                            <p:txEl>
+                                              <p:pRg st="1" end="1"/>
+                                            </p:txEl>
+                                          </p:spTgt>
+                                        </p:tgtEl>
+                                      </p:cBhvr>
+                                    </p:animEffect>
+                                  </p:childTnLst>
+                                </p:cTn>
+                              </p:par>
+                              <p:par>
+                                <p:cTn id="11" presetID="10" presetClass="entr" presetSubtype="0" fill="hold" nodeType="withEffect">
+                                  <p:stCondLst>
+                                    <p:cond delay="0"/>
+                                  </p:stCondLst>
+                                  <p:childTnLst>
+                                    <p:set>
+                                      <p:cBhvr>
+                                        <p:cTn id="12" dur="1" fill="hold">
+                                          <p:stCondLst>
+                                            <p:cond delay="0"/>
+                                          </p:stCondLst>
+                                        </p:cTn>
+                                        <p:tgtEl>
+                                          <p:spTgt spid="3">
+                                            <p:txEl>
+                                              <p:pRg st="2" end="2"/>
+                                            </p:txEl>
+                                          </p:spTgt>
+                                        </p:tgtEl>
+                                        <p:attrNameLst>
+                                          <p:attrName>style.visibility</p:attrName>
+                                        </p:attrNameLst>
+                                      </p:cBhvr>
+                                      <p:to>
+                                        <p:strVal val="visible"/>
+                                      </p:to>
+                                    </p:set>
+                                    <p:animEffect transition="in" filter="fade">
+                                      <p:cBhvr>
+                                        <p:cTn id="13" dur="500"/>
+                                        <p:tgtEl>
+                                          <p:spTgt spid="3">
+                                            <p:txEl>
+                                              <p:pRg st="2" end="2"/>
+                                            </p:txEl>
+                                          </p:spTgt>
+                                        </p:tgtEl>
+                                      </p:cBhvr>
+                                    </p:animEffect>
+                                  </p:childTnLst>
+                                </p:cTn>
+                              </p:par>
+                              <p:par>
+                                <p:cTn id="14" presetID="10" presetClass="entr" presetSubtype="0" fill="hold" nodeType="withEffect">
+                                  <p:stCondLst>
+                                    <p:cond delay="0"/>
+                                  </p:stCondLst>
+                                  <p:childTnLst>
+                                    <p:set>
+                                      <p:cBhvr>
+                                        <p:cTn id="15" dur="1" fill="hold">
+                                          <p:stCondLst>
+                                            <p:cond delay="0"/>
+                                          </p:stCondLst>
+                                        </p:cTn>
+                                        <p:tgtEl>
+                                          <p:spTgt spid="3">
+                                            <p:txEl>
+                                              <p:pRg st="3" end="3"/>
+                                            </p:txEl>
+                                          </p:spTgt>
+                                        </p:tgtEl>
+                                        <p:attrNameLst>
+                                          <p:attrName>style.visibility</p:attrName>
+                                        </p:attrNameLst>
+                                      </p:cBhvr>
+                                      <p:to>
+                                        <p:strVal val="visible"/>
+                                      </p:to>
+                                    </p:set>
+                                    <p:animEffect transition="in" filter="fade">
+                                      <p:cBhvr>
+                                        <p:cTn id="16" dur="500"/>
+                                        <p:tgtEl>
+                                          <p:spTgt spid="3">
+                                            <p:txEl>
+                                              <p:pRg st="3" end="3"/>
+                                            </p:txEl>
+                                          </p:spTgt>
+                                        </p:tgtEl>
+                                      </p:cBhvr>
+                                    </p:animEffect>
+                                  </p:childTnLst>
+                                </p:cTn>
+                              </p:par>
+                              <p:par>
+                                <p:cTn id="17" presetID="10" presetClass="entr" presetSubtype="0" fill="hold" nodeType="withEffect">
+                                  <p:stCondLst>
+                                    <p:cond delay="0"/>
+                                  </p:stCondLst>
+                                  <p:childTnLst>
+                                    <p:set>
+                                      <p:cBhvr>
+                                        <p:cTn id="18" dur="1" fill="hold">
+                                          <p:stCondLst>
+                                            <p:cond delay="0"/>
+                                          </p:stCondLst>
+                                        </p:cTn>
+                                        <p:tgtEl>
+                                          <p:spTgt spid="3074"/>
+                                        </p:tgtEl>
+                                        <p:attrNameLst>
+                                          <p:attrName>style.visibility</p:attrName>
+                                        </p:attrNameLst>
+                                      </p:cBhvr>
+                                      <p:to>
+                                        <p:strVal val="visible"/>
+                                      </p:to>
+                                    </p:set>
+                                    <p:animEffect transition="in" filter="fade">
+                                      <p:cBhvr>
+                                        <p:cTn id="19" dur="500"/>
+                                        <p:tgtEl>
+                                          <p:spTgt spid="3074"/>
+                                        </p:tgtEl>
+                                      </p:cBhvr>
+                                    </p:animEffect>
+                                  </p:childTnLst>
+                                </p:cTn>
+                              </p:par>
+                            </p:childTnLst>
+                          </p:cTn>
+                        </p:par>
+                      </p:childTnLst>
+                    </p:cTn>
+                  </p:par>
+                  <p:par>
+                    <p:cTn id="20" fill="hold">
+                      <p:stCondLst>
+                        <p:cond delay="indefinite"/>
+                      </p:stCondLst>
+                      <p:childTnLst>
+                        <p:par>
+                          <p:cTn id="21" fill="hold">
+                            <p:stCondLst>
+                              <p:cond delay="0"/>
+                            </p:stCondLst>
+                            <p:childTnLst>
+                              <p:par>
+                                <p:cTn id="22" presetID="10" presetClass="entr" presetSubtype="0" fill="hold" nodeType="clickEffect">
+                                  <p:stCondLst>
+                                    <p:cond delay="0"/>
+                                  </p:stCondLst>
+                                  <p:childTnLst>
+                                    <p:set>
+                                      <p:cBhvr>
+                                        <p:cTn id="23" dur="1" fill="hold">
+                                          <p:stCondLst>
+                                            <p:cond delay="0"/>
+                                          </p:stCondLst>
+                                        </p:cTn>
+                                        <p:tgtEl>
+                                          <p:spTgt spid="3">
+                                            <p:txEl>
+                                              <p:pRg st="4" end="4"/>
+                                            </p:txEl>
+                                          </p:spTgt>
+                                        </p:tgtEl>
+                                        <p:attrNameLst>
+                                          <p:attrName>style.visibility</p:attrName>
+                                        </p:attrNameLst>
+                                      </p:cBhvr>
+                                      <p:to>
+                                        <p:strVal val="visible"/>
+                                      </p:to>
+                                    </p:set>
+                                    <p:animEffect transition="in" filter="fade">
+                                      <p:cBhvr>
+                                        <p:cTn id="24" dur="500"/>
+                                        <p:tgtEl>
+                                          <p:spTgt spid="3">
+                                            <p:txEl>
+                                              <p:pRg st="4" end="4"/>
+                                            </p:txEl>
+                                          </p:spTgt>
+                                        </p:tgtEl>
+                                      </p:cBhvr>
+                                    </p:animEffect>
+                                  </p:childTnLst>
+                                </p:cTn>
+                              </p:par>
+                              <p:par>
+                                <p:cTn id="25" presetID="10" presetClass="entr" presetSubtype="0" fill="hold" nodeType="withEffect">
+                                  <p:stCondLst>
+                                    <p:cond delay="0"/>
+                                  </p:stCondLst>
+                                  <p:childTnLst>
+                                    <p:set>
+                                      <p:cBhvr>
+                                        <p:cTn id="26" dur="1" fill="hold">
+                                          <p:stCondLst>
+                                            <p:cond delay="0"/>
+                                          </p:stCondLst>
+                                        </p:cTn>
+                                        <p:tgtEl>
+                                          <p:spTgt spid="3">
+                                            <p:txEl>
+                                              <p:pRg st="5" end="5"/>
+                                            </p:txEl>
+                                          </p:spTgt>
+                                        </p:tgtEl>
+                                        <p:attrNameLst>
+                                          <p:attrName>style.visibility</p:attrName>
+                                        </p:attrNameLst>
+                                      </p:cBhvr>
+                                      <p:to>
+                                        <p:strVal val="visible"/>
+                                      </p:to>
+                                    </p:set>
+                                    <p:animEffect transition="in" filter="fade">
+                                      <p:cBhvr>
+                                        <p:cTn id="27" dur="500"/>
+                                        <p:tgtEl>
+                                          <p:spTgt spid="3">
+                                            <p:txEl>
+                                              <p:pRg st="5" end="5"/>
+                                            </p:txEl>
+                                          </p:spTgt>
+                                        </p:tgtEl>
+                                      </p:cBhvr>
+                                    </p:animEffect>
+                                  </p:childTnLst>
+                                </p:cTn>
+                              </p:par>
+                            </p:childTnLst>
+                          </p:cTn>
+                        </p:par>
+                      </p:childTnLst>
+                    </p:cTn>
+                  </p:par>
+                </p:childTnLst>
+              </p:cTn>
+              <p:prevCondLst>
+                <p:cond evt="onPrev" delay="0">
+                  <p:tgtEl>
+                    <p:sldTgt/>
+                  </p:tgtEl>
+                </p:cond>
+              </p:prevCondLst>
+              <p:nextCondLst>
+                <p:cond evt="onNext" delay="0">
+                  <p:tgtEl>
+                    <p:sldTgt/>
+                  </p:tgtEl>
+                </p:cond>
+              </p:nextCondLst>
+            </p:seq>
+          </p:childTnLst>
+        </p:cTn>
       </p:par>
     </p:tnLst>
   </p:timing>
@@ -8604,8 +15055,16 @@
           <a:lstStyle/>
           <a:p>
             <a:r>
+              <a:rPr lang="en-CA" dirty="0"/>
+              <a:t>Metrics </a:t>
+            </a:r>
+            <a:r>
               <a:rPr lang="en-CA" dirty="0" smtClean="0"/>
-              <a:t>Developed Metrics in JD</a:t>
+              <a:t>Integrated into </a:t>
+            </a:r>
+            <a:r>
+              <a:rPr lang="en-CA" dirty="0" smtClean="0"/>
+              <a:t>JD</a:t>
             </a:r>
             <a:endParaRPr lang="en-US" dirty="0"/>
           </a:p>
@@ -8621,10 +15080,15 @@
             <p:ph idx="1"/>
           </p:nvPr>
         </p:nvSpPr>
-        <p:spPr/>
+        <p:spPr>
+          <a:xfrm>
+            <a:off x="457200" y="1600200"/>
+            <a:ext cx="5334000" cy="4525963"/>
+          </a:xfrm>
+        </p:spPr>
         <p:txBody>
           <a:bodyPr>
-            <a:normAutofit/>
+            <a:normAutofit lnSpcReduction="10000"/>
           </a:bodyPr>
           <a:lstStyle/>
           <a:p>
@@ -8637,7 +15101,15 @@
             <a:pPr lvl="1"/>
             <a:r>
               <a:rPr lang="en-CA" dirty="0" smtClean="0"/>
-              <a:t>LCOM (Given) + LCOM (Henderson)</a:t>
+              <a:t>LCOM </a:t>
+            </a:r>
+            <a:r>
+              <a:rPr lang="en-CA" dirty="0" smtClean="0"/>
+              <a:t>(given</a:t>
+            </a:r>
+            <a:r>
+              <a:rPr lang="en-CA" dirty="0" smtClean="0"/>
+              <a:t>) + LCOM (Henderson)</a:t>
             </a:r>
             <a:endParaRPr lang="en-CA" dirty="0"/>
           </a:p>
@@ -8690,6 +15162,66 @@
           </a:p>
         </p:txBody>
       </p:sp>
+      <p:pic>
+        <p:nvPicPr>
+          <p:cNvPr id="2050" name="Picture 2"/>
+          <p:cNvPicPr>
+            <a:picLocks noChangeAspect="1" noChangeArrowheads="1"/>
+          </p:cNvPicPr>
+          <p:nvPr/>
+        </p:nvPicPr>
+        <p:blipFill>
+          <a:blip r:embed="rId3">
+            <a:extLst>
+              <a:ext uri="{28A0092B-C50C-407E-A947-70E740481C1C}">
+                <a14:useLocalDpi xmlns:a14="http://schemas.microsoft.com/office/drawing/2010/main" val="0"/>
+              </a:ext>
+            </a:extLst>
+          </a:blip>
+          <a:srcRect/>
+          <a:stretch>
+            <a:fillRect/>
+          </a:stretch>
+        </p:blipFill>
+        <p:spPr bwMode="auto">
+          <a:xfrm>
+            <a:off x="5791200" y="1752600"/>
+            <a:ext cx="2733675" cy="3714750"/>
+          </a:xfrm>
+          <a:prstGeom prst="rect">
+            <a:avLst/>
+          </a:prstGeom>
+          <a:ln>
+            <a:noFill/>
+          </a:ln>
+          <a:effectLst>
+            <a:outerShdw blurRad="292100" dist="139700" dir="2700000" algn="tl" rotWithShape="0">
+              <a:srgbClr val="333333">
+                <a:alpha val="65000"/>
+              </a:srgbClr>
+            </a:outerShdw>
+          </a:effectLst>
+          <a:extLst>
+            <a:ext uri="{909E8E84-426E-40DD-AFC4-6F175D3DCCD1}">
+              <a14:hiddenFill xmlns:a14="http://schemas.microsoft.com/office/drawing/2010/main">
+                <a:solidFill>
+                  <a:schemeClr val="accent1"/>
+                </a:solidFill>
+              </a14:hiddenFill>
+            </a:ext>
+            <a:ext uri="{91240B29-F687-4F45-9708-019B960494DF}">
+              <a14:hiddenLine xmlns:a14="http://schemas.microsoft.com/office/drawing/2010/main" w="9525">
+                <a:solidFill>
+                  <a:schemeClr val="tx1"/>
+                </a:solidFill>
+                <a:miter lim="800000"/>
+                <a:headEnd/>
+                <a:tailEnd/>
+              </a14:hiddenLine>
+            </a:ext>
+          </a:extLst>
+        </p:spPr>
+      </p:pic>
     </p:spTree>
     <p:extLst>
       <p:ext uri="{BB962C8B-B14F-4D97-AF65-F5344CB8AC3E}">
@@ -8700,6 +15232,18 @@
   <p:clrMapOvr>
     <a:masterClrMapping/>
   </p:clrMapOvr>
+  <mc:AlternateContent xmlns:mc="http://schemas.openxmlformats.org/markup-compatibility/2006">
+    <mc:Choice xmlns:p14="http://schemas.microsoft.com/office/powerpoint/2010/main" Requires="p14">
+      <p:transition spd="med" p14:dur="700">
+        <p:fade/>
+      </p:transition>
+    </mc:Choice>
+    <mc:Fallback>
+      <p:transition spd="med">
+        <p:fade/>
+      </p:transition>
+    </mc:Fallback>
+  </mc:AlternateContent>
   <p:timing>
     <p:tnLst>
       <p:par>

--- a/milestones/Group_Presentation_Volatility.pptx
+++ b/milestones/Group_Presentation_Volatility.pptx
@@ -5,7 +5,7 @@
     <p:sldMasterId id="2147483648" r:id="rId1"/>
   </p:sldMasterIdLst>
   <p:notesMasterIdLst>
-    <p:notesMasterId r:id="rId19"/>
+    <p:notesMasterId r:id="rId20"/>
   </p:notesMasterIdLst>
   <p:sldIdLst>
     <p:sldId id="256" r:id="rId2"/>
@@ -19,12 +19,13 @@
     <p:sldId id="262" r:id="rId10"/>
     <p:sldId id="270" r:id="rId11"/>
     <p:sldId id="269" r:id="rId12"/>
-    <p:sldId id="265" r:id="rId13"/>
-    <p:sldId id="268" r:id="rId14"/>
-    <p:sldId id="271" r:id="rId15"/>
-    <p:sldId id="266" r:id="rId16"/>
-    <p:sldId id="264" r:id="rId17"/>
-    <p:sldId id="273" r:id="rId18"/>
+    <p:sldId id="274" r:id="rId13"/>
+    <p:sldId id="265" r:id="rId14"/>
+    <p:sldId id="268" r:id="rId15"/>
+    <p:sldId id="271" r:id="rId16"/>
+    <p:sldId id="266" r:id="rId17"/>
+    <p:sldId id="264" r:id="rId18"/>
+    <p:sldId id="273" r:id="rId19"/>
   </p:sldIdLst>
   <p:sldSz cx="9144000" cy="6858000" type="screen4x3"/>
   <p:notesSz cx="6858000" cy="9144000"/>
@@ -208,7 +209,7 @@
           <a:p>
             <a:fld id="{3306547B-373B-42F2-9B6A-41DAAAD10A9A}" type="datetimeFigureOut">
               <a:rPr lang="en-US" smtClean="0"/>
-              <a:t>4/8/2014</a:t>
+              <a:t>09/04/14</a:t>
             </a:fld>
             <a:endParaRPr lang="en-US"/>
           </a:p>
@@ -860,11 +861,7 @@
             </a:r>
             <a:r>
               <a:rPr lang="en-CA" baseline="0" dirty="0" smtClean="0"/>
-              <a:t> which changed the license, and removed the authors from code etc</a:t>
-            </a:r>
-            <a:r>
-              <a:rPr lang="en-CA" baseline="0" dirty="0" smtClean="0"/>
-              <a:t>.)</a:t>
+              <a:t> which changed the license, and removed the authors from code etc.)</a:t>
             </a:r>
           </a:p>
           <a:p>
@@ -1223,7 +1220,7 @@
           <a:p>
             <a:fld id="{34574B59-0BD7-417A-AEA6-FF8431D8BFDA}" type="slidenum">
               <a:rPr lang="en-US" smtClean="0"/>
-              <a:t>13</a:t>
+              <a:t>14</a:t>
             </a:fld>
             <a:endParaRPr lang="en-US"/>
           </a:p>
@@ -1233,6 +1230,90 @@
     <p:extLst>
       <p:ext uri="{BB962C8B-B14F-4D97-AF65-F5344CB8AC3E}">
         <p14:creationId xmlns:p14="http://schemas.microsoft.com/office/powerpoint/2010/main" val="1033964426"/>
+      </p:ext>
+    </p:extLst>
+  </p:cSld>
+  <p:clrMapOvr>
+    <a:masterClrMapping/>
+  </p:clrMapOvr>
+</p:notes>
+</file>
+
+<file path=ppt/notesSlides/notesSlide8.xml><?xml version="1.0" encoding="utf-8"?>
+<p:notes xmlns:a="http://schemas.openxmlformats.org/drawingml/2006/main" xmlns:r="http://schemas.openxmlformats.org/officeDocument/2006/relationships" xmlns:p="http://schemas.openxmlformats.org/presentationml/2006/main">
+  <p:cSld>
+    <p:spTree>
+      <p:nvGrpSpPr>
+        <p:cNvPr id="1" name=""/>
+        <p:cNvGrpSpPr/>
+        <p:nvPr/>
+      </p:nvGrpSpPr>
+      <p:grpSpPr>
+        <a:xfrm>
+          <a:off x="0" y="0"/>
+          <a:ext cx="0" cy="0"/>
+          <a:chOff x="0" y="0"/>
+          <a:chExt cx="0" cy="0"/>
+        </a:xfrm>
+      </p:grpSpPr>
+      <p:sp>
+        <p:nvSpPr>
+          <p:cNvPr id="2" name="Slide Image Placeholder 1"/>
+          <p:cNvSpPr>
+            <a:spLocks noGrp="1" noRot="1" noChangeAspect="1"/>
+          </p:cNvSpPr>
+          <p:nvPr>
+            <p:ph type="sldImg"/>
+          </p:nvPr>
+        </p:nvSpPr>
+        <p:spPr/>
+      </p:sp>
+      <p:sp>
+        <p:nvSpPr>
+          <p:cNvPr id="3" name="Notes Placeholder 2"/>
+          <p:cNvSpPr>
+            <a:spLocks noGrp="1"/>
+          </p:cNvSpPr>
+          <p:nvPr>
+            <p:ph type="body" idx="1"/>
+          </p:nvPr>
+        </p:nvSpPr>
+        <p:spPr/>
+        <p:txBody>
+          <a:bodyPr/>
+          <a:lstStyle/>
+          <a:p>
+            <a:endParaRPr lang="en-US" dirty="0"/>
+          </a:p>
+        </p:txBody>
+      </p:sp>
+      <p:sp>
+        <p:nvSpPr>
+          <p:cNvPr id="4" name="Slide Number Placeholder 3"/>
+          <p:cNvSpPr>
+            <a:spLocks noGrp="1"/>
+          </p:cNvSpPr>
+          <p:nvPr>
+            <p:ph type="sldNum" sz="quarter" idx="10"/>
+          </p:nvPr>
+        </p:nvSpPr>
+        <p:spPr/>
+        <p:txBody>
+          <a:bodyPr/>
+          <a:lstStyle/>
+          <a:p>
+            <a:fld id="{34574B59-0BD7-417A-AEA6-FF8431D8BFDA}" type="slidenum">
+              <a:rPr lang="en-US" smtClean="0"/>
+              <a:t>15</a:t>
+            </a:fld>
+            <a:endParaRPr lang="en-US"/>
+          </a:p>
+        </p:txBody>
+      </p:sp>
+    </p:spTree>
+    <p:extLst>
+      <p:ext uri="{BB962C8B-B14F-4D97-AF65-F5344CB8AC3E}">
+        <p14:creationId xmlns:p14="http://schemas.microsoft.com/office/powerpoint/2010/main" val="951555126"/>
       </p:ext>
     </p:extLst>
   </p:cSld>
@@ -1423,7 +1504,7 @@
           <a:p>
             <a:fld id="{0FAA2E9A-8599-42EB-A43E-9B024D98E334}" type="datetimeFigureOut">
               <a:rPr lang="en-US" smtClean="0"/>
-              <a:t>4/8/2014</a:t>
+              <a:t>09/04/14</a:t>
             </a:fld>
             <a:endParaRPr lang="en-US"/>
           </a:p>
@@ -1593,7 +1674,7 @@
           <a:p>
             <a:fld id="{0FAA2E9A-8599-42EB-A43E-9B024D98E334}" type="datetimeFigureOut">
               <a:rPr lang="en-US" smtClean="0"/>
-              <a:t>4/8/2014</a:t>
+              <a:t>09/04/14</a:t>
             </a:fld>
             <a:endParaRPr lang="en-US"/>
           </a:p>
@@ -1773,7 +1854,7 @@
           <a:p>
             <a:fld id="{0FAA2E9A-8599-42EB-A43E-9B024D98E334}" type="datetimeFigureOut">
               <a:rPr lang="en-US" smtClean="0"/>
-              <a:t>4/8/2014</a:t>
+              <a:t>09/04/14</a:t>
             </a:fld>
             <a:endParaRPr lang="en-US"/>
           </a:p>
@@ -1943,7 +2024,7 @@
           <a:p>
             <a:fld id="{0FAA2E9A-8599-42EB-A43E-9B024D98E334}" type="datetimeFigureOut">
               <a:rPr lang="en-US" smtClean="0"/>
-              <a:t>4/8/2014</a:t>
+              <a:t>09/04/14</a:t>
             </a:fld>
             <a:endParaRPr lang="en-US"/>
           </a:p>
@@ -2189,7 +2270,7 @@
           <a:p>
             <a:fld id="{0FAA2E9A-8599-42EB-A43E-9B024D98E334}" type="datetimeFigureOut">
               <a:rPr lang="en-US" smtClean="0"/>
-              <a:t>4/8/2014</a:t>
+              <a:t>09/04/14</a:t>
             </a:fld>
             <a:endParaRPr lang="en-US"/>
           </a:p>
@@ -2477,7 +2558,7 @@
           <a:p>
             <a:fld id="{0FAA2E9A-8599-42EB-A43E-9B024D98E334}" type="datetimeFigureOut">
               <a:rPr lang="en-US" smtClean="0"/>
-              <a:t>4/8/2014</a:t>
+              <a:t>09/04/14</a:t>
             </a:fld>
             <a:endParaRPr lang="en-US"/>
           </a:p>
@@ -2899,7 +2980,7 @@
           <a:p>
             <a:fld id="{0FAA2E9A-8599-42EB-A43E-9B024D98E334}" type="datetimeFigureOut">
               <a:rPr lang="en-US" smtClean="0"/>
-              <a:t>4/8/2014</a:t>
+              <a:t>09/04/14</a:t>
             </a:fld>
             <a:endParaRPr lang="en-US"/>
           </a:p>
@@ -3017,7 +3098,7 @@
           <a:p>
             <a:fld id="{0FAA2E9A-8599-42EB-A43E-9B024D98E334}" type="datetimeFigureOut">
               <a:rPr lang="en-US" smtClean="0"/>
-              <a:t>4/8/2014</a:t>
+              <a:t>09/04/14</a:t>
             </a:fld>
             <a:endParaRPr lang="en-US"/>
           </a:p>
@@ -3112,7 +3193,7 @@
           <a:p>
             <a:fld id="{0FAA2E9A-8599-42EB-A43E-9B024D98E334}" type="datetimeFigureOut">
               <a:rPr lang="en-US" smtClean="0"/>
-              <a:t>4/8/2014</a:t>
+              <a:t>09/04/14</a:t>
             </a:fld>
             <a:endParaRPr lang="en-US"/>
           </a:p>
@@ -3389,7 +3470,7 @@
           <a:p>
             <a:fld id="{0FAA2E9A-8599-42EB-A43E-9B024D98E334}" type="datetimeFigureOut">
               <a:rPr lang="en-US" smtClean="0"/>
-              <a:t>4/8/2014</a:t>
+              <a:t>09/04/14</a:t>
             </a:fld>
             <a:endParaRPr lang="en-US"/>
           </a:p>
@@ -3642,7 +3723,7 @@
           <a:p>
             <a:fld id="{0FAA2E9A-8599-42EB-A43E-9B024D98E334}" type="datetimeFigureOut">
               <a:rPr lang="en-US" smtClean="0"/>
-              <a:t>4/8/2014</a:t>
+              <a:t>09/04/14</a:t>
             </a:fld>
             <a:endParaRPr lang="en-US"/>
           </a:p>
@@ -3855,7 +3936,7 @@
           <a:p>
             <a:fld id="{0FAA2E9A-8599-42EB-A43E-9B024D98E334}" type="datetimeFigureOut">
               <a:rPr lang="en-US" smtClean="0"/>
-              <a:t>4/8/2014</a:t>
+              <a:t>09/04/14</a:t>
             </a:fld>
             <a:endParaRPr lang="en-US"/>
           </a:p>
@@ -4249,11 +4330,7 @@
           <a:p>
             <a:r>
               <a:rPr lang="en-US" sz="3200" dirty="0" smtClean="0"/>
-              <a:t>Empirical Study Comparing Quality Metrics </a:t>
-            </a:r>
-            <a:r>
-              <a:rPr lang="en-US" sz="3200" dirty="0" smtClean="0"/>
-              <a:t>with Code Volatility, </a:t>
+              <a:t>Empirical Study Comparing Quality Metrics with Code Volatility, </a:t>
             </a:r>
             <a:r>
               <a:rPr lang="en-US" sz="3200" smtClean="0"/>
@@ -4336,13 +4413,13 @@
   <p:clrMapOvr>
     <a:masterClrMapping/>
   </p:clrMapOvr>
-  <mc:AlternateContent xmlns:mc="http://schemas.openxmlformats.org/markup-compatibility/2006">
-    <mc:Choice xmlns:p14="http://schemas.microsoft.com/office/powerpoint/2010/main" Requires="p14">
+  <mc:AlternateContent xmlns:mc="http://schemas.openxmlformats.org/markup-compatibility/2006" xmlns:p14="http://schemas.microsoft.com/office/powerpoint/2010/main">
+    <mc:Choice Requires="p14">
       <p:transition spd="med" p14:dur="700">
         <p:fade/>
       </p:transition>
     </mc:Choice>
-    <mc:Fallback>
+    <mc:Fallback xmlns="">
       <p:transition spd="med">
         <p:fade/>
       </p:transition>
@@ -4351,7 +4428,7 @@
   <p:timing>
     <p:tnLst>
       <p:par>
-        <p:cTn id="1" dur="indefinite" restart="never" nodeType="tmRoot"/>
+        <p:cTn xmlns:p14="http://schemas.microsoft.com/office/powerpoint/2010/main" id="1" dur="indefinite" restart="never" nodeType="tmRoot"/>
       </p:par>
     </p:tnLst>
   </p:timing>
@@ -4623,13 +4700,13 @@
   <p:clrMapOvr>
     <a:masterClrMapping/>
   </p:clrMapOvr>
-  <mc:AlternateContent xmlns:mc="http://schemas.openxmlformats.org/markup-compatibility/2006">
-    <mc:Choice xmlns:p14="http://schemas.microsoft.com/office/powerpoint/2010/main" Requires="p14">
+  <mc:AlternateContent xmlns:mc="http://schemas.openxmlformats.org/markup-compatibility/2006" xmlns:p14="http://schemas.microsoft.com/office/powerpoint/2010/main">
+    <mc:Choice Requires="p14">
       <p:transition spd="med" p14:dur="700">
         <p:fade/>
       </p:transition>
     </mc:Choice>
-    <mc:Fallback>
+    <mc:Fallback xmlns="">
       <p:transition spd="med">
         <p:fade/>
       </p:transition>
@@ -4638,7 +4715,7 @@
   <p:timing>
     <p:tnLst>
       <p:par>
-        <p:cTn id="1" dur="indefinite" restart="never" nodeType="tmRoot">
+        <p:cTn xmlns:p14="http://schemas.microsoft.com/office/powerpoint/2010/main" id="1" dur="indefinite" restart="never" nodeType="tmRoot">
           <p:childTnLst>
             <p:seq concurrent="1" nextAc="seek">
               <p:cTn id="2" dur="indefinite" nodeType="mainSeq">
@@ -5047,13 +5124,13 @@
   <p:clrMapOvr>
     <a:masterClrMapping/>
   </p:clrMapOvr>
-  <mc:AlternateContent xmlns:mc="http://schemas.openxmlformats.org/markup-compatibility/2006">
-    <mc:Choice xmlns:p14="http://schemas.microsoft.com/office/powerpoint/2010/main" Requires="p14">
+  <mc:AlternateContent xmlns:mc="http://schemas.openxmlformats.org/markup-compatibility/2006" xmlns:p14="http://schemas.microsoft.com/office/powerpoint/2010/main">
+    <mc:Choice Requires="p14">
       <p:transition spd="med" p14:dur="700">
         <p:fade/>
       </p:transition>
     </mc:Choice>
-    <mc:Fallback>
+    <mc:Fallback xmlns="">
       <p:transition spd="med">
         <p:fade/>
       </p:transition>
@@ -5062,7 +5139,7 @@
   <p:timing>
     <p:tnLst>
       <p:par>
-        <p:cTn id="1" dur="indefinite" restart="never" nodeType="tmRoot"/>
+        <p:cTn xmlns:p14="http://schemas.microsoft.com/office/powerpoint/2010/main" id="1" dur="indefinite" restart="never" nodeType="tmRoot"/>
       </p:par>
     </p:tnLst>
   </p:timing>
@@ -5070,6 +5147,158 @@
 </file>
 
 <file path=ppt/slides/slide12.xml><?xml version="1.0" encoding="utf-8"?>
+<p:sld xmlns:a="http://schemas.openxmlformats.org/drawingml/2006/main" xmlns:r="http://schemas.openxmlformats.org/officeDocument/2006/relationships" xmlns:p="http://schemas.openxmlformats.org/presentationml/2006/main">
+  <p:cSld>
+    <p:spTree>
+      <p:nvGrpSpPr>
+        <p:cNvPr id="1" name=""/>
+        <p:cNvGrpSpPr/>
+        <p:nvPr/>
+      </p:nvGrpSpPr>
+      <p:grpSpPr>
+        <a:xfrm>
+          <a:off x="0" y="0"/>
+          <a:ext cx="0" cy="0"/>
+          <a:chOff x="0" y="0"/>
+          <a:chExt cx="0" cy="0"/>
+        </a:xfrm>
+      </p:grpSpPr>
+      <p:sp>
+        <p:nvSpPr>
+          <p:cNvPr id="2" name="Title 1"/>
+          <p:cNvSpPr>
+            <a:spLocks noGrp="1"/>
+          </p:cNvSpPr>
+          <p:nvPr>
+            <p:ph type="title"/>
+          </p:nvPr>
+        </p:nvSpPr>
+        <p:spPr/>
+        <p:txBody>
+          <a:bodyPr/>
+          <a:lstStyle/>
+          <a:p>
+            <a:r>
+              <a:rPr lang="en-US" dirty="0" smtClean="0"/>
+              <a:t>A glimpse of a rule</a:t>
+            </a:r>
+            <a:endParaRPr lang="en-US" dirty="0"/>
+          </a:p>
+        </p:txBody>
+      </p:sp>
+      <p:sp>
+        <p:nvSpPr>
+          <p:cNvPr id="3" name="Content Placeholder 2"/>
+          <p:cNvSpPr>
+            <a:spLocks noGrp="1"/>
+          </p:cNvSpPr>
+          <p:nvPr>
+            <p:ph idx="1"/>
+          </p:nvPr>
+        </p:nvSpPr>
+        <p:spPr/>
+        <p:txBody>
+          <a:bodyPr>
+            <a:normAutofit/>
+          </a:bodyPr>
+          <a:lstStyle/>
+          <a:p>
+            <a:r>
+              <a:rPr lang="en-US" sz="2000" dirty="0"/>
+              <a:t>{ /ant/core/trunk/</a:t>
+            </a:r>
+            <a:r>
+              <a:rPr lang="en-US" sz="2000" dirty="0" err="1"/>
+              <a:t>src</a:t>
+            </a:r>
+            <a:r>
+              <a:rPr lang="en-US" sz="2000" dirty="0"/>
+              <a:t>/main/org/apache/tools/ant/</a:t>
+            </a:r>
+            <a:r>
+              <a:rPr lang="en-US" sz="2000" dirty="0" err="1"/>
+              <a:t>taskdefs</a:t>
+            </a:r>
+            <a:r>
+              <a:rPr lang="en-US" sz="2000" dirty="0"/>
+              <a:t>/optional/</a:t>
+            </a:r>
+            <a:r>
+              <a:rPr lang="en-US" sz="2000" dirty="0" smtClean="0"/>
+              <a:t>perforce/P4Change.java</a:t>
+            </a:r>
+            <a:r>
+              <a:rPr lang="en-US" sz="2000" dirty="0"/>
+              <a:t>}             =&gt; </a:t>
+            </a:r>
+            <a:r>
+              <a:rPr lang="en-US" sz="2000" dirty="0" smtClean="0"/>
+              <a:t>	{ </a:t>
+            </a:r>
+            <a:r>
+              <a:rPr lang="en-US" sz="2000" dirty="0"/>
+              <a:t>/ant/core/trunk/</a:t>
+            </a:r>
+            <a:r>
+              <a:rPr lang="en-US" sz="2000" dirty="0" err="1"/>
+              <a:t>src</a:t>
+            </a:r>
+            <a:r>
+              <a:rPr lang="en-US" sz="2000" dirty="0"/>
+              <a:t>/main/org/apache/tools/ant/</a:t>
+            </a:r>
+            <a:r>
+              <a:rPr lang="en-US" sz="2000" dirty="0" err="1"/>
+              <a:t>taskdefs</a:t>
+            </a:r>
+            <a:r>
+              <a:rPr lang="en-US" sz="2000" dirty="0"/>
+              <a:t>/optional/perforce/P4Counter.java</a:t>
+            </a:r>
+            <a:r>
+              <a:rPr lang="en-US" sz="2000" dirty="0" smtClean="0"/>
+              <a:t>}</a:t>
+            </a:r>
+          </a:p>
+          <a:p>
+            <a:endParaRPr lang="en-US" sz="2000" dirty="0"/>
+          </a:p>
+          <a:p>
+            <a:r>
+              <a:rPr lang="en-US" dirty="0" smtClean="0"/>
+              <a:t>The above rules says that when ever a developer change something in P4Change.java then he should also gives more attention on the file P4Counter.java.</a:t>
+            </a:r>
+            <a:endParaRPr lang="en-US" sz="2000" dirty="0" smtClean="0"/>
+          </a:p>
+          <a:p>
+            <a:r>
+              <a:rPr lang="en-US" dirty="0" smtClean="0"/>
+              <a:t>A rule gives an important hint to the developer</a:t>
+            </a:r>
+          </a:p>
+        </p:txBody>
+      </p:sp>
+    </p:spTree>
+    <p:extLst>
+      <p:ext uri="{BB962C8B-B14F-4D97-AF65-F5344CB8AC3E}">
+        <p14:creationId xmlns:p14="http://schemas.microsoft.com/office/powerpoint/2010/main" val="1424605604"/>
+      </p:ext>
+    </p:extLst>
+  </p:cSld>
+  <p:clrMapOvr>
+    <a:masterClrMapping/>
+  </p:clrMapOvr>
+  <p:timing>
+    <p:tnLst>
+      <p:par>
+        <p:cTn xmlns:p14="http://schemas.microsoft.com/office/powerpoint/2010/main" id="1" dur="indefinite" restart="never" nodeType="tmRoot"/>
+      </p:par>
+    </p:tnLst>
+  </p:timing>
+</p:sld>
+</file>
+
+<file path=ppt/slides/slide13.xml><?xml version="1.0" encoding="utf-8"?>
 <p:sld xmlns:a="http://schemas.openxmlformats.org/drawingml/2006/main" xmlns:r="http://schemas.openxmlformats.org/officeDocument/2006/relationships" xmlns:p="http://schemas.openxmlformats.org/presentationml/2006/main">
   <p:cSld>
     <p:spTree>
@@ -5731,13 +5960,13 @@
   <p:clrMapOvr>
     <a:masterClrMapping/>
   </p:clrMapOvr>
-  <mc:AlternateContent xmlns:mc="http://schemas.openxmlformats.org/markup-compatibility/2006">
-    <mc:Choice xmlns:p14="http://schemas.microsoft.com/office/powerpoint/2010/main" Requires="p14">
+  <mc:AlternateContent xmlns:mc="http://schemas.openxmlformats.org/markup-compatibility/2006" xmlns:p14="http://schemas.microsoft.com/office/powerpoint/2010/main">
+    <mc:Choice Requires="p14">
       <p:transition spd="med" p14:dur="700">
         <p:fade/>
       </p:transition>
     </mc:Choice>
-    <mc:Fallback>
+    <mc:Fallback xmlns="">
       <p:transition spd="med">
         <p:fade/>
       </p:transition>
@@ -5746,7 +5975,7 @@
   <p:timing>
     <p:tnLst>
       <p:par>
-        <p:cTn id="1" dur="indefinite" restart="never" nodeType="tmRoot">
+        <p:cTn xmlns:p14="http://schemas.microsoft.com/office/powerpoint/2010/main" id="1" dur="indefinite" restart="never" nodeType="tmRoot">
           <p:childTnLst>
             <p:seq concurrent="1" nextAc="seek">
               <p:cTn id="2" dur="indefinite" nodeType="mainSeq">
@@ -6041,7 +6270,7 @@
 </p:sld>
 </file>
 
-<file path=ppt/slides/slide13.xml><?xml version="1.0" encoding="utf-8"?>
+<file path=ppt/slides/slide14.xml><?xml version="1.0" encoding="utf-8"?>
 <p:sld xmlns:a="http://schemas.openxmlformats.org/drawingml/2006/main" xmlns:r="http://schemas.openxmlformats.org/officeDocument/2006/relationships" xmlns:p="http://schemas.openxmlformats.org/presentationml/2006/main">
   <p:cSld>
     <p:spTree>
@@ -9772,13 +10001,13 @@
   <p:clrMapOvr>
     <a:masterClrMapping/>
   </p:clrMapOvr>
-  <mc:AlternateContent xmlns:mc="http://schemas.openxmlformats.org/markup-compatibility/2006">
-    <mc:Choice xmlns:p14="http://schemas.microsoft.com/office/powerpoint/2010/main" Requires="p14">
+  <mc:AlternateContent xmlns:mc="http://schemas.openxmlformats.org/markup-compatibility/2006" xmlns:p14="http://schemas.microsoft.com/office/powerpoint/2010/main">
+    <mc:Choice Requires="p14">
       <p:transition spd="med" p14:dur="700">
         <p:fade/>
       </p:transition>
     </mc:Choice>
-    <mc:Fallback>
+    <mc:Fallback xmlns="">
       <p:transition spd="med">
         <p:fade/>
       </p:transition>
@@ -9787,102 +10016,7 @@
   <p:timing>
     <p:tnLst>
       <p:par>
-        <p:cTn id="1" dur="indefinite" restart="never" nodeType="tmRoot"/>
-      </p:par>
-    </p:tnLst>
-  </p:timing>
-</p:sld>
-</file>
-
-<file path=ppt/slides/slide14.xml><?xml version="1.0" encoding="utf-8"?>
-<p:sld xmlns:a="http://schemas.openxmlformats.org/drawingml/2006/main" xmlns:r="http://schemas.openxmlformats.org/officeDocument/2006/relationships" xmlns:p="http://schemas.openxmlformats.org/presentationml/2006/main">
-  <p:cSld>
-    <p:spTree>
-      <p:nvGrpSpPr>
-        <p:cNvPr id="1" name=""/>
-        <p:cNvGrpSpPr/>
-        <p:nvPr/>
-      </p:nvGrpSpPr>
-      <p:grpSpPr>
-        <a:xfrm>
-          <a:off x="0" y="0"/>
-          <a:ext cx="0" cy="0"/>
-          <a:chOff x="0" y="0"/>
-          <a:chExt cx="0" cy="0"/>
-        </a:xfrm>
-      </p:grpSpPr>
-      <p:sp>
-        <p:nvSpPr>
-          <p:cNvPr id="2" name="Title 1"/>
-          <p:cNvSpPr>
-            <a:spLocks noGrp="1"/>
-          </p:cNvSpPr>
-          <p:nvPr>
-            <p:ph type="title"/>
-          </p:nvPr>
-        </p:nvSpPr>
-        <p:spPr/>
-        <p:txBody>
-          <a:bodyPr/>
-          <a:lstStyle/>
-          <a:p>
-            <a:r>
-              <a:rPr lang="en-CA" dirty="0" smtClean="0"/>
-              <a:t>Results: Association Rules</a:t>
-            </a:r>
-            <a:endParaRPr lang="en-US" dirty="0"/>
-          </a:p>
-        </p:txBody>
-      </p:sp>
-      <p:sp>
-        <p:nvSpPr>
-          <p:cNvPr id="3" name="Content Placeholder 2"/>
-          <p:cNvSpPr>
-            <a:spLocks noGrp="1"/>
-          </p:cNvSpPr>
-          <p:nvPr>
-            <p:ph idx="1"/>
-          </p:nvPr>
-        </p:nvSpPr>
-        <p:spPr/>
-        <p:txBody>
-          <a:bodyPr/>
-          <a:lstStyle/>
-          <a:p>
-            <a:r>
-              <a:rPr lang="en-CA" dirty="0" smtClean="0"/>
-              <a:t>Precision, recall, </a:t>
-            </a:r>
-            <a:endParaRPr lang="en-US" dirty="0"/>
-          </a:p>
-        </p:txBody>
-      </p:sp>
-    </p:spTree>
-    <p:extLst>
-      <p:ext uri="{BB962C8B-B14F-4D97-AF65-F5344CB8AC3E}">
-        <p14:creationId xmlns:p14="http://schemas.microsoft.com/office/powerpoint/2010/main" val="915485435"/>
-      </p:ext>
-    </p:extLst>
-  </p:cSld>
-  <p:clrMapOvr>
-    <a:masterClrMapping/>
-  </p:clrMapOvr>
-  <mc:AlternateContent xmlns:mc="http://schemas.openxmlformats.org/markup-compatibility/2006">
-    <mc:Choice xmlns:p14="http://schemas.microsoft.com/office/powerpoint/2010/main" Requires="p14">
-      <p:transition spd="med" p14:dur="700">
-        <p:fade/>
-      </p:transition>
-    </mc:Choice>
-    <mc:Fallback>
-      <p:transition spd="med">
-        <p:fade/>
-      </p:transition>
-    </mc:Fallback>
-  </mc:AlternateContent>
-  <p:timing>
-    <p:tnLst>
-      <p:par>
-        <p:cTn id="1" dur="indefinite" restart="never" nodeType="tmRoot"/>
+        <p:cTn xmlns:p14="http://schemas.microsoft.com/office/powerpoint/2010/main" id="1" dur="indefinite" restart="never" nodeType="tmRoot"/>
       </p:par>
     </p:tnLst>
   </p:timing>
@@ -9923,7 +10057,7 @@
           <a:p>
             <a:r>
               <a:rPr lang="en-CA" dirty="0" smtClean="0"/>
-              <a:t>Results Discussion</a:t>
+              <a:t>Results: Association Rules</a:t>
             </a:r>
             <a:endParaRPr lang="en-US" dirty="0"/>
           </a:p>
@@ -9941,13 +10075,172 @@
         </p:nvSpPr>
         <p:spPr/>
         <p:txBody>
+          <a:bodyPr>
+            <a:normAutofit lnSpcReduction="10000"/>
+          </a:bodyPr>
+          <a:lstStyle/>
+          <a:p>
+            <a:r>
+              <a:rPr lang="en-CA" dirty="0" smtClean="0"/>
+              <a:t>Precision </a:t>
+            </a:r>
+            <a:r>
+              <a:rPr lang="en-US" dirty="0" smtClean="0"/>
+              <a:t>–</a:t>
+            </a:r>
+            <a:r>
+              <a:rPr lang="en-CA" dirty="0" smtClean="0"/>
+              <a:t> It </a:t>
+            </a:r>
+            <a:r>
+              <a:rPr lang="en-US" dirty="0" smtClean="0"/>
+              <a:t>describes </a:t>
+            </a:r>
+            <a:r>
+              <a:rPr lang="en-US" dirty="0"/>
+              <a:t>which fraction of the returned items was actually </a:t>
+            </a:r>
+            <a:r>
+              <a:rPr lang="en-US" dirty="0" smtClean="0"/>
+              <a:t>expected.</a:t>
+            </a:r>
+          </a:p>
+          <a:p>
+            <a:r>
+              <a:rPr lang="en-US" dirty="0" smtClean="0"/>
+              <a:t>We got a precession of 10% as we have only taken consideration of only 5 version into account.</a:t>
+            </a:r>
+            <a:endParaRPr lang="en-US" dirty="0"/>
+          </a:p>
+          <a:p>
+            <a:r>
+              <a:rPr lang="en-US" dirty="0" smtClean="0"/>
+              <a:t>Recall - </a:t>
+            </a:r>
+            <a:r>
+              <a:rPr lang="en-US" dirty="0"/>
+              <a:t>H</a:t>
+            </a:r>
+            <a:r>
+              <a:rPr lang="en-US" dirty="0" smtClean="0"/>
+              <a:t>ow </a:t>
+            </a:r>
+            <a:r>
+              <a:rPr lang="en-US" dirty="0"/>
+              <a:t>many consequents(C) are matches with the expected outcome (E</a:t>
+            </a:r>
+            <a:r>
+              <a:rPr lang="en-US" dirty="0" smtClean="0"/>
+              <a:t>).</a:t>
+            </a:r>
+          </a:p>
+          <a:p>
+            <a:r>
+              <a:rPr lang="en-US" dirty="0" smtClean="0"/>
+              <a:t>Recall value was only 2% due to large number of commits in one transaction. </a:t>
+            </a:r>
+            <a:endParaRPr lang="en-CA" dirty="0" smtClean="0"/>
+          </a:p>
+        </p:txBody>
+      </p:sp>
+    </p:spTree>
+    <p:extLst>
+      <p:ext uri="{BB962C8B-B14F-4D97-AF65-F5344CB8AC3E}">
+        <p14:creationId xmlns:p14="http://schemas.microsoft.com/office/powerpoint/2010/main" val="915485435"/>
+      </p:ext>
+    </p:extLst>
+  </p:cSld>
+  <p:clrMapOvr>
+    <a:masterClrMapping/>
+  </p:clrMapOvr>
+  <mc:AlternateContent xmlns:mc="http://schemas.openxmlformats.org/markup-compatibility/2006" xmlns:p14="http://schemas.microsoft.com/office/powerpoint/2010/main">
+    <mc:Choice Requires="p14">
+      <p:transition spd="med" p14:dur="700">
+        <p:fade/>
+      </p:transition>
+    </mc:Choice>
+    <mc:Fallback xmlns="">
+      <p:transition spd="med">
+        <p:fade/>
+      </p:transition>
+    </mc:Fallback>
+  </mc:AlternateContent>
+  <p:timing>
+    <p:tnLst>
+      <p:par>
+        <p:cTn xmlns:p14="http://schemas.microsoft.com/office/powerpoint/2010/main" id="1" dur="indefinite" restart="never" nodeType="tmRoot"/>
+      </p:par>
+    </p:tnLst>
+  </p:timing>
+</p:sld>
+</file>
+
+<file path=ppt/slides/slide16.xml><?xml version="1.0" encoding="utf-8"?>
+<p:sld xmlns:a="http://schemas.openxmlformats.org/drawingml/2006/main" xmlns:r="http://schemas.openxmlformats.org/officeDocument/2006/relationships" xmlns:p="http://schemas.openxmlformats.org/presentationml/2006/main">
+  <p:cSld>
+    <p:spTree>
+      <p:nvGrpSpPr>
+        <p:cNvPr id="1" name=""/>
+        <p:cNvGrpSpPr/>
+        <p:nvPr/>
+      </p:nvGrpSpPr>
+      <p:grpSpPr>
+        <a:xfrm>
+          <a:off x="0" y="0"/>
+          <a:ext cx="0" cy="0"/>
+          <a:chOff x="0" y="0"/>
+          <a:chExt cx="0" cy="0"/>
+        </a:xfrm>
+      </p:grpSpPr>
+      <p:sp>
+        <p:nvSpPr>
+          <p:cNvPr id="2" name="Title 1"/>
+          <p:cNvSpPr>
+            <a:spLocks noGrp="1"/>
+          </p:cNvSpPr>
+          <p:nvPr>
+            <p:ph type="title"/>
+          </p:nvPr>
+        </p:nvSpPr>
+        <p:spPr/>
+        <p:txBody>
           <a:bodyPr/>
           <a:lstStyle/>
           <a:p>
             <a:r>
               <a:rPr lang="en-CA" dirty="0" smtClean="0"/>
-              <a:t>It was clear that more volatile code tends to exhibit lower quality metrics</a:t>
-            </a:r>
+              <a:t>Results Discussion</a:t>
+            </a:r>
+            <a:endParaRPr lang="en-US" dirty="0"/>
+          </a:p>
+        </p:txBody>
+      </p:sp>
+      <p:sp>
+        <p:nvSpPr>
+          <p:cNvPr id="3" name="Content Placeholder 2"/>
+          <p:cNvSpPr>
+            <a:spLocks noGrp="1"/>
+          </p:cNvSpPr>
+          <p:nvPr>
+            <p:ph idx="1"/>
+          </p:nvPr>
+        </p:nvSpPr>
+        <p:spPr/>
+        <p:txBody>
+          <a:bodyPr/>
+          <a:lstStyle/>
+          <a:p>
+            <a:r>
+              <a:rPr lang="en-CA" dirty="0" smtClean="0"/>
+              <a:t>It was clear that more volatile code tends to exhibit lower quality </a:t>
+            </a:r>
+            <a:r>
+              <a:rPr lang="en-CA" dirty="0" smtClean="0"/>
+              <a:t>metrics</a:t>
+            </a:r>
+          </a:p>
+          <a:p>
+            <a:endParaRPr lang="en-CA" dirty="0" smtClean="0"/>
           </a:p>
           <a:p>
             <a:endParaRPr lang="en-US" dirty="0"/>
@@ -9964,13 +10257,13 @@
   <p:clrMapOvr>
     <a:masterClrMapping/>
   </p:clrMapOvr>
-  <mc:AlternateContent xmlns:mc="http://schemas.openxmlformats.org/markup-compatibility/2006">
-    <mc:Choice xmlns:p14="http://schemas.microsoft.com/office/powerpoint/2010/main" Requires="p14">
+  <mc:AlternateContent xmlns:mc="http://schemas.openxmlformats.org/markup-compatibility/2006" xmlns:p14="http://schemas.microsoft.com/office/powerpoint/2010/main">
+    <mc:Choice Requires="p14">
       <p:transition spd="med" p14:dur="700">
         <p:fade/>
       </p:transition>
     </mc:Choice>
-    <mc:Fallback>
+    <mc:Fallback xmlns="">
       <p:transition spd="med">
         <p:fade/>
       </p:transition>
@@ -9979,14 +10272,14 @@
   <p:timing>
     <p:tnLst>
       <p:par>
-        <p:cTn id="1" dur="indefinite" restart="never" nodeType="tmRoot"/>
+        <p:cTn xmlns:p14="http://schemas.microsoft.com/office/powerpoint/2010/main" id="1" dur="indefinite" restart="never" nodeType="tmRoot"/>
       </p:par>
     </p:tnLst>
   </p:timing>
 </p:sld>
 </file>
 
-<file path=ppt/slides/slide16.xml><?xml version="1.0" encoding="utf-8"?>
+<file path=ppt/slides/slide17.xml><?xml version="1.0" encoding="utf-8"?>
 <p:sld xmlns:a="http://schemas.openxmlformats.org/drawingml/2006/main" xmlns:r="http://schemas.openxmlformats.org/officeDocument/2006/relationships" xmlns:p="http://schemas.openxmlformats.org/presentationml/2006/main">
   <p:cSld>
     <p:spTree>
@@ -10114,14 +10407,14 @@
             </a:outerShdw>
           </a:effectLst>
           <a:extLst>
-            <a:ext uri="{909E8E84-426E-40DD-AFC4-6F175D3DCCD1}">
+            <a:ext uri="{909E8E84-426E-40dd-AFC4-6F175D3DCCD1}">
               <a14:hiddenFill xmlns:a14="http://schemas.microsoft.com/office/drawing/2010/main">
                 <a:solidFill>
                   <a:schemeClr val="accent1"/>
                 </a:solidFill>
               </a14:hiddenFill>
             </a:ext>
-            <a:ext uri="{91240B29-F687-4F45-9708-019B960494DF}">
+            <a:ext uri="{91240B29-F687-4f45-9708-019B960494DF}">
               <a14:hiddenLine xmlns:a14="http://schemas.microsoft.com/office/drawing/2010/main" w="9525">
                 <a:solidFill>
                   <a:schemeClr val="tx1"/>
@@ -10144,13 +10437,13 @@
   <p:clrMapOvr>
     <a:masterClrMapping/>
   </p:clrMapOvr>
-  <mc:AlternateContent xmlns:mc="http://schemas.openxmlformats.org/markup-compatibility/2006">
-    <mc:Choice xmlns:p14="http://schemas.microsoft.com/office/powerpoint/2010/main" Requires="p14">
+  <mc:AlternateContent xmlns:mc="http://schemas.openxmlformats.org/markup-compatibility/2006" xmlns:p14="http://schemas.microsoft.com/office/powerpoint/2010/main">
+    <mc:Choice Requires="p14">
       <p:transition spd="med" p14:dur="700">
         <p:fade/>
       </p:transition>
     </mc:Choice>
-    <mc:Fallback>
+    <mc:Fallback xmlns="">
       <p:transition spd="med">
         <p:fade/>
       </p:transition>
@@ -10159,14 +10452,14 @@
   <p:timing>
     <p:tnLst>
       <p:par>
-        <p:cTn id="1" dur="indefinite" restart="never" nodeType="tmRoot"/>
+        <p:cTn xmlns:p14="http://schemas.microsoft.com/office/powerpoint/2010/main" id="1" dur="indefinite" restart="never" nodeType="tmRoot"/>
       </p:par>
     </p:tnLst>
   </p:timing>
 </p:sld>
 </file>
 
-<file path=ppt/slides/slide17.xml><?xml version="1.0" encoding="utf-8"?>
+<file path=ppt/slides/slide18.xml><?xml version="1.0" encoding="utf-8"?>
 <p:sld xmlns:a="http://schemas.openxmlformats.org/drawingml/2006/main" xmlns:r="http://schemas.openxmlformats.org/officeDocument/2006/relationships" xmlns:p="http://schemas.openxmlformats.org/presentationml/2006/main">
   <p:cSld>
     <p:spTree>
@@ -10259,13 +10552,13 @@
   <p:clrMapOvr>
     <a:masterClrMapping/>
   </p:clrMapOvr>
-  <mc:AlternateContent xmlns:mc="http://schemas.openxmlformats.org/markup-compatibility/2006">
-    <mc:Choice xmlns:p14="http://schemas.microsoft.com/office/powerpoint/2010/main" Requires="p14">
+  <mc:AlternateContent xmlns:mc="http://schemas.openxmlformats.org/markup-compatibility/2006" xmlns:p14="http://schemas.microsoft.com/office/powerpoint/2010/main">
+    <mc:Choice Requires="p14">
       <p:transition spd="med" p14:dur="700">
         <p:fade/>
       </p:transition>
     </mc:Choice>
-    <mc:Fallback>
+    <mc:Fallback xmlns="">
       <p:transition spd="med">
         <p:fade/>
       </p:transition>
@@ -10274,7 +10567,7 @@
   <p:timing>
     <p:tnLst>
       <p:par>
-        <p:cTn id="1" dur="indefinite" restart="never" nodeType="tmRoot"/>
+        <p:cTn xmlns:p14="http://schemas.microsoft.com/office/powerpoint/2010/main" id="1" dur="indefinite" restart="never" nodeType="tmRoot"/>
       </p:par>
     </p:tnLst>
   </p:timing>
@@ -10348,11 +10641,7 @@
             </a:r>
             <a:r>
               <a:rPr lang="en-US" i="1" dirty="0" smtClean="0"/>
-              <a:t>to change over different </a:t>
-            </a:r>
-            <a:r>
-              <a:rPr lang="en-US" i="1" dirty="0" smtClean="0"/>
-              <a:t>releases</a:t>
+              <a:t>to change over different releases</a:t>
             </a:r>
           </a:p>
           <a:p>
@@ -10449,13 +10738,13 @@
   <p:clrMapOvr>
     <a:masterClrMapping/>
   </p:clrMapOvr>
-  <mc:AlternateContent xmlns:mc="http://schemas.openxmlformats.org/markup-compatibility/2006">
-    <mc:Choice xmlns:p14="http://schemas.microsoft.com/office/powerpoint/2010/main" Requires="p14">
+  <mc:AlternateContent xmlns:mc="http://schemas.openxmlformats.org/markup-compatibility/2006" xmlns:p14="http://schemas.microsoft.com/office/powerpoint/2010/main">
+    <mc:Choice Requires="p14">
       <p:transition spd="med" p14:dur="700">
         <p:fade/>
       </p:transition>
     </mc:Choice>
-    <mc:Fallback>
+    <mc:Fallback xmlns="">
       <p:transition spd="med">
         <p:fade/>
       </p:transition>
@@ -10464,7 +10753,7 @@
   <p:timing>
     <p:tnLst>
       <p:par>
-        <p:cTn id="1" dur="indefinite" restart="never" nodeType="tmRoot"/>
+        <p:cTn xmlns:p14="http://schemas.microsoft.com/office/powerpoint/2010/main" id="1" dur="indefinite" restart="never" nodeType="tmRoot"/>
       </p:par>
     </p:tnLst>
   </p:timing>
@@ -10505,11 +10794,7 @@
           <a:p>
             <a:r>
               <a:rPr lang="en-US" dirty="0" smtClean="0"/>
-              <a:t>The Data: Apache </a:t>
-            </a:r>
-            <a:r>
-              <a:rPr lang="en-US" dirty="0" smtClean="0"/>
-              <a:t>Timeline</a:t>
+              <a:t>The Data: Apache Timeline</a:t>
             </a:r>
             <a:endParaRPr lang="en-US" dirty="0"/>
           </a:p>
@@ -11362,13 +11647,13 @@
   <p:clrMapOvr>
     <a:masterClrMapping/>
   </p:clrMapOvr>
-  <mc:AlternateContent xmlns:mc="http://schemas.openxmlformats.org/markup-compatibility/2006">
-    <mc:Choice xmlns:p14="http://schemas.microsoft.com/office/powerpoint/2010/main" Requires="p14">
+  <mc:AlternateContent xmlns:mc="http://schemas.openxmlformats.org/markup-compatibility/2006" xmlns:p14="http://schemas.microsoft.com/office/powerpoint/2010/main">
+    <mc:Choice Requires="p14">
       <p:transition spd="med" p14:dur="700">
         <p:fade/>
       </p:transition>
     </mc:Choice>
-    <mc:Fallback>
+    <mc:Fallback xmlns="">
       <p:transition spd="med">
         <p:fade/>
       </p:transition>
@@ -11377,7 +11662,7 @@
   <p:timing>
     <p:tnLst>
       <p:par>
-        <p:cTn id="1" dur="indefinite" restart="never" nodeType="tmRoot">
+        <p:cTn xmlns:p14="http://schemas.microsoft.com/office/powerpoint/2010/main" id="1" dur="indefinite" restart="never" nodeType="tmRoot">
           <p:childTnLst>
             <p:seq concurrent="1" nextAc="seek">
               <p:cTn id="2" dur="indefinite" nodeType="mainSeq">
@@ -12657,13 +12942,13 @@
   <p:clrMapOvr>
     <a:masterClrMapping/>
   </p:clrMapOvr>
-  <mc:AlternateContent xmlns:mc="http://schemas.openxmlformats.org/markup-compatibility/2006">
-    <mc:Choice xmlns:p14="http://schemas.microsoft.com/office/powerpoint/2010/main" Requires="p14">
+  <mc:AlternateContent xmlns:mc="http://schemas.openxmlformats.org/markup-compatibility/2006" xmlns:p14="http://schemas.microsoft.com/office/powerpoint/2010/main">
+    <mc:Choice Requires="p14">
       <p:transition spd="med" p14:dur="700">
         <p:fade/>
       </p:transition>
     </mc:Choice>
-    <mc:Fallback>
+    <mc:Fallback xmlns="">
       <p:transition spd="med">
         <p:fade/>
       </p:transition>
@@ -12672,7 +12957,7 @@
   <p:timing>
     <p:tnLst>
       <p:par>
-        <p:cTn id="1" dur="indefinite" restart="never" nodeType="tmRoot">
+        <p:cTn xmlns:p14="http://schemas.microsoft.com/office/powerpoint/2010/main" id="1" dur="indefinite" restart="never" nodeType="tmRoot">
           <p:childTnLst>
             <p:seq concurrent="1" nextAc="seek">
               <p:cTn id="2" dur="indefinite" nodeType="mainSeq">
@@ -13283,13 +13568,8 @@
           <a:p>
             <a:r>
               <a:rPr lang="en-US" dirty="0" smtClean="0"/>
-              <a:t>What is </a:t>
-            </a:r>
-            <a:r>
-              <a:rPr lang="en-US" dirty="0" smtClean="0"/>
-              <a:t>the relationship between code volatility and quality metrics? </a:t>
-            </a:r>
-            <a:endParaRPr lang="en-US" dirty="0" smtClean="0"/>
+              <a:t>What is the relationship between code volatility and quality metrics? </a:t>
+            </a:r>
           </a:p>
           <a:p>
             <a:pPr lvl="1"/>
@@ -13359,11 +13639,7 @@
           <a:p>
             <a:r>
               <a:rPr lang="en-US" dirty="0" smtClean="0"/>
-              <a:t>Based on volatility and association rules, can we build a practical change propensity model</a:t>
-            </a:r>
-            <a:r>
-              <a:rPr lang="en-US" dirty="0" smtClean="0"/>
-              <a:t>?</a:t>
+              <a:t>Based on volatility and association rules, can we build a practical change propensity model?</a:t>
             </a:r>
           </a:p>
           <a:p>
@@ -13460,13 +13736,13 @@
   <p:clrMapOvr>
     <a:masterClrMapping/>
   </p:clrMapOvr>
-  <mc:AlternateContent xmlns:mc="http://schemas.openxmlformats.org/markup-compatibility/2006">
-    <mc:Choice xmlns:p14="http://schemas.microsoft.com/office/powerpoint/2010/main" Requires="p14">
+  <mc:AlternateContent xmlns:mc="http://schemas.openxmlformats.org/markup-compatibility/2006" xmlns:p14="http://schemas.microsoft.com/office/powerpoint/2010/main">
+    <mc:Choice Requires="p14">
       <p:transition spd="med" p14:dur="700">
         <p:fade/>
       </p:transition>
     </mc:Choice>
-    <mc:Fallback>
+    <mc:Fallback xmlns="">
       <p:transition spd="med">
         <p:fade/>
       </p:transition>
@@ -13475,7 +13751,7 @@
   <p:timing>
     <p:tnLst>
       <p:par>
-        <p:cTn id="1" dur="indefinite" restart="never" nodeType="tmRoot"/>
+        <p:cTn xmlns:p14="http://schemas.microsoft.com/office/powerpoint/2010/main" id="1" dur="indefinite" restart="never" nodeType="tmRoot"/>
       </p:par>
     </p:tnLst>
   </p:timing>
@@ -13555,13 +13831,13 @@
   <p:clrMapOvr>
     <a:masterClrMapping/>
   </p:clrMapOvr>
-  <mc:AlternateContent xmlns:mc="http://schemas.openxmlformats.org/markup-compatibility/2006">
-    <mc:Choice xmlns:p14="http://schemas.microsoft.com/office/powerpoint/2010/main" Requires="p14">
+  <mc:AlternateContent xmlns:mc="http://schemas.openxmlformats.org/markup-compatibility/2006" xmlns:p14="http://schemas.microsoft.com/office/powerpoint/2010/main">
+    <mc:Choice Requires="p14">
       <p:transition spd="med" p14:dur="700">
         <p:fade/>
       </p:transition>
     </mc:Choice>
-    <mc:Fallback>
+    <mc:Fallback xmlns="">
       <p:transition spd="med">
         <p:fade/>
       </p:transition>
@@ -13570,7 +13846,7 @@
   <p:timing>
     <p:tnLst>
       <p:par>
-        <p:cTn id="1" dur="indefinite" restart="never" nodeType="tmRoot"/>
+        <p:cTn xmlns:p14="http://schemas.microsoft.com/office/powerpoint/2010/main" id="1" dur="indefinite" restart="never" nodeType="tmRoot"/>
       </p:par>
     </p:tnLst>
   </p:timing>
@@ -13636,19 +13912,7 @@
           <a:p>
             <a:r>
               <a:rPr lang="en-US" dirty="0" smtClean="0"/>
-              <a:t>Had access </a:t>
-            </a:r>
-            <a:r>
-              <a:rPr lang="en-US" dirty="0" smtClean="0"/>
-              <a:t>to </a:t>
-            </a:r>
-            <a:r>
-              <a:rPr lang="en-US" dirty="0" smtClean="0"/>
-              <a:t>the complete </a:t>
-            </a:r>
-            <a:r>
-              <a:rPr lang="en-US" dirty="0" smtClean="0"/>
-              <a:t>SVN commit history for Apache Ant. Example commit:</a:t>
+              <a:t>Had access to the complete SVN commit history for Apache Ant. Example commit:</a:t>
             </a:r>
           </a:p>
           <a:p>
@@ -13745,14 +14009,14 @@
             </a:outerShdw>
           </a:effectLst>
           <a:extLst>
-            <a:ext uri="{909E8E84-426E-40DD-AFC4-6F175D3DCCD1}">
+            <a:ext uri="{909E8E84-426E-40dd-AFC4-6F175D3DCCD1}">
               <a14:hiddenFill xmlns:a14="http://schemas.microsoft.com/office/drawing/2010/main">
                 <a:solidFill>
                   <a:schemeClr val="accent1"/>
                 </a:solidFill>
               </a14:hiddenFill>
             </a:ext>
-            <a:ext uri="{91240B29-F687-4F45-9708-019B960494DF}">
+            <a:ext uri="{91240B29-F687-4f45-9708-019B960494DF}">
               <a14:hiddenLine xmlns:a14="http://schemas.microsoft.com/office/drawing/2010/main" w="9525">
                 <a:solidFill>
                   <a:schemeClr val="tx1"/>
@@ -13955,13 +14219,13 @@
   <p:clrMapOvr>
     <a:masterClrMapping/>
   </p:clrMapOvr>
-  <mc:AlternateContent xmlns:mc="http://schemas.openxmlformats.org/markup-compatibility/2006">
-    <mc:Choice xmlns:p14="http://schemas.microsoft.com/office/powerpoint/2010/main" Requires="p14">
+  <mc:AlternateContent xmlns:mc="http://schemas.openxmlformats.org/markup-compatibility/2006" xmlns:p14="http://schemas.microsoft.com/office/powerpoint/2010/main">
+    <mc:Choice Requires="p14">
       <p:transition spd="med" p14:dur="700">
         <p:fade/>
       </p:transition>
     </mc:Choice>
-    <mc:Fallback>
+    <mc:Fallback xmlns="">
       <p:transition spd="med">
         <p:fade/>
       </p:transition>
@@ -13970,7 +14234,7 @@
   <p:timing>
     <p:tnLst>
       <p:par>
-        <p:cTn id="1" dur="indefinite" restart="never" nodeType="tmRoot">
+        <p:cTn xmlns:p14="http://schemas.microsoft.com/office/powerpoint/2010/main" id="1" dur="indefinite" restart="never" nodeType="tmRoot">
           <p:childTnLst>
             <p:seq concurrent="1" nextAc="seek">
               <p:cTn id="2" dur="indefinite" nodeType="mainSeq">
@@ -14469,14 +14733,14 @@
             <a:noFill/>
           </a:ln>
           <a:extLst>
-            <a:ext uri="{909E8E84-426E-40DD-AFC4-6F175D3DCCD1}">
+            <a:ext uri="{909E8E84-426E-40dd-AFC4-6F175D3DCCD1}">
               <a14:hiddenFill xmlns:a14="http://schemas.microsoft.com/office/drawing/2010/main">
                 <a:solidFill>
                   <a:schemeClr val="accent1"/>
                 </a:solidFill>
               </a14:hiddenFill>
             </a:ext>
-            <a:ext uri="{91240B29-F687-4F45-9708-019B960494DF}">
+            <a:ext uri="{91240B29-F687-4f45-9708-019B960494DF}">
               <a14:hiddenLine xmlns:a14="http://schemas.microsoft.com/office/drawing/2010/main" w="9525">
                 <a:solidFill>
                   <a:schemeClr val="tx1"/>
@@ -14544,19 +14808,7 @@
             </a:r>
             <a:r>
               <a:rPr lang="en-CA" dirty="0" smtClean="0"/>
-              <a:t>’ Java </a:t>
-            </a:r>
-            <a:r>
-              <a:rPr lang="en-CA" dirty="0" smtClean="0"/>
-              <a:t>project, which h</a:t>
-            </a:r>
-            <a:r>
-              <a:rPr lang="en-CA" dirty="0" smtClean="0"/>
-              <a:t>andled</a:t>
-            </a:r>
-            <a:r>
-              <a:rPr lang="en-CA" dirty="0" smtClean="0"/>
-              <a:t>:</a:t>
+              <a:t>’ Java project, which handled:</a:t>
             </a:r>
           </a:p>
           <a:p>
@@ -14571,33 +14823,15 @@
             </a:r>
             <a:r>
               <a:rPr lang="en-CA" dirty="0" smtClean="0"/>
-              <a:t>, calculating </a:t>
-            </a:r>
+              <a:t>, calculating volatility</a:t>
+            </a:r>
+          </a:p>
+          <a:p>
+            <a:pPr lvl="1"/>
             <a:r>
               <a:rPr lang="en-CA" dirty="0" smtClean="0"/>
-              <a:t>volatility</a:t>
-            </a:r>
-            <a:endParaRPr lang="en-CA" dirty="0" smtClean="0"/>
-          </a:p>
-          <a:p>
-            <a:pPr lvl="1"/>
-            <a:r>
-              <a:rPr lang="en-CA" dirty="0" smtClean="0"/>
-              <a:t>Writing the </a:t>
-            </a:r>
-            <a:r>
-              <a:rPr lang="en-CA" dirty="0" smtClean="0"/>
-              <a:t>text files </a:t>
-            </a:r>
-            <a:r>
-              <a:rPr lang="en-CA" dirty="0" smtClean="0"/>
-              <a:t>to be used in JD (lists of HV, MV, and </a:t>
-            </a:r>
-            <a:r>
-              <a:rPr lang="en-CA" dirty="0" smtClean="0"/>
-              <a:t>LV classes)</a:t>
-            </a:r>
-            <a:endParaRPr lang="en-CA" dirty="0" smtClean="0"/>
+              <a:t>Writing the text files to be used in JD (lists of HV, MV, and LV classes)</a:t>
+            </a:r>
           </a:p>
           <a:p>
             <a:pPr lvl="1"/>
@@ -14634,7 +14868,6 @@
               <a:rPr lang="en-CA" dirty="0" smtClean="0"/>
               <a:t>…</a:t>
             </a:r>
-            <a:endParaRPr lang="en-CA" dirty="0" smtClean="0"/>
           </a:p>
         </p:txBody>
       </p:sp>
@@ -14648,13 +14881,13 @@
   <p:clrMapOvr>
     <a:masterClrMapping/>
   </p:clrMapOvr>
-  <mc:AlternateContent xmlns:mc="http://schemas.openxmlformats.org/markup-compatibility/2006">
-    <mc:Choice xmlns:p14="http://schemas.microsoft.com/office/powerpoint/2010/main" Requires="p14">
+  <mc:AlternateContent xmlns:mc="http://schemas.openxmlformats.org/markup-compatibility/2006" xmlns:p14="http://schemas.microsoft.com/office/powerpoint/2010/main">
+    <mc:Choice Requires="p14">
       <p:transition spd="med" p14:dur="700">
         <p:fade/>
       </p:transition>
     </mc:Choice>
-    <mc:Fallback>
+    <mc:Fallback xmlns="">
       <p:transition spd="med">
         <p:fade/>
       </p:transition>
@@ -14663,7 +14896,7 @@
   <p:timing>
     <p:tnLst>
       <p:par>
-        <p:cTn id="1" dur="indefinite" restart="never" nodeType="tmRoot">
+        <p:cTn xmlns:p14="http://schemas.microsoft.com/office/powerpoint/2010/main" id="1" dur="indefinite" restart="never" nodeType="tmRoot">
           <p:childTnLst>
             <p:seq concurrent="1" nextAc="seek">
               <p:cTn id="2" dur="indefinite" nodeType="mainSeq">
@@ -15060,11 +15293,7 @@
             </a:r>
             <a:r>
               <a:rPr lang="en-CA" dirty="0" smtClean="0"/>
-              <a:t>Integrated into </a:t>
-            </a:r>
-            <a:r>
-              <a:rPr lang="en-CA" dirty="0" smtClean="0"/>
-              <a:t>JD</a:t>
+              <a:t>Integrated into JD</a:t>
             </a:r>
             <a:endParaRPr lang="en-US" dirty="0"/>
           </a:p>
@@ -15101,15 +15330,7 @@
             <a:pPr lvl="1"/>
             <a:r>
               <a:rPr lang="en-CA" dirty="0" smtClean="0"/>
-              <a:t>LCOM </a:t>
-            </a:r>
-            <a:r>
-              <a:rPr lang="en-CA" dirty="0" smtClean="0"/>
-              <a:t>(given</a:t>
-            </a:r>
-            <a:r>
-              <a:rPr lang="en-CA" dirty="0" smtClean="0"/>
-              <a:t>) + LCOM (Henderson)</a:t>
+              <a:t>LCOM (given) + LCOM (Henderson)</a:t>
             </a:r>
             <a:endParaRPr lang="en-CA" dirty="0"/>
           </a:p>
@@ -15202,14 +15423,14 @@
             </a:outerShdw>
           </a:effectLst>
           <a:extLst>
-            <a:ext uri="{909E8E84-426E-40DD-AFC4-6F175D3DCCD1}">
+            <a:ext uri="{909E8E84-426E-40dd-AFC4-6F175D3DCCD1}">
               <a14:hiddenFill xmlns:a14="http://schemas.microsoft.com/office/drawing/2010/main">
                 <a:solidFill>
                   <a:schemeClr val="accent1"/>
                 </a:solidFill>
               </a14:hiddenFill>
             </a:ext>
-            <a:ext uri="{91240B29-F687-4F45-9708-019B960494DF}">
+            <a:ext uri="{91240B29-F687-4f45-9708-019B960494DF}">
               <a14:hiddenLine xmlns:a14="http://schemas.microsoft.com/office/drawing/2010/main" w="9525">
                 <a:solidFill>
                   <a:schemeClr val="tx1"/>
@@ -15232,13 +15453,13 @@
   <p:clrMapOvr>
     <a:masterClrMapping/>
   </p:clrMapOvr>
-  <mc:AlternateContent xmlns:mc="http://schemas.openxmlformats.org/markup-compatibility/2006">
-    <mc:Choice xmlns:p14="http://schemas.microsoft.com/office/powerpoint/2010/main" Requires="p14">
+  <mc:AlternateContent xmlns:mc="http://schemas.openxmlformats.org/markup-compatibility/2006" xmlns:p14="http://schemas.microsoft.com/office/powerpoint/2010/main">
+    <mc:Choice Requires="p14">
       <p:transition spd="med" p14:dur="700">
         <p:fade/>
       </p:transition>
     </mc:Choice>
-    <mc:Fallback>
+    <mc:Fallback xmlns="">
       <p:transition spd="med">
         <p:fade/>
       </p:transition>
@@ -15247,7 +15468,7 @@
   <p:timing>
     <p:tnLst>
       <p:par>
-        <p:cTn id="1" dur="indefinite" restart="never" nodeType="tmRoot"/>
+        <p:cTn xmlns:p14="http://schemas.microsoft.com/office/powerpoint/2010/main" id="1" dur="indefinite" restart="never" nodeType="tmRoot"/>
       </p:par>
     </p:tnLst>
   </p:timing>
